--- a/Ideal PWL Transient Losses Analysis/PWL Losses Analysis.pptx
+++ b/Ideal PWL Transient Losses Analysis/PWL Losses Analysis.pptx
@@ -9157,8 +9157,8 @@
         </p:blipFill>
         <p:spPr>
           <a:xfrm>
-            <a:off x="838200" y="1351915"/>
-            <a:ext cx="5671185" cy="4592955"/>
+            <a:off x="1007110" y="2261870"/>
+            <a:ext cx="4911090" cy="3977640"/>
           </a:xfrm>
           <a:prstGeom prst="rect">
             <a:avLst/>
@@ -9189,6 +9189,35 @@
           </a:prstGeom>
         </p:spPr>
       </p:pic>
+      <p:sp>
+        <p:nvSpPr>
+          <p:cNvPr id="2" name="Text Box 1"/>
+          <p:cNvSpPr txBox="1"/>
+          <p:nvPr/>
+        </p:nvSpPr>
+        <p:spPr>
+          <a:xfrm>
+            <a:off x="1007110" y="1140460"/>
+            <a:ext cx="5269230" cy="922020"/>
+          </a:xfrm>
+          <a:prstGeom prst="rect">
+            <a:avLst/>
+          </a:prstGeom>
+          <a:noFill/>
+        </p:spPr>
+        <p:txBody>
+          <a:bodyPr wrap="square" rtlCol="0">
+            <a:spAutoFit/>
+          </a:bodyPr>
+          <a:p>
+            <a:r>
+              <a:rPr lang="en-US"/>
+              <a:t>To use the losses estimation tool, user will need to connect the block to DUT switch and measure all Vgs signal, Vds signal, and drain current as following figure.</a:t>
+            </a:r>
+            <a:endParaRPr lang="en-US"/>
+          </a:p>
+        </p:txBody>
+      </p:sp>
     </p:spTree>
   </p:cSld>
   <p:clrMapOvr>
@@ -9400,7 +9429,7 @@
         <p:spPr>
           <a:xfrm>
             <a:off x="817245" y="1066800"/>
-            <a:ext cx="9182100" cy="2861310"/>
+            <a:ext cx="10527030" cy="2861310"/>
           </a:xfrm>
           <a:prstGeom prst="rect">
             <a:avLst/>
@@ -9440,7 +9469,7 @@
             </a:pPr>
             <a:r>
               <a:rPr lang="en-US" altLang="en-US"/>
-              <a:t>Simulation result accuracy after some comparison with Wolfspeed’s speedfit appears to be quite reasonable (I cant find Infineon’s losses simulator). Though overall its greatly related to the data preparation accuracy.</a:t>
+              <a:t>Simulation result accuracy for the SR-boost test circuit after some comparison with Wolfspeed’s speedfit appears to be quite reasonable (I cant find Infineon’s losses simulator). This result allows me to then use the method to evaluate losses for more complex circuit (e.g. Three phase Active NPC).</a:t>
             </a:r>
             <a:endParaRPr lang="en-US" altLang="en-US"/>
           </a:p>
@@ -9451,7 +9480,7 @@
             </a:pPr>
             <a:r>
               <a:rPr lang="en-US" altLang="en-US"/>
-              <a:t>Nevertheless, this tool I believe is a very powerful tool for every power supply engineer.</a:t>
+              <a:t>Overall, this tool I believe is a very powerful tool for every power supply engineer.</a:t>
             </a:r>
             <a:endParaRPr lang="en-US" altLang="en-US"/>
           </a:p>

--- a/Ideal PWL Transient Losses Analysis/PWL Losses Analysis.pptx
+++ b/Ideal PWL Transient Losses Analysis/PWL Losses Analysis.pptx
@@ -6344,7 +6344,7 @@
         </p:blipFill>
         <p:spPr>
           <a:xfrm>
-            <a:off x="9390380" y="4519930"/>
+            <a:off x="8355965" y="4519930"/>
             <a:ext cx="2112645" cy="2201545"/>
           </a:xfrm>
           <a:prstGeom prst="rect">
@@ -6360,13 +6360,15 @@
       <p:cxnSp>
         <p:nvCxnSpPr>
           <p:cNvPr id="24" name="Straight Arrow Connector 23"/>
-          <p:cNvCxnSpPr/>
+          <p:cNvCxnSpPr>
+            <a:stCxn id="22" idx="0"/>
+          </p:cNvCxnSpPr>
           <p:nvPr/>
         </p:nvCxnSpPr>
         <p:spPr>
           <a:xfrm flipH="1" flipV="1">
-            <a:off x="8957945" y="4372610"/>
-            <a:ext cx="392430" cy="300990"/>
+            <a:off x="9018905" y="4217670"/>
+            <a:ext cx="393700" cy="302260"/>
           </a:xfrm>
           <a:prstGeom prst="straightConnector1">
             <a:avLst/>
@@ -8988,7 +8990,7 @@
           <a:p>
             <a:r>
               <a:rPr lang="en-US" dirty="0"/>
-              <a:t>Testing</a:t>
+              <a:t>Simulation test result</a:t>
             </a:r>
             <a:endParaRPr lang="en-US" dirty="0"/>
           </a:p>

--- a/Ideal PWL Transient Losses Analysis/PWL Losses Analysis.pptx
+++ b/Ideal PWL Transient Losses Analysis/PWL Losses Analysis.pptx
@@ -9,14 +9,17 @@
   </p:notesMasterIdLst>
   <p:sldIdLst>
     <p:sldId id="257" r:id="rId3"/>
-    <p:sldId id="258" r:id="rId4"/>
-    <p:sldId id="259" r:id="rId6"/>
-    <p:sldId id="261" r:id="rId7"/>
-    <p:sldId id="266" r:id="rId8"/>
-    <p:sldId id="262" r:id="rId9"/>
-    <p:sldId id="263" r:id="rId10"/>
-    <p:sldId id="267" r:id="rId11"/>
-    <p:sldId id="269" r:id="rId12"/>
+    <p:sldId id="271" r:id="rId4"/>
+    <p:sldId id="258" r:id="rId6"/>
+    <p:sldId id="259" r:id="rId7"/>
+    <p:sldId id="272" r:id="rId8"/>
+    <p:sldId id="261" r:id="rId9"/>
+    <p:sldId id="266" r:id="rId10"/>
+    <p:sldId id="262" r:id="rId11"/>
+    <p:sldId id="263" r:id="rId12"/>
+    <p:sldId id="267" r:id="rId13"/>
+    <p:sldId id="273" r:id="rId14"/>
+    <p:sldId id="269" r:id="rId15"/>
   </p:sldIdLst>
   <p:sldSz cx="12192000" cy="6858000"/>
   <p:notesSz cx="6858000" cy="9144000"/>
@@ -521,6 +524,118 @@
 </p:notes>
 </file>
 
+<file path=ppt/notesSlides/notesSlide10.xml><?xml version="1.0" encoding="utf-8"?>
+<p:notes xmlns:a="http://schemas.openxmlformats.org/drawingml/2006/main" xmlns:r="http://schemas.openxmlformats.org/officeDocument/2006/relationships" xmlns:p="http://schemas.openxmlformats.org/presentationml/2006/main">
+  <p:cSld>
+    <p:spTree>
+      <p:nvGrpSpPr>
+        <p:cNvPr id="1" name=""/>
+        <p:cNvGrpSpPr/>
+        <p:nvPr/>
+      </p:nvGrpSpPr>
+      <p:grpSpPr>
+        <a:xfrm>
+          <a:off x="0" y="0"/>
+          <a:ext cx="0" cy="0"/>
+          <a:chOff x="0" y="0"/>
+          <a:chExt cx="0" cy="0"/>
+        </a:xfrm>
+      </p:grpSpPr>
+      <p:sp>
+        <p:nvSpPr>
+          <p:cNvPr id="2" name="Slide Image Placeholder 1"/>
+          <p:cNvSpPr>
+            <a:spLocks noGrp="1" noRot="1" noChangeAspect="1"/>
+          </p:cNvSpPr>
+          <p:nvPr>
+            <p:ph type="sldImg" idx="2"/>
+          </p:nvPr>
+        </p:nvSpPr>
+        <p:spPr/>
+      </p:sp>
+      <p:sp>
+        <p:nvSpPr>
+          <p:cNvPr id="3" name="Text Placeholder 2"/>
+          <p:cNvSpPr>
+            <a:spLocks noGrp="1"/>
+          </p:cNvSpPr>
+          <p:nvPr>
+            <p:ph type="body" idx="3"/>
+          </p:nvPr>
+        </p:nvSpPr>
+        <p:spPr/>
+        <p:txBody>
+          <a:bodyPr/>
+          <a:lstStyle/>
+          <a:p>
+            <a:endParaRPr lang="en-US"/>
+          </a:p>
+        </p:txBody>
+      </p:sp>
+    </p:spTree>
+  </p:cSld>
+  <p:clrMapOvr>
+    <a:masterClrMapping/>
+  </p:clrMapOvr>
+</p:notes>
+</file>
+
+<file path=ppt/notesSlides/notesSlide11.xml><?xml version="1.0" encoding="utf-8"?>
+<p:notes xmlns:a="http://schemas.openxmlformats.org/drawingml/2006/main" xmlns:r="http://schemas.openxmlformats.org/officeDocument/2006/relationships" xmlns:p="http://schemas.openxmlformats.org/presentationml/2006/main">
+  <p:cSld>
+    <p:spTree>
+      <p:nvGrpSpPr>
+        <p:cNvPr id="1" name=""/>
+        <p:cNvGrpSpPr/>
+        <p:nvPr/>
+      </p:nvGrpSpPr>
+      <p:grpSpPr>
+        <a:xfrm>
+          <a:off x="0" y="0"/>
+          <a:ext cx="0" cy="0"/>
+          <a:chOff x="0" y="0"/>
+          <a:chExt cx="0" cy="0"/>
+        </a:xfrm>
+      </p:grpSpPr>
+      <p:sp>
+        <p:nvSpPr>
+          <p:cNvPr id="2" name="Slide Image Placeholder 1"/>
+          <p:cNvSpPr>
+            <a:spLocks noGrp="1" noRot="1" noChangeAspect="1"/>
+          </p:cNvSpPr>
+          <p:nvPr>
+            <p:ph type="sldImg" idx="2"/>
+          </p:nvPr>
+        </p:nvSpPr>
+        <p:spPr/>
+      </p:sp>
+      <p:sp>
+        <p:nvSpPr>
+          <p:cNvPr id="3" name="Text Placeholder 2"/>
+          <p:cNvSpPr>
+            <a:spLocks noGrp="1"/>
+          </p:cNvSpPr>
+          <p:nvPr>
+            <p:ph type="body" idx="3"/>
+          </p:nvPr>
+        </p:nvSpPr>
+        <p:spPr/>
+        <p:txBody>
+          <a:bodyPr/>
+          <a:lstStyle/>
+          <a:p>
+            <a:endParaRPr lang="en-US"/>
+          </a:p>
+        </p:txBody>
+      </p:sp>
+    </p:spTree>
+  </p:cSld>
+  <p:clrMapOvr>
+    <a:masterClrMapping/>
+  </p:clrMapOvr>
+</p:notes>
+</file>
+
 <file path=ppt/notesSlides/notesSlide2.xml><?xml version="1.0" encoding="utf-8"?>
 <p:notes xmlns:a="http://schemas.openxmlformats.org/drawingml/2006/main" xmlns:r="http://schemas.openxmlformats.org/officeDocument/2006/relationships" xmlns:p="http://schemas.openxmlformats.org/presentationml/2006/main">
   <p:cSld>
@@ -858,6 +973,62 @@
 </file>
 
 <file path=ppt/notesSlides/notesSlide8.xml><?xml version="1.0" encoding="utf-8"?>
+<p:notes xmlns:a="http://schemas.openxmlformats.org/drawingml/2006/main" xmlns:r="http://schemas.openxmlformats.org/officeDocument/2006/relationships" xmlns:p="http://schemas.openxmlformats.org/presentationml/2006/main">
+  <p:cSld>
+    <p:spTree>
+      <p:nvGrpSpPr>
+        <p:cNvPr id="1" name=""/>
+        <p:cNvGrpSpPr/>
+        <p:nvPr/>
+      </p:nvGrpSpPr>
+      <p:grpSpPr>
+        <a:xfrm>
+          <a:off x="0" y="0"/>
+          <a:ext cx="0" cy="0"/>
+          <a:chOff x="0" y="0"/>
+          <a:chExt cx="0" cy="0"/>
+        </a:xfrm>
+      </p:grpSpPr>
+      <p:sp>
+        <p:nvSpPr>
+          <p:cNvPr id="2" name="Slide Image Placeholder 1"/>
+          <p:cNvSpPr>
+            <a:spLocks noGrp="1" noRot="1" noChangeAspect="1"/>
+          </p:cNvSpPr>
+          <p:nvPr>
+            <p:ph type="sldImg" idx="2"/>
+          </p:nvPr>
+        </p:nvSpPr>
+        <p:spPr/>
+      </p:sp>
+      <p:sp>
+        <p:nvSpPr>
+          <p:cNvPr id="3" name="Text Placeholder 2"/>
+          <p:cNvSpPr>
+            <a:spLocks noGrp="1"/>
+          </p:cNvSpPr>
+          <p:nvPr>
+            <p:ph type="body" idx="3"/>
+          </p:nvPr>
+        </p:nvSpPr>
+        <p:spPr/>
+        <p:txBody>
+          <a:bodyPr/>
+          <a:lstStyle/>
+          <a:p>
+            <a:endParaRPr lang="en-US"/>
+          </a:p>
+        </p:txBody>
+      </p:sp>
+    </p:spTree>
+  </p:cSld>
+  <p:clrMapOvr>
+    <a:masterClrMapping/>
+  </p:clrMapOvr>
+</p:notes>
+</file>
+
+<file path=ppt/notesSlides/notesSlide9.xml><?xml version="1.0" encoding="utf-8"?>
 <p:notes xmlns:a="http://schemas.openxmlformats.org/drawingml/2006/main" xmlns:r="http://schemas.openxmlformats.org/officeDocument/2006/relationships" xmlns:p="http://schemas.openxmlformats.org/presentationml/2006/main">
   <p:cSld>
     <p:spTree>
@@ -4149,7 +4320,7 @@
                 <a:latin typeface="Arial" panose="020B0604020202020204" pitchFamily="34" charset="0"/>
                 <a:sym typeface="+mn-ea"/>
               </a:rPr>
-              <a:t>PWL SiC MOSFET Transient Losses Analysis in Qspice - Rev. 0</a:t>
+              <a:t>PWL SiC MOSFET Transient Losses Analysis in Qspice - Rev. 1</a:t>
             </a:r>
             <a:endParaRPr lang="en-US" altLang="en-US" sz="4800" b="1" dirty="0">
               <a:solidFill>
@@ -4237,6 +4408,1064 @@
           </a:p>
         </p:txBody>
       </p:sp>
+      <p:sp>
+        <p:nvSpPr>
+          <p:cNvPr id="6" name="Text Box 5"/>
+          <p:cNvSpPr txBox="1"/>
+          <p:nvPr/>
+        </p:nvSpPr>
+        <p:spPr>
+          <a:xfrm>
+            <a:off x="3048000" y="3106420"/>
+            <a:ext cx="6096000" cy="645160"/>
+          </a:xfrm>
+          <a:prstGeom prst="rect">
+            <a:avLst/>
+          </a:prstGeom>
+          <a:noFill/>
+        </p:spPr>
+        <p:txBody>
+          <a:bodyPr wrap="square" rtlCol="0" anchor="t">
+            <a:spAutoFit/>
+          </a:bodyPr>
+          <a:p>
+            <a:r>
+              <a:rPr lang="en-US" altLang="en-US"/>
+              <a:t>-50	0	50	100	150	175</a:t>
+            </a:r>
+            <a:endParaRPr lang="en-US" altLang="en-US"/>
+          </a:p>
+          <a:p>
+            <a:r>
+              <a:rPr lang="en-US" altLang="en-US"/>
+              <a:t>0.88	0.95	1.08	1.32	1.65	1.75</a:t>
+            </a:r>
+            <a:endParaRPr lang="en-US"/>
+          </a:p>
+        </p:txBody>
+      </p:sp>
+    </p:spTree>
+  </p:cSld>
+  <p:clrMapOvr>
+    <a:masterClrMapping/>
+  </p:clrMapOvr>
+</p:sld>
+</file>
+
+<file path=ppt/slides/slide10.xml><?xml version="1.0" encoding="utf-8"?>
+<p:sld xmlns:a="http://schemas.openxmlformats.org/drawingml/2006/main" xmlns:r="http://schemas.openxmlformats.org/officeDocument/2006/relationships" xmlns:p="http://schemas.openxmlformats.org/presentationml/2006/main">
+  <p:cSld>
+    <p:spTree>
+      <p:nvGrpSpPr>
+        <p:cNvPr id="1" name=""/>
+        <p:cNvGrpSpPr/>
+        <p:nvPr/>
+      </p:nvGrpSpPr>
+      <p:grpSpPr>
+        <a:xfrm>
+          <a:off x="0" y="0"/>
+          <a:ext cx="0" cy="0"/>
+          <a:chOff x="0" y="0"/>
+          <a:chExt cx="0" cy="0"/>
+        </a:xfrm>
+      </p:grpSpPr>
+      <p:sp>
+        <p:nvSpPr>
+          <p:cNvPr id="5" name="Title 4"/>
+          <p:cNvSpPr>
+            <a:spLocks noGrp="1"/>
+          </p:cNvSpPr>
+          <p:nvPr>
+            <p:ph type="title"/>
+          </p:nvPr>
+        </p:nvSpPr>
+        <p:spPr>
+          <a:xfrm>
+            <a:off x="838200" y="365125"/>
+            <a:ext cx="10515600" cy="619613"/>
+          </a:xfrm>
+        </p:spPr>
+        <p:txBody>
+          <a:bodyPr>
+            <a:normAutofit fontScale="90000"/>
+          </a:bodyPr>
+          <a:lstStyle/>
+          <a:p>
+            <a:r>
+              <a:rPr lang="en-US" dirty="0"/>
+              <a:t>Simulation test result (for Rev.0)</a:t>
+            </a:r>
+            <a:endParaRPr lang="en-US" dirty="0"/>
+          </a:p>
+        </p:txBody>
+      </p:sp>
+      <p:cxnSp>
+        <p:nvCxnSpPr>
+          <p:cNvPr id="8" name="Straight Connector 7"/>
+          <p:cNvCxnSpPr/>
+          <p:nvPr/>
+        </p:nvCxnSpPr>
+        <p:spPr>
+          <a:xfrm>
+            <a:off x="826474" y="940778"/>
+            <a:ext cx="10527326" cy="0"/>
+          </a:xfrm>
+          <a:prstGeom prst="line">
+            <a:avLst/>
+          </a:prstGeom>
+          <a:ln w="28575"/>
+        </p:spPr>
+        <p:style>
+          <a:lnRef idx="1">
+            <a:schemeClr val="accent1"/>
+          </a:lnRef>
+          <a:fillRef idx="0">
+            <a:schemeClr val="accent1"/>
+          </a:fillRef>
+          <a:effectRef idx="0">
+            <a:schemeClr val="accent1"/>
+          </a:effectRef>
+          <a:fontRef idx="minor">
+            <a:schemeClr val="tx1"/>
+          </a:fontRef>
+        </p:style>
+      </p:cxnSp>
+      <p:cxnSp>
+        <p:nvCxnSpPr>
+          <p:cNvPr id="9" name="Straight Connector 8"/>
+          <p:cNvCxnSpPr/>
+          <p:nvPr/>
+        </p:nvCxnSpPr>
+        <p:spPr>
+          <a:xfrm>
+            <a:off x="826474" y="368057"/>
+            <a:ext cx="10527326" cy="0"/>
+          </a:xfrm>
+          <a:prstGeom prst="line">
+            <a:avLst/>
+          </a:prstGeom>
+          <a:ln w="28575"/>
+        </p:spPr>
+        <p:style>
+          <a:lnRef idx="1">
+            <a:schemeClr val="accent1"/>
+          </a:lnRef>
+          <a:fillRef idx="0">
+            <a:schemeClr val="accent1"/>
+          </a:fillRef>
+          <a:effectRef idx="0">
+            <a:schemeClr val="accent1"/>
+          </a:effectRef>
+          <a:fontRef idx="minor">
+            <a:schemeClr val="tx1"/>
+          </a:fontRef>
+        </p:style>
+      </p:cxnSp>
+      <p:sp>
+        <p:nvSpPr>
+          <p:cNvPr id="7" name="Footer Placeholder 6"/>
+          <p:cNvSpPr>
+            <a:spLocks noGrp="1"/>
+          </p:cNvSpPr>
+          <p:nvPr>
+            <p:ph type="ftr" sz="quarter" idx="11"/>
+          </p:nvPr>
+        </p:nvSpPr>
+        <p:spPr/>
+        <p:txBody>
+          <a:bodyPr/>
+          <a:lstStyle/>
+          <a:p>
+            <a:r>
+              <a:rPr lang="en-US"/>
+              <a:t>By Arief Noor Rahman </a:t>
+            </a:r>
+            <a:r>
+              <a:rPr lang="en-US">
+                <a:latin typeface="SimSun" panose="02010600030101010101" pitchFamily="2" charset="-122"/>
+                <a:ea typeface="SimSun" panose="02010600030101010101" pitchFamily="2" charset="-122"/>
+              </a:rPr>
+              <a:t>－</a:t>
+            </a:r>
+            <a:r>
+              <a:rPr lang="en-US">
+                <a:sym typeface="+mn-ea"/>
+              </a:rPr>
+              <a:t>Power Control Design</a:t>
+            </a:r>
+            <a:endParaRPr lang="en-US">
+              <a:latin typeface="SimSun" panose="02010600030101010101" pitchFamily="2" charset="-122"/>
+              <a:ea typeface="SimSun" panose="02010600030101010101" pitchFamily="2" charset="-122"/>
+            </a:endParaRPr>
+          </a:p>
+        </p:txBody>
+      </p:sp>
+      <p:sp>
+        <p:nvSpPr>
+          <p:cNvPr id="3" name="Slide Number Placeholder 2"/>
+          <p:cNvSpPr>
+            <a:spLocks noGrp="1"/>
+          </p:cNvSpPr>
+          <p:nvPr>
+            <p:ph type="sldNum" sz="quarter" idx="12"/>
+          </p:nvPr>
+        </p:nvSpPr>
+        <p:spPr/>
+        <p:txBody>
+          <a:bodyPr/>
+          <a:lstStyle/>
+          <a:p>
+            <a:fld id="{9B618960-8005-486C-9A75-10CB2AAC16F9}" type="slidenum">
+              <a:rPr lang="en-US" smtClean="0"/>
+            </a:fld>
+            <a:endParaRPr lang="en-US"/>
+          </a:p>
+        </p:txBody>
+      </p:sp>
+      <p:pic>
+        <p:nvPicPr>
+          <p:cNvPr id="4" name="Picture 3" descr="logo_detail"/>
+          <p:cNvPicPr>
+            <a:picLocks noChangeAspect="1"/>
+          </p:cNvPicPr>
+          <p:nvPr/>
+        </p:nvPicPr>
+        <p:blipFill>
+          <a:blip r:embed="rId1"/>
+          <a:stretch>
+            <a:fillRect/>
+          </a:stretch>
+        </p:blipFill>
+        <p:spPr>
+          <a:xfrm>
+            <a:off x="120650" y="6024880"/>
+            <a:ext cx="696595" cy="696595"/>
+          </a:xfrm>
+          <a:prstGeom prst="rect">
+            <a:avLst/>
+          </a:prstGeom>
+        </p:spPr>
+      </p:pic>
+      <p:pic>
+        <p:nvPicPr>
+          <p:cNvPr id="16" name="Picture 15"/>
+          <p:cNvPicPr>
+            <a:picLocks noChangeAspect="1"/>
+          </p:cNvPicPr>
+          <p:nvPr/>
+        </p:nvPicPr>
+        <p:blipFill>
+          <a:blip r:embed="rId2"/>
+          <a:stretch>
+            <a:fillRect/>
+          </a:stretch>
+        </p:blipFill>
+        <p:spPr>
+          <a:xfrm>
+            <a:off x="1007110" y="2261870"/>
+            <a:ext cx="4911090" cy="3977640"/>
+          </a:xfrm>
+          <a:prstGeom prst="rect">
+            <a:avLst/>
+          </a:prstGeom>
+        </p:spPr>
+      </p:pic>
+      <p:pic>
+        <p:nvPicPr>
+          <p:cNvPr id="18" name="Picture 17"/>
+          <p:cNvPicPr>
+            <a:picLocks noChangeAspect="1"/>
+          </p:cNvPicPr>
+          <p:nvPr/>
+        </p:nvPicPr>
+        <p:blipFill>
+          <a:blip r:embed="rId3"/>
+          <a:stretch>
+            <a:fillRect/>
+          </a:stretch>
+        </p:blipFill>
+        <p:spPr>
+          <a:xfrm>
+            <a:off x="6972300" y="1097915"/>
+            <a:ext cx="4381500" cy="5258435"/>
+          </a:xfrm>
+          <a:prstGeom prst="rect">
+            <a:avLst/>
+          </a:prstGeom>
+        </p:spPr>
+      </p:pic>
+      <p:sp>
+        <p:nvSpPr>
+          <p:cNvPr id="2" name="Text Box 1"/>
+          <p:cNvSpPr txBox="1"/>
+          <p:nvPr/>
+        </p:nvSpPr>
+        <p:spPr>
+          <a:xfrm>
+            <a:off x="1007110" y="1140460"/>
+            <a:ext cx="5269230" cy="922020"/>
+          </a:xfrm>
+          <a:prstGeom prst="rect">
+            <a:avLst/>
+          </a:prstGeom>
+          <a:noFill/>
+        </p:spPr>
+        <p:txBody>
+          <a:bodyPr wrap="square" rtlCol="0">
+            <a:spAutoFit/>
+          </a:bodyPr>
+          <a:p>
+            <a:r>
+              <a:rPr lang="en-US"/>
+              <a:t>To use the losses estimation tool, user will need to connect the block to DUT switch and measure all Vgs signal, Vds signal, and drain current as following figure.</a:t>
+            </a:r>
+            <a:endParaRPr lang="en-US"/>
+          </a:p>
+        </p:txBody>
+      </p:sp>
+    </p:spTree>
+  </p:cSld>
+  <p:clrMapOvr>
+    <a:masterClrMapping/>
+  </p:clrMapOvr>
+</p:sld>
+</file>
+
+<file path=ppt/slides/slide11.xml><?xml version="1.0" encoding="utf-8"?>
+<p:sld xmlns:a="http://schemas.openxmlformats.org/drawingml/2006/main" xmlns:r="http://schemas.openxmlformats.org/officeDocument/2006/relationships" xmlns:p="http://schemas.openxmlformats.org/presentationml/2006/main">
+  <p:cSld>
+    <p:spTree>
+      <p:nvGrpSpPr>
+        <p:cNvPr id="1" name=""/>
+        <p:cNvGrpSpPr/>
+        <p:nvPr/>
+      </p:nvGrpSpPr>
+      <p:grpSpPr>
+        <a:xfrm>
+          <a:off x="0" y="0"/>
+          <a:ext cx="0" cy="0"/>
+          <a:chOff x="0" y="0"/>
+          <a:chExt cx="0" cy="0"/>
+        </a:xfrm>
+      </p:grpSpPr>
+      <p:sp>
+        <p:nvSpPr>
+          <p:cNvPr id="5" name="Title 4"/>
+          <p:cNvSpPr>
+            <a:spLocks noGrp="1"/>
+          </p:cNvSpPr>
+          <p:nvPr>
+            <p:ph type="title"/>
+          </p:nvPr>
+        </p:nvSpPr>
+        <p:spPr>
+          <a:xfrm>
+            <a:off x="838200" y="365125"/>
+            <a:ext cx="10515600" cy="619613"/>
+          </a:xfrm>
+        </p:spPr>
+        <p:txBody>
+          <a:bodyPr>
+            <a:normAutofit fontScale="90000"/>
+          </a:bodyPr>
+          <a:lstStyle/>
+          <a:p>
+            <a:r>
+              <a:rPr lang="en-US" dirty="0"/>
+              <a:t>Simulation test result (for Rev.1)</a:t>
+            </a:r>
+            <a:endParaRPr lang="en-US" dirty="0"/>
+          </a:p>
+        </p:txBody>
+      </p:sp>
+      <p:cxnSp>
+        <p:nvCxnSpPr>
+          <p:cNvPr id="8" name="Straight Connector 7"/>
+          <p:cNvCxnSpPr/>
+          <p:nvPr/>
+        </p:nvCxnSpPr>
+        <p:spPr>
+          <a:xfrm>
+            <a:off x="826474" y="940778"/>
+            <a:ext cx="10527326" cy="0"/>
+          </a:xfrm>
+          <a:prstGeom prst="line">
+            <a:avLst/>
+          </a:prstGeom>
+          <a:ln w="28575"/>
+        </p:spPr>
+        <p:style>
+          <a:lnRef idx="1">
+            <a:schemeClr val="accent1"/>
+          </a:lnRef>
+          <a:fillRef idx="0">
+            <a:schemeClr val="accent1"/>
+          </a:fillRef>
+          <a:effectRef idx="0">
+            <a:schemeClr val="accent1"/>
+          </a:effectRef>
+          <a:fontRef idx="minor">
+            <a:schemeClr val="tx1"/>
+          </a:fontRef>
+        </p:style>
+      </p:cxnSp>
+      <p:cxnSp>
+        <p:nvCxnSpPr>
+          <p:cNvPr id="9" name="Straight Connector 8"/>
+          <p:cNvCxnSpPr/>
+          <p:nvPr/>
+        </p:nvCxnSpPr>
+        <p:spPr>
+          <a:xfrm>
+            <a:off x="826474" y="368057"/>
+            <a:ext cx="10527326" cy="0"/>
+          </a:xfrm>
+          <a:prstGeom prst="line">
+            <a:avLst/>
+          </a:prstGeom>
+          <a:ln w="28575"/>
+        </p:spPr>
+        <p:style>
+          <a:lnRef idx="1">
+            <a:schemeClr val="accent1"/>
+          </a:lnRef>
+          <a:fillRef idx="0">
+            <a:schemeClr val="accent1"/>
+          </a:fillRef>
+          <a:effectRef idx="0">
+            <a:schemeClr val="accent1"/>
+          </a:effectRef>
+          <a:fontRef idx="minor">
+            <a:schemeClr val="tx1"/>
+          </a:fontRef>
+        </p:style>
+      </p:cxnSp>
+      <p:sp>
+        <p:nvSpPr>
+          <p:cNvPr id="7" name="Footer Placeholder 6"/>
+          <p:cNvSpPr>
+            <a:spLocks noGrp="1"/>
+          </p:cNvSpPr>
+          <p:nvPr>
+            <p:ph type="ftr" sz="quarter" idx="11"/>
+          </p:nvPr>
+        </p:nvSpPr>
+        <p:spPr/>
+        <p:txBody>
+          <a:bodyPr/>
+          <a:lstStyle/>
+          <a:p>
+            <a:r>
+              <a:rPr lang="en-US"/>
+              <a:t>By Arief Noor Rahman </a:t>
+            </a:r>
+            <a:r>
+              <a:rPr lang="en-US">
+                <a:latin typeface="SimSun" panose="02010600030101010101" pitchFamily="2" charset="-122"/>
+                <a:ea typeface="SimSun" panose="02010600030101010101" pitchFamily="2" charset="-122"/>
+              </a:rPr>
+              <a:t>－</a:t>
+            </a:r>
+            <a:r>
+              <a:rPr lang="en-US">
+                <a:sym typeface="+mn-ea"/>
+              </a:rPr>
+              <a:t>Power Control Design</a:t>
+            </a:r>
+            <a:endParaRPr lang="en-US">
+              <a:latin typeface="SimSun" panose="02010600030101010101" pitchFamily="2" charset="-122"/>
+              <a:ea typeface="SimSun" panose="02010600030101010101" pitchFamily="2" charset="-122"/>
+            </a:endParaRPr>
+          </a:p>
+        </p:txBody>
+      </p:sp>
+      <p:sp>
+        <p:nvSpPr>
+          <p:cNvPr id="3" name="Slide Number Placeholder 2"/>
+          <p:cNvSpPr>
+            <a:spLocks noGrp="1"/>
+          </p:cNvSpPr>
+          <p:nvPr>
+            <p:ph type="sldNum" sz="quarter" idx="12"/>
+          </p:nvPr>
+        </p:nvSpPr>
+        <p:spPr/>
+        <p:txBody>
+          <a:bodyPr/>
+          <a:lstStyle/>
+          <a:p>
+            <a:fld id="{9B618960-8005-486C-9A75-10CB2AAC16F9}" type="slidenum">
+              <a:rPr lang="en-US" smtClean="0"/>
+            </a:fld>
+            <a:endParaRPr lang="en-US"/>
+          </a:p>
+        </p:txBody>
+      </p:sp>
+      <p:pic>
+        <p:nvPicPr>
+          <p:cNvPr id="4" name="Picture 3" descr="logo_detail"/>
+          <p:cNvPicPr>
+            <a:picLocks noChangeAspect="1"/>
+          </p:cNvPicPr>
+          <p:nvPr/>
+        </p:nvPicPr>
+        <p:blipFill>
+          <a:blip r:embed="rId1"/>
+          <a:stretch>
+            <a:fillRect/>
+          </a:stretch>
+        </p:blipFill>
+        <p:spPr>
+          <a:xfrm>
+            <a:off x="120650" y="6024880"/>
+            <a:ext cx="696595" cy="696595"/>
+          </a:xfrm>
+          <a:prstGeom prst="rect">
+            <a:avLst/>
+          </a:prstGeom>
+        </p:spPr>
+      </p:pic>
+      <p:pic>
+        <p:nvPicPr>
+          <p:cNvPr id="10" name="Picture 9"/>
+          <p:cNvPicPr>
+            <a:picLocks noChangeAspect="1"/>
+          </p:cNvPicPr>
+          <p:nvPr/>
+        </p:nvPicPr>
+        <p:blipFill>
+          <a:blip r:embed="rId2"/>
+          <a:stretch>
+            <a:fillRect/>
+          </a:stretch>
+        </p:blipFill>
+        <p:spPr>
+          <a:xfrm>
+            <a:off x="1007110" y="2482215"/>
+            <a:ext cx="5144135" cy="3854450"/>
+          </a:xfrm>
+          <a:prstGeom prst="rect">
+            <a:avLst/>
+          </a:prstGeom>
+        </p:spPr>
+      </p:pic>
+      <p:sp>
+        <p:nvSpPr>
+          <p:cNvPr id="6" name="Text Box 5"/>
+          <p:cNvSpPr txBox="1"/>
+          <p:nvPr/>
+        </p:nvSpPr>
+        <p:spPr>
+          <a:xfrm>
+            <a:off x="1007110" y="1140460"/>
+            <a:ext cx="5269230" cy="1322070"/>
+          </a:xfrm>
+          <a:prstGeom prst="rect">
+            <a:avLst/>
+          </a:prstGeom>
+          <a:noFill/>
+        </p:spPr>
+        <p:txBody>
+          <a:bodyPr wrap="square" rtlCol="0">
+            <a:spAutoFit/>
+          </a:bodyPr>
+          <a:p>
+            <a:r>
+              <a:rPr lang="en-US" sz="1600"/>
+              <a:t>User can now directly set the losses analysis at a certain temperature to improve the model accuracy. Furthermore, if you feel need more challenge, you can easily create the thermal circuit model and loop back the Tj estimate into the losses analyzer block.</a:t>
+            </a:r>
+            <a:endParaRPr lang="en-US" sz="1600"/>
+          </a:p>
+        </p:txBody>
+      </p:sp>
+      <p:pic>
+        <p:nvPicPr>
+          <p:cNvPr id="11" name="Picture 10"/>
+          <p:cNvPicPr>
+            <a:picLocks noChangeAspect="1"/>
+          </p:cNvPicPr>
+          <p:nvPr/>
+        </p:nvPicPr>
+        <p:blipFill>
+          <a:blip r:embed="rId3"/>
+          <a:stretch>
+            <a:fillRect/>
+          </a:stretch>
+        </p:blipFill>
+        <p:spPr>
+          <a:xfrm>
+            <a:off x="6769100" y="1033780"/>
+            <a:ext cx="4463415" cy="5356860"/>
+          </a:xfrm>
+          <a:prstGeom prst="rect">
+            <a:avLst/>
+          </a:prstGeom>
+        </p:spPr>
+      </p:pic>
+    </p:spTree>
+  </p:cSld>
+  <p:clrMapOvr>
+    <a:masterClrMapping/>
+  </p:clrMapOvr>
+</p:sld>
+</file>
+
+<file path=ppt/slides/slide12.xml><?xml version="1.0" encoding="utf-8"?>
+<p:sld xmlns:a="http://schemas.openxmlformats.org/drawingml/2006/main" xmlns:r="http://schemas.openxmlformats.org/officeDocument/2006/relationships" xmlns:p="http://schemas.openxmlformats.org/presentationml/2006/main">
+  <p:cSld>
+    <p:spTree>
+      <p:nvGrpSpPr>
+        <p:cNvPr id="1" name=""/>
+        <p:cNvGrpSpPr/>
+        <p:nvPr/>
+      </p:nvGrpSpPr>
+      <p:grpSpPr>
+        <a:xfrm>
+          <a:off x="0" y="0"/>
+          <a:ext cx="0" cy="0"/>
+          <a:chOff x="0" y="0"/>
+          <a:chExt cx="0" cy="0"/>
+        </a:xfrm>
+      </p:grpSpPr>
+      <p:sp>
+        <p:nvSpPr>
+          <p:cNvPr id="5" name="Title 4"/>
+          <p:cNvSpPr>
+            <a:spLocks noGrp="1"/>
+          </p:cNvSpPr>
+          <p:nvPr>
+            <p:ph type="title"/>
+          </p:nvPr>
+        </p:nvSpPr>
+        <p:spPr>
+          <a:xfrm>
+            <a:off x="838200" y="365125"/>
+            <a:ext cx="10515600" cy="619613"/>
+          </a:xfrm>
+        </p:spPr>
+        <p:txBody>
+          <a:bodyPr>
+            <a:normAutofit fontScale="90000"/>
+          </a:bodyPr>
+          <a:lstStyle/>
+          <a:p>
+            <a:r>
+              <a:rPr lang="en-US" dirty="0"/>
+              <a:t>Conclusion</a:t>
+            </a:r>
+            <a:endParaRPr lang="en-US" dirty="0"/>
+          </a:p>
+        </p:txBody>
+      </p:sp>
+      <p:cxnSp>
+        <p:nvCxnSpPr>
+          <p:cNvPr id="8" name="Straight Connector 7"/>
+          <p:cNvCxnSpPr/>
+          <p:nvPr/>
+        </p:nvCxnSpPr>
+        <p:spPr>
+          <a:xfrm>
+            <a:off x="826474" y="940778"/>
+            <a:ext cx="10527326" cy="0"/>
+          </a:xfrm>
+          <a:prstGeom prst="line">
+            <a:avLst/>
+          </a:prstGeom>
+          <a:ln w="28575"/>
+        </p:spPr>
+        <p:style>
+          <a:lnRef idx="1">
+            <a:schemeClr val="accent1"/>
+          </a:lnRef>
+          <a:fillRef idx="0">
+            <a:schemeClr val="accent1"/>
+          </a:fillRef>
+          <a:effectRef idx="0">
+            <a:schemeClr val="accent1"/>
+          </a:effectRef>
+          <a:fontRef idx="minor">
+            <a:schemeClr val="tx1"/>
+          </a:fontRef>
+        </p:style>
+      </p:cxnSp>
+      <p:cxnSp>
+        <p:nvCxnSpPr>
+          <p:cNvPr id="9" name="Straight Connector 8"/>
+          <p:cNvCxnSpPr/>
+          <p:nvPr/>
+        </p:nvCxnSpPr>
+        <p:spPr>
+          <a:xfrm>
+            <a:off x="826474" y="368057"/>
+            <a:ext cx="10527326" cy="0"/>
+          </a:xfrm>
+          <a:prstGeom prst="line">
+            <a:avLst/>
+          </a:prstGeom>
+          <a:ln w="28575"/>
+        </p:spPr>
+        <p:style>
+          <a:lnRef idx="1">
+            <a:schemeClr val="accent1"/>
+          </a:lnRef>
+          <a:fillRef idx="0">
+            <a:schemeClr val="accent1"/>
+          </a:fillRef>
+          <a:effectRef idx="0">
+            <a:schemeClr val="accent1"/>
+          </a:effectRef>
+          <a:fontRef idx="minor">
+            <a:schemeClr val="tx1"/>
+          </a:fontRef>
+        </p:style>
+      </p:cxnSp>
+      <p:sp>
+        <p:nvSpPr>
+          <p:cNvPr id="7" name="Footer Placeholder 6"/>
+          <p:cNvSpPr>
+            <a:spLocks noGrp="1"/>
+          </p:cNvSpPr>
+          <p:nvPr>
+            <p:ph type="ftr" sz="quarter" idx="11"/>
+          </p:nvPr>
+        </p:nvSpPr>
+        <p:spPr/>
+        <p:txBody>
+          <a:bodyPr/>
+          <a:lstStyle/>
+          <a:p>
+            <a:r>
+              <a:rPr lang="en-US"/>
+              <a:t>By Arief Noor Rahman </a:t>
+            </a:r>
+            <a:r>
+              <a:rPr lang="en-US">
+                <a:latin typeface="SimSun" panose="02010600030101010101" pitchFamily="2" charset="-122"/>
+                <a:ea typeface="SimSun" panose="02010600030101010101" pitchFamily="2" charset="-122"/>
+              </a:rPr>
+              <a:t>－</a:t>
+            </a:r>
+            <a:r>
+              <a:rPr lang="en-US">
+                <a:sym typeface="+mn-ea"/>
+              </a:rPr>
+              <a:t>Power Control Design</a:t>
+            </a:r>
+            <a:endParaRPr lang="en-US">
+              <a:latin typeface="SimSun" panose="02010600030101010101" pitchFamily="2" charset="-122"/>
+              <a:ea typeface="SimSun" panose="02010600030101010101" pitchFamily="2" charset="-122"/>
+            </a:endParaRPr>
+          </a:p>
+        </p:txBody>
+      </p:sp>
+      <p:sp>
+        <p:nvSpPr>
+          <p:cNvPr id="3" name="Slide Number Placeholder 2"/>
+          <p:cNvSpPr>
+            <a:spLocks noGrp="1"/>
+          </p:cNvSpPr>
+          <p:nvPr>
+            <p:ph type="sldNum" sz="quarter" idx="12"/>
+          </p:nvPr>
+        </p:nvSpPr>
+        <p:spPr/>
+        <p:txBody>
+          <a:bodyPr/>
+          <a:lstStyle/>
+          <a:p>
+            <a:fld id="{9B618960-8005-486C-9A75-10CB2AAC16F9}" type="slidenum">
+              <a:rPr lang="en-US" smtClean="0"/>
+            </a:fld>
+            <a:endParaRPr lang="en-US"/>
+          </a:p>
+        </p:txBody>
+      </p:sp>
+      <p:pic>
+        <p:nvPicPr>
+          <p:cNvPr id="4" name="Picture 3" descr="logo_detail"/>
+          <p:cNvPicPr>
+            <a:picLocks noChangeAspect="1"/>
+          </p:cNvPicPr>
+          <p:nvPr/>
+        </p:nvPicPr>
+        <p:blipFill>
+          <a:blip r:embed="rId1"/>
+          <a:stretch>
+            <a:fillRect/>
+          </a:stretch>
+        </p:blipFill>
+        <p:spPr>
+          <a:xfrm>
+            <a:off x="120650" y="6024880"/>
+            <a:ext cx="696595" cy="696595"/>
+          </a:xfrm>
+          <a:prstGeom prst="rect">
+            <a:avLst/>
+          </a:prstGeom>
+        </p:spPr>
+      </p:pic>
+      <p:sp>
+        <p:nvSpPr>
+          <p:cNvPr id="6" name="Text Box 5"/>
+          <p:cNvSpPr txBox="1"/>
+          <p:nvPr/>
+        </p:nvSpPr>
+        <p:spPr>
+          <a:xfrm>
+            <a:off x="817245" y="1066800"/>
+            <a:ext cx="10527030" cy="2861310"/>
+          </a:xfrm>
+          <a:prstGeom prst="rect">
+            <a:avLst/>
+          </a:prstGeom>
+          <a:noFill/>
+        </p:spPr>
+        <p:txBody>
+          <a:bodyPr wrap="square" rtlCol="0">
+            <a:spAutoFit/>
+          </a:bodyPr>
+          <a:p>
+            <a:pPr marL="305435" indent="-305435">
+              <a:buFont typeface="Arial" panose="020B0604020202020204" pitchFamily="34" charset="0"/>
+              <a:buChar char="•"/>
+            </a:pPr>
+            <a:r>
+              <a:rPr lang="en-US"/>
+              <a:t>An alternative method of transient loss estimation has been developed to be used in Qspice.</a:t>
+            </a:r>
+            <a:endParaRPr lang="en-US"/>
+          </a:p>
+          <a:p>
+            <a:pPr marL="305435" indent="-305435">
+              <a:buFont typeface="Arial" panose="020B0604020202020204" pitchFamily="34" charset="0"/>
+              <a:buChar char="•"/>
+            </a:pPr>
+            <a:r>
+              <a:rPr lang="en-US" altLang="en-US"/>
+              <a:t>The presented method has a number of simplification layers, with the rationale of the approach explained. Note: some reasoning maybe technical, some maybe practical.</a:t>
+            </a:r>
+            <a:endParaRPr lang="en-US" altLang="en-US"/>
+          </a:p>
+          <a:p>
+            <a:pPr marL="305435" indent="-305435">
+              <a:buFont typeface="Arial" panose="020B0604020202020204" pitchFamily="34" charset="0"/>
+              <a:buChar char="•"/>
+            </a:pPr>
+            <a:r>
+              <a:rPr lang="en-US" altLang="en-US"/>
+              <a:t>Simulation result accuracy for the SR-boost test circuit after some comparison with Wolfspeed’s speedfit appears to be quite reasonable (I cant find Infineon’s losses simulator). This result allows me to then use the method to evaluate losses for more complex circuit (e.g. Three phase Active NPC).</a:t>
+            </a:r>
+            <a:endParaRPr lang="en-US" altLang="en-US"/>
+          </a:p>
+          <a:p>
+            <a:pPr marL="305435" indent="-305435">
+              <a:buFont typeface="Arial" panose="020B0604020202020204" pitchFamily="34" charset="0"/>
+              <a:buChar char="•"/>
+            </a:pPr>
+            <a:r>
+              <a:rPr lang="en-US" altLang="en-US"/>
+              <a:t>Overall, this tool I believe is a very powerful tool for every power supply engineer.</a:t>
+            </a:r>
+            <a:endParaRPr lang="en-US" altLang="en-US"/>
+          </a:p>
+          <a:p>
+            <a:pPr marL="305435" indent="-305435">
+              <a:buFont typeface="Arial" panose="020B0604020202020204" pitchFamily="34" charset="0"/>
+              <a:buChar char="•"/>
+            </a:pPr>
+            <a:endParaRPr lang="en-US" altLang="en-US"/>
+          </a:p>
+          <a:p>
+            <a:pPr marL="305435" indent="-305435">
+              <a:buFont typeface="Arial" panose="020B0604020202020204" pitchFamily="34" charset="0"/>
+              <a:buChar char="•"/>
+            </a:pPr>
+            <a:endParaRPr lang="en-US" altLang="en-US"/>
+          </a:p>
+          <a:p>
+            <a:pPr indent="0">
+              <a:buFont typeface="Arial" panose="020B0604020202020204" pitchFamily="34" charset="0"/>
+              <a:buNone/>
+            </a:pPr>
+            <a:r>
+              <a:rPr lang="en-US" altLang="en-US"/>
+              <a:t>Next? for IGBT?</a:t>
+            </a:r>
+            <a:endParaRPr lang="en-US" altLang="en-US"/>
+          </a:p>
+        </p:txBody>
+      </p:sp>
+      <p:sp>
+        <p:nvSpPr>
+          <p:cNvPr id="2" name="Text Box 1"/>
+          <p:cNvSpPr txBox="1"/>
+          <p:nvPr/>
+        </p:nvSpPr>
+        <p:spPr>
+          <a:xfrm>
+            <a:off x="817245" y="4824095"/>
+            <a:ext cx="10535920" cy="1198880"/>
+          </a:xfrm>
+          <a:prstGeom prst="rect">
+            <a:avLst/>
+          </a:prstGeom>
+          <a:noFill/>
+        </p:spPr>
+        <p:txBody>
+          <a:bodyPr wrap="square" rtlCol="0" anchor="t">
+            <a:spAutoFit/>
+          </a:bodyPr>
+          <a:p>
+            <a:pPr marL="305435" indent="-305435"/>
+            <a:r>
+              <a:rPr lang="en-US">
+                <a:sym typeface="+mn-ea"/>
+              </a:rPr>
+              <a:t>[1] Infineon </a:t>
+            </a:r>
+            <a:r>
+              <a:rPr lang="en-US" altLang="en-US">
+                <a:sym typeface="+mn-ea"/>
+              </a:rPr>
+              <a:t>IMZA75R040M1H - Datasheet</a:t>
+            </a:r>
+            <a:endParaRPr lang="en-US" altLang="en-US"/>
+          </a:p>
+          <a:p>
+            <a:pPr marL="305435" indent="-305435"/>
+            <a:r>
+              <a:rPr lang="en-US" altLang="en-US">
+                <a:sym typeface="+mn-ea"/>
+              </a:rPr>
+              <a:t>[2] Infineon IMW120R040M1H - Datasheet</a:t>
+            </a:r>
+            <a:endParaRPr lang="en-US" altLang="en-US"/>
+          </a:p>
+          <a:p>
+            <a:pPr marL="305435" indent="-305435"/>
+            <a:r>
+              <a:rPr lang="en-US" altLang="en-US">
+                <a:sym typeface="+mn-ea"/>
+              </a:rPr>
+              <a:t>[3] Estimating SiC MOSFET switching losses in applications https://community.infineon.com/t5/Knowledge-Base-Articles/Estimating-SiC-MOSFET-switching-losses-in-applications/ta-p/709113</a:t>
+            </a:r>
+            <a:endParaRPr lang="en-US" altLang="en-US">
+              <a:sym typeface="+mn-ea"/>
+            </a:endParaRPr>
+          </a:p>
+        </p:txBody>
+      </p:sp>
+      <p:sp>
+        <p:nvSpPr>
+          <p:cNvPr id="10" name="Title 4"/>
+          <p:cNvSpPr>
+            <a:spLocks noGrp="1"/>
+          </p:cNvSpPr>
+          <p:nvPr/>
+        </p:nvSpPr>
+        <p:spPr>
+          <a:xfrm>
+            <a:off x="828675" y="4232275"/>
+            <a:ext cx="10515600" cy="619613"/>
+          </a:xfrm>
+          <a:prstGeom prst="rect">
+            <a:avLst/>
+          </a:prstGeom>
+        </p:spPr>
+        <p:txBody>
+          <a:bodyPr vert="horz" lIns="91440" tIns="45720" rIns="91440" bIns="45720" rtlCol="0" anchor="ctr">
+            <a:normAutofit fontScale="70000"/>
+          </a:bodyPr>
+          <a:lstStyle>
+            <a:lvl1pPr algn="l" defTabSz="914400" rtl="0" eaLnBrk="1" latinLnBrk="0" hangingPunct="1">
+              <a:lnSpc>
+                <a:spcPct val="90000"/>
+              </a:lnSpc>
+              <a:spcBef>
+                <a:spcPct val="0"/>
+              </a:spcBef>
+              <a:buNone/>
+              <a:defRPr sz="4400" kern="1200">
+                <a:solidFill>
+                  <a:schemeClr val="tx1"/>
+                </a:solidFill>
+                <a:latin typeface="+mj-lt"/>
+                <a:ea typeface="+mj-ea"/>
+                <a:cs typeface="+mj-cs"/>
+              </a:defRPr>
+            </a:lvl1pPr>
+          </a:lstStyle>
+          <a:p>
+            <a:r>
+              <a:rPr lang="en-US" dirty="0"/>
+              <a:t>References</a:t>
+            </a:r>
+            <a:endParaRPr lang="en-US" dirty="0"/>
+          </a:p>
+        </p:txBody>
+      </p:sp>
+      <p:cxnSp>
+        <p:nvCxnSpPr>
+          <p:cNvPr id="11" name="Straight Connector 10"/>
+          <p:cNvCxnSpPr/>
+          <p:nvPr/>
+        </p:nvCxnSpPr>
+        <p:spPr>
+          <a:xfrm>
+            <a:off x="816949" y="4807928"/>
+            <a:ext cx="10527326" cy="0"/>
+          </a:xfrm>
+          <a:prstGeom prst="line">
+            <a:avLst/>
+          </a:prstGeom>
+          <a:ln w="28575"/>
+        </p:spPr>
+        <p:style>
+          <a:lnRef idx="1">
+            <a:schemeClr val="accent1"/>
+          </a:lnRef>
+          <a:fillRef idx="0">
+            <a:schemeClr val="accent1"/>
+          </a:fillRef>
+          <a:effectRef idx="0">
+            <a:schemeClr val="accent1"/>
+          </a:effectRef>
+          <a:fontRef idx="minor">
+            <a:schemeClr val="tx1"/>
+          </a:fontRef>
+        </p:style>
+      </p:cxnSp>
+      <p:cxnSp>
+        <p:nvCxnSpPr>
+          <p:cNvPr id="12" name="Straight Connector 11"/>
+          <p:cNvCxnSpPr/>
+          <p:nvPr/>
+        </p:nvCxnSpPr>
+        <p:spPr>
+          <a:xfrm>
+            <a:off x="816949" y="4235207"/>
+            <a:ext cx="10527326" cy="0"/>
+          </a:xfrm>
+          <a:prstGeom prst="line">
+            <a:avLst/>
+          </a:prstGeom>
+          <a:ln w="28575"/>
+        </p:spPr>
+        <p:style>
+          <a:lnRef idx="1">
+            <a:schemeClr val="accent1"/>
+          </a:lnRef>
+          <a:fillRef idx="0">
+            <a:schemeClr val="accent1"/>
+          </a:fillRef>
+          <a:effectRef idx="0">
+            <a:schemeClr val="accent1"/>
+          </a:effectRef>
+          <a:fontRef idx="minor">
+            <a:schemeClr val="tx1"/>
+          </a:fontRef>
+        </p:style>
+      </p:cxnSp>
     </p:spTree>
   </p:cSld>
   <p:clrMapOvr>
@@ -4310,7 +5539,7 @@
           <a:p>
             <a:r>
               <a:rPr lang="en-US" dirty="0"/>
-              <a:t>Introduction</a:t>
+              <a:t>Revision History</a:t>
             </a:r>
             <a:endParaRPr lang="en-US" dirty="0"/>
           </a:p>
@@ -4380,87 +5609,6 @@
       </p:cxnSp>
       <p:sp>
         <p:nvSpPr>
-          <p:cNvPr id="2" name="Content Placeholder 1"/>
-          <p:cNvSpPr>
-            <a:spLocks noGrp="1"/>
-          </p:cNvSpPr>
-          <p:nvPr>
-            <p:ph idx="1"/>
-          </p:nvPr>
-        </p:nvSpPr>
-        <p:spPr>
-          <a:xfrm>
-            <a:off x="838200" y="1336040"/>
-            <a:ext cx="7172960" cy="4841240"/>
-          </a:xfrm>
-        </p:spPr>
-        <p:txBody>
-          <a:bodyPr>
-            <a:normAutofit fontScale="90000" lnSpcReduction="10000"/>
-          </a:bodyPr>
-          <a:lstStyle/>
-          <a:p>
-            <a:pPr marL="0" indent="0" algn="just">
-              <a:buNone/>
-            </a:pPr>
-            <a:r>
-              <a:rPr lang="en-US" sz="1600" dirty="0"/>
-              <a:t>Losses analysis is one of the most crucial design aspect within power electronic. Improper losses analysis often lead to early overheat during prototyping stage which then require more PCB iterations and potentially extend the overall development cycle time.</a:t>
-            </a:r>
-            <a:endParaRPr lang="en-US" sz="1600" dirty="0"/>
-          </a:p>
-          <a:p>
-            <a:pPr marL="0" indent="0" algn="just">
-              <a:buNone/>
-            </a:pPr>
-            <a:endParaRPr lang="en-US" sz="1600" dirty="0"/>
-          </a:p>
-          <a:p>
-            <a:pPr marL="0" indent="0" algn="just">
-              <a:buNone/>
-            </a:pPr>
-            <a:r>
-              <a:rPr lang="en-US" sz="1600" dirty="0"/>
-              <a:t>There are multiple approaches engineers do to perform losses analysis. The simplest method is just using Excel based on the datasheet’s parameter. This method is reasonable for simple topology but cumbersome or nearly impossible for more complex topology. Another method could be using Spice model of the device then run Spice simulation. Unfortunately simulating switching converter with full device semiconductor model are both very slow and very prone to simulation not converging.</a:t>
-            </a:r>
-            <a:endParaRPr lang="en-US" sz="1600" dirty="0"/>
-          </a:p>
-          <a:p>
-            <a:pPr marL="0" indent="0" algn="just">
-              <a:buNone/>
-            </a:pPr>
-            <a:endParaRPr lang="en-US" sz="1600" dirty="0"/>
-          </a:p>
-          <a:p>
-            <a:pPr marL="0" indent="0" algn="just">
-              <a:buNone/>
-            </a:pPr>
-            <a:r>
-              <a:rPr lang="en-US" sz="1600" dirty="0"/>
-              <a:t>Another solution that is now popular is to use ideal Switch simulation in PWL based simulator (i.e. PLECS, PSIM, Simba, etc) to obtain the device voltage and current during both ON state, turn on event and turn off event. Then, use simple math to estimate the losses by interpolating the data from losses table (pre-computed or measurement). This method have the benefit of being very fast and quite good accuracy (depending on how the user generate the losses table).</a:t>
-            </a:r>
-            <a:endParaRPr lang="en-US" sz="1600" dirty="0"/>
-          </a:p>
-          <a:p>
-            <a:pPr marL="0" indent="0" algn="just">
-              <a:buNone/>
-            </a:pPr>
-            <a:endParaRPr lang="en-US" sz="1600" dirty="0"/>
-          </a:p>
-          <a:p>
-            <a:pPr marL="0" indent="0" algn="just">
-              <a:buNone/>
-            </a:pPr>
-            <a:r>
-              <a:rPr lang="en-US" sz="1600" dirty="0"/>
-              <a:t>Here, I emulate the similar algorithm used by these propietary software and implement them in Qspice. At this moment, I am using a simplified version of losses table due to my C-coding limitation. I hope there will be some potential contributor to further extend the performance in the future.</a:t>
-            </a:r>
-            <a:endParaRPr lang="en-US" sz="1600" dirty="0"/>
-          </a:p>
-        </p:txBody>
-      </p:sp>
-      <p:sp>
-        <p:nvSpPr>
           <p:cNvPr id="7" name="Footer Placeholder 6"/>
           <p:cNvSpPr>
             <a:spLocks noGrp="1"/>
@@ -4544,9 +5692,533 @@
           </a:prstGeom>
         </p:spPr>
       </p:pic>
+      <p:graphicFrame>
+        <p:nvGraphicFramePr>
+          <p:cNvPr id="12" name="Content Placeholder 11"/>
+          <p:cNvGraphicFramePr/>
+          <p:nvPr>
+            <p:ph idx="1"/>
+          </p:nvPr>
+        </p:nvGraphicFramePr>
+        <p:xfrm>
+          <a:off x="838200" y="1825625"/>
+          <a:ext cx="10515600" cy="1524000"/>
+        </p:xfrm>
+        <a:graphic>
+          <a:graphicData uri="http://schemas.openxmlformats.org/drawingml/2006/table">
+            <a:tbl>
+              <a:tblPr>
+                <a:tableStyleId>{616DA210-FB5B-4158-B5E0-FEB733F419BA}</a:tableStyleId>
+              </a:tblPr>
+              <a:tblGrid>
+                <a:gridCol w="2156460"/>
+                <a:gridCol w="8359140"/>
+              </a:tblGrid>
+              <a:tr h="381000">
+                <a:tc>
+                  <a:txBody>
+                    <a:bodyPr/>
+                    <a:p>
+                      <a:pPr>
+                        <a:buNone/>
+                      </a:pPr>
+                      <a:r>
+                        <a:rPr lang="en-US"/>
+                        <a:t>Rev.0 @ 2025/06/05</a:t>
+                      </a:r>
+                      <a:endParaRPr lang="en-US"/>
+                    </a:p>
+                  </a:txBody>
+                  <a:tcPr/>
+                </a:tc>
+                <a:tc>
+                  <a:txBody>
+                    <a:bodyPr/>
+                    <a:p>
+                      <a:pPr>
+                        <a:buNone/>
+                      </a:pPr>
+                      <a:r>
+                        <a:rPr lang="en-US"/>
+                        <a:t>Initial project design launch</a:t>
+                      </a:r>
+                      <a:endParaRPr lang="en-US"/>
+                    </a:p>
+                  </a:txBody>
+                  <a:tcPr/>
+                </a:tc>
+              </a:tr>
+              <a:tr h="381000">
+                <a:tc>
+                  <a:txBody>
+                    <a:bodyPr/>
+                    <a:p>
+                      <a:pPr>
+                        <a:buNone/>
+                      </a:pPr>
+                      <a:r>
+                        <a:rPr lang="en-US" sz="1800">
+                          <a:sym typeface="+mn-ea"/>
+                        </a:rPr>
+                        <a:t>Rev.1 @ 2025/06/05</a:t>
+                      </a:r>
+                      <a:endParaRPr lang="en-US"/>
+                    </a:p>
+                  </a:txBody>
+                  <a:tcPr/>
+                </a:tc>
+                <a:tc>
+                  <a:txBody>
+                    <a:bodyPr/>
+                    <a:p>
+                      <a:pPr>
+                        <a:buNone/>
+                      </a:pPr>
+                      <a:r>
+                        <a:rPr lang="en-US"/>
+                        <a:t>Added junction temperature input and modify the data table format to add Tj to Rdson curve</a:t>
+                      </a:r>
+                      <a:endParaRPr lang="en-US"/>
+                    </a:p>
+                  </a:txBody>
+                  <a:tcPr/>
+                </a:tc>
+              </a:tr>
+              <a:tr h="381000">
+                <a:tc>
+                  <a:txBody>
+                    <a:bodyPr/>
+                    <a:p>
+                      <a:pPr>
+                        <a:buNone/>
+                      </a:pPr>
+                      <a:endParaRPr lang="en-US"/>
+                    </a:p>
+                  </a:txBody>
+                  <a:tcPr/>
+                </a:tc>
+                <a:tc>
+                  <a:txBody>
+                    <a:bodyPr/>
+                    <a:p>
+                      <a:pPr>
+                        <a:buNone/>
+                      </a:pPr>
+                      <a:endParaRPr lang="en-US"/>
+                    </a:p>
+                  </a:txBody>
+                  <a:tcPr/>
+                </a:tc>
+              </a:tr>
+              <a:tr h="381000">
+                <a:tc>
+                  <a:txBody>
+                    <a:bodyPr/>
+                    <a:p>
+                      <a:pPr>
+                        <a:buNone/>
+                      </a:pPr>
+                      <a:endParaRPr lang="en-US"/>
+                    </a:p>
+                  </a:txBody>
+                  <a:tcPr/>
+                </a:tc>
+                <a:tc>
+                  <a:txBody>
+                    <a:bodyPr/>
+                    <a:p>
+                      <a:pPr>
+                        <a:buNone/>
+                      </a:pPr>
+                      <a:endParaRPr lang="en-US"/>
+                    </a:p>
+                  </a:txBody>
+                  <a:tcPr/>
+                </a:tc>
+              </a:tr>
+            </a:tbl>
+          </a:graphicData>
+        </a:graphic>
+      </p:graphicFrame>
+    </p:spTree>
+  </p:cSld>
+  <p:clrMapOvr>
+    <a:masterClrMapping/>
+  </p:clrMapOvr>
+</p:sld>
+</file>
+
+<file path=ppt/slides/slide3.xml><?xml version="1.0" encoding="utf-8"?>
+<p:sld xmlns:a="http://schemas.openxmlformats.org/drawingml/2006/main" xmlns:r="http://schemas.openxmlformats.org/officeDocument/2006/relationships" xmlns:p="http://schemas.openxmlformats.org/presentationml/2006/main">
+  <p:cSld>
+    <p:spTree>
+      <p:nvGrpSpPr>
+        <p:cNvPr id="1" name=""/>
+        <p:cNvGrpSpPr/>
+        <p:nvPr/>
+      </p:nvGrpSpPr>
+      <p:grpSpPr>
+        <a:xfrm>
+          <a:off x="0" y="0"/>
+          <a:ext cx="0" cy="0"/>
+          <a:chOff x="0" y="0"/>
+          <a:chExt cx="0" cy="0"/>
+        </a:xfrm>
+      </p:grpSpPr>
       <p:pic>
         <p:nvPicPr>
-          <p:cNvPr id="10" name="Picture 9"/>
+          <p:cNvPr id="15" name="Picture 14"/>
+          <p:cNvPicPr>
+            <a:picLocks noChangeAspect="1"/>
+          </p:cNvPicPr>
+          <p:nvPr/>
+        </p:nvPicPr>
+        <p:blipFill>
+          <a:blip r:embed="rId1"/>
+          <a:stretch>
+            <a:fillRect/>
+          </a:stretch>
+        </p:blipFill>
+        <p:spPr>
+          <a:xfrm>
+            <a:off x="6084570" y="3417570"/>
+            <a:ext cx="22860" cy="22860"/>
+          </a:xfrm>
+          <a:prstGeom prst="rect">
+            <a:avLst/>
+          </a:prstGeom>
+        </p:spPr>
+      </p:pic>
+      <p:sp>
+        <p:nvSpPr>
+          <p:cNvPr id="5" name="Title 4"/>
+          <p:cNvSpPr>
+            <a:spLocks noGrp="1"/>
+          </p:cNvSpPr>
+          <p:nvPr>
+            <p:ph type="title"/>
+          </p:nvPr>
+        </p:nvSpPr>
+        <p:spPr>
+          <a:xfrm>
+            <a:off x="838200" y="365125"/>
+            <a:ext cx="10515600" cy="619613"/>
+          </a:xfrm>
+        </p:spPr>
+        <p:txBody>
+          <a:bodyPr>
+            <a:normAutofit fontScale="90000"/>
+          </a:bodyPr>
+          <a:lstStyle/>
+          <a:p>
+            <a:r>
+              <a:rPr lang="en-US" dirty="0"/>
+              <a:t>Introduction</a:t>
+            </a:r>
+            <a:endParaRPr lang="en-US" dirty="0"/>
+          </a:p>
+        </p:txBody>
+      </p:sp>
+      <p:cxnSp>
+        <p:nvCxnSpPr>
+          <p:cNvPr id="8" name="Straight Connector 7"/>
+          <p:cNvCxnSpPr/>
+          <p:nvPr/>
+        </p:nvCxnSpPr>
+        <p:spPr>
+          <a:xfrm>
+            <a:off x="826474" y="940778"/>
+            <a:ext cx="10527326" cy="0"/>
+          </a:xfrm>
+          <a:prstGeom prst="line">
+            <a:avLst/>
+          </a:prstGeom>
+          <a:ln w="28575"/>
+        </p:spPr>
+        <p:style>
+          <a:lnRef idx="1">
+            <a:schemeClr val="accent1"/>
+          </a:lnRef>
+          <a:fillRef idx="0">
+            <a:schemeClr val="accent1"/>
+          </a:fillRef>
+          <a:effectRef idx="0">
+            <a:schemeClr val="accent1"/>
+          </a:effectRef>
+          <a:fontRef idx="minor">
+            <a:schemeClr val="tx1"/>
+          </a:fontRef>
+        </p:style>
+      </p:cxnSp>
+      <p:cxnSp>
+        <p:nvCxnSpPr>
+          <p:cNvPr id="9" name="Straight Connector 8"/>
+          <p:cNvCxnSpPr/>
+          <p:nvPr/>
+        </p:nvCxnSpPr>
+        <p:spPr>
+          <a:xfrm>
+            <a:off x="826474" y="368057"/>
+            <a:ext cx="10527326" cy="0"/>
+          </a:xfrm>
+          <a:prstGeom prst="line">
+            <a:avLst/>
+          </a:prstGeom>
+          <a:ln w="28575"/>
+        </p:spPr>
+        <p:style>
+          <a:lnRef idx="1">
+            <a:schemeClr val="accent1"/>
+          </a:lnRef>
+          <a:fillRef idx="0">
+            <a:schemeClr val="accent1"/>
+          </a:fillRef>
+          <a:effectRef idx="0">
+            <a:schemeClr val="accent1"/>
+          </a:effectRef>
+          <a:fontRef idx="minor">
+            <a:schemeClr val="tx1"/>
+          </a:fontRef>
+        </p:style>
+      </p:cxnSp>
+      <p:sp>
+        <p:nvSpPr>
+          <p:cNvPr id="2" name="Content Placeholder 1"/>
+          <p:cNvSpPr>
+            <a:spLocks noGrp="1"/>
+          </p:cNvSpPr>
+          <p:nvPr>
+            <p:ph idx="1"/>
+          </p:nvPr>
+        </p:nvSpPr>
+        <p:spPr>
+          <a:xfrm>
+            <a:off x="838200" y="1336040"/>
+            <a:ext cx="7172960" cy="4841240"/>
+          </a:xfrm>
+        </p:spPr>
+        <p:txBody>
+          <a:bodyPr>
+            <a:normAutofit fontScale="90000" lnSpcReduction="10000"/>
+          </a:bodyPr>
+          <a:lstStyle/>
+          <a:p>
+            <a:pPr marL="0" indent="0" algn="just">
+              <a:buNone/>
+            </a:pPr>
+            <a:r>
+              <a:rPr lang="en-US" sz="1600" dirty="0"/>
+              <a:t>Losses analysis is one of the most crucial design aspect within power electronic. Improper losses analysis often lead to early overheat during prototyping stage which then require more PCB iterations and potentially extend the overall development cycle time.</a:t>
+            </a:r>
+            <a:endParaRPr lang="en-US" sz="1600" dirty="0"/>
+          </a:p>
+          <a:p>
+            <a:pPr marL="0" indent="0" algn="just">
+              <a:buNone/>
+            </a:pPr>
+            <a:endParaRPr lang="en-US" sz="1600" dirty="0"/>
+          </a:p>
+          <a:p>
+            <a:pPr marL="0" indent="0" algn="just">
+              <a:buNone/>
+            </a:pPr>
+            <a:r>
+              <a:rPr lang="en-US" sz="1600" dirty="0"/>
+              <a:t>There are multiple approaches engineers do to perform losses analysis. The simplest method is just using Excel based on the datasheet’s parameter. This method is reasonable for simple topology but cumbersome or nearly impossible for more complex topology. Another method could be using Spice model of the device then run Spice simulation. Unfortunately simulating switching converter with full device semiconductor model are both very slow and very prone to simulation not converging.</a:t>
+            </a:r>
+            <a:endParaRPr lang="en-US" sz="1600" dirty="0"/>
+          </a:p>
+          <a:p>
+            <a:pPr marL="0" indent="0" algn="just">
+              <a:buNone/>
+            </a:pPr>
+            <a:endParaRPr lang="en-US" sz="1600" dirty="0"/>
+          </a:p>
+          <a:p>
+            <a:pPr marL="0" indent="0" algn="just">
+              <a:buNone/>
+            </a:pPr>
+            <a:r>
+              <a:rPr lang="en-US" sz="1600" dirty="0"/>
+              <a:t>Another solution that is now popular is to use ideal Switch simulation in PWL based simulator (i.e. PLECS, PSIM, Simba, etc) to obtain the device voltage and current during both ON state, turn on event and turn off event. Then, use simple math to estimate the losses by interpolating the data from losses table (pre-computed or measurement). This method have the benefit of being very fast and quite good accuracy (depending on how the user generate the losses table).</a:t>
+            </a:r>
+            <a:endParaRPr lang="en-US" sz="1600" dirty="0"/>
+          </a:p>
+          <a:p>
+            <a:pPr marL="0" indent="0" algn="just">
+              <a:buNone/>
+            </a:pPr>
+            <a:endParaRPr lang="en-US" sz="1600" dirty="0"/>
+          </a:p>
+          <a:p>
+            <a:pPr marL="0" indent="0" algn="just">
+              <a:buNone/>
+            </a:pPr>
+            <a:r>
+              <a:rPr lang="en-US" sz="1600" dirty="0"/>
+              <a:t>Here, I emulate the similar algorithm used by these propietary software and implement them in Qspice. At this moment, I am using a simplified version of losses table due to my C-coding limitation. I hope there will be some potential contributor to further extend the performance in the future.</a:t>
+            </a:r>
+            <a:endParaRPr lang="en-US" sz="1600" dirty="0"/>
+          </a:p>
+        </p:txBody>
+      </p:sp>
+      <p:sp>
+        <p:nvSpPr>
+          <p:cNvPr id="7" name="Footer Placeholder 6"/>
+          <p:cNvSpPr>
+            <a:spLocks noGrp="1"/>
+          </p:cNvSpPr>
+          <p:nvPr>
+            <p:ph type="ftr" sz="quarter" idx="11"/>
+          </p:nvPr>
+        </p:nvSpPr>
+        <p:spPr/>
+        <p:txBody>
+          <a:bodyPr/>
+          <a:lstStyle/>
+          <a:p>
+            <a:r>
+              <a:rPr lang="en-US"/>
+              <a:t>By Arief Noor Rahman </a:t>
+            </a:r>
+            <a:r>
+              <a:rPr lang="en-US">
+                <a:latin typeface="SimSun" panose="02010600030101010101" pitchFamily="2" charset="-122"/>
+                <a:ea typeface="SimSun" panose="02010600030101010101" pitchFamily="2" charset="-122"/>
+              </a:rPr>
+              <a:t>－</a:t>
+            </a:r>
+            <a:r>
+              <a:rPr lang="en-US">
+                <a:sym typeface="+mn-ea"/>
+              </a:rPr>
+              <a:t>Power Control Design</a:t>
+            </a:r>
+            <a:endParaRPr lang="en-US">
+              <a:latin typeface="SimSun" panose="02010600030101010101" pitchFamily="2" charset="-122"/>
+              <a:ea typeface="SimSun" panose="02010600030101010101" pitchFamily="2" charset="-122"/>
+            </a:endParaRPr>
+          </a:p>
+        </p:txBody>
+      </p:sp>
+      <p:sp>
+        <p:nvSpPr>
+          <p:cNvPr id="3" name="Slide Number Placeholder 2"/>
+          <p:cNvSpPr>
+            <a:spLocks noGrp="1"/>
+          </p:cNvSpPr>
+          <p:nvPr>
+            <p:ph type="sldNum" sz="quarter" idx="12"/>
+          </p:nvPr>
+        </p:nvSpPr>
+        <p:spPr/>
+        <p:txBody>
+          <a:bodyPr/>
+          <a:lstStyle/>
+          <a:p>
+            <a:fld id="{9B618960-8005-486C-9A75-10CB2AAC16F9}" type="slidenum">
+              <a:rPr lang="en-US" smtClean="0"/>
+            </a:fld>
+            <a:endParaRPr lang="en-US"/>
+          </a:p>
+        </p:txBody>
+      </p:sp>
+      <p:pic>
+        <p:nvPicPr>
+          <p:cNvPr id="4" name="Picture 3" descr="logo_detail"/>
+          <p:cNvPicPr>
+            <a:picLocks noChangeAspect="1"/>
+          </p:cNvPicPr>
+          <p:nvPr/>
+        </p:nvPicPr>
+        <p:blipFill>
+          <a:blip r:embed="rId2"/>
+          <a:stretch>
+            <a:fillRect/>
+          </a:stretch>
+        </p:blipFill>
+        <p:spPr>
+          <a:xfrm>
+            <a:off x="120650" y="6024880"/>
+            <a:ext cx="696595" cy="696595"/>
+          </a:xfrm>
+          <a:prstGeom prst="rect">
+            <a:avLst/>
+          </a:prstGeom>
+        </p:spPr>
+      </p:pic>
+      <p:sp>
+        <p:nvSpPr>
+          <p:cNvPr id="11" name="Text Box 10"/>
+          <p:cNvSpPr txBox="1"/>
+          <p:nvPr/>
+        </p:nvSpPr>
+        <p:spPr>
+          <a:xfrm>
+            <a:off x="8202295" y="4533265"/>
+            <a:ext cx="3560445" cy="1383665"/>
+          </a:xfrm>
+          <a:prstGeom prst="rect">
+            <a:avLst/>
+          </a:prstGeom>
+          <a:noFill/>
+          <a:ln>
+            <a:solidFill>
+              <a:schemeClr val="tx1"/>
+            </a:solidFill>
+          </a:ln>
+        </p:spPr>
+        <p:txBody>
+          <a:bodyPr wrap="square" rtlCol="0">
+            <a:spAutoFit/>
+          </a:bodyPr>
+          <a:p>
+            <a:r>
+              <a:rPr lang="en-US" sz="1400"/>
+              <a:t>Rgon 	= Turn on gate resistance</a:t>
+            </a:r>
+            <a:endParaRPr lang="en-US" sz="1400"/>
+          </a:p>
+          <a:p>
+            <a:r>
+              <a:rPr lang="en-US" sz="1400"/>
+              <a:t>Rgoff 	= Turn off gate resistance</a:t>
+            </a:r>
+            <a:endParaRPr lang="en-US" sz="1400"/>
+          </a:p>
+          <a:p>
+            <a:r>
+              <a:rPr lang="en-US" sz="1400"/>
+              <a:t>dtime 	= deadtime duration</a:t>
+            </a:r>
+            <a:endParaRPr lang="en-US" sz="1400"/>
+          </a:p>
+          <a:p>
+            <a:r>
+              <a:rPr lang="en-US" sz="1400"/>
+              <a:t>Npara 	= Number of parallel device</a:t>
+            </a:r>
+            <a:endParaRPr lang="en-US" sz="1400"/>
+          </a:p>
+          <a:p>
+            <a:r>
+              <a:rPr lang="en-US" sz="1400"/>
+              <a:t>xx_factor 	= losses correction scaling factor</a:t>
+            </a:r>
+            <a:endParaRPr lang="en-US" sz="1400"/>
+          </a:p>
+          <a:p>
+            <a:r>
+              <a:rPr lang="en-US" sz="1400"/>
+              <a:t>fname	= losses table file name</a:t>
+            </a:r>
+            <a:endParaRPr lang="en-US" sz="1400"/>
+          </a:p>
+        </p:txBody>
+      </p:sp>
+      <p:pic>
+        <p:nvPicPr>
+          <p:cNvPr id="6" name="Picture 5"/>
           <p:cNvPicPr>
             <a:picLocks noChangeAspect="1"/>
           </p:cNvPicPr>
@@ -4560,83 +6232,14 @@
         </p:blipFill>
         <p:spPr>
           <a:xfrm>
-            <a:off x="8458200" y="1132205"/>
-            <a:ext cx="2895600" cy="3209925"/>
+            <a:off x="8610600" y="1210945"/>
+            <a:ext cx="2648585" cy="2882900"/>
           </a:xfrm>
           <a:prstGeom prst="rect">
             <a:avLst/>
           </a:prstGeom>
         </p:spPr>
       </p:pic>
-      <p:sp>
-        <p:nvSpPr>
-          <p:cNvPr id="11" name="Text Box 10"/>
-          <p:cNvSpPr txBox="1"/>
-          <p:nvPr/>
-        </p:nvSpPr>
-        <p:spPr>
-          <a:xfrm>
-            <a:off x="8202295" y="4533265"/>
-            <a:ext cx="3560445" cy="1383665"/>
-          </a:xfrm>
-          <a:prstGeom prst="rect">
-            <a:avLst/>
-          </a:prstGeom>
-          <a:noFill/>
-          <a:ln>
-            <a:solidFill>
-              <a:schemeClr val="tx1"/>
-            </a:solidFill>
-          </a:ln>
-        </p:spPr>
-        <p:txBody>
-          <a:bodyPr wrap="square" rtlCol="0">
-            <a:spAutoFit/>
-          </a:bodyPr>
-          <a:p>
-            <a:r>
-              <a:rPr lang="en-US" sz="1400"/>
-              <a:t>Rgon 	= Turn on gate resistance</a:t>
-            </a:r>
-            <a:endParaRPr lang="en-US" sz="1400"/>
-          </a:p>
-          <a:p>
-            <a:r>
-              <a:rPr lang="en-US" sz="1400"/>
-              <a:t>Rgoff 	= Turn off gate resistance</a:t>
-            </a:r>
-            <a:endParaRPr lang="en-US" sz="1400"/>
-          </a:p>
-          <a:p>
-            <a:r>
-              <a:rPr lang="en-US" sz="1400"/>
-              <a:t>dtime 	= deadtime duration</a:t>
-            </a:r>
-            <a:endParaRPr lang="en-US" sz="1400"/>
-          </a:p>
-          <a:p>
-            <a:r>
-              <a:rPr lang="en-US" sz="1400"/>
-              <a:t>Npara 	= Number of parallel device</a:t>
-            </a:r>
-            <a:endParaRPr lang="en-US" sz="1400"/>
-          </a:p>
-          <a:p>
-            <a:r>
-              <a:rPr lang="en-US" sz="1400"/>
-              <a:t>xx_factor 	= losses correction scaling factor</a:t>
-            </a:r>
-            <a:endParaRPr lang="en-US" sz="1400"/>
-          </a:p>
-          <a:p>
-            <a:r>
-              <a:rPr lang="en-US" sz="1400"/>
-              <a:t>fname	= losses table file name</a:t>
-            </a:r>
-            <a:endParaRPr lang="en-US" sz="1400"/>
-          </a:p>
-        </p:txBody>
-      </p:sp>
     </p:spTree>
   </p:cSld>
   <p:clrMapOvr>
@@ -4645,7 +6248,7 @@
 </p:sld>
 </file>
 
-<file path=ppt/slides/slide3.xml><?xml version="1.0" encoding="utf-8"?>
+<file path=ppt/slides/slide4.xml><?xml version="1.0" encoding="utf-8"?>
 <p:sld xmlns:a="http://schemas.openxmlformats.org/drawingml/2006/main" xmlns:r="http://schemas.openxmlformats.org/officeDocument/2006/relationships" xmlns:p="http://schemas.openxmlformats.org/presentationml/2006/main">
   <p:cSld>
     <p:spTree>
@@ -6400,7 +8003,7 @@
 </p:sld>
 </file>
 
-<file path=ppt/slides/slide4.xml><?xml version="1.0" encoding="utf-8"?>
+<file path=ppt/slides/slide5.xml><?xml version="1.0" encoding="utf-8"?>
 <p:sld xmlns:a="http://schemas.openxmlformats.org/drawingml/2006/main" xmlns:r="http://schemas.openxmlformats.org/officeDocument/2006/relationships" xmlns:p="http://schemas.openxmlformats.org/presentationml/2006/main">
   <p:cSld>
     <p:spTree>
@@ -6441,7 +8044,7 @@
           <a:p>
             <a:r>
               <a:rPr lang="en-US" dirty="0"/>
-              <a:t>Understanding the losses table format</a:t>
+              <a:t>Temperature dependent loss factor</a:t>
             </a:r>
             <a:endParaRPr lang="en-US" dirty="0"/>
           </a:p>
@@ -6511,6 +8114,39 @@
       </p:cxnSp>
       <p:sp>
         <p:nvSpPr>
+          <p:cNvPr id="2" name="Content Placeholder 1"/>
+          <p:cNvSpPr>
+            <a:spLocks noGrp="1"/>
+          </p:cNvSpPr>
+          <p:nvPr>
+            <p:ph idx="1"/>
+          </p:nvPr>
+        </p:nvSpPr>
+        <p:spPr>
+          <a:xfrm>
+            <a:off x="826770" y="1143635"/>
+            <a:ext cx="6881495" cy="923290"/>
+          </a:xfrm>
+        </p:spPr>
+        <p:txBody>
+          <a:bodyPr>
+            <a:normAutofit/>
+          </a:bodyPr>
+          <a:lstStyle/>
+          <a:p>
+            <a:pPr marL="0" indent="0" algn="just">
+              <a:buNone/>
+            </a:pPr>
+            <a:r>
+              <a:rPr lang="en-US" sz="1600" dirty="0"/>
+              <a:t>This temperature dependent loss factor is added since Rev.1 to account for the temperature effect to the overall power loss. Currently the effect is only used to adjust the conduction loss as depicted in the following figure.</a:t>
+            </a:r>
+            <a:endParaRPr lang="en-US" sz="1600" dirty="0"/>
+          </a:p>
+        </p:txBody>
+      </p:sp>
+      <p:sp>
+        <p:nvSpPr>
           <p:cNvPr id="7" name="Footer Placeholder 6"/>
           <p:cNvSpPr>
             <a:spLocks noGrp="1"/>
@@ -6594,528 +8230,9 @@
           </a:prstGeom>
         </p:spPr>
       </p:pic>
-      <p:graphicFrame>
-        <p:nvGraphicFramePr>
-          <p:cNvPr id="13" name="Table 12"/>
-          <p:cNvGraphicFramePr/>
-          <p:nvPr/>
-        </p:nvGraphicFramePr>
-        <p:xfrm>
-          <a:off x="880745" y="1157605"/>
-          <a:ext cx="8533765" cy="1905000"/>
-        </p:xfrm>
-        <a:graphic>
-          <a:graphicData uri="http://schemas.openxmlformats.org/drawingml/2006/table">
-            <a:tbl>
-              <a:tblPr>
-                <a:tableStyleId>{5C22544A-7EE6-4342-B048-85BDC9FD1C3A}</a:tableStyleId>
-              </a:tblPr>
-              <a:tblGrid>
-                <a:gridCol w="1421765"/>
-                <a:gridCol w="1421765"/>
-                <a:gridCol w="1421765"/>
-                <a:gridCol w="1421765"/>
-                <a:gridCol w="1421765"/>
-                <a:gridCol w="1421765"/>
-              </a:tblGrid>
-              <a:tr h="381000">
-                <a:tc>
-                  <a:txBody>
-                    <a:bodyPr/>
-                    <a:p>
-                      <a:pPr>
-                        <a:buNone/>
-                      </a:pPr>
-                      <a:r>
-                        <a:rPr lang="en-US"/>
-                        <a:t>Rdson</a:t>
-                      </a:r>
-                      <a:endParaRPr lang="en-US"/>
-                    </a:p>
-                  </a:txBody>
-                  <a:tcPr/>
-                </a:tc>
-                <a:tc>
-                  <a:txBody>
-                    <a:bodyPr/>
-                    <a:p>
-                      <a:pPr>
-                        <a:buNone/>
-                      </a:pPr>
-                      <a:r>
-                        <a:rPr lang="en-US"/>
-                        <a:t>Ton</a:t>
-                      </a:r>
-                      <a:endParaRPr lang="en-US"/>
-                    </a:p>
-                  </a:txBody>
-                  <a:tcPr/>
-                </a:tc>
-                <a:tc>
-                  <a:txBody>
-                    <a:bodyPr/>
-                    <a:p>
-                      <a:pPr>
-                        <a:buNone/>
-                      </a:pPr>
-                      <a:r>
-                        <a:rPr lang="en-US"/>
-                        <a:t>Toff</a:t>
-                      </a:r>
-                      <a:endParaRPr lang="en-US"/>
-                    </a:p>
-                  </a:txBody>
-                  <a:tcPr/>
-                </a:tc>
-                <a:tc>
-                  <a:txBody>
-                    <a:bodyPr/>
-                    <a:p>
-                      <a:pPr>
-                        <a:buNone/>
-                      </a:pPr>
-                      <a:r>
-                        <a:rPr lang="en-US"/>
-                        <a:t>Rg_test</a:t>
-                      </a:r>
-                      <a:endParaRPr lang="en-US"/>
-                    </a:p>
-                  </a:txBody>
-                  <a:tcPr/>
-                </a:tc>
-                <a:tc>
-                  <a:txBody>
-                    <a:bodyPr/>
-                    <a:p>
-                      <a:pPr>
-                        <a:buNone/>
-                      </a:pPr>
-                      <a:r>
-                        <a:rPr lang="en-US"/>
-                        <a:t>Rg_int</a:t>
-                      </a:r>
-                      <a:endParaRPr lang="en-US"/>
-                    </a:p>
-                  </a:txBody>
-                  <a:tcPr/>
-                </a:tc>
-                <a:tc>
-                  <a:txBody>
-                    <a:bodyPr/>
-                    <a:p>
-                      <a:pPr>
-                        <a:buNone/>
-                      </a:pPr>
-                      <a:r>
-                        <a:rPr lang="en-US"/>
-                        <a:t>0.0</a:t>
-                      </a:r>
-                      <a:endParaRPr lang="en-US"/>
-                    </a:p>
-                  </a:txBody>
-                  <a:tcPr/>
-                </a:tc>
-              </a:tr>
-              <a:tr h="381000">
-                <a:tc>
-                  <a:txBody>
-                    <a:bodyPr/>
-                    <a:p>
-                      <a:pPr>
-                        <a:buNone/>
-                      </a:pPr>
-                      <a:r>
-                        <a:rPr lang="en-US"/>
-                        <a:t>Vds (0V)</a:t>
-                      </a:r>
-                      <a:endParaRPr lang="en-US"/>
-                    </a:p>
-                  </a:txBody>
-                  <a:tcPr/>
-                </a:tc>
-                <a:tc>
-                  <a:txBody>
-                    <a:bodyPr/>
-                    <a:p>
-                      <a:pPr>
-                        <a:buNone/>
-                      </a:pPr>
-                      <a:endParaRPr lang="en-US"/>
-                    </a:p>
-                  </a:txBody>
-                  <a:tcPr/>
-                </a:tc>
-                <a:tc>
-                  <a:txBody>
-                    <a:bodyPr/>
-                    <a:p>
-                      <a:pPr>
-                        <a:buNone/>
-                      </a:pPr>
-                      <a:endParaRPr lang="en-US"/>
-                    </a:p>
-                  </a:txBody>
-                  <a:tcPr/>
-                </a:tc>
-                <a:tc>
-                  <a:txBody>
-                    <a:bodyPr/>
-                    <a:p>
-                      <a:pPr>
-                        <a:buNone/>
-                      </a:pPr>
-                      <a:endParaRPr lang="en-US"/>
-                    </a:p>
-                  </a:txBody>
-                  <a:tcPr/>
-                </a:tc>
-                <a:tc>
-                  <a:txBody>
-                    <a:bodyPr/>
-                    <a:p>
-                      <a:pPr>
-                        <a:buNone/>
-                      </a:pPr>
-                      <a:endParaRPr lang="en-US"/>
-                    </a:p>
-                  </a:txBody>
-                  <a:tcPr/>
-                </a:tc>
-                <a:tc>
-                  <a:txBody>
-                    <a:bodyPr/>
-                    <a:p>
-                      <a:pPr>
-                        <a:buNone/>
-                      </a:pPr>
-                      <a:r>
-                        <a:rPr lang="en-US"/>
-                        <a:t>Vds (Vrating)</a:t>
-                      </a:r>
-                      <a:endParaRPr lang="en-US"/>
-                    </a:p>
-                  </a:txBody>
-                  <a:tcPr/>
-                </a:tc>
-              </a:tr>
-              <a:tr h="381000">
-                <a:tc>
-                  <a:txBody>
-                    <a:bodyPr/>
-                    <a:p>
-                      <a:pPr>
-                        <a:buNone/>
-                      </a:pPr>
-                      <a:r>
-                        <a:rPr lang="en-US"/>
-                        <a:t>Coss(@Vds)</a:t>
-                      </a:r>
-                      <a:endParaRPr lang="en-US"/>
-                    </a:p>
-                  </a:txBody>
-                  <a:tcPr/>
-                </a:tc>
-                <a:tc>
-                  <a:txBody>
-                    <a:bodyPr/>
-                    <a:p>
-                      <a:pPr>
-                        <a:buNone/>
-                      </a:pPr>
-                      <a:endParaRPr lang="en-US"/>
-                    </a:p>
-                  </a:txBody>
-                  <a:tcPr/>
-                </a:tc>
-                <a:tc>
-                  <a:txBody>
-                    <a:bodyPr/>
-                    <a:p>
-                      <a:pPr>
-                        <a:buNone/>
-                      </a:pPr>
-                      <a:endParaRPr lang="en-US"/>
-                    </a:p>
-                  </a:txBody>
-                  <a:tcPr/>
-                </a:tc>
-                <a:tc>
-                  <a:txBody>
-                    <a:bodyPr/>
-                    <a:p>
-                      <a:pPr>
-                        <a:buNone/>
-                      </a:pPr>
-                      <a:endParaRPr lang="en-US"/>
-                    </a:p>
-                  </a:txBody>
-                  <a:tcPr/>
-                </a:tc>
-                <a:tc>
-                  <a:txBody>
-                    <a:bodyPr/>
-                    <a:p>
-                      <a:pPr>
-                        <a:buNone/>
-                      </a:pPr>
-                      <a:endParaRPr lang="en-US"/>
-                    </a:p>
-                  </a:txBody>
-                  <a:tcPr/>
-                </a:tc>
-                <a:tc>
-                  <a:txBody>
-                    <a:bodyPr/>
-                    <a:p>
-                      <a:pPr>
-                        <a:buNone/>
-                      </a:pPr>
-                      <a:r>
-                        <a:rPr lang="en-US"/>
-                        <a:t>Coss(@Vds)</a:t>
-                      </a:r>
-                      <a:endParaRPr lang="en-US"/>
-                    </a:p>
-                  </a:txBody>
-                  <a:tcPr/>
-                </a:tc>
-              </a:tr>
-              <a:tr h="381000">
-                <a:tc>
-                  <a:txBody>
-                    <a:bodyPr/>
-                    <a:p>
-                      <a:pPr>
-                        <a:buNone/>
-                      </a:pPr>
-                      <a:r>
-                        <a:rPr lang="en-US"/>
-                        <a:t>Isd (0A)</a:t>
-                      </a:r>
-                      <a:endParaRPr lang="en-US"/>
-                    </a:p>
-                  </a:txBody>
-                  <a:tcPr/>
-                </a:tc>
-                <a:tc>
-                  <a:txBody>
-                    <a:bodyPr/>
-                    <a:p>
-                      <a:pPr>
-                        <a:buNone/>
-                      </a:pPr>
-                      <a:endParaRPr lang="en-US"/>
-                    </a:p>
-                  </a:txBody>
-                  <a:tcPr/>
-                </a:tc>
-                <a:tc>
-                  <a:txBody>
-                    <a:bodyPr/>
-                    <a:p>
-                      <a:pPr>
-                        <a:buNone/>
-                      </a:pPr>
-                      <a:endParaRPr lang="en-US"/>
-                    </a:p>
-                  </a:txBody>
-                  <a:tcPr/>
-                </a:tc>
-                <a:tc>
-                  <a:txBody>
-                    <a:bodyPr/>
-                    <a:p>
-                      <a:pPr>
-                        <a:buNone/>
-                      </a:pPr>
-                      <a:endParaRPr lang="en-US"/>
-                    </a:p>
-                  </a:txBody>
-                  <a:tcPr/>
-                </a:tc>
-                <a:tc>
-                  <a:txBody>
-                    <a:bodyPr/>
-                    <a:p>
-                      <a:pPr>
-                        <a:buNone/>
-                      </a:pPr>
-                      <a:endParaRPr lang="en-US"/>
-                    </a:p>
-                  </a:txBody>
-                  <a:tcPr/>
-                </a:tc>
-                <a:tc>
-                  <a:txBody>
-                    <a:bodyPr/>
-                    <a:p>
-                      <a:pPr>
-                        <a:buNone/>
-                      </a:pPr>
-                      <a:r>
-                        <a:rPr lang="en-US"/>
-                        <a:t>Isd (Irating)</a:t>
-                      </a:r>
-                      <a:endParaRPr lang="en-US"/>
-                    </a:p>
-                  </a:txBody>
-                  <a:tcPr/>
-                </a:tc>
-              </a:tr>
-              <a:tr h="381000">
-                <a:tc>
-                  <a:txBody>
-                    <a:bodyPr/>
-                    <a:p>
-                      <a:pPr>
-                        <a:buNone/>
-                      </a:pPr>
-                      <a:r>
-                        <a:rPr lang="en-US"/>
-                        <a:t>Vsd(@Isd)</a:t>
-                      </a:r>
-                      <a:endParaRPr lang="en-US"/>
-                    </a:p>
-                  </a:txBody>
-                  <a:tcPr/>
-                </a:tc>
-                <a:tc>
-                  <a:txBody>
-                    <a:bodyPr/>
-                    <a:p>
-                      <a:pPr>
-                        <a:buNone/>
-                      </a:pPr>
-                      <a:endParaRPr lang="en-US"/>
-                    </a:p>
-                  </a:txBody>
-                  <a:tcPr/>
-                </a:tc>
-                <a:tc>
-                  <a:txBody>
-                    <a:bodyPr/>
-                    <a:p>
-                      <a:pPr>
-                        <a:buNone/>
-                      </a:pPr>
-                      <a:endParaRPr lang="en-US"/>
-                    </a:p>
-                  </a:txBody>
-                  <a:tcPr/>
-                </a:tc>
-                <a:tc>
-                  <a:txBody>
-                    <a:bodyPr/>
-                    <a:p>
-                      <a:pPr>
-                        <a:buNone/>
-                      </a:pPr>
-                      <a:endParaRPr lang="en-US"/>
-                    </a:p>
-                  </a:txBody>
-                  <a:tcPr/>
-                </a:tc>
-                <a:tc>
-                  <a:txBody>
-                    <a:bodyPr/>
-                    <a:p>
-                      <a:pPr>
-                        <a:buNone/>
-                      </a:pPr>
-                      <a:endParaRPr lang="en-US"/>
-                    </a:p>
-                  </a:txBody>
-                  <a:tcPr/>
-                </a:tc>
-                <a:tc>
-                  <a:txBody>
-                    <a:bodyPr/>
-                    <a:p>
-                      <a:pPr>
-                        <a:buNone/>
-                      </a:pPr>
-                      <a:r>
-                        <a:rPr lang="en-US" sz="1800">
-                          <a:sym typeface="+mn-ea"/>
-                        </a:rPr>
-                        <a:t>Vsd(@Isd)</a:t>
-                      </a:r>
-                      <a:endParaRPr lang="en-US"/>
-                    </a:p>
-                  </a:txBody>
-                  <a:tcPr/>
-                </a:tc>
-              </a:tr>
-            </a:tbl>
-          </a:graphicData>
-        </a:graphic>
-      </p:graphicFrame>
-      <p:sp>
-        <p:nvSpPr>
-          <p:cNvPr id="26" name="Text Box 25"/>
-          <p:cNvSpPr txBox="1"/>
-          <p:nvPr/>
-        </p:nvSpPr>
-        <p:spPr>
-          <a:xfrm>
-            <a:off x="6968490" y="3428365"/>
-            <a:ext cx="4839970" cy="3138170"/>
-          </a:xfrm>
-          <a:prstGeom prst="rect">
-            <a:avLst/>
-          </a:prstGeom>
-          <a:noFill/>
-        </p:spPr>
-        <p:txBody>
-          <a:bodyPr wrap="square" rtlCol="0">
-            <a:spAutoFit/>
-          </a:bodyPr>
-          <a:p>
-            <a:pPr marL="285750" indent="-285750">
-              <a:buFont typeface="Arial" panose="020B0604020202020204" pitchFamily="34" charset="0"/>
-              <a:buChar char="•"/>
-            </a:pPr>
-            <a:r>
-              <a:rPr lang="en-US"/>
-              <a:t>The table size must be strictly 5x6 and written with the exact format.</a:t>
-            </a:r>
-            <a:endParaRPr lang="en-US"/>
-          </a:p>
-          <a:p>
-            <a:pPr marL="285750" indent="-285750">
-              <a:buFont typeface="Arial" panose="020B0604020202020204" pitchFamily="34" charset="0"/>
-              <a:buChar char="•"/>
-            </a:pPr>
-            <a:r>
-              <a:rPr lang="en-US"/>
-              <a:t>Between one collumn to the next, the data is separated by using tab (tab delimited data).</a:t>
-            </a:r>
-            <a:endParaRPr lang="en-US"/>
-          </a:p>
-          <a:p>
-            <a:pPr marL="285750" indent="-285750">
-              <a:buFont typeface="Arial" panose="020B0604020202020204" pitchFamily="34" charset="0"/>
-              <a:buChar char="•"/>
-            </a:pPr>
-            <a:r>
-              <a:rPr lang="en-US"/>
-              <a:t>The losses Eoss and body diode are calculated by taking linear interpolation from the losses table. </a:t>
-            </a:r>
-            <a:r>
-              <a:rPr lang="en-US" b="1"/>
-              <a:t>The data table dont need to be equally spaced</a:t>
-            </a:r>
-            <a:r>
-              <a:rPr lang="en-US"/>
-              <a:t>. If the Vds or Id is greater than the highest value in the datasheet, the Eoss and Vsd are assumed to be equal to the maximum value on the table.</a:t>
-            </a:r>
-            <a:endParaRPr lang="en-US"/>
-          </a:p>
-        </p:txBody>
-      </p:sp>
       <p:pic>
         <p:nvPicPr>
-          <p:cNvPr id="27" name="Picture 26"/>
+          <p:cNvPr id="6" name="Picture 5"/>
           <p:cNvPicPr>
             <a:picLocks noChangeAspect="1"/>
           </p:cNvPicPr>
@@ -7129,550 +8246,14 @@
         </p:blipFill>
         <p:spPr>
           <a:xfrm>
-            <a:off x="880745" y="3428365"/>
-            <a:ext cx="5988685" cy="2555240"/>
+            <a:off x="2619375" y="2066925"/>
+            <a:ext cx="3749675" cy="4218940"/>
           </a:xfrm>
           <a:prstGeom prst="rect">
             <a:avLst/>
           </a:prstGeom>
         </p:spPr>
       </p:pic>
-    </p:spTree>
-  </p:cSld>
-  <p:clrMapOvr>
-    <a:masterClrMapping/>
-  </p:clrMapOvr>
-</p:sld>
-</file>
-
-<file path=ppt/slides/slide5.xml><?xml version="1.0" encoding="utf-8"?>
-<p:sld xmlns:a="http://schemas.openxmlformats.org/drawingml/2006/main" xmlns:r="http://schemas.openxmlformats.org/officeDocument/2006/relationships" xmlns:p="http://schemas.openxmlformats.org/presentationml/2006/main">
-  <p:cSld>
-    <p:spTree>
-      <p:nvGrpSpPr>
-        <p:cNvPr id="1" name=""/>
-        <p:cNvGrpSpPr/>
-        <p:nvPr/>
-      </p:nvGrpSpPr>
-      <p:grpSpPr>
-        <a:xfrm>
-          <a:off x="0" y="0"/>
-          <a:ext cx="0" cy="0"/>
-          <a:chOff x="0" y="0"/>
-          <a:chExt cx="0" cy="0"/>
-        </a:xfrm>
-      </p:grpSpPr>
-      <p:sp>
-        <p:nvSpPr>
-          <p:cNvPr id="5" name="Title 4"/>
-          <p:cNvSpPr>
-            <a:spLocks noGrp="1"/>
-          </p:cNvSpPr>
-          <p:nvPr>
-            <p:ph type="title"/>
-          </p:nvPr>
-        </p:nvSpPr>
-        <p:spPr>
-          <a:xfrm>
-            <a:off x="838200" y="365125"/>
-            <a:ext cx="10515600" cy="619613"/>
-          </a:xfrm>
-        </p:spPr>
-        <p:txBody>
-          <a:bodyPr>
-            <a:normAutofit fontScale="90000"/>
-          </a:bodyPr>
-          <a:lstStyle/>
-          <a:p>
-            <a:r>
-              <a:rPr lang="en-US" dirty="0"/>
-              <a:t>Reasoning for losses table design</a:t>
-            </a:r>
-            <a:endParaRPr lang="en-US" dirty="0"/>
-          </a:p>
-        </p:txBody>
-      </p:sp>
-      <p:cxnSp>
-        <p:nvCxnSpPr>
-          <p:cNvPr id="8" name="Straight Connector 7"/>
-          <p:cNvCxnSpPr/>
-          <p:nvPr/>
-        </p:nvCxnSpPr>
-        <p:spPr>
-          <a:xfrm>
-            <a:off x="826474" y="940778"/>
-            <a:ext cx="10527326" cy="0"/>
-          </a:xfrm>
-          <a:prstGeom prst="line">
-            <a:avLst/>
-          </a:prstGeom>
-          <a:ln w="28575"/>
-        </p:spPr>
-        <p:style>
-          <a:lnRef idx="1">
-            <a:schemeClr val="accent1"/>
-          </a:lnRef>
-          <a:fillRef idx="0">
-            <a:schemeClr val="accent1"/>
-          </a:fillRef>
-          <a:effectRef idx="0">
-            <a:schemeClr val="accent1"/>
-          </a:effectRef>
-          <a:fontRef idx="minor">
-            <a:schemeClr val="tx1"/>
-          </a:fontRef>
-        </p:style>
-      </p:cxnSp>
-      <p:cxnSp>
-        <p:nvCxnSpPr>
-          <p:cNvPr id="9" name="Straight Connector 8"/>
-          <p:cNvCxnSpPr/>
-          <p:nvPr/>
-        </p:nvCxnSpPr>
-        <p:spPr>
-          <a:xfrm>
-            <a:off x="826474" y="368057"/>
-            <a:ext cx="10527326" cy="0"/>
-          </a:xfrm>
-          <a:prstGeom prst="line">
-            <a:avLst/>
-          </a:prstGeom>
-          <a:ln w="28575"/>
-        </p:spPr>
-        <p:style>
-          <a:lnRef idx="1">
-            <a:schemeClr val="accent1"/>
-          </a:lnRef>
-          <a:fillRef idx="0">
-            <a:schemeClr val="accent1"/>
-          </a:fillRef>
-          <a:effectRef idx="0">
-            <a:schemeClr val="accent1"/>
-          </a:effectRef>
-          <a:fontRef idx="minor">
-            <a:schemeClr val="tx1"/>
-          </a:fontRef>
-        </p:style>
-      </p:cxnSp>
-      <p:sp>
-        <p:nvSpPr>
-          <p:cNvPr id="7" name="Footer Placeholder 6"/>
-          <p:cNvSpPr>
-            <a:spLocks noGrp="1"/>
-          </p:cNvSpPr>
-          <p:nvPr>
-            <p:ph type="ftr" sz="quarter" idx="11"/>
-          </p:nvPr>
-        </p:nvSpPr>
-        <p:spPr/>
-        <p:txBody>
-          <a:bodyPr/>
-          <a:lstStyle/>
-          <a:p>
-            <a:r>
-              <a:rPr lang="en-US"/>
-              <a:t>By Arief Noor Rahman </a:t>
-            </a:r>
-            <a:r>
-              <a:rPr lang="en-US">
-                <a:latin typeface="SimSun" panose="02010600030101010101" pitchFamily="2" charset="-122"/>
-                <a:ea typeface="SimSun" panose="02010600030101010101" pitchFamily="2" charset="-122"/>
-              </a:rPr>
-              <a:t>－</a:t>
-            </a:r>
-            <a:r>
-              <a:rPr lang="en-US">
-                <a:sym typeface="+mn-ea"/>
-              </a:rPr>
-              <a:t>Power Control Design</a:t>
-            </a:r>
-            <a:endParaRPr lang="en-US">
-              <a:latin typeface="SimSun" panose="02010600030101010101" pitchFamily="2" charset="-122"/>
-              <a:ea typeface="SimSun" panose="02010600030101010101" pitchFamily="2" charset="-122"/>
-            </a:endParaRPr>
-          </a:p>
-        </p:txBody>
-      </p:sp>
-      <p:sp>
-        <p:nvSpPr>
-          <p:cNvPr id="3" name="Slide Number Placeholder 2"/>
-          <p:cNvSpPr>
-            <a:spLocks noGrp="1"/>
-          </p:cNvSpPr>
-          <p:nvPr>
-            <p:ph type="sldNum" sz="quarter" idx="12"/>
-          </p:nvPr>
-        </p:nvSpPr>
-        <p:spPr/>
-        <p:txBody>
-          <a:bodyPr/>
-          <a:lstStyle/>
-          <a:p>
-            <a:fld id="{9B618960-8005-486C-9A75-10CB2AAC16F9}" type="slidenum">
-              <a:rPr lang="en-US" smtClean="0"/>
-            </a:fld>
-            <a:endParaRPr lang="en-US"/>
-          </a:p>
-        </p:txBody>
-      </p:sp>
-      <p:pic>
-        <p:nvPicPr>
-          <p:cNvPr id="4" name="Picture 3" descr="logo_detail"/>
-          <p:cNvPicPr>
-            <a:picLocks noChangeAspect="1"/>
-          </p:cNvPicPr>
-          <p:nvPr/>
-        </p:nvPicPr>
-        <p:blipFill>
-          <a:blip r:embed="rId1"/>
-          <a:stretch>
-            <a:fillRect/>
-          </a:stretch>
-        </p:blipFill>
-        <p:spPr>
-          <a:xfrm>
-            <a:off x="120650" y="6024880"/>
-            <a:ext cx="696595" cy="696595"/>
-          </a:xfrm>
-          <a:prstGeom prst="rect">
-            <a:avLst/>
-          </a:prstGeom>
-        </p:spPr>
-      </p:pic>
-      <p:sp>
-        <p:nvSpPr>
-          <p:cNvPr id="6" name="Text Box 5"/>
-          <p:cNvSpPr txBox="1"/>
-          <p:nvPr/>
-        </p:nvSpPr>
-        <p:spPr>
-          <a:xfrm>
-            <a:off x="817245" y="1066800"/>
-            <a:ext cx="9877425" cy="2676525"/>
-          </a:xfrm>
-          <a:prstGeom prst="rect">
-            <a:avLst/>
-          </a:prstGeom>
-          <a:noFill/>
-        </p:spPr>
-        <p:txBody>
-          <a:bodyPr wrap="square" rtlCol="0">
-            <a:spAutoFit/>
-          </a:bodyPr>
-          <a:p>
-            <a:r>
-              <a:rPr lang="en-US" sz="1400"/>
-              <a:t>The losses table used in this design is much simpler than the table used by PLECS. The reasoning why this table might be reasonably acceptable is because the more complex table is still a simple approximation as it only based on measurement with one gate resistance value, one or a few V</a:t>
-            </a:r>
-            <a:r>
-              <a:rPr lang="en-US" sz="1400" baseline="-25000"/>
-              <a:t>ds</a:t>
-            </a:r>
-            <a:r>
-              <a:rPr lang="en-US" sz="1400"/>
-              <a:t> levels, and some I</a:t>
-            </a:r>
-            <a:r>
-              <a:rPr lang="en-US" sz="1400" baseline="-25000"/>
-              <a:t>d</a:t>
-            </a:r>
-            <a:r>
-              <a:rPr lang="en-US" sz="1400"/>
-              <a:t> levels, and typically only measured at 25</a:t>
-            </a:r>
-            <a:r>
-              <a:rPr lang="en-US" sz="1400">
-                <a:latin typeface="Arial" panose="020B0604020202020204" pitchFamily="34" charset="0"/>
-                <a:cs typeface="Arial" panose="020B0604020202020204" pitchFamily="34" charset="0"/>
-              </a:rPr>
-              <a:t>⁰</a:t>
-            </a:r>
-            <a:r>
-              <a:rPr lang="en-US" sz="1400"/>
-              <a:t>C and at T</a:t>
-            </a:r>
-            <a:r>
-              <a:rPr lang="en-US" sz="1400" baseline="-25000"/>
-              <a:t>j(op),max</a:t>
-            </a:r>
-            <a:r>
-              <a:rPr lang="en-US" sz="1400"/>
-              <a:t>.</a:t>
-            </a:r>
-            <a:endParaRPr lang="en-US" sz="1400"/>
-          </a:p>
-          <a:p>
-            <a:endParaRPr lang="en-US" sz="1400"/>
-          </a:p>
-          <a:p>
-            <a:r>
-              <a:rPr lang="en-US" sz="1400"/>
-              <a:t>Second part that might be worth a discussion is, the linear simplification of switching loss parameter into T</a:t>
-            </a:r>
-            <a:r>
-              <a:rPr lang="en-US" sz="1400" baseline="-25000"/>
-              <a:t>on</a:t>
-            </a:r>
-            <a:r>
-              <a:rPr lang="en-US" sz="1400"/>
-              <a:t> and T</a:t>
-            </a:r>
-            <a:r>
-              <a:rPr lang="en-US" sz="1400" baseline="-25000"/>
-              <a:t>off</a:t>
-            </a:r>
-            <a:r>
-              <a:rPr lang="en-US" sz="1400"/>
-              <a:t>. As shown below, Infineon and Rohm are very linear thus the assumption should be considered reasonable. However while Wolfspeed  and ST are more wobly curve which means the assumption may not be very correct. But anyway practically speaking, just eyeball it and call it a day if you want to choose Wolfspeed or ST or calculate the losses with Infineon/Rohm device with similar Rdson as generally losses among different vendor are not too dissimilar...haha.</a:t>
-            </a:r>
-            <a:endParaRPr lang="en-US" sz="1400"/>
-          </a:p>
-          <a:p>
-            <a:endParaRPr lang="en-US" sz="1400"/>
-          </a:p>
-          <a:p>
-            <a:r>
-              <a:rPr lang="en-US" sz="1400"/>
-              <a:t>Note: if you cant understand the second part, means you havent work in company. Where it is common for us to simply swap MOSFET with similar Rdson from supplier A to supplier B, in most cases nothing really bad happened except with simply 5~10</a:t>
-            </a:r>
-            <a:r>
-              <a:rPr lang="en-US" sz="1400">
-                <a:latin typeface="Arial" panose="020B0604020202020204" pitchFamily="34" charset="0"/>
-                <a:cs typeface="Arial" panose="020B0604020202020204" pitchFamily="34" charset="0"/>
-              </a:rPr>
-              <a:t>⁰</a:t>
-            </a:r>
-            <a:r>
-              <a:rPr lang="en-US" sz="1400"/>
-              <a:t>C temp.</a:t>
-            </a:r>
-            <a:endParaRPr lang="en-US" sz="1400">
-              <a:latin typeface="Arial" panose="020B0604020202020204" pitchFamily="34" charset="0"/>
-              <a:cs typeface="Arial" panose="020B0604020202020204" pitchFamily="34" charset="0"/>
-            </a:endParaRPr>
-          </a:p>
-        </p:txBody>
-      </p:sp>
-      <p:pic>
-        <p:nvPicPr>
-          <p:cNvPr id="2" name="Picture 1"/>
-          <p:cNvPicPr>
-            <a:picLocks noChangeAspect="1"/>
-          </p:cNvPicPr>
-          <p:nvPr/>
-        </p:nvPicPr>
-        <p:blipFill>
-          <a:blip r:embed="rId2"/>
-          <a:stretch>
-            <a:fillRect/>
-          </a:stretch>
-        </p:blipFill>
-        <p:spPr>
-          <a:xfrm>
-            <a:off x="9329420" y="4221480"/>
-            <a:ext cx="1858010" cy="2134870"/>
-          </a:xfrm>
-          <a:prstGeom prst="rect">
-            <a:avLst/>
-          </a:prstGeom>
-        </p:spPr>
-      </p:pic>
-      <p:sp>
-        <p:nvSpPr>
-          <p:cNvPr id="13" name="Text Box 12"/>
-          <p:cNvSpPr txBox="1"/>
-          <p:nvPr/>
-        </p:nvSpPr>
-        <p:spPr>
-          <a:xfrm>
-            <a:off x="9329420" y="3914775"/>
-            <a:ext cx="1921510" cy="252730"/>
-          </a:xfrm>
-          <a:prstGeom prst="rect">
-            <a:avLst/>
-          </a:prstGeom>
-          <a:noFill/>
-        </p:spPr>
-        <p:txBody>
-          <a:bodyPr wrap="square" rtlCol="0">
-            <a:noAutofit/>
-          </a:bodyPr>
-          <a:p>
-            <a:r>
-              <a:rPr lang="en-US" altLang="en-US" sz="1400"/>
-              <a:t>Rohm SCT3040KR</a:t>
-            </a:r>
-            <a:endParaRPr lang="en-US" altLang="en-US" sz="1400"/>
-          </a:p>
-        </p:txBody>
-      </p:sp>
-      <p:sp>
-        <p:nvSpPr>
-          <p:cNvPr id="15" name="Text Box 14"/>
-          <p:cNvSpPr txBox="1"/>
-          <p:nvPr/>
-        </p:nvSpPr>
-        <p:spPr>
-          <a:xfrm>
-            <a:off x="6114415" y="3914775"/>
-            <a:ext cx="2647950" cy="306705"/>
-          </a:xfrm>
-          <a:prstGeom prst="rect">
-            <a:avLst/>
-          </a:prstGeom>
-          <a:noFill/>
-        </p:spPr>
-        <p:txBody>
-          <a:bodyPr wrap="square" rtlCol="0" anchor="t">
-            <a:spAutoFit/>
-          </a:bodyPr>
-          <a:p>
-            <a:r>
-              <a:rPr lang="en-US" altLang="en-US" sz="1400"/>
-              <a:t>Wolfspeed C3M0016120D</a:t>
-            </a:r>
-            <a:endParaRPr lang="en-US" altLang="en-US" sz="1400"/>
-          </a:p>
-        </p:txBody>
-      </p:sp>
-      <p:pic>
-        <p:nvPicPr>
-          <p:cNvPr id="16" name="Picture 15"/>
-          <p:cNvPicPr>
-            <a:picLocks noChangeAspect="1"/>
-          </p:cNvPicPr>
-          <p:nvPr/>
-        </p:nvPicPr>
-        <p:blipFill>
-          <a:blip r:embed="rId3"/>
-          <a:stretch>
-            <a:fillRect/>
-          </a:stretch>
-        </p:blipFill>
-        <p:spPr>
-          <a:xfrm>
-            <a:off x="6180455" y="4279900"/>
-            <a:ext cx="2907665" cy="2026920"/>
-          </a:xfrm>
-          <a:prstGeom prst="rect">
-            <a:avLst/>
-          </a:prstGeom>
-        </p:spPr>
-      </p:pic>
-      <p:pic>
-        <p:nvPicPr>
-          <p:cNvPr id="17" name="Picture 16"/>
-          <p:cNvPicPr>
-            <a:picLocks noChangeAspect="1"/>
-          </p:cNvPicPr>
-          <p:nvPr/>
-        </p:nvPicPr>
-        <p:blipFill>
-          <a:blip r:embed="rId4"/>
-          <a:stretch>
-            <a:fillRect/>
-          </a:stretch>
-        </p:blipFill>
-        <p:spPr>
-          <a:xfrm>
-            <a:off x="3552825" y="4279900"/>
-            <a:ext cx="1964055" cy="2152650"/>
-          </a:xfrm>
-          <a:prstGeom prst="rect">
-            <a:avLst/>
-          </a:prstGeom>
-        </p:spPr>
-      </p:pic>
-      <p:sp>
-        <p:nvSpPr>
-          <p:cNvPr id="18" name="Text Box 17"/>
-          <p:cNvSpPr txBox="1"/>
-          <p:nvPr/>
-        </p:nvSpPr>
-        <p:spPr>
-          <a:xfrm>
-            <a:off x="3383280" y="3973195"/>
-            <a:ext cx="2374265" cy="306705"/>
-          </a:xfrm>
-          <a:prstGeom prst="rect">
-            <a:avLst/>
-          </a:prstGeom>
-          <a:noFill/>
-        </p:spPr>
-        <p:txBody>
-          <a:bodyPr wrap="square" rtlCol="0">
-            <a:spAutoFit/>
-          </a:bodyPr>
-          <a:p>
-            <a:r>
-              <a:rPr lang="en-US" sz="1400"/>
-              <a:t>Infineon </a:t>
-            </a:r>
-            <a:r>
-              <a:rPr lang="en-US" altLang="en-US" sz="1400"/>
-              <a:t>IMW120R040M1H</a:t>
-            </a:r>
-            <a:endParaRPr lang="en-US" altLang="en-US" sz="1400"/>
-          </a:p>
-        </p:txBody>
-      </p:sp>
-      <p:pic>
-        <p:nvPicPr>
-          <p:cNvPr id="19" name="Picture 18"/>
-          <p:cNvPicPr>
-            <a:picLocks noChangeAspect="1"/>
-          </p:cNvPicPr>
-          <p:nvPr/>
-        </p:nvPicPr>
-        <p:blipFill>
-          <a:blip r:embed="rId5"/>
-          <a:stretch>
-            <a:fillRect/>
-          </a:stretch>
-        </p:blipFill>
-        <p:spPr>
-          <a:xfrm>
-            <a:off x="1085215" y="4356100"/>
-            <a:ext cx="2199640" cy="2000250"/>
-          </a:xfrm>
-          <a:prstGeom prst="rect">
-            <a:avLst/>
-          </a:prstGeom>
-        </p:spPr>
-      </p:pic>
-      <p:sp>
-        <p:nvSpPr>
-          <p:cNvPr id="20" name="Text Box 19"/>
-          <p:cNvSpPr txBox="1"/>
-          <p:nvPr/>
-        </p:nvSpPr>
-        <p:spPr>
-          <a:xfrm>
-            <a:off x="1085215" y="4024630"/>
-            <a:ext cx="2137410" cy="306705"/>
-          </a:xfrm>
-          <a:prstGeom prst="rect">
-            <a:avLst/>
-          </a:prstGeom>
-          <a:noFill/>
-        </p:spPr>
-        <p:txBody>
-          <a:bodyPr wrap="square" rtlCol="0">
-            <a:spAutoFit/>
-          </a:bodyPr>
-          <a:p>
-            <a:r>
-              <a:rPr lang="en-US" sz="1400"/>
-              <a:t>ST </a:t>
-            </a:r>
-            <a:r>
-              <a:rPr lang="en-US" altLang="en-US" sz="1400"/>
-              <a:t>SCT018W65G3AG</a:t>
-            </a:r>
-            <a:endParaRPr lang="en-US" altLang="en-US" sz="1400"/>
-          </a:p>
-        </p:txBody>
-      </p:sp>
     </p:spTree>
   </p:cSld>
   <p:clrMapOvr>
@@ -7722,7 +8303,7 @@
           <a:p>
             <a:r>
               <a:rPr lang="en-US" dirty="0"/>
-              <a:t>Preparing the table - 1</a:t>
+              <a:t>Understanding the losses table format</a:t>
             </a:r>
             <a:endParaRPr lang="en-US" dirty="0"/>
           </a:p>
@@ -7875,6 +8456,1209 @@
           </a:prstGeom>
         </p:spPr>
       </p:pic>
+      <p:graphicFrame>
+        <p:nvGraphicFramePr>
+          <p:cNvPr id="13" name="Table 12"/>
+          <p:cNvGraphicFramePr/>
+          <p:nvPr/>
+        </p:nvGraphicFramePr>
+        <p:xfrm>
+          <a:off x="880745" y="1157605"/>
+          <a:ext cx="8530590" cy="1920240"/>
+        </p:xfrm>
+        <a:graphic>
+          <a:graphicData uri="http://schemas.openxmlformats.org/drawingml/2006/table">
+            <a:tbl>
+              <a:tblPr>
+                <a:tableStyleId>{5C22544A-7EE6-4342-B048-85BDC9FD1C3A}</a:tableStyleId>
+              </a:tblPr>
+              <a:tblGrid>
+                <a:gridCol w="1188720"/>
+                <a:gridCol w="1188720"/>
+                <a:gridCol w="1188720"/>
+                <a:gridCol w="1188720"/>
+                <a:gridCol w="1188720"/>
+                <a:gridCol w="1188720"/>
+              </a:tblGrid>
+              <a:tr h="274320">
+                <a:tc>
+                  <a:txBody>
+                    <a:bodyPr/>
+                    <a:p>
+                      <a:pPr>
+                        <a:buNone/>
+                      </a:pPr>
+                      <a:r>
+                        <a:rPr lang="en-US" sz="1200">
+                          <a:latin typeface="Calibri" panose="020F0502020204030204" charset="0"/>
+                          <a:cs typeface="Calibri" panose="020F0502020204030204" charset="0"/>
+                        </a:rPr>
+                        <a:t>Rdson</a:t>
+                      </a:r>
+                      <a:endParaRPr lang="en-US" sz="1200">
+                        <a:latin typeface="Calibri" panose="020F0502020204030204" charset="0"/>
+                        <a:cs typeface="Calibri" panose="020F0502020204030204" charset="0"/>
+                      </a:endParaRPr>
+                    </a:p>
+                  </a:txBody>
+                  <a:tcPr/>
+                </a:tc>
+                <a:tc>
+                  <a:txBody>
+                    <a:bodyPr/>
+                    <a:p>
+                      <a:pPr>
+                        <a:buNone/>
+                      </a:pPr>
+                      <a:r>
+                        <a:rPr lang="en-US" sz="1200">
+                          <a:latin typeface="Calibri" panose="020F0502020204030204" charset="0"/>
+                          <a:cs typeface="Calibri" panose="020F0502020204030204" charset="0"/>
+                        </a:rPr>
+                        <a:t>Ton</a:t>
+                      </a:r>
+                      <a:endParaRPr lang="en-US" sz="1200">
+                        <a:latin typeface="Calibri" panose="020F0502020204030204" charset="0"/>
+                        <a:cs typeface="Calibri" panose="020F0502020204030204" charset="0"/>
+                      </a:endParaRPr>
+                    </a:p>
+                  </a:txBody>
+                  <a:tcPr/>
+                </a:tc>
+                <a:tc>
+                  <a:txBody>
+                    <a:bodyPr/>
+                    <a:p>
+                      <a:pPr>
+                        <a:buNone/>
+                      </a:pPr>
+                      <a:r>
+                        <a:rPr lang="en-US" sz="1200">
+                          <a:latin typeface="Calibri" panose="020F0502020204030204" charset="0"/>
+                          <a:cs typeface="Calibri" panose="020F0502020204030204" charset="0"/>
+                        </a:rPr>
+                        <a:t>Toff</a:t>
+                      </a:r>
+                      <a:endParaRPr lang="en-US" sz="1200">
+                        <a:latin typeface="Calibri" panose="020F0502020204030204" charset="0"/>
+                        <a:cs typeface="Calibri" panose="020F0502020204030204" charset="0"/>
+                      </a:endParaRPr>
+                    </a:p>
+                  </a:txBody>
+                  <a:tcPr/>
+                </a:tc>
+                <a:tc>
+                  <a:txBody>
+                    <a:bodyPr/>
+                    <a:p>
+                      <a:pPr>
+                        <a:buNone/>
+                      </a:pPr>
+                      <a:r>
+                        <a:rPr lang="en-US" sz="1200">
+                          <a:latin typeface="Calibri" panose="020F0502020204030204" charset="0"/>
+                          <a:cs typeface="Calibri" panose="020F0502020204030204" charset="0"/>
+                        </a:rPr>
+                        <a:t>Rg_test</a:t>
+                      </a:r>
+                      <a:endParaRPr lang="en-US" sz="1200">
+                        <a:latin typeface="Calibri" panose="020F0502020204030204" charset="0"/>
+                        <a:cs typeface="Calibri" panose="020F0502020204030204" charset="0"/>
+                      </a:endParaRPr>
+                    </a:p>
+                  </a:txBody>
+                  <a:tcPr/>
+                </a:tc>
+                <a:tc>
+                  <a:txBody>
+                    <a:bodyPr/>
+                    <a:p>
+                      <a:pPr>
+                        <a:buNone/>
+                      </a:pPr>
+                      <a:r>
+                        <a:rPr lang="en-US" sz="1200">
+                          <a:latin typeface="Calibri" panose="020F0502020204030204" charset="0"/>
+                          <a:cs typeface="Calibri" panose="020F0502020204030204" charset="0"/>
+                        </a:rPr>
+                        <a:t>Rg_int</a:t>
+                      </a:r>
+                      <a:endParaRPr lang="en-US" sz="1200">
+                        <a:latin typeface="Calibri" panose="020F0502020204030204" charset="0"/>
+                        <a:cs typeface="Calibri" panose="020F0502020204030204" charset="0"/>
+                      </a:endParaRPr>
+                    </a:p>
+                  </a:txBody>
+                  <a:tcPr/>
+                </a:tc>
+                <a:tc>
+                  <a:txBody>
+                    <a:bodyPr/>
+                    <a:p>
+                      <a:pPr>
+                        <a:buNone/>
+                      </a:pPr>
+                      <a:r>
+                        <a:rPr lang="en-US" sz="1200">
+                          <a:latin typeface="Calibri" panose="020F0502020204030204" charset="0"/>
+                          <a:cs typeface="Calibri" panose="020F0502020204030204" charset="0"/>
+                        </a:rPr>
+                        <a:t>0.0</a:t>
+                      </a:r>
+                      <a:endParaRPr lang="en-US" sz="1200">
+                        <a:latin typeface="Calibri" panose="020F0502020204030204" charset="0"/>
+                        <a:cs typeface="Calibri" panose="020F0502020204030204" charset="0"/>
+                      </a:endParaRPr>
+                    </a:p>
+                  </a:txBody>
+                  <a:tcPr/>
+                </a:tc>
+              </a:tr>
+              <a:tr h="274320">
+                <a:tc>
+                  <a:txBody>
+                    <a:bodyPr/>
+                    <a:p>
+                      <a:pPr>
+                        <a:buNone/>
+                      </a:pPr>
+                      <a:r>
+                        <a:rPr lang="en-US" sz="1200">
+                          <a:latin typeface="Calibri" panose="020F0502020204030204" charset="0"/>
+                          <a:cs typeface="Calibri" panose="020F0502020204030204" charset="0"/>
+                        </a:rPr>
+                        <a:t>Vds (0V)</a:t>
+                      </a:r>
+                      <a:endParaRPr lang="en-US" sz="1200">
+                        <a:latin typeface="Calibri" panose="020F0502020204030204" charset="0"/>
+                        <a:cs typeface="Calibri" panose="020F0502020204030204" charset="0"/>
+                      </a:endParaRPr>
+                    </a:p>
+                  </a:txBody>
+                  <a:tcPr/>
+                </a:tc>
+                <a:tc>
+                  <a:txBody>
+                    <a:bodyPr/>
+                    <a:p>
+                      <a:pPr>
+                        <a:buNone/>
+                      </a:pPr>
+                      <a:endParaRPr lang="en-US" sz="1200">
+                        <a:latin typeface="Calibri" panose="020F0502020204030204" charset="0"/>
+                        <a:cs typeface="Calibri" panose="020F0502020204030204" charset="0"/>
+                      </a:endParaRPr>
+                    </a:p>
+                  </a:txBody>
+                  <a:tcPr/>
+                </a:tc>
+                <a:tc>
+                  <a:txBody>
+                    <a:bodyPr/>
+                    <a:p>
+                      <a:pPr>
+                        <a:buNone/>
+                      </a:pPr>
+                      <a:endParaRPr lang="en-US" sz="1200">
+                        <a:latin typeface="Calibri" panose="020F0502020204030204" charset="0"/>
+                        <a:cs typeface="Calibri" panose="020F0502020204030204" charset="0"/>
+                      </a:endParaRPr>
+                    </a:p>
+                  </a:txBody>
+                  <a:tcPr/>
+                </a:tc>
+                <a:tc>
+                  <a:txBody>
+                    <a:bodyPr/>
+                    <a:p>
+                      <a:pPr>
+                        <a:buNone/>
+                      </a:pPr>
+                      <a:endParaRPr lang="en-US" sz="1200">
+                        <a:latin typeface="Calibri" panose="020F0502020204030204" charset="0"/>
+                        <a:cs typeface="Calibri" panose="020F0502020204030204" charset="0"/>
+                      </a:endParaRPr>
+                    </a:p>
+                  </a:txBody>
+                  <a:tcPr/>
+                </a:tc>
+                <a:tc>
+                  <a:txBody>
+                    <a:bodyPr/>
+                    <a:p>
+                      <a:pPr>
+                        <a:buNone/>
+                      </a:pPr>
+                      <a:endParaRPr lang="en-US" sz="1200">
+                        <a:latin typeface="Calibri" panose="020F0502020204030204" charset="0"/>
+                        <a:cs typeface="Calibri" panose="020F0502020204030204" charset="0"/>
+                      </a:endParaRPr>
+                    </a:p>
+                  </a:txBody>
+                  <a:tcPr/>
+                </a:tc>
+                <a:tc>
+                  <a:txBody>
+                    <a:bodyPr/>
+                    <a:p>
+                      <a:pPr>
+                        <a:buNone/>
+                      </a:pPr>
+                      <a:r>
+                        <a:rPr lang="en-US" sz="1200">
+                          <a:latin typeface="Calibri" panose="020F0502020204030204" charset="0"/>
+                          <a:cs typeface="Calibri" panose="020F0502020204030204" charset="0"/>
+                        </a:rPr>
+                        <a:t>Vds (Vrating)</a:t>
+                      </a:r>
+                      <a:endParaRPr lang="en-US" sz="1200">
+                        <a:latin typeface="Calibri" panose="020F0502020204030204" charset="0"/>
+                        <a:cs typeface="Calibri" panose="020F0502020204030204" charset="0"/>
+                      </a:endParaRPr>
+                    </a:p>
+                  </a:txBody>
+                  <a:tcPr/>
+                </a:tc>
+              </a:tr>
+              <a:tr h="274320">
+                <a:tc>
+                  <a:txBody>
+                    <a:bodyPr/>
+                    <a:p>
+                      <a:pPr>
+                        <a:buNone/>
+                      </a:pPr>
+                      <a:r>
+                        <a:rPr lang="en-US" sz="1200">
+                          <a:latin typeface="Calibri" panose="020F0502020204030204" charset="0"/>
+                          <a:cs typeface="Calibri" panose="020F0502020204030204" charset="0"/>
+                        </a:rPr>
+                        <a:t>Coss(@Vds)</a:t>
+                      </a:r>
+                      <a:endParaRPr lang="en-US" sz="1200">
+                        <a:latin typeface="Calibri" panose="020F0502020204030204" charset="0"/>
+                        <a:cs typeface="Calibri" panose="020F0502020204030204" charset="0"/>
+                      </a:endParaRPr>
+                    </a:p>
+                  </a:txBody>
+                  <a:tcPr/>
+                </a:tc>
+                <a:tc>
+                  <a:txBody>
+                    <a:bodyPr/>
+                    <a:p>
+                      <a:pPr>
+                        <a:buNone/>
+                      </a:pPr>
+                      <a:endParaRPr lang="en-US" sz="1200">
+                        <a:latin typeface="Calibri" panose="020F0502020204030204" charset="0"/>
+                        <a:cs typeface="Calibri" panose="020F0502020204030204" charset="0"/>
+                      </a:endParaRPr>
+                    </a:p>
+                  </a:txBody>
+                  <a:tcPr/>
+                </a:tc>
+                <a:tc>
+                  <a:txBody>
+                    <a:bodyPr/>
+                    <a:p>
+                      <a:pPr>
+                        <a:buNone/>
+                      </a:pPr>
+                      <a:endParaRPr lang="en-US" sz="1200">
+                        <a:latin typeface="Calibri" panose="020F0502020204030204" charset="0"/>
+                        <a:cs typeface="Calibri" panose="020F0502020204030204" charset="0"/>
+                      </a:endParaRPr>
+                    </a:p>
+                  </a:txBody>
+                  <a:tcPr/>
+                </a:tc>
+                <a:tc>
+                  <a:txBody>
+                    <a:bodyPr/>
+                    <a:p>
+                      <a:pPr>
+                        <a:buNone/>
+                      </a:pPr>
+                      <a:endParaRPr lang="en-US" sz="1200">
+                        <a:latin typeface="Calibri" panose="020F0502020204030204" charset="0"/>
+                        <a:cs typeface="Calibri" panose="020F0502020204030204" charset="0"/>
+                      </a:endParaRPr>
+                    </a:p>
+                  </a:txBody>
+                  <a:tcPr/>
+                </a:tc>
+                <a:tc>
+                  <a:txBody>
+                    <a:bodyPr/>
+                    <a:p>
+                      <a:pPr>
+                        <a:buNone/>
+                      </a:pPr>
+                      <a:endParaRPr lang="en-US" sz="1200">
+                        <a:latin typeface="Calibri" panose="020F0502020204030204" charset="0"/>
+                        <a:cs typeface="Calibri" panose="020F0502020204030204" charset="0"/>
+                      </a:endParaRPr>
+                    </a:p>
+                  </a:txBody>
+                  <a:tcPr/>
+                </a:tc>
+                <a:tc>
+                  <a:txBody>
+                    <a:bodyPr/>
+                    <a:p>
+                      <a:pPr>
+                        <a:buNone/>
+                      </a:pPr>
+                      <a:r>
+                        <a:rPr lang="en-US" sz="1200">
+                          <a:latin typeface="Calibri" panose="020F0502020204030204" charset="0"/>
+                          <a:cs typeface="Calibri" panose="020F0502020204030204" charset="0"/>
+                        </a:rPr>
+                        <a:t>Coss(@Vds)</a:t>
+                      </a:r>
+                      <a:endParaRPr lang="en-US" sz="1200">
+                        <a:latin typeface="Calibri" panose="020F0502020204030204" charset="0"/>
+                        <a:cs typeface="Calibri" panose="020F0502020204030204" charset="0"/>
+                      </a:endParaRPr>
+                    </a:p>
+                  </a:txBody>
+                  <a:tcPr/>
+                </a:tc>
+              </a:tr>
+              <a:tr h="274320">
+                <a:tc>
+                  <a:txBody>
+                    <a:bodyPr/>
+                    <a:p>
+                      <a:pPr>
+                        <a:buNone/>
+                      </a:pPr>
+                      <a:r>
+                        <a:rPr lang="en-US" sz="1200">
+                          <a:latin typeface="Calibri" panose="020F0502020204030204" charset="0"/>
+                          <a:cs typeface="Calibri" panose="020F0502020204030204" charset="0"/>
+                        </a:rPr>
+                        <a:t>Isd (0A)</a:t>
+                      </a:r>
+                      <a:endParaRPr lang="en-US" sz="1200">
+                        <a:latin typeface="Calibri" panose="020F0502020204030204" charset="0"/>
+                        <a:cs typeface="Calibri" panose="020F0502020204030204" charset="0"/>
+                      </a:endParaRPr>
+                    </a:p>
+                  </a:txBody>
+                  <a:tcPr/>
+                </a:tc>
+                <a:tc>
+                  <a:txBody>
+                    <a:bodyPr/>
+                    <a:p>
+                      <a:pPr>
+                        <a:buNone/>
+                      </a:pPr>
+                      <a:endParaRPr lang="en-US" sz="1200">
+                        <a:latin typeface="Calibri" panose="020F0502020204030204" charset="0"/>
+                        <a:cs typeface="Calibri" panose="020F0502020204030204" charset="0"/>
+                      </a:endParaRPr>
+                    </a:p>
+                  </a:txBody>
+                  <a:tcPr/>
+                </a:tc>
+                <a:tc>
+                  <a:txBody>
+                    <a:bodyPr/>
+                    <a:p>
+                      <a:pPr>
+                        <a:buNone/>
+                      </a:pPr>
+                      <a:endParaRPr lang="en-US" sz="1200">
+                        <a:latin typeface="Calibri" panose="020F0502020204030204" charset="0"/>
+                        <a:cs typeface="Calibri" panose="020F0502020204030204" charset="0"/>
+                      </a:endParaRPr>
+                    </a:p>
+                  </a:txBody>
+                  <a:tcPr/>
+                </a:tc>
+                <a:tc>
+                  <a:txBody>
+                    <a:bodyPr/>
+                    <a:p>
+                      <a:pPr>
+                        <a:buNone/>
+                      </a:pPr>
+                      <a:endParaRPr lang="en-US" sz="1200">
+                        <a:latin typeface="Calibri" panose="020F0502020204030204" charset="0"/>
+                        <a:cs typeface="Calibri" panose="020F0502020204030204" charset="0"/>
+                      </a:endParaRPr>
+                    </a:p>
+                  </a:txBody>
+                  <a:tcPr/>
+                </a:tc>
+                <a:tc>
+                  <a:txBody>
+                    <a:bodyPr/>
+                    <a:p>
+                      <a:pPr>
+                        <a:buNone/>
+                      </a:pPr>
+                      <a:endParaRPr lang="en-US" sz="1200">
+                        <a:latin typeface="Calibri" panose="020F0502020204030204" charset="0"/>
+                        <a:cs typeface="Calibri" panose="020F0502020204030204" charset="0"/>
+                      </a:endParaRPr>
+                    </a:p>
+                  </a:txBody>
+                  <a:tcPr/>
+                </a:tc>
+                <a:tc>
+                  <a:txBody>
+                    <a:bodyPr/>
+                    <a:p>
+                      <a:pPr>
+                        <a:buNone/>
+                      </a:pPr>
+                      <a:r>
+                        <a:rPr lang="en-US" sz="1200">
+                          <a:latin typeface="Calibri" panose="020F0502020204030204" charset="0"/>
+                          <a:cs typeface="Calibri" panose="020F0502020204030204" charset="0"/>
+                        </a:rPr>
+                        <a:t>Isd (Irating)</a:t>
+                      </a:r>
+                      <a:endParaRPr lang="en-US" sz="1200">
+                        <a:latin typeface="Calibri" panose="020F0502020204030204" charset="0"/>
+                        <a:cs typeface="Calibri" panose="020F0502020204030204" charset="0"/>
+                      </a:endParaRPr>
+                    </a:p>
+                  </a:txBody>
+                  <a:tcPr/>
+                </a:tc>
+              </a:tr>
+              <a:tr h="274320">
+                <a:tc>
+                  <a:txBody>
+                    <a:bodyPr/>
+                    <a:p>
+                      <a:pPr>
+                        <a:buNone/>
+                      </a:pPr>
+                      <a:r>
+                        <a:rPr lang="en-US" sz="1200">
+                          <a:latin typeface="Calibri" panose="020F0502020204030204" charset="0"/>
+                          <a:cs typeface="Calibri" panose="020F0502020204030204" charset="0"/>
+                        </a:rPr>
+                        <a:t>Vsd(@Isd)</a:t>
+                      </a:r>
+                      <a:endParaRPr lang="en-US" sz="1200">
+                        <a:latin typeface="Calibri" panose="020F0502020204030204" charset="0"/>
+                        <a:cs typeface="Calibri" panose="020F0502020204030204" charset="0"/>
+                      </a:endParaRPr>
+                    </a:p>
+                  </a:txBody>
+                  <a:tcPr/>
+                </a:tc>
+                <a:tc>
+                  <a:txBody>
+                    <a:bodyPr/>
+                    <a:p>
+                      <a:pPr>
+                        <a:buNone/>
+                      </a:pPr>
+                      <a:endParaRPr lang="en-US" sz="1200">
+                        <a:latin typeface="Calibri" panose="020F0502020204030204" charset="0"/>
+                        <a:cs typeface="Calibri" panose="020F0502020204030204" charset="0"/>
+                      </a:endParaRPr>
+                    </a:p>
+                  </a:txBody>
+                  <a:tcPr/>
+                </a:tc>
+                <a:tc>
+                  <a:txBody>
+                    <a:bodyPr/>
+                    <a:p>
+                      <a:pPr>
+                        <a:buNone/>
+                      </a:pPr>
+                      <a:endParaRPr lang="en-US" sz="1200">
+                        <a:latin typeface="Calibri" panose="020F0502020204030204" charset="0"/>
+                        <a:cs typeface="Calibri" panose="020F0502020204030204" charset="0"/>
+                      </a:endParaRPr>
+                    </a:p>
+                  </a:txBody>
+                  <a:tcPr/>
+                </a:tc>
+                <a:tc>
+                  <a:txBody>
+                    <a:bodyPr/>
+                    <a:p>
+                      <a:pPr>
+                        <a:buNone/>
+                      </a:pPr>
+                      <a:endParaRPr lang="en-US" sz="1200">
+                        <a:latin typeface="Calibri" panose="020F0502020204030204" charset="0"/>
+                        <a:cs typeface="Calibri" panose="020F0502020204030204" charset="0"/>
+                      </a:endParaRPr>
+                    </a:p>
+                  </a:txBody>
+                  <a:tcPr/>
+                </a:tc>
+                <a:tc>
+                  <a:txBody>
+                    <a:bodyPr/>
+                    <a:p>
+                      <a:pPr>
+                        <a:buNone/>
+                      </a:pPr>
+                      <a:endParaRPr lang="en-US" sz="1200">
+                        <a:latin typeface="Calibri" panose="020F0502020204030204" charset="0"/>
+                        <a:cs typeface="Calibri" panose="020F0502020204030204" charset="0"/>
+                      </a:endParaRPr>
+                    </a:p>
+                  </a:txBody>
+                  <a:tcPr/>
+                </a:tc>
+                <a:tc>
+                  <a:txBody>
+                    <a:bodyPr/>
+                    <a:p>
+                      <a:pPr>
+                        <a:buNone/>
+                      </a:pPr>
+                      <a:r>
+                        <a:rPr lang="en-US" sz="1200">
+                          <a:latin typeface="Calibri" panose="020F0502020204030204" charset="0"/>
+                          <a:cs typeface="Calibri" panose="020F0502020204030204" charset="0"/>
+                          <a:sym typeface="+mn-ea"/>
+                        </a:rPr>
+                        <a:t>Vsd(@Isd)</a:t>
+                      </a:r>
+                      <a:endParaRPr lang="en-US" sz="1200">
+                        <a:latin typeface="Calibri" panose="020F0502020204030204" charset="0"/>
+                        <a:cs typeface="Calibri" panose="020F0502020204030204" charset="0"/>
+                        <a:sym typeface="+mn-ea"/>
+                      </a:endParaRPr>
+                    </a:p>
+                  </a:txBody>
+                  <a:tcPr/>
+                </a:tc>
+              </a:tr>
+              <a:tr h="274320">
+                <a:tc>
+                  <a:txBody>
+                    <a:bodyPr/>
+                    <a:p>
+                      <a:pPr>
+                        <a:buNone/>
+                      </a:pPr>
+                      <a:r>
+                        <a:rPr lang="en-US" sz="1200">
+                          <a:latin typeface="Calibri" panose="020F0502020204030204" charset="0"/>
+                          <a:cs typeface="Calibri" panose="020F0502020204030204" charset="0"/>
+                        </a:rPr>
+                        <a:t>Tj,min (⁰C)</a:t>
+                      </a:r>
+                      <a:endParaRPr lang="en-US" sz="1200">
+                        <a:latin typeface="Calibri" panose="020F0502020204030204" charset="0"/>
+                        <a:cs typeface="Calibri" panose="020F0502020204030204" charset="0"/>
+                      </a:endParaRPr>
+                    </a:p>
+                  </a:txBody>
+                  <a:tcPr/>
+                </a:tc>
+                <a:tc>
+                  <a:txBody>
+                    <a:bodyPr/>
+                    <a:p>
+                      <a:pPr>
+                        <a:buNone/>
+                      </a:pPr>
+                      <a:endParaRPr lang="en-US" sz="1200">
+                        <a:latin typeface="Calibri" panose="020F0502020204030204" charset="0"/>
+                        <a:cs typeface="Calibri" panose="020F0502020204030204" charset="0"/>
+                      </a:endParaRPr>
+                    </a:p>
+                  </a:txBody>
+                  <a:tcPr/>
+                </a:tc>
+                <a:tc>
+                  <a:txBody>
+                    <a:bodyPr/>
+                    <a:p>
+                      <a:pPr>
+                        <a:buNone/>
+                      </a:pPr>
+                      <a:endParaRPr lang="en-US" sz="1200">
+                        <a:latin typeface="Calibri" panose="020F0502020204030204" charset="0"/>
+                        <a:cs typeface="Calibri" panose="020F0502020204030204" charset="0"/>
+                      </a:endParaRPr>
+                    </a:p>
+                  </a:txBody>
+                  <a:tcPr/>
+                </a:tc>
+                <a:tc>
+                  <a:txBody>
+                    <a:bodyPr/>
+                    <a:p>
+                      <a:pPr>
+                        <a:buNone/>
+                      </a:pPr>
+                      <a:endParaRPr lang="en-US" sz="1200">
+                        <a:latin typeface="Calibri" panose="020F0502020204030204" charset="0"/>
+                        <a:cs typeface="Calibri" panose="020F0502020204030204" charset="0"/>
+                      </a:endParaRPr>
+                    </a:p>
+                  </a:txBody>
+                  <a:tcPr/>
+                </a:tc>
+                <a:tc>
+                  <a:txBody>
+                    <a:bodyPr/>
+                    <a:p>
+                      <a:pPr>
+                        <a:buNone/>
+                      </a:pPr>
+                      <a:endParaRPr lang="en-US" sz="1200">
+                        <a:latin typeface="Calibri" panose="020F0502020204030204" charset="0"/>
+                        <a:cs typeface="Calibri" panose="020F0502020204030204" charset="0"/>
+                      </a:endParaRPr>
+                    </a:p>
+                  </a:txBody>
+                  <a:tcPr/>
+                </a:tc>
+                <a:tc>
+                  <a:txBody>
+                    <a:bodyPr/>
+                    <a:p>
+                      <a:pPr>
+                        <a:buNone/>
+                      </a:pPr>
+                      <a:r>
+                        <a:rPr lang="en-US" sz="1200">
+                          <a:latin typeface="Calibri" panose="020F0502020204030204" charset="0"/>
+                          <a:cs typeface="Calibri" panose="020F0502020204030204" charset="0"/>
+                        </a:rPr>
+                        <a:t>Tj,min (⁰C)</a:t>
+                      </a:r>
+                      <a:endParaRPr lang="en-US" sz="1200">
+                        <a:latin typeface="Calibri" panose="020F0502020204030204" charset="0"/>
+                        <a:cs typeface="Calibri" panose="020F0502020204030204" charset="0"/>
+                      </a:endParaRPr>
+                    </a:p>
+                  </a:txBody>
+                  <a:tcPr/>
+                </a:tc>
+              </a:tr>
+              <a:tr h="274320">
+                <a:tc>
+                  <a:txBody>
+                    <a:bodyPr/>
+                    <a:p>
+                      <a:pPr>
+                        <a:buNone/>
+                      </a:pPr>
+                      <a:r>
+                        <a:rPr lang="en-US" sz="1200">
+                          <a:latin typeface="Calibri" panose="020F0502020204030204" charset="0"/>
+                          <a:cs typeface="Calibri" panose="020F0502020204030204" charset="0"/>
+                        </a:rPr>
+                        <a:t>Rds_factor</a:t>
+                      </a:r>
+                      <a:endParaRPr lang="en-US" sz="1200">
+                        <a:latin typeface="Calibri" panose="020F0502020204030204" charset="0"/>
+                        <a:cs typeface="Calibri" panose="020F0502020204030204" charset="0"/>
+                      </a:endParaRPr>
+                    </a:p>
+                  </a:txBody>
+                  <a:tcPr/>
+                </a:tc>
+                <a:tc>
+                  <a:txBody>
+                    <a:bodyPr/>
+                    <a:p>
+                      <a:pPr>
+                        <a:buNone/>
+                      </a:pPr>
+                      <a:endParaRPr lang="en-US" sz="1200">
+                        <a:latin typeface="Calibri" panose="020F0502020204030204" charset="0"/>
+                        <a:cs typeface="Calibri" panose="020F0502020204030204" charset="0"/>
+                      </a:endParaRPr>
+                    </a:p>
+                  </a:txBody>
+                  <a:tcPr/>
+                </a:tc>
+                <a:tc>
+                  <a:txBody>
+                    <a:bodyPr/>
+                    <a:p>
+                      <a:pPr>
+                        <a:buNone/>
+                      </a:pPr>
+                      <a:endParaRPr lang="en-US" sz="1200">
+                        <a:latin typeface="Calibri" panose="020F0502020204030204" charset="0"/>
+                        <a:cs typeface="Calibri" panose="020F0502020204030204" charset="0"/>
+                      </a:endParaRPr>
+                    </a:p>
+                  </a:txBody>
+                  <a:tcPr/>
+                </a:tc>
+                <a:tc>
+                  <a:txBody>
+                    <a:bodyPr/>
+                    <a:p>
+                      <a:pPr>
+                        <a:buNone/>
+                      </a:pPr>
+                      <a:endParaRPr lang="en-US" sz="1200">
+                        <a:latin typeface="Calibri" panose="020F0502020204030204" charset="0"/>
+                        <a:cs typeface="Calibri" panose="020F0502020204030204" charset="0"/>
+                      </a:endParaRPr>
+                    </a:p>
+                  </a:txBody>
+                  <a:tcPr/>
+                </a:tc>
+                <a:tc>
+                  <a:txBody>
+                    <a:bodyPr/>
+                    <a:p>
+                      <a:pPr>
+                        <a:buNone/>
+                      </a:pPr>
+                      <a:endParaRPr lang="en-US" sz="1200">
+                        <a:latin typeface="Calibri" panose="020F0502020204030204" charset="0"/>
+                        <a:cs typeface="Calibri" panose="020F0502020204030204" charset="0"/>
+                      </a:endParaRPr>
+                    </a:p>
+                  </a:txBody>
+                  <a:tcPr/>
+                </a:tc>
+                <a:tc>
+                  <a:txBody>
+                    <a:bodyPr/>
+                    <a:p>
+                      <a:pPr>
+                        <a:buNone/>
+                      </a:pPr>
+                      <a:r>
+                        <a:rPr lang="en-US" sz="1200">
+                          <a:latin typeface="Calibri" panose="020F0502020204030204" charset="0"/>
+                          <a:cs typeface="Calibri" panose="020F0502020204030204" charset="0"/>
+                        </a:rPr>
+                        <a:t>Rds_factor</a:t>
+                      </a:r>
+                      <a:endParaRPr lang="en-US" sz="1200">
+                        <a:latin typeface="Calibri" panose="020F0502020204030204" charset="0"/>
+                        <a:cs typeface="Calibri" panose="020F0502020204030204" charset="0"/>
+                      </a:endParaRPr>
+                    </a:p>
+                  </a:txBody>
+                  <a:tcPr/>
+                </a:tc>
+              </a:tr>
+            </a:tbl>
+          </a:graphicData>
+        </a:graphic>
+      </p:graphicFrame>
+      <p:sp>
+        <p:nvSpPr>
+          <p:cNvPr id="26" name="Text Box 25"/>
+          <p:cNvSpPr txBox="1"/>
+          <p:nvPr/>
+        </p:nvSpPr>
+        <p:spPr>
+          <a:xfrm>
+            <a:off x="6968490" y="3428365"/>
+            <a:ext cx="4839970" cy="3138170"/>
+          </a:xfrm>
+          <a:prstGeom prst="rect">
+            <a:avLst/>
+          </a:prstGeom>
+          <a:noFill/>
+        </p:spPr>
+        <p:txBody>
+          <a:bodyPr wrap="square" rtlCol="0">
+            <a:spAutoFit/>
+          </a:bodyPr>
+          <a:p>
+            <a:pPr marL="285750" indent="-285750">
+              <a:buFont typeface="Arial" panose="020B0604020202020204" pitchFamily="34" charset="0"/>
+              <a:buChar char="•"/>
+            </a:pPr>
+            <a:r>
+              <a:rPr lang="en-US"/>
+              <a:t>The table size must be strictly 7x6 and written with the exact format.</a:t>
+            </a:r>
+            <a:endParaRPr lang="en-US"/>
+          </a:p>
+          <a:p>
+            <a:pPr marL="285750" indent="-285750">
+              <a:buFont typeface="Arial" panose="020B0604020202020204" pitchFamily="34" charset="0"/>
+              <a:buChar char="•"/>
+            </a:pPr>
+            <a:r>
+              <a:rPr lang="en-US"/>
+              <a:t>Between one collumn to the next, the data is separated by using tab (tab delimited data).</a:t>
+            </a:r>
+            <a:endParaRPr lang="en-US"/>
+          </a:p>
+          <a:p>
+            <a:pPr marL="285750" indent="-285750">
+              <a:buFont typeface="Arial" panose="020B0604020202020204" pitchFamily="34" charset="0"/>
+              <a:buChar char="•"/>
+            </a:pPr>
+            <a:r>
+              <a:rPr lang="en-US"/>
+              <a:t>The losses Eoss and body diode are calculated by taking linear interpolation from the losses table. </a:t>
+            </a:r>
+            <a:r>
+              <a:rPr lang="en-US" b="1"/>
+              <a:t>The data table dont need to be equally spaced</a:t>
+            </a:r>
+            <a:r>
+              <a:rPr lang="en-US"/>
+              <a:t>. If the Vds or Id is greater than the highest value in the datasheet, the Eoss and Vsd are assumed to be equal to the maximum value on the table.</a:t>
+            </a:r>
+            <a:endParaRPr lang="en-US"/>
+          </a:p>
+        </p:txBody>
+      </p:sp>
+      <p:pic>
+        <p:nvPicPr>
+          <p:cNvPr id="10" name="Picture 9"/>
+          <p:cNvPicPr>
+            <a:picLocks noChangeAspect="1"/>
+          </p:cNvPicPr>
+          <p:nvPr/>
+        </p:nvPicPr>
+        <p:blipFill>
+          <a:blip r:embed="rId2"/>
+          <a:stretch>
+            <a:fillRect/>
+          </a:stretch>
+        </p:blipFill>
+        <p:spPr>
+          <a:xfrm>
+            <a:off x="880745" y="3192145"/>
+            <a:ext cx="5792470" cy="2911475"/>
+          </a:xfrm>
+          <a:prstGeom prst="rect">
+            <a:avLst/>
+          </a:prstGeom>
+        </p:spPr>
+      </p:pic>
+    </p:spTree>
+  </p:cSld>
+  <p:clrMapOvr>
+    <a:masterClrMapping/>
+  </p:clrMapOvr>
+</p:sld>
+</file>
+
+<file path=ppt/slides/slide7.xml><?xml version="1.0" encoding="utf-8"?>
+<p:sld xmlns:a="http://schemas.openxmlformats.org/drawingml/2006/main" xmlns:r="http://schemas.openxmlformats.org/officeDocument/2006/relationships" xmlns:p="http://schemas.openxmlformats.org/presentationml/2006/main">
+  <p:cSld>
+    <p:spTree>
+      <p:nvGrpSpPr>
+        <p:cNvPr id="1" name=""/>
+        <p:cNvGrpSpPr/>
+        <p:nvPr/>
+      </p:nvGrpSpPr>
+      <p:grpSpPr>
+        <a:xfrm>
+          <a:off x="0" y="0"/>
+          <a:ext cx="0" cy="0"/>
+          <a:chOff x="0" y="0"/>
+          <a:chExt cx="0" cy="0"/>
+        </a:xfrm>
+      </p:grpSpPr>
+      <p:sp>
+        <p:nvSpPr>
+          <p:cNvPr id="5" name="Title 4"/>
+          <p:cNvSpPr>
+            <a:spLocks noGrp="1"/>
+          </p:cNvSpPr>
+          <p:nvPr>
+            <p:ph type="title"/>
+          </p:nvPr>
+        </p:nvSpPr>
+        <p:spPr>
+          <a:xfrm>
+            <a:off x="838200" y="365125"/>
+            <a:ext cx="10515600" cy="619613"/>
+          </a:xfrm>
+        </p:spPr>
+        <p:txBody>
+          <a:bodyPr>
+            <a:normAutofit fontScale="90000"/>
+          </a:bodyPr>
+          <a:lstStyle/>
+          <a:p>
+            <a:r>
+              <a:rPr lang="en-US" dirty="0"/>
+              <a:t>Reasoning for losses table design</a:t>
+            </a:r>
+            <a:endParaRPr lang="en-US" dirty="0"/>
+          </a:p>
+        </p:txBody>
+      </p:sp>
+      <p:cxnSp>
+        <p:nvCxnSpPr>
+          <p:cNvPr id="8" name="Straight Connector 7"/>
+          <p:cNvCxnSpPr/>
+          <p:nvPr/>
+        </p:nvCxnSpPr>
+        <p:spPr>
+          <a:xfrm>
+            <a:off x="826474" y="940778"/>
+            <a:ext cx="10527326" cy="0"/>
+          </a:xfrm>
+          <a:prstGeom prst="line">
+            <a:avLst/>
+          </a:prstGeom>
+          <a:ln w="28575"/>
+        </p:spPr>
+        <p:style>
+          <a:lnRef idx="1">
+            <a:schemeClr val="accent1"/>
+          </a:lnRef>
+          <a:fillRef idx="0">
+            <a:schemeClr val="accent1"/>
+          </a:fillRef>
+          <a:effectRef idx="0">
+            <a:schemeClr val="accent1"/>
+          </a:effectRef>
+          <a:fontRef idx="minor">
+            <a:schemeClr val="tx1"/>
+          </a:fontRef>
+        </p:style>
+      </p:cxnSp>
+      <p:cxnSp>
+        <p:nvCxnSpPr>
+          <p:cNvPr id="9" name="Straight Connector 8"/>
+          <p:cNvCxnSpPr/>
+          <p:nvPr/>
+        </p:nvCxnSpPr>
+        <p:spPr>
+          <a:xfrm>
+            <a:off x="826474" y="368057"/>
+            <a:ext cx="10527326" cy="0"/>
+          </a:xfrm>
+          <a:prstGeom prst="line">
+            <a:avLst/>
+          </a:prstGeom>
+          <a:ln w="28575"/>
+        </p:spPr>
+        <p:style>
+          <a:lnRef idx="1">
+            <a:schemeClr val="accent1"/>
+          </a:lnRef>
+          <a:fillRef idx="0">
+            <a:schemeClr val="accent1"/>
+          </a:fillRef>
+          <a:effectRef idx="0">
+            <a:schemeClr val="accent1"/>
+          </a:effectRef>
+          <a:fontRef idx="minor">
+            <a:schemeClr val="tx1"/>
+          </a:fontRef>
+        </p:style>
+      </p:cxnSp>
+      <p:sp>
+        <p:nvSpPr>
+          <p:cNvPr id="7" name="Footer Placeholder 6"/>
+          <p:cNvSpPr>
+            <a:spLocks noGrp="1"/>
+          </p:cNvSpPr>
+          <p:nvPr>
+            <p:ph type="ftr" sz="quarter" idx="11"/>
+          </p:nvPr>
+        </p:nvSpPr>
+        <p:spPr/>
+        <p:txBody>
+          <a:bodyPr/>
+          <a:lstStyle/>
+          <a:p>
+            <a:r>
+              <a:rPr lang="en-US"/>
+              <a:t>By Arief Noor Rahman </a:t>
+            </a:r>
+            <a:r>
+              <a:rPr lang="en-US">
+                <a:latin typeface="SimSun" panose="02010600030101010101" pitchFamily="2" charset="-122"/>
+                <a:ea typeface="SimSun" panose="02010600030101010101" pitchFamily="2" charset="-122"/>
+              </a:rPr>
+              <a:t>－</a:t>
+            </a:r>
+            <a:r>
+              <a:rPr lang="en-US">
+                <a:sym typeface="+mn-ea"/>
+              </a:rPr>
+              <a:t>Power Control Design</a:t>
+            </a:r>
+            <a:endParaRPr lang="en-US">
+              <a:latin typeface="SimSun" panose="02010600030101010101" pitchFamily="2" charset="-122"/>
+              <a:ea typeface="SimSun" panose="02010600030101010101" pitchFamily="2" charset="-122"/>
+            </a:endParaRPr>
+          </a:p>
+        </p:txBody>
+      </p:sp>
+      <p:sp>
+        <p:nvSpPr>
+          <p:cNvPr id="3" name="Slide Number Placeholder 2"/>
+          <p:cNvSpPr>
+            <a:spLocks noGrp="1"/>
+          </p:cNvSpPr>
+          <p:nvPr>
+            <p:ph type="sldNum" sz="quarter" idx="12"/>
+          </p:nvPr>
+        </p:nvSpPr>
+        <p:spPr/>
+        <p:txBody>
+          <a:bodyPr/>
+          <a:lstStyle/>
+          <a:p>
+            <a:fld id="{9B618960-8005-486C-9A75-10CB2AAC16F9}" type="slidenum">
+              <a:rPr lang="en-US" smtClean="0"/>
+            </a:fld>
+            <a:endParaRPr lang="en-US"/>
+          </a:p>
+        </p:txBody>
+      </p:sp>
+      <p:pic>
+        <p:nvPicPr>
+          <p:cNvPr id="4" name="Picture 3" descr="logo_detail"/>
+          <p:cNvPicPr>
+            <a:picLocks noChangeAspect="1"/>
+          </p:cNvPicPr>
+          <p:nvPr/>
+        </p:nvPicPr>
+        <p:blipFill>
+          <a:blip r:embed="rId1"/>
+          <a:stretch>
+            <a:fillRect/>
+          </a:stretch>
+        </p:blipFill>
+        <p:spPr>
+          <a:xfrm>
+            <a:off x="120650" y="6024880"/>
+            <a:ext cx="696595" cy="696595"/>
+          </a:xfrm>
+          <a:prstGeom prst="rect">
+            <a:avLst/>
+          </a:prstGeom>
+        </p:spPr>
+      </p:pic>
+      <p:sp>
+        <p:nvSpPr>
+          <p:cNvPr id="6" name="Text Box 5"/>
+          <p:cNvSpPr txBox="1"/>
+          <p:nvPr/>
+        </p:nvSpPr>
+        <p:spPr>
+          <a:xfrm>
+            <a:off x="817245" y="1066800"/>
+            <a:ext cx="9877425" cy="2676525"/>
+          </a:xfrm>
+          <a:prstGeom prst="rect">
+            <a:avLst/>
+          </a:prstGeom>
+          <a:noFill/>
+        </p:spPr>
+        <p:txBody>
+          <a:bodyPr wrap="square" rtlCol="0">
+            <a:spAutoFit/>
+          </a:bodyPr>
+          <a:p>
+            <a:r>
+              <a:rPr lang="en-US" sz="1400"/>
+              <a:t>The losses table used in this design is much simpler than the table used by PLECS. The reasoning why this table might be reasonably acceptable is because the more complex table is still a simple approximation as it only based on measurement with one gate resistance value, one or a few V</a:t>
+            </a:r>
+            <a:r>
+              <a:rPr lang="en-US" sz="1400" baseline="-25000"/>
+              <a:t>ds</a:t>
+            </a:r>
+            <a:r>
+              <a:rPr lang="en-US" sz="1400"/>
+              <a:t> levels, and some I</a:t>
+            </a:r>
+            <a:r>
+              <a:rPr lang="en-US" sz="1400" baseline="-25000"/>
+              <a:t>d</a:t>
+            </a:r>
+            <a:r>
+              <a:rPr lang="en-US" sz="1400"/>
+              <a:t> levels, and typically only measured at 25</a:t>
+            </a:r>
+            <a:r>
+              <a:rPr lang="en-US" sz="1400">
+                <a:latin typeface="Arial" panose="020B0604020202020204" pitchFamily="34" charset="0"/>
+                <a:cs typeface="Arial" panose="020B0604020202020204" pitchFamily="34" charset="0"/>
+              </a:rPr>
+              <a:t>⁰</a:t>
+            </a:r>
+            <a:r>
+              <a:rPr lang="en-US" sz="1400"/>
+              <a:t>C and at T</a:t>
+            </a:r>
+            <a:r>
+              <a:rPr lang="en-US" sz="1400" baseline="-25000"/>
+              <a:t>j(op),max</a:t>
+            </a:r>
+            <a:r>
+              <a:rPr lang="en-US" sz="1400"/>
+              <a:t>.</a:t>
+            </a:r>
+            <a:endParaRPr lang="en-US" sz="1400"/>
+          </a:p>
+          <a:p>
+            <a:endParaRPr lang="en-US" sz="1400"/>
+          </a:p>
+          <a:p>
+            <a:r>
+              <a:rPr lang="en-US" sz="1400"/>
+              <a:t>Second part that might be worth a discussion is, the linear simplification of switching loss parameter into T</a:t>
+            </a:r>
+            <a:r>
+              <a:rPr lang="en-US" sz="1400" baseline="-25000"/>
+              <a:t>on</a:t>
+            </a:r>
+            <a:r>
+              <a:rPr lang="en-US" sz="1400"/>
+              <a:t> and T</a:t>
+            </a:r>
+            <a:r>
+              <a:rPr lang="en-US" sz="1400" baseline="-25000"/>
+              <a:t>off</a:t>
+            </a:r>
+            <a:r>
+              <a:rPr lang="en-US" sz="1400"/>
+              <a:t>. As shown below, Infineon and Rohm are very linear thus the assumption should be considered reasonable. However while Wolfspeed  and ST are more wobly curve which means the assumption may not be very correct. But anyway practically speaking, just eyeball it and call it a day if you want to choose Wolfspeed or ST or calculate the losses with Infineon/Rohm device with similar Rdson as generally losses among different vendor are not too dissimilar...haha.</a:t>
+            </a:r>
+            <a:endParaRPr lang="en-US" sz="1400"/>
+          </a:p>
+          <a:p>
+            <a:endParaRPr lang="en-US" sz="1400"/>
+          </a:p>
+          <a:p>
+            <a:r>
+              <a:rPr lang="en-US" sz="1400"/>
+              <a:t>Note: if you cant understand the second part, means you havent work in company. Where it is common for us to simply swap MOSFET with similar Rdson from supplier A to supplier B, in most cases nothing really bad happened except with simply 5~10</a:t>
+            </a:r>
+            <a:r>
+              <a:rPr lang="en-US" sz="1400">
+                <a:latin typeface="Arial" panose="020B0604020202020204" pitchFamily="34" charset="0"/>
+                <a:cs typeface="Arial" panose="020B0604020202020204" pitchFamily="34" charset="0"/>
+              </a:rPr>
+              <a:t>⁰</a:t>
+            </a:r>
+            <a:r>
+              <a:rPr lang="en-US" sz="1400"/>
+              <a:t>C temp.</a:t>
+            </a:r>
+            <a:endParaRPr lang="en-US" sz="1400">
+              <a:latin typeface="Arial" panose="020B0604020202020204" pitchFamily="34" charset="0"/>
+              <a:cs typeface="Arial" panose="020B0604020202020204" pitchFamily="34" charset="0"/>
+            </a:endParaRPr>
+          </a:p>
+        </p:txBody>
+      </p:sp>
       <p:pic>
         <p:nvPicPr>
           <p:cNvPr id="2" name="Picture 1"/>
@@ -7891,6 +9675,428 @@
         </p:blipFill>
         <p:spPr>
           <a:xfrm>
+            <a:off x="9329420" y="4221480"/>
+            <a:ext cx="1858010" cy="2134870"/>
+          </a:xfrm>
+          <a:prstGeom prst="rect">
+            <a:avLst/>
+          </a:prstGeom>
+        </p:spPr>
+      </p:pic>
+      <p:sp>
+        <p:nvSpPr>
+          <p:cNvPr id="13" name="Text Box 12"/>
+          <p:cNvSpPr txBox="1"/>
+          <p:nvPr/>
+        </p:nvSpPr>
+        <p:spPr>
+          <a:xfrm>
+            <a:off x="9329420" y="3914775"/>
+            <a:ext cx="1921510" cy="252730"/>
+          </a:xfrm>
+          <a:prstGeom prst="rect">
+            <a:avLst/>
+          </a:prstGeom>
+          <a:noFill/>
+        </p:spPr>
+        <p:txBody>
+          <a:bodyPr wrap="square" rtlCol="0">
+            <a:noAutofit/>
+          </a:bodyPr>
+          <a:p>
+            <a:r>
+              <a:rPr lang="en-US" altLang="en-US" sz="1400"/>
+              <a:t>Rohm SCT3040KR</a:t>
+            </a:r>
+            <a:endParaRPr lang="en-US" altLang="en-US" sz="1400"/>
+          </a:p>
+        </p:txBody>
+      </p:sp>
+      <p:sp>
+        <p:nvSpPr>
+          <p:cNvPr id="15" name="Text Box 14"/>
+          <p:cNvSpPr txBox="1"/>
+          <p:nvPr/>
+        </p:nvSpPr>
+        <p:spPr>
+          <a:xfrm>
+            <a:off x="6114415" y="3914775"/>
+            <a:ext cx="2647950" cy="306705"/>
+          </a:xfrm>
+          <a:prstGeom prst="rect">
+            <a:avLst/>
+          </a:prstGeom>
+          <a:noFill/>
+        </p:spPr>
+        <p:txBody>
+          <a:bodyPr wrap="square" rtlCol="0" anchor="t">
+            <a:spAutoFit/>
+          </a:bodyPr>
+          <a:p>
+            <a:r>
+              <a:rPr lang="en-US" altLang="en-US" sz="1400"/>
+              <a:t>Wolfspeed C3M0016120D</a:t>
+            </a:r>
+            <a:endParaRPr lang="en-US" altLang="en-US" sz="1400"/>
+          </a:p>
+        </p:txBody>
+      </p:sp>
+      <p:pic>
+        <p:nvPicPr>
+          <p:cNvPr id="16" name="Picture 15"/>
+          <p:cNvPicPr>
+            <a:picLocks noChangeAspect="1"/>
+          </p:cNvPicPr>
+          <p:nvPr/>
+        </p:nvPicPr>
+        <p:blipFill>
+          <a:blip r:embed="rId3"/>
+          <a:stretch>
+            <a:fillRect/>
+          </a:stretch>
+        </p:blipFill>
+        <p:spPr>
+          <a:xfrm>
+            <a:off x="6180455" y="4279900"/>
+            <a:ext cx="2907665" cy="2026920"/>
+          </a:xfrm>
+          <a:prstGeom prst="rect">
+            <a:avLst/>
+          </a:prstGeom>
+        </p:spPr>
+      </p:pic>
+      <p:pic>
+        <p:nvPicPr>
+          <p:cNvPr id="17" name="Picture 16"/>
+          <p:cNvPicPr>
+            <a:picLocks noChangeAspect="1"/>
+          </p:cNvPicPr>
+          <p:nvPr/>
+        </p:nvPicPr>
+        <p:blipFill>
+          <a:blip r:embed="rId4"/>
+          <a:stretch>
+            <a:fillRect/>
+          </a:stretch>
+        </p:blipFill>
+        <p:spPr>
+          <a:xfrm>
+            <a:off x="3552825" y="4279900"/>
+            <a:ext cx="1964055" cy="2152650"/>
+          </a:xfrm>
+          <a:prstGeom prst="rect">
+            <a:avLst/>
+          </a:prstGeom>
+        </p:spPr>
+      </p:pic>
+      <p:sp>
+        <p:nvSpPr>
+          <p:cNvPr id="18" name="Text Box 17"/>
+          <p:cNvSpPr txBox="1"/>
+          <p:nvPr/>
+        </p:nvSpPr>
+        <p:spPr>
+          <a:xfrm>
+            <a:off x="3383280" y="3973195"/>
+            <a:ext cx="2374265" cy="306705"/>
+          </a:xfrm>
+          <a:prstGeom prst="rect">
+            <a:avLst/>
+          </a:prstGeom>
+          <a:noFill/>
+        </p:spPr>
+        <p:txBody>
+          <a:bodyPr wrap="square" rtlCol="0">
+            <a:spAutoFit/>
+          </a:bodyPr>
+          <a:p>
+            <a:r>
+              <a:rPr lang="en-US" sz="1400"/>
+              <a:t>Infineon </a:t>
+            </a:r>
+            <a:r>
+              <a:rPr lang="en-US" altLang="en-US" sz="1400"/>
+              <a:t>IMW120R040M1H</a:t>
+            </a:r>
+            <a:endParaRPr lang="en-US" altLang="en-US" sz="1400"/>
+          </a:p>
+        </p:txBody>
+      </p:sp>
+      <p:pic>
+        <p:nvPicPr>
+          <p:cNvPr id="19" name="Picture 18"/>
+          <p:cNvPicPr>
+            <a:picLocks noChangeAspect="1"/>
+          </p:cNvPicPr>
+          <p:nvPr/>
+        </p:nvPicPr>
+        <p:blipFill>
+          <a:blip r:embed="rId5"/>
+          <a:stretch>
+            <a:fillRect/>
+          </a:stretch>
+        </p:blipFill>
+        <p:spPr>
+          <a:xfrm>
+            <a:off x="1085215" y="4356100"/>
+            <a:ext cx="2199640" cy="2000250"/>
+          </a:xfrm>
+          <a:prstGeom prst="rect">
+            <a:avLst/>
+          </a:prstGeom>
+        </p:spPr>
+      </p:pic>
+      <p:sp>
+        <p:nvSpPr>
+          <p:cNvPr id="20" name="Text Box 19"/>
+          <p:cNvSpPr txBox="1"/>
+          <p:nvPr/>
+        </p:nvSpPr>
+        <p:spPr>
+          <a:xfrm>
+            <a:off x="1085215" y="4024630"/>
+            <a:ext cx="2137410" cy="306705"/>
+          </a:xfrm>
+          <a:prstGeom prst="rect">
+            <a:avLst/>
+          </a:prstGeom>
+          <a:noFill/>
+        </p:spPr>
+        <p:txBody>
+          <a:bodyPr wrap="square" rtlCol="0">
+            <a:spAutoFit/>
+          </a:bodyPr>
+          <a:p>
+            <a:r>
+              <a:rPr lang="en-US" sz="1400"/>
+              <a:t>ST </a:t>
+            </a:r>
+            <a:r>
+              <a:rPr lang="en-US" altLang="en-US" sz="1400"/>
+              <a:t>SCT018W65G3AG</a:t>
+            </a:r>
+            <a:endParaRPr lang="en-US" altLang="en-US" sz="1400"/>
+          </a:p>
+        </p:txBody>
+      </p:sp>
+    </p:spTree>
+  </p:cSld>
+  <p:clrMapOvr>
+    <a:masterClrMapping/>
+  </p:clrMapOvr>
+</p:sld>
+</file>
+
+<file path=ppt/slides/slide8.xml><?xml version="1.0" encoding="utf-8"?>
+<p:sld xmlns:a="http://schemas.openxmlformats.org/drawingml/2006/main" xmlns:r="http://schemas.openxmlformats.org/officeDocument/2006/relationships" xmlns:p="http://schemas.openxmlformats.org/presentationml/2006/main">
+  <p:cSld>
+    <p:spTree>
+      <p:nvGrpSpPr>
+        <p:cNvPr id="1" name=""/>
+        <p:cNvGrpSpPr/>
+        <p:nvPr/>
+      </p:nvGrpSpPr>
+      <p:grpSpPr>
+        <a:xfrm>
+          <a:off x="0" y="0"/>
+          <a:ext cx="0" cy="0"/>
+          <a:chOff x="0" y="0"/>
+          <a:chExt cx="0" cy="0"/>
+        </a:xfrm>
+      </p:grpSpPr>
+      <p:sp>
+        <p:nvSpPr>
+          <p:cNvPr id="5" name="Title 4"/>
+          <p:cNvSpPr>
+            <a:spLocks noGrp="1"/>
+          </p:cNvSpPr>
+          <p:nvPr>
+            <p:ph type="title"/>
+          </p:nvPr>
+        </p:nvSpPr>
+        <p:spPr>
+          <a:xfrm>
+            <a:off x="838200" y="365125"/>
+            <a:ext cx="10515600" cy="619613"/>
+          </a:xfrm>
+        </p:spPr>
+        <p:txBody>
+          <a:bodyPr>
+            <a:normAutofit fontScale="90000"/>
+          </a:bodyPr>
+          <a:lstStyle/>
+          <a:p>
+            <a:r>
+              <a:rPr lang="en-US" dirty="0"/>
+              <a:t>Preparing the table - 1</a:t>
+            </a:r>
+            <a:endParaRPr lang="en-US" dirty="0"/>
+          </a:p>
+        </p:txBody>
+      </p:sp>
+      <p:cxnSp>
+        <p:nvCxnSpPr>
+          <p:cNvPr id="8" name="Straight Connector 7"/>
+          <p:cNvCxnSpPr/>
+          <p:nvPr/>
+        </p:nvCxnSpPr>
+        <p:spPr>
+          <a:xfrm>
+            <a:off x="826474" y="940778"/>
+            <a:ext cx="10527326" cy="0"/>
+          </a:xfrm>
+          <a:prstGeom prst="line">
+            <a:avLst/>
+          </a:prstGeom>
+          <a:ln w="28575"/>
+        </p:spPr>
+        <p:style>
+          <a:lnRef idx="1">
+            <a:schemeClr val="accent1"/>
+          </a:lnRef>
+          <a:fillRef idx="0">
+            <a:schemeClr val="accent1"/>
+          </a:fillRef>
+          <a:effectRef idx="0">
+            <a:schemeClr val="accent1"/>
+          </a:effectRef>
+          <a:fontRef idx="minor">
+            <a:schemeClr val="tx1"/>
+          </a:fontRef>
+        </p:style>
+      </p:cxnSp>
+      <p:cxnSp>
+        <p:nvCxnSpPr>
+          <p:cNvPr id="9" name="Straight Connector 8"/>
+          <p:cNvCxnSpPr/>
+          <p:nvPr/>
+        </p:nvCxnSpPr>
+        <p:spPr>
+          <a:xfrm>
+            <a:off x="826474" y="368057"/>
+            <a:ext cx="10527326" cy="0"/>
+          </a:xfrm>
+          <a:prstGeom prst="line">
+            <a:avLst/>
+          </a:prstGeom>
+          <a:ln w="28575"/>
+        </p:spPr>
+        <p:style>
+          <a:lnRef idx="1">
+            <a:schemeClr val="accent1"/>
+          </a:lnRef>
+          <a:fillRef idx="0">
+            <a:schemeClr val="accent1"/>
+          </a:fillRef>
+          <a:effectRef idx="0">
+            <a:schemeClr val="accent1"/>
+          </a:effectRef>
+          <a:fontRef idx="minor">
+            <a:schemeClr val="tx1"/>
+          </a:fontRef>
+        </p:style>
+      </p:cxnSp>
+      <p:sp>
+        <p:nvSpPr>
+          <p:cNvPr id="7" name="Footer Placeholder 6"/>
+          <p:cNvSpPr>
+            <a:spLocks noGrp="1"/>
+          </p:cNvSpPr>
+          <p:nvPr>
+            <p:ph type="ftr" sz="quarter" idx="11"/>
+          </p:nvPr>
+        </p:nvSpPr>
+        <p:spPr/>
+        <p:txBody>
+          <a:bodyPr/>
+          <a:lstStyle/>
+          <a:p>
+            <a:r>
+              <a:rPr lang="en-US"/>
+              <a:t>By Arief Noor Rahman </a:t>
+            </a:r>
+            <a:r>
+              <a:rPr lang="en-US">
+                <a:latin typeface="SimSun" panose="02010600030101010101" pitchFamily="2" charset="-122"/>
+                <a:ea typeface="SimSun" panose="02010600030101010101" pitchFamily="2" charset="-122"/>
+              </a:rPr>
+              <a:t>－</a:t>
+            </a:r>
+            <a:r>
+              <a:rPr lang="en-US">
+                <a:sym typeface="+mn-ea"/>
+              </a:rPr>
+              <a:t>Power Control Design</a:t>
+            </a:r>
+            <a:endParaRPr lang="en-US">
+              <a:latin typeface="SimSun" panose="02010600030101010101" pitchFamily="2" charset="-122"/>
+              <a:ea typeface="SimSun" panose="02010600030101010101" pitchFamily="2" charset="-122"/>
+            </a:endParaRPr>
+          </a:p>
+        </p:txBody>
+      </p:sp>
+      <p:sp>
+        <p:nvSpPr>
+          <p:cNvPr id="3" name="Slide Number Placeholder 2"/>
+          <p:cNvSpPr>
+            <a:spLocks noGrp="1"/>
+          </p:cNvSpPr>
+          <p:nvPr>
+            <p:ph type="sldNum" sz="quarter" idx="12"/>
+          </p:nvPr>
+        </p:nvSpPr>
+        <p:spPr/>
+        <p:txBody>
+          <a:bodyPr/>
+          <a:lstStyle/>
+          <a:p>
+            <a:fld id="{9B618960-8005-486C-9A75-10CB2AAC16F9}" type="slidenum">
+              <a:rPr lang="en-US" smtClean="0"/>
+            </a:fld>
+            <a:endParaRPr lang="en-US"/>
+          </a:p>
+        </p:txBody>
+      </p:sp>
+      <p:pic>
+        <p:nvPicPr>
+          <p:cNvPr id="4" name="Picture 3" descr="logo_detail"/>
+          <p:cNvPicPr>
+            <a:picLocks noChangeAspect="1"/>
+          </p:cNvPicPr>
+          <p:nvPr/>
+        </p:nvPicPr>
+        <p:blipFill>
+          <a:blip r:embed="rId1"/>
+          <a:stretch>
+            <a:fillRect/>
+          </a:stretch>
+        </p:blipFill>
+        <p:spPr>
+          <a:xfrm>
+            <a:off x="120650" y="6024880"/>
+            <a:ext cx="696595" cy="696595"/>
+          </a:xfrm>
+          <a:prstGeom prst="rect">
+            <a:avLst/>
+          </a:prstGeom>
+        </p:spPr>
+      </p:pic>
+      <p:pic>
+        <p:nvPicPr>
+          <p:cNvPr id="2" name="Picture 1"/>
+          <p:cNvPicPr>
+            <a:picLocks noChangeAspect="1"/>
+          </p:cNvPicPr>
+          <p:nvPr/>
+        </p:nvPicPr>
+        <p:blipFill>
+          <a:blip r:embed="rId2"/>
+          <a:stretch>
+            <a:fillRect/>
+          </a:stretch>
+        </p:blipFill>
+        <p:spPr>
+          <a:xfrm>
             <a:off x="6760845" y="1595755"/>
             <a:ext cx="4747895" cy="4219575"/>
           </a:xfrm>
@@ -7976,7 +10182,7 @@
 </p:sld>
 </file>
 
-<file path=ppt/slides/slide7.xml><?xml version="1.0" encoding="utf-8"?>
+<file path=ppt/slides/slide9.xml><?xml version="1.0" encoding="utf-8"?>
 <p:sld xmlns:a="http://schemas.openxmlformats.org/drawingml/2006/main" xmlns:r="http://schemas.openxmlformats.org/officeDocument/2006/relationships" xmlns:p="http://schemas.openxmlformats.org/presentationml/2006/main">
   <p:cSld>
     <p:spTree>
@@ -8949,749 +11155,6 @@
 </p:sld>
 </file>
 
-<file path=ppt/slides/slide8.xml><?xml version="1.0" encoding="utf-8"?>
-<p:sld xmlns:a="http://schemas.openxmlformats.org/drawingml/2006/main" xmlns:r="http://schemas.openxmlformats.org/officeDocument/2006/relationships" xmlns:p="http://schemas.openxmlformats.org/presentationml/2006/main">
-  <p:cSld>
-    <p:spTree>
-      <p:nvGrpSpPr>
-        <p:cNvPr id="1" name=""/>
-        <p:cNvGrpSpPr/>
-        <p:nvPr/>
-      </p:nvGrpSpPr>
-      <p:grpSpPr>
-        <a:xfrm>
-          <a:off x="0" y="0"/>
-          <a:ext cx="0" cy="0"/>
-          <a:chOff x="0" y="0"/>
-          <a:chExt cx="0" cy="0"/>
-        </a:xfrm>
-      </p:grpSpPr>
-      <p:sp>
-        <p:nvSpPr>
-          <p:cNvPr id="5" name="Title 4"/>
-          <p:cNvSpPr>
-            <a:spLocks noGrp="1"/>
-          </p:cNvSpPr>
-          <p:nvPr>
-            <p:ph type="title"/>
-          </p:nvPr>
-        </p:nvSpPr>
-        <p:spPr>
-          <a:xfrm>
-            <a:off x="838200" y="365125"/>
-            <a:ext cx="10515600" cy="619613"/>
-          </a:xfrm>
-        </p:spPr>
-        <p:txBody>
-          <a:bodyPr>
-            <a:normAutofit fontScale="90000"/>
-          </a:bodyPr>
-          <a:lstStyle/>
-          <a:p>
-            <a:r>
-              <a:rPr lang="en-US" dirty="0"/>
-              <a:t>Simulation test result</a:t>
-            </a:r>
-            <a:endParaRPr lang="en-US" dirty="0"/>
-          </a:p>
-        </p:txBody>
-      </p:sp>
-      <p:cxnSp>
-        <p:nvCxnSpPr>
-          <p:cNvPr id="8" name="Straight Connector 7"/>
-          <p:cNvCxnSpPr/>
-          <p:nvPr/>
-        </p:nvCxnSpPr>
-        <p:spPr>
-          <a:xfrm>
-            <a:off x="826474" y="940778"/>
-            <a:ext cx="10527326" cy="0"/>
-          </a:xfrm>
-          <a:prstGeom prst="line">
-            <a:avLst/>
-          </a:prstGeom>
-          <a:ln w="28575"/>
-        </p:spPr>
-        <p:style>
-          <a:lnRef idx="1">
-            <a:schemeClr val="accent1"/>
-          </a:lnRef>
-          <a:fillRef idx="0">
-            <a:schemeClr val="accent1"/>
-          </a:fillRef>
-          <a:effectRef idx="0">
-            <a:schemeClr val="accent1"/>
-          </a:effectRef>
-          <a:fontRef idx="minor">
-            <a:schemeClr val="tx1"/>
-          </a:fontRef>
-        </p:style>
-      </p:cxnSp>
-      <p:cxnSp>
-        <p:nvCxnSpPr>
-          <p:cNvPr id="9" name="Straight Connector 8"/>
-          <p:cNvCxnSpPr/>
-          <p:nvPr/>
-        </p:nvCxnSpPr>
-        <p:spPr>
-          <a:xfrm>
-            <a:off x="826474" y="368057"/>
-            <a:ext cx="10527326" cy="0"/>
-          </a:xfrm>
-          <a:prstGeom prst="line">
-            <a:avLst/>
-          </a:prstGeom>
-          <a:ln w="28575"/>
-        </p:spPr>
-        <p:style>
-          <a:lnRef idx="1">
-            <a:schemeClr val="accent1"/>
-          </a:lnRef>
-          <a:fillRef idx="0">
-            <a:schemeClr val="accent1"/>
-          </a:fillRef>
-          <a:effectRef idx="0">
-            <a:schemeClr val="accent1"/>
-          </a:effectRef>
-          <a:fontRef idx="minor">
-            <a:schemeClr val="tx1"/>
-          </a:fontRef>
-        </p:style>
-      </p:cxnSp>
-      <p:sp>
-        <p:nvSpPr>
-          <p:cNvPr id="7" name="Footer Placeholder 6"/>
-          <p:cNvSpPr>
-            <a:spLocks noGrp="1"/>
-          </p:cNvSpPr>
-          <p:nvPr>
-            <p:ph type="ftr" sz="quarter" idx="11"/>
-          </p:nvPr>
-        </p:nvSpPr>
-        <p:spPr/>
-        <p:txBody>
-          <a:bodyPr/>
-          <a:lstStyle/>
-          <a:p>
-            <a:r>
-              <a:rPr lang="en-US"/>
-              <a:t>By Arief Noor Rahman </a:t>
-            </a:r>
-            <a:r>
-              <a:rPr lang="en-US">
-                <a:latin typeface="SimSun" panose="02010600030101010101" pitchFamily="2" charset="-122"/>
-                <a:ea typeface="SimSun" panose="02010600030101010101" pitchFamily="2" charset="-122"/>
-              </a:rPr>
-              <a:t>－</a:t>
-            </a:r>
-            <a:r>
-              <a:rPr lang="en-US">
-                <a:sym typeface="+mn-ea"/>
-              </a:rPr>
-              <a:t>Power Control Design</a:t>
-            </a:r>
-            <a:endParaRPr lang="en-US">
-              <a:latin typeface="SimSun" panose="02010600030101010101" pitchFamily="2" charset="-122"/>
-              <a:ea typeface="SimSun" panose="02010600030101010101" pitchFamily="2" charset="-122"/>
-            </a:endParaRPr>
-          </a:p>
-        </p:txBody>
-      </p:sp>
-      <p:sp>
-        <p:nvSpPr>
-          <p:cNvPr id="3" name="Slide Number Placeholder 2"/>
-          <p:cNvSpPr>
-            <a:spLocks noGrp="1"/>
-          </p:cNvSpPr>
-          <p:nvPr>
-            <p:ph type="sldNum" sz="quarter" idx="12"/>
-          </p:nvPr>
-        </p:nvSpPr>
-        <p:spPr/>
-        <p:txBody>
-          <a:bodyPr/>
-          <a:lstStyle/>
-          <a:p>
-            <a:fld id="{9B618960-8005-486C-9A75-10CB2AAC16F9}" type="slidenum">
-              <a:rPr lang="en-US" smtClean="0"/>
-            </a:fld>
-            <a:endParaRPr lang="en-US"/>
-          </a:p>
-        </p:txBody>
-      </p:sp>
-      <p:pic>
-        <p:nvPicPr>
-          <p:cNvPr id="4" name="Picture 3" descr="logo_detail"/>
-          <p:cNvPicPr>
-            <a:picLocks noChangeAspect="1"/>
-          </p:cNvPicPr>
-          <p:nvPr/>
-        </p:nvPicPr>
-        <p:blipFill>
-          <a:blip r:embed="rId1"/>
-          <a:stretch>
-            <a:fillRect/>
-          </a:stretch>
-        </p:blipFill>
-        <p:spPr>
-          <a:xfrm>
-            <a:off x="120650" y="6024880"/>
-            <a:ext cx="696595" cy="696595"/>
-          </a:xfrm>
-          <a:prstGeom prst="rect">
-            <a:avLst/>
-          </a:prstGeom>
-        </p:spPr>
-      </p:pic>
-      <p:pic>
-        <p:nvPicPr>
-          <p:cNvPr id="16" name="Picture 15"/>
-          <p:cNvPicPr>
-            <a:picLocks noChangeAspect="1"/>
-          </p:cNvPicPr>
-          <p:nvPr/>
-        </p:nvPicPr>
-        <p:blipFill>
-          <a:blip r:embed="rId2"/>
-          <a:stretch>
-            <a:fillRect/>
-          </a:stretch>
-        </p:blipFill>
-        <p:spPr>
-          <a:xfrm>
-            <a:off x="1007110" y="2261870"/>
-            <a:ext cx="4911090" cy="3977640"/>
-          </a:xfrm>
-          <a:prstGeom prst="rect">
-            <a:avLst/>
-          </a:prstGeom>
-        </p:spPr>
-      </p:pic>
-      <p:pic>
-        <p:nvPicPr>
-          <p:cNvPr id="18" name="Picture 17"/>
-          <p:cNvPicPr>
-            <a:picLocks noChangeAspect="1"/>
-          </p:cNvPicPr>
-          <p:nvPr/>
-        </p:nvPicPr>
-        <p:blipFill>
-          <a:blip r:embed="rId3"/>
-          <a:stretch>
-            <a:fillRect/>
-          </a:stretch>
-        </p:blipFill>
-        <p:spPr>
-          <a:xfrm>
-            <a:off x="6972300" y="1097915"/>
-            <a:ext cx="4381500" cy="5258435"/>
-          </a:xfrm>
-          <a:prstGeom prst="rect">
-            <a:avLst/>
-          </a:prstGeom>
-        </p:spPr>
-      </p:pic>
-      <p:sp>
-        <p:nvSpPr>
-          <p:cNvPr id="2" name="Text Box 1"/>
-          <p:cNvSpPr txBox="1"/>
-          <p:nvPr/>
-        </p:nvSpPr>
-        <p:spPr>
-          <a:xfrm>
-            <a:off x="1007110" y="1140460"/>
-            <a:ext cx="5269230" cy="922020"/>
-          </a:xfrm>
-          <a:prstGeom prst="rect">
-            <a:avLst/>
-          </a:prstGeom>
-          <a:noFill/>
-        </p:spPr>
-        <p:txBody>
-          <a:bodyPr wrap="square" rtlCol="0">
-            <a:spAutoFit/>
-          </a:bodyPr>
-          <a:p>
-            <a:r>
-              <a:rPr lang="en-US"/>
-              <a:t>To use the losses estimation tool, user will need to connect the block to DUT switch and measure all Vgs signal, Vds signal, and drain current as following figure.</a:t>
-            </a:r>
-            <a:endParaRPr lang="en-US"/>
-          </a:p>
-        </p:txBody>
-      </p:sp>
-    </p:spTree>
-  </p:cSld>
-  <p:clrMapOvr>
-    <a:masterClrMapping/>
-  </p:clrMapOvr>
-</p:sld>
-</file>
-
-<file path=ppt/slides/slide9.xml><?xml version="1.0" encoding="utf-8"?>
-<p:sld xmlns:a="http://schemas.openxmlformats.org/drawingml/2006/main" xmlns:r="http://schemas.openxmlformats.org/officeDocument/2006/relationships" xmlns:p="http://schemas.openxmlformats.org/presentationml/2006/main">
-  <p:cSld>
-    <p:spTree>
-      <p:nvGrpSpPr>
-        <p:cNvPr id="1" name=""/>
-        <p:cNvGrpSpPr/>
-        <p:nvPr/>
-      </p:nvGrpSpPr>
-      <p:grpSpPr>
-        <a:xfrm>
-          <a:off x="0" y="0"/>
-          <a:ext cx="0" cy="0"/>
-          <a:chOff x="0" y="0"/>
-          <a:chExt cx="0" cy="0"/>
-        </a:xfrm>
-      </p:grpSpPr>
-      <p:sp>
-        <p:nvSpPr>
-          <p:cNvPr id="5" name="Title 4"/>
-          <p:cNvSpPr>
-            <a:spLocks noGrp="1"/>
-          </p:cNvSpPr>
-          <p:nvPr>
-            <p:ph type="title"/>
-          </p:nvPr>
-        </p:nvSpPr>
-        <p:spPr>
-          <a:xfrm>
-            <a:off x="838200" y="365125"/>
-            <a:ext cx="10515600" cy="619613"/>
-          </a:xfrm>
-        </p:spPr>
-        <p:txBody>
-          <a:bodyPr>
-            <a:normAutofit fontScale="90000"/>
-          </a:bodyPr>
-          <a:lstStyle/>
-          <a:p>
-            <a:r>
-              <a:rPr lang="en-US" dirty="0"/>
-              <a:t>Conclusion</a:t>
-            </a:r>
-            <a:endParaRPr lang="en-US" dirty="0"/>
-          </a:p>
-        </p:txBody>
-      </p:sp>
-      <p:cxnSp>
-        <p:nvCxnSpPr>
-          <p:cNvPr id="8" name="Straight Connector 7"/>
-          <p:cNvCxnSpPr/>
-          <p:nvPr/>
-        </p:nvCxnSpPr>
-        <p:spPr>
-          <a:xfrm>
-            <a:off x="826474" y="940778"/>
-            <a:ext cx="10527326" cy="0"/>
-          </a:xfrm>
-          <a:prstGeom prst="line">
-            <a:avLst/>
-          </a:prstGeom>
-          <a:ln w="28575"/>
-        </p:spPr>
-        <p:style>
-          <a:lnRef idx="1">
-            <a:schemeClr val="accent1"/>
-          </a:lnRef>
-          <a:fillRef idx="0">
-            <a:schemeClr val="accent1"/>
-          </a:fillRef>
-          <a:effectRef idx="0">
-            <a:schemeClr val="accent1"/>
-          </a:effectRef>
-          <a:fontRef idx="minor">
-            <a:schemeClr val="tx1"/>
-          </a:fontRef>
-        </p:style>
-      </p:cxnSp>
-      <p:cxnSp>
-        <p:nvCxnSpPr>
-          <p:cNvPr id="9" name="Straight Connector 8"/>
-          <p:cNvCxnSpPr/>
-          <p:nvPr/>
-        </p:nvCxnSpPr>
-        <p:spPr>
-          <a:xfrm>
-            <a:off x="826474" y="368057"/>
-            <a:ext cx="10527326" cy="0"/>
-          </a:xfrm>
-          <a:prstGeom prst="line">
-            <a:avLst/>
-          </a:prstGeom>
-          <a:ln w="28575"/>
-        </p:spPr>
-        <p:style>
-          <a:lnRef idx="1">
-            <a:schemeClr val="accent1"/>
-          </a:lnRef>
-          <a:fillRef idx="0">
-            <a:schemeClr val="accent1"/>
-          </a:fillRef>
-          <a:effectRef idx="0">
-            <a:schemeClr val="accent1"/>
-          </a:effectRef>
-          <a:fontRef idx="minor">
-            <a:schemeClr val="tx1"/>
-          </a:fontRef>
-        </p:style>
-      </p:cxnSp>
-      <p:sp>
-        <p:nvSpPr>
-          <p:cNvPr id="7" name="Footer Placeholder 6"/>
-          <p:cNvSpPr>
-            <a:spLocks noGrp="1"/>
-          </p:cNvSpPr>
-          <p:nvPr>
-            <p:ph type="ftr" sz="quarter" idx="11"/>
-          </p:nvPr>
-        </p:nvSpPr>
-        <p:spPr/>
-        <p:txBody>
-          <a:bodyPr/>
-          <a:lstStyle/>
-          <a:p>
-            <a:r>
-              <a:rPr lang="en-US"/>
-              <a:t>By Arief Noor Rahman </a:t>
-            </a:r>
-            <a:r>
-              <a:rPr lang="en-US">
-                <a:latin typeface="SimSun" panose="02010600030101010101" pitchFamily="2" charset="-122"/>
-                <a:ea typeface="SimSun" panose="02010600030101010101" pitchFamily="2" charset="-122"/>
-              </a:rPr>
-              <a:t>－</a:t>
-            </a:r>
-            <a:r>
-              <a:rPr lang="en-US">
-                <a:sym typeface="+mn-ea"/>
-              </a:rPr>
-              <a:t>Power Control Design</a:t>
-            </a:r>
-            <a:endParaRPr lang="en-US">
-              <a:latin typeface="SimSun" panose="02010600030101010101" pitchFamily="2" charset="-122"/>
-              <a:ea typeface="SimSun" panose="02010600030101010101" pitchFamily="2" charset="-122"/>
-            </a:endParaRPr>
-          </a:p>
-        </p:txBody>
-      </p:sp>
-      <p:sp>
-        <p:nvSpPr>
-          <p:cNvPr id="3" name="Slide Number Placeholder 2"/>
-          <p:cNvSpPr>
-            <a:spLocks noGrp="1"/>
-          </p:cNvSpPr>
-          <p:nvPr>
-            <p:ph type="sldNum" sz="quarter" idx="12"/>
-          </p:nvPr>
-        </p:nvSpPr>
-        <p:spPr/>
-        <p:txBody>
-          <a:bodyPr/>
-          <a:lstStyle/>
-          <a:p>
-            <a:fld id="{9B618960-8005-486C-9A75-10CB2AAC16F9}" type="slidenum">
-              <a:rPr lang="en-US" smtClean="0"/>
-            </a:fld>
-            <a:endParaRPr lang="en-US"/>
-          </a:p>
-        </p:txBody>
-      </p:sp>
-      <p:pic>
-        <p:nvPicPr>
-          <p:cNvPr id="4" name="Picture 3" descr="logo_detail"/>
-          <p:cNvPicPr>
-            <a:picLocks noChangeAspect="1"/>
-          </p:cNvPicPr>
-          <p:nvPr/>
-        </p:nvPicPr>
-        <p:blipFill>
-          <a:blip r:embed="rId1"/>
-          <a:stretch>
-            <a:fillRect/>
-          </a:stretch>
-        </p:blipFill>
-        <p:spPr>
-          <a:xfrm>
-            <a:off x="120650" y="6024880"/>
-            <a:ext cx="696595" cy="696595"/>
-          </a:xfrm>
-          <a:prstGeom prst="rect">
-            <a:avLst/>
-          </a:prstGeom>
-        </p:spPr>
-      </p:pic>
-      <p:sp>
-        <p:nvSpPr>
-          <p:cNvPr id="6" name="Text Box 5"/>
-          <p:cNvSpPr txBox="1"/>
-          <p:nvPr/>
-        </p:nvSpPr>
-        <p:spPr>
-          <a:xfrm>
-            <a:off x="817245" y="1066800"/>
-            <a:ext cx="10527030" cy="2861310"/>
-          </a:xfrm>
-          <a:prstGeom prst="rect">
-            <a:avLst/>
-          </a:prstGeom>
-          <a:noFill/>
-        </p:spPr>
-        <p:txBody>
-          <a:bodyPr wrap="square" rtlCol="0">
-            <a:spAutoFit/>
-          </a:bodyPr>
-          <a:p>
-            <a:pPr marL="305435" indent="-305435">
-              <a:buFont typeface="Arial" panose="020B0604020202020204" pitchFamily="34" charset="0"/>
-              <a:buChar char="•"/>
-            </a:pPr>
-            <a:r>
-              <a:rPr lang="en-US"/>
-              <a:t>An alternative method of transient loss estimation has been developed to be used in Qspice.</a:t>
-            </a:r>
-            <a:endParaRPr lang="en-US"/>
-          </a:p>
-          <a:p>
-            <a:pPr marL="305435" indent="-305435">
-              <a:buFont typeface="Arial" panose="020B0604020202020204" pitchFamily="34" charset="0"/>
-              <a:buChar char="•"/>
-            </a:pPr>
-            <a:r>
-              <a:rPr lang="en-US" altLang="en-US"/>
-              <a:t>The presented method has a number of simplification layers, with the rationale of the approach explained. Note: some reasoning maybe technical, some maybe practical.</a:t>
-            </a:r>
-            <a:endParaRPr lang="en-US" altLang="en-US"/>
-          </a:p>
-          <a:p>
-            <a:pPr marL="305435" indent="-305435">
-              <a:buFont typeface="Arial" panose="020B0604020202020204" pitchFamily="34" charset="0"/>
-              <a:buChar char="•"/>
-            </a:pPr>
-            <a:r>
-              <a:rPr lang="en-US" altLang="en-US"/>
-              <a:t>Simulation result accuracy for the SR-boost test circuit after some comparison with Wolfspeed’s speedfit appears to be quite reasonable (I cant find Infineon’s losses simulator). This result allows me to then use the method to evaluate losses for more complex circuit (e.g. Three phase Active NPC).</a:t>
-            </a:r>
-            <a:endParaRPr lang="en-US" altLang="en-US"/>
-          </a:p>
-          <a:p>
-            <a:pPr marL="305435" indent="-305435">
-              <a:buFont typeface="Arial" panose="020B0604020202020204" pitchFamily="34" charset="0"/>
-              <a:buChar char="•"/>
-            </a:pPr>
-            <a:r>
-              <a:rPr lang="en-US" altLang="en-US"/>
-              <a:t>Overall, this tool I believe is a very powerful tool for every power supply engineer.</a:t>
-            </a:r>
-            <a:endParaRPr lang="en-US" altLang="en-US"/>
-          </a:p>
-          <a:p>
-            <a:pPr marL="305435" indent="-305435">
-              <a:buFont typeface="Arial" panose="020B0604020202020204" pitchFamily="34" charset="0"/>
-              <a:buChar char="•"/>
-            </a:pPr>
-            <a:endParaRPr lang="en-US" altLang="en-US"/>
-          </a:p>
-          <a:p>
-            <a:pPr marL="305435" indent="-305435">
-              <a:buFont typeface="Arial" panose="020B0604020202020204" pitchFamily="34" charset="0"/>
-              <a:buChar char="•"/>
-            </a:pPr>
-            <a:endParaRPr lang="en-US" altLang="en-US"/>
-          </a:p>
-          <a:p>
-            <a:pPr indent="0">
-              <a:buFont typeface="Arial" panose="020B0604020202020204" pitchFamily="34" charset="0"/>
-              <a:buNone/>
-            </a:pPr>
-            <a:r>
-              <a:rPr lang="en-US" altLang="en-US"/>
-              <a:t>Next? for IGBT?</a:t>
-            </a:r>
-            <a:endParaRPr lang="en-US" altLang="en-US"/>
-          </a:p>
-        </p:txBody>
-      </p:sp>
-      <p:sp>
-        <p:nvSpPr>
-          <p:cNvPr id="2" name="Text Box 1"/>
-          <p:cNvSpPr txBox="1"/>
-          <p:nvPr/>
-        </p:nvSpPr>
-        <p:spPr>
-          <a:xfrm>
-            <a:off x="817245" y="4824095"/>
-            <a:ext cx="10535920" cy="1198880"/>
-          </a:xfrm>
-          <a:prstGeom prst="rect">
-            <a:avLst/>
-          </a:prstGeom>
-          <a:noFill/>
-        </p:spPr>
-        <p:txBody>
-          <a:bodyPr wrap="square" rtlCol="0" anchor="t">
-            <a:spAutoFit/>
-          </a:bodyPr>
-          <a:p>
-            <a:pPr marL="305435" indent="-305435"/>
-            <a:r>
-              <a:rPr lang="en-US">
-                <a:sym typeface="+mn-ea"/>
-              </a:rPr>
-              <a:t>[1] Infineon </a:t>
-            </a:r>
-            <a:r>
-              <a:rPr lang="en-US" altLang="en-US">
-                <a:sym typeface="+mn-ea"/>
-              </a:rPr>
-              <a:t>IMZA75R040M1H - Datasheet</a:t>
-            </a:r>
-            <a:endParaRPr lang="en-US" altLang="en-US"/>
-          </a:p>
-          <a:p>
-            <a:pPr marL="305435" indent="-305435"/>
-            <a:r>
-              <a:rPr lang="en-US" altLang="en-US">
-                <a:sym typeface="+mn-ea"/>
-              </a:rPr>
-              <a:t>[2] Infineon IMW120R040M1H - Datasheet</a:t>
-            </a:r>
-            <a:endParaRPr lang="en-US" altLang="en-US"/>
-          </a:p>
-          <a:p>
-            <a:pPr marL="305435" indent="-305435"/>
-            <a:r>
-              <a:rPr lang="en-US" altLang="en-US">
-                <a:sym typeface="+mn-ea"/>
-              </a:rPr>
-              <a:t>[3] Estimating SiC MOSFET switching losses in applications https://community.infineon.com/t5/Knowledge-Base-Articles/Estimating-SiC-MOSFET-switching-losses-in-applications/ta-p/709113</a:t>
-            </a:r>
-            <a:endParaRPr lang="en-US" altLang="en-US">
-              <a:sym typeface="+mn-ea"/>
-            </a:endParaRPr>
-          </a:p>
-        </p:txBody>
-      </p:sp>
-      <p:sp>
-        <p:nvSpPr>
-          <p:cNvPr id="10" name="Title 4"/>
-          <p:cNvSpPr>
-            <a:spLocks noGrp="1"/>
-          </p:cNvSpPr>
-          <p:nvPr/>
-        </p:nvSpPr>
-        <p:spPr>
-          <a:xfrm>
-            <a:off x="828675" y="4232275"/>
-            <a:ext cx="10515600" cy="619613"/>
-          </a:xfrm>
-          <a:prstGeom prst="rect">
-            <a:avLst/>
-          </a:prstGeom>
-        </p:spPr>
-        <p:txBody>
-          <a:bodyPr vert="horz" lIns="91440" tIns="45720" rIns="91440" bIns="45720" rtlCol="0" anchor="ctr">
-            <a:normAutofit fontScale="70000"/>
-          </a:bodyPr>
-          <a:lstStyle>
-            <a:lvl1pPr algn="l" defTabSz="914400" rtl="0" eaLnBrk="1" latinLnBrk="0" hangingPunct="1">
-              <a:lnSpc>
-                <a:spcPct val="90000"/>
-              </a:lnSpc>
-              <a:spcBef>
-                <a:spcPct val="0"/>
-              </a:spcBef>
-              <a:buNone/>
-              <a:defRPr sz="4400" kern="1200">
-                <a:solidFill>
-                  <a:schemeClr val="tx1"/>
-                </a:solidFill>
-                <a:latin typeface="+mj-lt"/>
-                <a:ea typeface="+mj-ea"/>
-                <a:cs typeface="+mj-cs"/>
-              </a:defRPr>
-            </a:lvl1pPr>
-          </a:lstStyle>
-          <a:p>
-            <a:r>
-              <a:rPr lang="en-US" dirty="0"/>
-              <a:t>References</a:t>
-            </a:r>
-            <a:endParaRPr lang="en-US" dirty="0"/>
-          </a:p>
-        </p:txBody>
-      </p:sp>
-      <p:cxnSp>
-        <p:nvCxnSpPr>
-          <p:cNvPr id="11" name="Straight Connector 10"/>
-          <p:cNvCxnSpPr/>
-          <p:nvPr/>
-        </p:nvCxnSpPr>
-        <p:spPr>
-          <a:xfrm>
-            <a:off x="816949" y="4807928"/>
-            <a:ext cx="10527326" cy="0"/>
-          </a:xfrm>
-          <a:prstGeom prst="line">
-            <a:avLst/>
-          </a:prstGeom>
-          <a:ln w="28575"/>
-        </p:spPr>
-        <p:style>
-          <a:lnRef idx="1">
-            <a:schemeClr val="accent1"/>
-          </a:lnRef>
-          <a:fillRef idx="0">
-            <a:schemeClr val="accent1"/>
-          </a:fillRef>
-          <a:effectRef idx="0">
-            <a:schemeClr val="accent1"/>
-          </a:effectRef>
-          <a:fontRef idx="minor">
-            <a:schemeClr val="tx1"/>
-          </a:fontRef>
-        </p:style>
-      </p:cxnSp>
-      <p:cxnSp>
-        <p:nvCxnSpPr>
-          <p:cNvPr id="12" name="Straight Connector 11"/>
-          <p:cNvCxnSpPr/>
-          <p:nvPr/>
-        </p:nvCxnSpPr>
-        <p:spPr>
-          <a:xfrm>
-            <a:off x="816949" y="4235207"/>
-            <a:ext cx="10527326" cy="0"/>
-          </a:xfrm>
-          <a:prstGeom prst="line">
-            <a:avLst/>
-          </a:prstGeom>
-          <a:ln w="28575"/>
-        </p:spPr>
-        <p:style>
-          <a:lnRef idx="1">
-            <a:schemeClr val="accent1"/>
-          </a:lnRef>
-          <a:fillRef idx="0">
-            <a:schemeClr val="accent1"/>
-          </a:fillRef>
-          <a:effectRef idx="0">
-            <a:schemeClr val="accent1"/>
-          </a:effectRef>
-          <a:fontRef idx="minor">
-            <a:schemeClr val="tx1"/>
-          </a:fontRef>
-        </p:style>
-      </p:cxnSp>
-    </p:spTree>
-  </p:cSld>
-  <p:clrMapOvr>
-    <a:masterClrMapping/>
-  </p:clrMapOvr>
-</p:sld>
-</file>
-
 <file path=ppt/theme/theme1.xml><?xml version="1.0" encoding="utf-8"?>
 <a:theme xmlns:a="http://schemas.openxmlformats.org/drawingml/2006/main" name="Office Theme">
   <a:themeElements>

--- a/Ideal PWL Transient Losses Analysis/PWL Losses Analysis.pptx
+++ b/Ideal PWL Transient Losses Analysis/PWL Losses Analysis.pptx
@@ -18,8 +18,9 @@
     <p:sldId id="262" r:id="rId11"/>
     <p:sldId id="263" r:id="rId12"/>
     <p:sldId id="267" r:id="rId13"/>
-    <p:sldId id="273" r:id="rId14"/>
-    <p:sldId id="269" r:id="rId15"/>
+    <p:sldId id="274" r:id="rId14"/>
+    <p:sldId id="273" r:id="rId15"/>
+    <p:sldId id="269" r:id="rId16"/>
   </p:sldIdLst>
   <p:sldSz cx="12192000" cy="6858000"/>
   <p:notesSz cx="6858000" cy="9144000"/>
@@ -581,6 +582,62 @@
 </file>
 
 <file path=ppt/notesSlides/notesSlide11.xml><?xml version="1.0" encoding="utf-8"?>
+<p:notes xmlns:a="http://schemas.openxmlformats.org/drawingml/2006/main" xmlns:r="http://schemas.openxmlformats.org/officeDocument/2006/relationships" xmlns:p="http://schemas.openxmlformats.org/presentationml/2006/main">
+  <p:cSld>
+    <p:spTree>
+      <p:nvGrpSpPr>
+        <p:cNvPr id="1" name=""/>
+        <p:cNvGrpSpPr/>
+        <p:nvPr/>
+      </p:nvGrpSpPr>
+      <p:grpSpPr>
+        <a:xfrm>
+          <a:off x="0" y="0"/>
+          <a:ext cx="0" cy="0"/>
+          <a:chOff x="0" y="0"/>
+          <a:chExt cx="0" cy="0"/>
+        </a:xfrm>
+      </p:grpSpPr>
+      <p:sp>
+        <p:nvSpPr>
+          <p:cNvPr id="2" name="Slide Image Placeholder 1"/>
+          <p:cNvSpPr>
+            <a:spLocks noGrp="1" noRot="1" noChangeAspect="1"/>
+          </p:cNvSpPr>
+          <p:nvPr>
+            <p:ph type="sldImg" idx="2"/>
+          </p:nvPr>
+        </p:nvSpPr>
+        <p:spPr/>
+      </p:sp>
+      <p:sp>
+        <p:nvSpPr>
+          <p:cNvPr id="3" name="Text Placeholder 2"/>
+          <p:cNvSpPr>
+            <a:spLocks noGrp="1"/>
+          </p:cNvSpPr>
+          <p:nvPr>
+            <p:ph type="body" idx="3"/>
+          </p:nvPr>
+        </p:nvSpPr>
+        <p:spPr/>
+        <p:txBody>
+          <a:bodyPr/>
+          <a:lstStyle/>
+          <a:p>
+            <a:endParaRPr lang="en-US"/>
+          </a:p>
+        </p:txBody>
+      </p:sp>
+    </p:spTree>
+  </p:cSld>
+  <p:clrMapOvr>
+    <a:masterClrMapping/>
+  </p:clrMapOvr>
+</p:notes>
+</file>
+
+<file path=ppt/notesSlides/notesSlide12.xml><?xml version="1.0" encoding="utf-8"?>
 <p:notes xmlns:a="http://schemas.openxmlformats.org/drawingml/2006/main" xmlns:r="http://schemas.openxmlformats.org/officeDocument/2006/relationships" xmlns:p="http://schemas.openxmlformats.org/presentationml/2006/main">
   <p:cSld>
     <p:spTree>
@@ -5011,6 +5068,310 @@
 </file>
 
 <file path=ppt/slides/slide12.xml><?xml version="1.0" encoding="utf-8"?>
+<p:sld xmlns:a="http://schemas.openxmlformats.org/drawingml/2006/main" xmlns:r="http://schemas.openxmlformats.org/officeDocument/2006/relationships" xmlns:p="http://schemas.openxmlformats.org/presentationml/2006/main">
+  <p:cSld>
+    <p:spTree>
+      <p:nvGrpSpPr>
+        <p:cNvPr id="1" name=""/>
+        <p:cNvGrpSpPr/>
+        <p:nvPr/>
+      </p:nvGrpSpPr>
+      <p:grpSpPr>
+        <a:xfrm>
+          <a:off x="0" y="0"/>
+          <a:ext cx="0" cy="0"/>
+          <a:chOff x="0" y="0"/>
+          <a:chExt cx="0" cy="0"/>
+        </a:xfrm>
+      </p:grpSpPr>
+      <p:sp>
+        <p:nvSpPr>
+          <p:cNvPr id="5" name="Title 4"/>
+          <p:cNvSpPr>
+            <a:spLocks noGrp="1"/>
+          </p:cNvSpPr>
+          <p:nvPr>
+            <p:ph type="title"/>
+          </p:nvPr>
+        </p:nvSpPr>
+        <p:spPr>
+          <a:xfrm>
+            <a:off x="838200" y="365125"/>
+            <a:ext cx="10515600" cy="619613"/>
+          </a:xfrm>
+        </p:spPr>
+        <p:txBody>
+          <a:bodyPr>
+            <a:normAutofit fontScale="90000"/>
+          </a:bodyPr>
+          <a:lstStyle/>
+          <a:p>
+            <a:r>
+              <a:rPr lang="en-US" dirty="0"/>
+              <a:t>Simulation test result (for Rev.1)</a:t>
+            </a:r>
+            <a:endParaRPr lang="en-US" dirty="0"/>
+          </a:p>
+        </p:txBody>
+      </p:sp>
+      <p:cxnSp>
+        <p:nvCxnSpPr>
+          <p:cNvPr id="8" name="Straight Connector 7"/>
+          <p:cNvCxnSpPr/>
+          <p:nvPr/>
+        </p:nvCxnSpPr>
+        <p:spPr>
+          <a:xfrm>
+            <a:off x="826474" y="940778"/>
+            <a:ext cx="10527326" cy="0"/>
+          </a:xfrm>
+          <a:prstGeom prst="line">
+            <a:avLst/>
+          </a:prstGeom>
+          <a:ln w="28575"/>
+        </p:spPr>
+        <p:style>
+          <a:lnRef idx="1">
+            <a:schemeClr val="accent1"/>
+          </a:lnRef>
+          <a:fillRef idx="0">
+            <a:schemeClr val="accent1"/>
+          </a:fillRef>
+          <a:effectRef idx="0">
+            <a:schemeClr val="accent1"/>
+          </a:effectRef>
+          <a:fontRef idx="minor">
+            <a:schemeClr val="tx1"/>
+          </a:fontRef>
+        </p:style>
+      </p:cxnSp>
+      <p:cxnSp>
+        <p:nvCxnSpPr>
+          <p:cNvPr id="9" name="Straight Connector 8"/>
+          <p:cNvCxnSpPr/>
+          <p:nvPr/>
+        </p:nvCxnSpPr>
+        <p:spPr>
+          <a:xfrm>
+            <a:off x="826474" y="368057"/>
+            <a:ext cx="10527326" cy="0"/>
+          </a:xfrm>
+          <a:prstGeom prst="line">
+            <a:avLst/>
+          </a:prstGeom>
+          <a:ln w="28575"/>
+        </p:spPr>
+        <p:style>
+          <a:lnRef idx="1">
+            <a:schemeClr val="accent1"/>
+          </a:lnRef>
+          <a:fillRef idx="0">
+            <a:schemeClr val="accent1"/>
+          </a:fillRef>
+          <a:effectRef idx="0">
+            <a:schemeClr val="accent1"/>
+          </a:effectRef>
+          <a:fontRef idx="minor">
+            <a:schemeClr val="tx1"/>
+          </a:fontRef>
+        </p:style>
+      </p:cxnSp>
+      <p:sp>
+        <p:nvSpPr>
+          <p:cNvPr id="7" name="Footer Placeholder 6"/>
+          <p:cNvSpPr>
+            <a:spLocks noGrp="1"/>
+          </p:cNvSpPr>
+          <p:nvPr>
+            <p:ph type="ftr" sz="quarter" idx="11"/>
+          </p:nvPr>
+        </p:nvSpPr>
+        <p:spPr/>
+        <p:txBody>
+          <a:bodyPr/>
+          <a:lstStyle/>
+          <a:p>
+            <a:r>
+              <a:rPr lang="en-US"/>
+              <a:t>By Arief Noor Rahman </a:t>
+            </a:r>
+            <a:r>
+              <a:rPr lang="en-US">
+                <a:latin typeface="SimSun" panose="02010600030101010101" pitchFamily="2" charset="-122"/>
+                <a:ea typeface="SimSun" panose="02010600030101010101" pitchFamily="2" charset="-122"/>
+              </a:rPr>
+              <a:t>－</a:t>
+            </a:r>
+            <a:r>
+              <a:rPr lang="en-US">
+                <a:sym typeface="+mn-ea"/>
+              </a:rPr>
+              <a:t>Power Control Design</a:t>
+            </a:r>
+            <a:endParaRPr lang="en-US">
+              <a:latin typeface="SimSun" panose="02010600030101010101" pitchFamily="2" charset="-122"/>
+              <a:ea typeface="SimSun" panose="02010600030101010101" pitchFamily="2" charset="-122"/>
+            </a:endParaRPr>
+          </a:p>
+        </p:txBody>
+      </p:sp>
+      <p:sp>
+        <p:nvSpPr>
+          <p:cNvPr id="3" name="Slide Number Placeholder 2"/>
+          <p:cNvSpPr>
+            <a:spLocks noGrp="1"/>
+          </p:cNvSpPr>
+          <p:nvPr>
+            <p:ph type="sldNum" sz="quarter" idx="12"/>
+          </p:nvPr>
+        </p:nvSpPr>
+        <p:spPr/>
+        <p:txBody>
+          <a:bodyPr/>
+          <a:lstStyle/>
+          <a:p>
+            <a:fld id="{9B618960-8005-486C-9A75-10CB2AAC16F9}" type="slidenum">
+              <a:rPr lang="en-US" smtClean="0"/>
+            </a:fld>
+            <a:endParaRPr lang="en-US"/>
+          </a:p>
+        </p:txBody>
+      </p:sp>
+      <p:pic>
+        <p:nvPicPr>
+          <p:cNvPr id="4" name="Picture 3" descr="logo_detail"/>
+          <p:cNvPicPr>
+            <a:picLocks noChangeAspect="1"/>
+          </p:cNvPicPr>
+          <p:nvPr/>
+        </p:nvPicPr>
+        <p:blipFill>
+          <a:blip r:embed="rId1"/>
+          <a:stretch>
+            <a:fillRect/>
+          </a:stretch>
+        </p:blipFill>
+        <p:spPr>
+          <a:xfrm>
+            <a:off x="120650" y="6024880"/>
+            <a:ext cx="696595" cy="696595"/>
+          </a:xfrm>
+          <a:prstGeom prst="rect">
+            <a:avLst/>
+          </a:prstGeom>
+        </p:spPr>
+      </p:pic>
+      <p:pic>
+        <p:nvPicPr>
+          <p:cNvPr id="12" name="Picture 11"/>
+          <p:cNvPicPr>
+            <a:picLocks noChangeAspect="1"/>
+          </p:cNvPicPr>
+          <p:nvPr/>
+        </p:nvPicPr>
+        <p:blipFill>
+          <a:blip r:embed="rId2"/>
+          <a:srcRect l="344" t="9835" r="50002" b="10444"/>
+          <a:stretch>
+            <a:fillRect/>
+          </a:stretch>
+        </p:blipFill>
+        <p:spPr>
+          <a:xfrm>
+            <a:off x="1218565" y="1907540"/>
+            <a:ext cx="4686300" cy="4504690"/>
+          </a:xfrm>
+          <a:prstGeom prst="rect">
+            <a:avLst/>
+          </a:prstGeom>
+        </p:spPr>
+      </p:pic>
+      <p:sp>
+        <p:nvSpPr>
+          <p:cNvPr id="13" name="Text Box 12"/>
+          <p:cNvSpPr txBox="1"/>
+          <p:nvPr/>
+        </p:nvSpPr>
+        <p:spPr>
+          <a:xfrm>
+            <a:off x="1218565" y="984885"/>
+            <a:ext cx="5354320" cy="1229995"/>
+          </a:xfrm>
+          <a:prstGeom prst="rect">
+            <a:avLst/>
+          </a:prstGeom>
+          <a:noFill/>
+        </p:spPr>
+        <p:txBody>
+          <a:bodyPr wrap="square" rtlCol="0">
+            <a:spAutoFit/>
+          </a:bodyPr>
+          <a:p>
+            <a:r>
+              <a:rPr lang="en-US" sz="1400"/>
+              <a:t>Example test on T-type Inverter under</a:t>
+            </a:r>
+            <a:endParaRPr lang="en-US" sz="1400"/>
+          </a:p>
+          <a:p>
+            <a:r>
+              <a:rPr lang="en-US" sz="1000"/>
+              <a:t>AC-&gt;DC power flow (at time &lt; 0.5s) and DC-&gt;AC power flow (at time &gt; 0.5s)</a:t>
+            </a:r>
+            <a:endParaRPr lang="en-US" sz="1000"/>
+          </a:p>
+          <a:p>
+            <a:endParaRPr lang="en-US" sz="1000">
+              <a:sym typeface="+mn-ea"/>
+            </a:endParaRPr>
+          </a:p>
+          <a:p>
+            <a:r>
+              <a:rPr lang="en-US" sz="1000">
+                <a:sym typeface="+mn-ea"/>
+              </a:rPr>
+              <a:t>While total losses on both power flow duration are similar. However, the losses share between the DClink MOSFET (middle graph) and side MOSFET (bottom graph) are different for different power flow mode.</a:t>
+            </a:r>
+            <a:endParaRPr lang="en-US" sz="1000"/>
+          </a:p>
+          <a:p>
+            <a:endParaRPr lang="en-US" sz="1000"/>
+          </a:p>
+        </p:txBody>
+      </p:sp>
+      <p:pic>
+        <p:nvPicPr>
+          <p:cNvPr id="14" name="Picture 13"/>
+          <p:cNvPicPr>
+            <a:picLocks noChangeAspect="1"/>
+          </p:cNvPicPr>
+          <p:nvPr/>
+        </p:nvPicPr>
+        <p:blipFill>
+          <a:blip r:embed="rId3"/>
+          <a:stretch>
+            <a:fillRect/>
+          </a:stretch>
+        </p:blipFill>
+        <p:spPr>
+          <a:xfrm>
+            <a:off x="6830695" y="984885"/>
+            <a:ext cx="4523105" cy="5427345"/>
+          </a:xfrm>
+          <a:prstGeom prst="rect">
+            <a:avLst/>
+          </a:prstGeom>
+        </p:spPr>
+      </p:pic>
+    </p:spTree>
+  </p:cSld>
+  <p:clrMapOvr>
+    <a:masterClrMapping/>
+  </p:clrMapOvr>
+</p:sld>
+</file>
+
+<file path=ppt/slides/slide13.xml><?xml version="1.0" encoding="utf-8"?>
 <p:sld xmlns:a="http://schemas.openxmlformats.org/drawingml/2006/main" xmlns:r="http://schemas.openxmlformats.org/officeDocument/2006/relationships" xmlns:p="http://schemas.openxmlformats.org/presentationml/2006/main">
   <p:cSld>
     <p:spTree>

--- a/Ideal PWL Transient Losses Analysis/PWL Losses Analysis.pptx
+++ b/Ideal PWL Transient Losses Analysis/PWL Losses Analysis.pptx
@@ -8,7 +8,7 @@
     <p:notesMasterId r:id="rId5"/>
   </p:notesMasterIdLst>
   <p:sldIdLst>
-    <p:sldId id="257" r:id="rId3"/>
+    <p:sldId id="275" r:id="rId3"/>
     <p:sldId id="271" r:id="rId4"/>
     <p:sldId id="258" r:id="rId6"/>
     <p:sldId id="259" r:id="rId7"/>
@@ -4377,7 +4377,7 @@
                 <a:latin typeface="Arial" panose="020B0604020202020204" pitchFamily="34" charset="0"/>
                 <a:sym typeface="+mn-ea"/>
               </a:rPr>
-              <a:t>PWL SiC MOSFET Transient Losses Analysis in Qspice - Rev. 1</a:t>
+              <a:t>PWL SiC MOSFET Transient Losses Analysis in Qspice - Rev. 2</a:t>
             </a:r>
             <a:endParaRPr lang="en-US" altLang="en-US" sz="4800" b="1" dirty="0">
               <a:solidFill>
@@ -4460,42 +4460,6 @@
             <a:r>
               <a:rPr lang="en-US"/>
               <a:t>PWL based transient losses analysis is previously popularized by PLECS and PSIM.</a:t>
-            </a:r>
-            <a:endParaRPr lang="en-US"/>
-          </a:p>
-        </p:txBody>
-      </p:sp>
-      <p:sp>
-        <p:nvSpPr>
-          <p:cNvPr id="6" name="Text Box 5"/>
-          <p:cNvSpPr txBox="1"/>
-          <p:nvPr/>
-        </p:nvSpPr>
-        <p:spPr>
-          <a:xfrm>
-            <a:off x="3048000" y="3106420"/>
-            <a:ext cx="6096000" cy="645160"/>
-          </a:xfrm>
-          <a:prstGeom prst="rect">
-            <a:avLst/>
-          </a:prstGeom>
-          <a:noFill/>
-        </p:spPr>
-        <p:txBody>
-          <a:bodyPr wrap="square" rtlCol="0" anchor="t">
-            <a:spAutoFit/>
-          </a:bodyPr>
-          <a:p>
-            <a:r>
-              <a:rPr lang="en-US" altLang="en-US"/>
-              <a:t>-50	0	50	100	150	175</a:t>
-            </a:r>
-            <a:endParaRPr lang="en-US" altLang="en-US"/>
-          </a:p>
-          <a:p>
-            <a:r>
-              <a:rPr lang="en-US" altLang="en-US"/>
-              <a:t>0.88	0.95	1.08	1.32	1.65	1.75</a:t>
             </a:r>
             <a:endParaRPr lang="en-US"/>
           </a:p>
@@ -6153,6 +6117,12 @@
                       <a:pPr>
                         <a:buNone/>
                       </a:pPr>
+                      <a:r>
+                        <a:rPr lang="en-US" sz="1800">
+                          <a:sym typeface="+mn-ea"/>
+                        </a:rPr>
+                        <a:t>Rev.2 @ 2025/06/21</a:t>
+                      </a:r>
                       <a:endParaRPr lang="en-US"/>
                     </a:p>
                   </a:txBody>
@@ -6165,6 +6135,34 @@
                       <a:pPr>
                         <a:buNone/>
                       </a:pPr>
+                      <a:r>
+                        <a:rPr lang="en-US"/>
+                        <a:t>Modified the definition of “t</a:t>
+                      </a:r>
+                      <a:r>
+                        <a:rPr lang="en-US" baseline="-25000"/>
+                        <a:t>on</a:t>
+                      </a:r>
+                      <a:r>
+                        <a:rPr lang="en-US"/>
+                        <a:t>” and “t</a:t>
+                      </a:r>
+                      <a:r>
+                        <a:rPr lang="en-US" baseline="-25000"/>
+                        <a:t>off</a:t>
+                      </a:r>
+                      <a:r>
+                        <a:rPr lang="en-US"/>
+                        <a:t>” and change the formula for E</a:t>
+                      </a:r>
+                      <a:r>
+                        <a:rPr lang="en-US" baseline="-25000"/>
+                        <a:t>off</a:t>
+                      </a:r>
+                      <a:r>
+                        <a:rPr lang="en-US"/>
+                        <a:t> following the latest research finding</a:t>
+                      </a:r>
                       <a:endParaRPr lang="en-US"/>
                     </a:p>
                   </a:txBody>
@@ -6870,35 +6868,6 @@
           </a:prstGeom>
         </p:spPr>
       </p:pic>
-      <p:pic>
-        <p:nvPicPr>
-          <p:cNvPr id="10" name="Picture 9"/>
-          <p:cNvPicPr>
-            <a:picLocks noChangeAspect="1"/>
-          </p:cNvPicPr>
-          <p:nvPr/>
-        </p:nvPicPr>
-        <p:blipFill>
-          <a:blip r:embed="rId3"/>
-          <a:stretch>
-            <a:fillRect/>
-          </a:stretch>
-        </p:blipFill>
-        <p:spPr>
-          <a:xfrm>
-            <a:off x="4462145" y="2225675"/>
-            <a:ext cx="2137410" cy="1374140"/>
-          </a:xfrm>
-          <a:prstGeom prst="rect">
-            <a:avLst/>
-          </a:prstGeom>
-          <a:ln>
-            <a:solidFill>
-              <a:schemeClr val="tx1"/>
-            </a:solidFill>
-          </a:ln>
-        </p:spPr>
-      </p:pic>
       <p:cxnSp>
         <p:nvCxnSpPr>
           <p:cNvPr id="11" name="Straight Arrow Connector 10"/>
@@ -6932,35 +6901,6 @@
           </a:fontRef>
         </p:style>
       </p:cxnSp>
-      <p:pic>
-        <p:nvPicPr>
-          <p:cNvPr id="14" name="Picture 13"/>
-          <p:cNvPicPr>
-            <a:picLocks noChangeAspect="1"/>
-          </p:cNvPicPr>
-          <p:nvPr/>
-        </p:nvPicPr>
-        <p:blipFill>
-          <a:blip r:embed="rId4"/>
-          <a:stretch>
-            <a:fillRect/>
-          </a:stretch>
-        </p:blipFill>
-        <p:spPr>
-          <a:xfrm>
-            <a:off x="4462145" y="4091940"/>
-            <a:ext cx="2137410" cy="1391920"/>
-          </a:xfrm>
-          <a:prstGeom prst="rect">
-            <a:avLst/>
-          </a:prstGeom>
-          <a:ln>
-            <a:solidFill>
-              <a:schemeClr val="tx1"/>
-            </a:solidFill>
-          </a:ln>
-        </p:spPr>
-      </p:pic>
       <p:cxnSp>
         <p:nvCxnSpPr>
           <p:cNvPr id="16" name="Straight Arrow Connector 15"/>
@@ -7761,7 +7701,7 @@
                               <a:latin typeface="Cambria Math" panose="02040503050406030204" charset="0"/>
                               <a:cs typeface="Cambria Math" panose="02040503050406030204" charset="0"/>
                             </a:rPr>
-                            <m:t>2</m:t>
+                            <m:t>6</m:t>
                           </m:r>
                         </m:den>
                       </m:f>
@@ -7793,7 +7733,7 @@
                 <a:avLst/>
               </a:prstGeom>
               <a:blipFill rotWithShape="1">
-                <a:blip r:embed="rId5"/>
+                <a:blip r:embed="rId3"/>
                 <a:stretch>
                   <a:fillRect/>
                 </a:stretch>
@@ -8209,7 +8149,7 @@
                 <a:avLst/>
               </a:prstGeom>
               <a:blipFill rotWithShape="1">
-                <a:blip r:embed="rId6"/>
+                <a:blip r:embed="rId4"/>
                 <a:stretch>
                   <a:fillRect/>
                 </a:stretch>
@@ -8239,7 +8179,7 @@
           <p:nvPr/>
         </p:nvPicPr>
         <p:blipFill>
-          <a:blip r:embed="rId7"/>
+          <a:blip r:embed="rId5"/>
           <a:stretch>
             <a:fillRect/>
           </a:stretch>
@@ -8301,7 +8241,7 @@
           <p:nvPr/>
         </p:nvPicPr>
         <p:blipFill>
-          <a:blip r:embed="rId8"/>
+          <a:blip r:embed="rId6"/>
           <a:stretch>
             <a:fillRect/>
           </a:stretch>
@@ -8356,6 +8296,64 @@
           </a:fontRef>
         </p:style>
       </p:cxnSp>
+      <p:pic>
+        <p:nvPicPr>
+          <p:cNvPr id="6" name="Picture 5"/>
+          <p:cNvPicPr>
+            <a:picLocks noChangeAspect="1"/>
+          </p:cNvPicPr>
+          <p:nvPr/>
+        </p:nvPicPr>
+        <p:blipFill>
+          <a:blip r:embed="rId7"/>
+          <a:stretch>
+            <a:fillRect/>
+          </a:stretch>
+        </p:blipFill>
+        <p:spPr>
+          <a:xfrm>
+            <a:off x="4531360" y="1998345"/>
+            <a:ext cx="1972945" cy="1837055"/>
+          </a:xfrm>
+          <a:prstGeom prst="rect">
+            <a:avLst/>
+          </a:prstGeom>
+          <a:ln>
+            <a:solidFill>
+              <a:srgbClr val="FF0000"/>
+            </a:solidFill>
+          </a:ln>
+        </p:spPr>
+      </p:pic>
+      <p:pic>
+        <p:nvPicPr>
+          <p:cNvPr id="12" name="Picture 11"/>
+          <p:cNvPicPr>
+            <a:picLocks noChangeAspect="1"/>
+          </p:cNvPicPr>
+          <p:nvPr/>
+        </p:nvPicPr>
+        <p:blipFill>
+          <a:blip r:embed="rId8"/>
+          <a:stretch>
+            <a:fillRect/>
+          </a:stretch>
+        </p:blipFill>
+        <p:spPr>
+          <a:xfrm>
+            <a:off x="4524375" y="4137025"/>
+            <a:ext cx="1979930" cy="1859915"/>
+          </a:xfrm>
+          <a:prstGeom prst="rect">
+            <a:avLst/>
+          </a:prstGeom>
+          <a:ln>
+            <a:solidFill>
+              <a:srgbClr val="FF0000"/>
+            </a:solidFill>
+          </a:ln>
+        </p:spPr>
+      </p:pic>
     </p:spTree>
   </p:cSld>
   <p:clrMapOvr>
@@ -10737,83 +10735,6 @@
           </a:prstGeom>
         </p:spPr>
       </p:pic>
-      <p:sp>
-        <p:nvSpPr>
-          <p:cNvPr id="6" name="Text Box 5"/>
-          <p:cNvSpPr txBox="1"/>
-          <p:nvPr/>
-        </p:nvSpPr>
-        <p:spPr>
-          <a:xfrm>
-            <a:off x="817245" y="1066800"/>
-            <a:ext cx="5943600" cy="922020"/>
-          </a:xfrm>
-          <a:prstGeom prst="rect">
-            <a:avLst/>
-          </a:prstGeom>
-          <a:noFill/>
-        </p:spPr>
-        <p:txBody>
-          <a:bodyPr wrap="square" rtlCol="0">
-            <a:spAutoFit/>
-          </a:bodyPr>
-          <a:p>
-            <a:r>
-              <a:rPr lang="en-US"/>
-              <a:t>In case Td and Toff are still obtained using old method, user can also calculate Ton and Toff from Switching losses chart (or hardware measurement). </a:t>
-            </a:r>
-            <a:endParaRPr lang="en-US"/>
-          </a:p>
-        </p:txBody>
-      </p:sp>
-      <p:pic>
-        <p:nvPicPr>
-          <p:cNvPr id="10" name="Picture 9"/>
-          <p:cNvPicPr>
-            <a:picLocks noChangeAspect="1"/>
-          </p:cNvPicPr>
-          <p:nvPr/>
-        </p:nvPicPr>
-        <p:blipFill>
-          <a:blip r:embed="rId2"/>
-          <a:stretch>
-            <a:fillRect/>
-          </a:stretch>
-        </p:blipFill>
-        <p:spPr>
-          <a:xfrm>
-            <a:off x="7400925" y="1105535"/>
-            <a:ext cx="3784600" cy="4676140"/>
-          </a:xfrm>
-          <a:prstGeom prst="rect">
-            <a:avLst/>
-          </a:prstGeom>
-        </p:spPr>
-      </p:pic>
-      <p:pic>
-        <p:nvPicPr>
-          <p:cNvPr id="11" name="Picture 10"/>
-          <p:cNvPicPr>
-            <a:picLocks noChangeAspect="1"/>
-          </p:cNvPicPr>
-          <p:nvPr/>
-        </p:nvPicPr>
-        <p:blipFill>
-          <a:blip r:embed="rId3"/>
-          <a:stretch>
-            <a:fillRect/>
-          </a:stretch>
-        </p:blipFill>
-        <p:spPr>
-          <a:xfrm>
-            <a:off x="6505575" y="5902325"/>
-            <a:ext cx="4789170" cy="209550"/>
-          </a:xfrm>
-          <a:prstGeom prst="rect">
-            <a:avLst/>
-          </a:prstGeom>
-        </p:spPr>
-      </p:pic>
       <mc:AlternateContent xmlns:mc="http://schemas.openxmlformats.org/markup-compatibility/2006">
         <mc:Choice xmlns:a14="http://schemas.microsoft.com/office/drawing/2010/main" Requires="a14">
           <p:sp>
@@ -10824,8 +10745,8 @@
             </p:nvSpPr>
             <p:spPr>
               <a:xfrm>
-                <a:off x="826770" y="2329815"/>
-                <a:ext cx="4819015" cy="3565525"/>
+                <a:off x="1113155" y="2758440"/>
+                <a:ext cx="4819015" cy="3072130"/>
               </a:xfrm>
               <a:prstGeom prst="rect">
                 <a:avLst/>
@@ -10915,148 +10836,40 @@
                         </a:rPr>
                         <m:t>=</m:t>
                       </m:r>
-                      <m:f>
-                        <m:fPr>
+                      <m:sSub>
+                        <m:sSubPr>
                           <m:ctrlPr>
                             <a:rPr lang="en-US" sz="1600" i="1" dirty="0">
                               <a:latin typeface="Cambria Math" panose="02040503050406030204" charset="0"/>
                               <a:cs typeface="Cambria Math" panose="02040503050406030204" charset="0"/>
                             </a:rPr>
                           </m:ctrlPr>
-                        </m:fPr>
-                        <m:num>
+                        </m:sSubPr>
+                        <m:e>
                           <m:r>
                             <a:rPr lang="en-US" sz="1600" i="1" dirty="0">
                               <a:latin typeface="Cambria Math" panose="02040503050406030204" charset="0"/>
                               <a:cs typeface="Cambria Math" panose="02040503050406030204" charset="0"/>
                             </a:rPr>
-                            <m:t>2</m:t>
+                            <m:t>𝑇</m:t>
                           </m:r>
+                        </m:e>
+                        <m:sub>
                           <m:r>
                             <a:rPr lang="en-US" sz="1600" i="1" dirty="0">
                               <a:latin typeface="Cambria Math" panose="02040503050406030204" charset="0"/>
                               <a:cs typeface="Cambria Math" panose="02040503050406030204" charset="0"/>
                             </a:rPr>
-                            <m:t>.</m:t>
+                            <m:t>𝑟𝑖</m:t>
                           </m:r>
-                          <m:sSub>
-                            <m:sSubPr>
-                              <m:ctrlPr>
-                                <a:rPr lang="en-US" sz="1600" i="1" dirty="0">
-                                  <a:latin typeface="Cambria Math" panose="02040503050406030204" charset="0"/>
-                                  <a:cs typeface="Cambria Math" panose="02040503050406030204" charset="0"/>
-                                </a:rPr>
-                              </m:ctrlPr>
-                            </m:sSubPr>
-                            <m:e>
-                              <m:r>
-                                <a:rPr lang="en-US" sz="1600" i="1" dirty="0">
-                                  <a:latin typeface="Cambria Math" panose="02040503050406030204" charset="0"/>
-                                  <a:cs typeface="Cambria Math" panose="02040503050406030204" charset="0"/>
-                                </a:rPr>
-                                <m:t>𝐸</m:t>
-                              </m:r>
-                            </m:e>
-                            <m:sub>
-                              <m:r>
-                                <a:rPr lang="en-US" sz="1600" i="1" dirty="0">
-                                  <a:latin typeface="Cambria Math" panose="02040503050406030204" charset="0"/>
-                                  <a:cs typeface="Cambria Math" panose="02040503050406030204" charset="0"/>
-                                </a:rPr>
-                                <m:t>𝑜𝑛</m:t>
-                              </m:r>
-                            </m:sub>
-                          </m:sSub>
-                        </m:num>
-                        <m:den>
-                          <m:sSub>
-                            <m:sSubPr>
-                              <m:ctrlPr>
-                                <a:rPr lang="en-US" sz="1600" i="1" dirty="0">
-                                  <a:latin typeface="Cambria Math" panose="02040503050406030204" charset="0"/>
-                                  <a:cs typeface="Cambria Math" panose="02040503050406030204" charset="0"/>
-                                </a:rPr>
-                              </m:ctrlPr>
-                            </m:sSubPr>
-                            <m:e>
-                              <m:r>
-                                <a:rPr lang="en-US" sz="1600" i="1" dirty="0">
-                                  <a:latin typeface="Cambria Math" panose="02040503050406030204" charset="0"/>
-                                  <a:cs typeface="Cambria Math" panose="02040503050406030204" charset="0"/>
-                                </a:rPr>
-                                <m:t>𝑉</m:t>
-                              </m:r>
-                            </m:e>
-                            <m:sub>
-                              <m:r>
-                                <a:rPr lang="en-US" sz="1600" i="1" dirty="0">
-                                  <a:latin typeface="Cambria Math" panose="02040503050406030204" charset="0"/>
-                                  <a:cs typeface="Cambria Math" panose="02040503050406030204" charset="0"/>
-                                </a:rPr>
-                                <m:t>𝑑𝑠</m:t>
-                              </m:r>
-                            </m:sub>
-                          </m:sSub>
-                          <m:r>
-                            <a:rPr lang="en-US" sz="1600" i="1" dirty="0">
-                              <a:latin typeface="Cambria Math" panose="02040503050406030204" charset="0"/>
-                              <a:cs typeface="Cambria Math" panose="02040503050406030204" charset="0"/>
-                            </a:rPr>
-                            <m:t>.</m:t>
-                          </m:r>
-                          <m:sSub>
-                            <m:sSubPr>
-                              <m:ctrlPr>
-                                <a:rPr lang="en-US" sz="1600" i="1" dirty="0">
-                                  <a:latin typeface="Cambria Math" panose="02040503050406030204" charset="0"/>
-                                  <a:cs typeface="Cambria Math" panose="02040503050406030204" charset="0"/>
-                                </a:rPr>
-                              </m:ctrlPr>
-                            </m:sSubPr>
-                            <m:e>
-                              <m:r>
-                                <a:rPr lang="en-US" sz="1600" i="1" dirty="0">
-                                  <a:latin typeface="Cambria Math" panose="02040503050406030204" charset="0"/>
-                                  <a:cs typeface="Cambria Math" panose="02040503050406030204" charset="0"/>
-                                </a:rPr>
-                                <m:t>𝐼</m:t>
-                              </m:r>
-                            </m:e>
-                            <m:sub>
-                              <m:r>
-                                <a:rPr lang="en-US" sz="1600" i="1" dirty="0">
-                                  <a:latin typeface="Cambria Math" panose="02040503050406030204" charset="0"/>
-                                  <a:cs typeface="Cambria Math" panose="02040503050406030204" charset="0"/>
-                                </a:rPr>
-                                <m:t>𝑑</m:t>
-                              </m:r>
-                            </m:sub>
-                          </m:sSub>
-                        </m:den>
-                      </m:f>
+                        </m:sub>
+                      </m:sSub>
                       <m:r>
                         <a:rPr lang="en-US" sz="1600" i="1" dirty="0">
                           <a:latin typeface="Cambria Math" panose="02040503050406030204" charset="0"/>
                           <a:cs typeface="Cambria Math" panose="02040503050406030204" charset="0"/>
                         </a:rPr>
-                        <m:t>     </m:t>
-                      </m:r>
-                      <m:r>
-                        <m:rPr>
-                          <m:sty m:val="p"/>
-                        </m:rPr>
-                        <a:rPr lang="en-US" sz="1600" dirty="0">
-                          <a:latin typeface="Cambria Math" panose="02040503050406030204" charset="0"/>
-                          <a:cs typeface="Cambria Math" panose="02040503050406030204" charset="0"/>
-                        </a:rPr>
-                        <m:t>or</m:t>
-                      </m:r>
-                      <m:r>
-                        <a:rPr lang="en-US" sz="1600" i="1" dirty="0">
-                          <a:latin typeface="Cambria Math" panose="02040503050406030204" charset="0"/>
-                          <a:cs typeface="Cambria Math" panose="02040503050406030204" charset="0"/>
-                        </a:rPr>
-                        <m:t>     </m:t>
+                        <m:t>+</m:t>
                       </m:r>
                       <m:sSub>
                         <m:sSubPr>
@@ -11082,178 +10895,10 @@
                               <a:latin typeface="Cambria Math" panose="02040503050406030204" charset="0"/>
                               <a:cs typeface="Cambria Math" panose="02040503050406030204" charset="0"/>
                             </a:rPr>
-                            <m:t>𝑜𝑛</m:t>
+                            <m:t>𝑟</m:t>
                           </m:r>
                         </m:sub>
                       </m:sSub>
-                      <m:r>
-                        <a:rPr lang="en-US" sz="1600" i="1" dirty="0">
-                          <a:latin typeface="Cambria Math" panose="02040503050406030204" charset="0"/>
-                          <a:cs typeface="Cambria Math" panose="02040503050406030204" charset="0"/>
-                        </a:rPr>
-                        <m:t>=</m:t>
-                      </m:r>
-                      <m:f>
-                        <m:fPr>
-                          <m:ctrlPr>
-                            <a:rPr lang="en-US" sz="1600" i="1" dirty="0">
-                              <a:latin typeface="Cambria Math" panose="02040503050406030204" charset="0"/>
-                              <a:cs typeface="Cambria Math" panose="02040503050406030204" charset="0"/>
-                            </a:rPr>
-                          </m:ctrlPr>
-                        </m:fPr>
-                        <m:num>
-                          <m:r>
-                            <a:rPr lang="en-US" sz="1600" i="1" dirty="0">
-                              <a:latin typeface="Cambria Math" panose="02040503050406030204" charset="0"/>
-                              <a:cs typeface="Cambria Math" panose="02040503050406030204" charset="0"/>
-                            </a:rPr>
-                            <m:t>2</m:t>
-                          </m:r>
-                          <m:r>
-                            <a:rPr lang="en-US" sz="1600" i="1" dirty="0">
-                              <a:latin typeface="Cambria Math" panose="02040503050406030204" charset="0"/>
-                              <a:cs typeface="Cambria Math" panose="02040503050406030204" charset="0"/>
-                            </a:rPr>
-                            <m:t>.(</m:t>
-                          </m:r>
-                          <m:sSub>
-                            <m:sSubPr>
-                              <m:ctrlPr>
-                                <a:rPr lang="en-US" sz="1600" i="1" dirty="0">
-                                  <a:latin typeface="Cambria Math" panose="02040503050406030204" charset="0"/>
-                                  <a:cs typeface="Cambria Math" panose="02040503050406030204" charset="0"/>
-                                </a:rPr>
-                              </m:ctrlPr>
-                            </m:sSubPr>
-                            <m:e>
-                              <m:r>
-                                <a:rPr lang="en-US" sz="1600" i="1" dirty="0">
-                                  <a:latin typeface="Cambria Math" panose="02040503050406030204" charset="0"/>
-                                  <a:cs typeface="Cambria Math" panose="02040503050406030204" charset="0"/>
-                                </a:rPr>
-                                <m:t>𝐸</m:t>
-                              </m:r>
-                            </m:e>
-                            <m:sub>
-                              <m:r>
-                                <a:rPr lang="en-US" sz="1600" i="1" dirty="0">
-                                  <a:latin typeface="Cambria Math" panose="02040503050406030204" charset="0"/>
-                                  <a:cs typeface="Cambria Math" panose="02040503050406030204" charset="0"/>
-                                </a:rPr>
-                                <m:t>𝑜𝑛</m:t>
-                              </m:r>
-                            </m:sub>
-                          </m:sSub>
-                          <m:r>
-                            <a:rPr lang="en-US" sz="1600" i="1" dirty="0">
-                              <a:latin typeface="Cambria Math" panose="02040503050406030204" charset="0"/>
-                              <a:cs typeface="Cambria Math" panose="02040503050406030204" charset="0"/>
-                            </a:rPr>
-                            <m:t>−</m:t>
-                          </m:r>
-                          <m:sSub>
-                            <m:sSubPr>
-                              <m:ctrlPr>
-                                <a:rPr lang="en-US" sz="1600" i="1" dirty="0">
-                                  <a:latin typeface="Cambria Math" panose="02040503050406030204" charset="0"/>
-                                  <a:cs typeface="Cambria Math" panose="02040503050406030204" charset="0"/>
-                                </a:rPr>
-                              </m:ctrlPr>
-                            </m:sSubPr>
-                            <m:e>
-                              <m:r>
-                                <a:rPr lang="en-US" sz="1600" i="1" dirty="0">
-                                  <a:latin typeface="Cambria Math" panose="02040503050406030204" charset="0"/>
-                                  <a:cs typeface="Cambria Math" panose="02040503050406030204" charset="0"/>
-                                </a:rPr>
-                                <m:t>𝐸</m:t>
-                              </m:r>
-                            </m:e>
-                            <m:sub>
-                              <m:r>
-                                <a:rPr lang="en-US" sz="1600" i="1" dirty="0">
-                                  <a:latin typeface="Cambria Math" panose="02040503050406030204" charset="0"/>
-                                  <a:cs typeface="Cambria Math" panose="02040503050406030204" charset="0"/>
-                                </a:rPr>
-                                <m:t>𝑜𝑠𝑠</m:t>
-                              </m:r>
-                            </m:sub>
-                          </m:sSub>
-                          <m:r>
-                            <a:rPr lang="en-US" sz="1600" i="1" dirty="0">
-                              <a:latin typeface="Cambria Math" panose="02040503050406030204" charset="0"/>
-                              <a:cs typeface="Cambria Math" panose="02040503050406030204" charset="0"/>
-                            </a:rPr>
-                            <m:t>)</m:t>
-                          </m:r>
-                        </m:num>
-                        <m:den>
-                          <m:sSub>
-                            <m:sSubPr>
-                              <m:ctrlPr>
-                                <a:rPr lang="en-US" sz="1600" i="1" dirty="0">
-                                  <a:latin typeface="Cambria Math" panose="02040503050406030204" charset="0"/>
-                                  <a:cs typeface="Cambria Math" panose="02040503050406030204" charset="0"/>
-                                </a:rPr>
-                              </m:ctrlPr>
-                            </m:sSubPr>
-                            <m:e>
-                              <m:r>
-                                <a:rPr lang="en-US" sz="1600" i="1" dirty="0">
-                                  <a:latin typeface="Cambria Math" panose="02040503050406030204" charset="0"/>
-                                  <a:cs typeface="Cambria Math" panose="02040503050406030204" charset="0"/>
-                                </a:rPr>
-                                <m:t>𝑉</m:t>
-                              </m:r>
-                            </m:e>
-                            <m:sub>
-                              <m:r>
-                                <a:rPr lang="en-US" sz="1600" i="1" dirty="0">
-                                  <a:latin typeface="Cambria Math" panose="02040503050406030204" charset="0"/>
-                                  <a:cs typeface="Cambria Math" panose="02040503050406030204" charset="0"/>
-                                </a:rPr>
-                                <m:t>𝑑𝑠</m:t>
-                              </m:r>
-                            </m:sub>
-                          </m:sSub>
-                          <m:r>
-                            <a:rPr lang="en-US" sz="1600" i="1" dirty="0">
-                              <a:latin typeface="Cambria Math" panose="02040503050406030204" charset="0"/>
-                              <a:cs typeface="Cambria Math" panose="02040503050406030204" charset="0"/>
-                            </a:rPr>
-                            <m:t>.</m:t>
-                          </m:r>
-                          <m:sSub>
-                            <m:sSubPr>
-                              <m:ctrlPr>
-                                <a:rPr lang="en-US" sz="1600" i="1" dirty="0">
-                                  <a:latin typeface="Cambria Math" panose="02040503050406030204" charset="0"/>
-                                  <a:cs typeface="Cambria Math" panose="02040503050406030204" charset="0"/>
-                                </a:rPr>
-                              </m:ctrlPr>
-                            </m:sSubPr>
-                            <m:e>
-                              <m:r>
-                                <a:rPr lang="en-US" sz="1600" i="1" dirty="0">
-                                  <a:latin typeface="Cambria Math" panose="02040503050406030204" charset="0"/>
-                                  <a:cs typeface="Cambria Math" panose="02040503050406030204" charset="0"/>
-                                </a:rPr>
-                                <m:t>𝐼</m:t>
-                              </m:r>
-                            </m:e>
-                            <m:sub>
-                              <m:r>
-                                <a:rPr lang="en-US" sz="1600" i="1" dirty="0">
-                                  <a:latin typeface="Cambria Math" panose="02040503050406030204" charset="0"/>
-                                  <a:cs typeface="Cambria Math" panose="02040503050406030204" charset="0"/>
-                                </a:rPr>
-                                <m:t>𝑑</m:t>
-                              </m:r>
-                            </m:sub>
-                          </m:sSub>
-                        </m:den>
-                      </m:f>
                     </m:oMath>
                   </m:oMathPara>
                 </a14:m>
@@ -11313,125 +10958,34 @@
                         </a:rPr>
                         <m:t>=</m:t>
                       </m:r>
-                      <m:f>
-                        <m:fPr>
+                      <m:sSub>
+                        <m:sSubPr>
                           <m:ctrlPr>
                             <a:rPr lang="en-US" sz="1600" i="1" dirty="0">
                               <a:latin typeface="Cambria Math" panose="02040503050406030204" charset="0"/>
                               <a:cs typeface="Cambria Math" panose="02040503050406030204" charset="0"/>
                             </a:rPr>
                           </m:ctrlPr>
-                        </m:fPr>
-                        <m:num>
+                        </m:sSubPr>
+                        <m:e>
                           <m:r>
                             <a:rPr lang="en-US" sz="1600" i="1" dirty="0">
                               <a:latin typeface="Cambria Math" panose="02040503050406030204" charset="0"/>
                               <a:cs typeface="Cambria Math" panose="02040503050406030204" charset="0"/>
                             </a:rPr>
-                            <m:t>2</m:t>
+                            <m:t>𝑇</m:t>
                           </m:r>
+                        </m:e>
+                        <m:sub>
                           <m:r>
                             <a:rPr lang="en-US" sz="1600" i="1" dirty="0">
                               <a:latin typeface="Cambria Math" panose="02040503050406030204" charset="0"/>
                               <a:cs typeface="Cambria Math" panose="02040503050406030204" charset="0"/>
                             </a:rPr>
-                            <m:t>.</m:t>
+                            <m:t>𝑓</m:t>
                           </m:r>
-                          <m:sSub>
-                            <m:sSubPr>
-                              <m:ctrlPr>
-                                <a:rPr lang="en-US" sz="1600" i="1" dirty="0">
-                                  <a:latin typeface="Cambria Math" panose="02040503050406030204" charset="0"/>
-                                  <a:cs typeface="Cambria Math" panose="02040503050406030204" charset="0"/>
-                                </a:rPr>
-                              </m:ctrlPr>
-                            </m:sSubPr>
-                            <m:e>
-                              <m:r>
-                                <a:rPr lang="en-US" sz="1600" i="1" dirty="0">
-                                  <a:latin typeface="Cambria Math" panose="02040503050406030204" charset="0"/>
-                                  <a:cs typeface="Cambria Math" panose="02040503050406030204" charset="0"/>
-                                </a:rPr>
-                                <m:t>𝐸</m:t>
-                              </m:r>
-                            </m:e>
-                            <m:sub>
-                              <m:r>
-                                <a:rPr lang="en-US" sz="1600" i="1" dirty="0">
-                                  <a:latin typeface="Cambria Math" panose="02040503050406030204" charset="0"/>
-                                  <a:cs typeface="Cambria Math" panose="02040503050406030204" charset="0"/>
-                                </a:rPr>
-                                <m:t>𝑜𝑓𝑓</m:t>
-                              </m:r>
-                            </m:sub>
-                          </m:sSub>
-                        </m:num>
-                        <m:den>
-                          <m:sSub>
-                            <m:sSubPr>
-                              <m:ctrlPr>
-                                <a:rPr lang="en-US" sz="1600" i="1" dirty="0">
-                                  <a:latin typeface="Cambria Math" panose="02040503050406030204" charset="0"/>
-                                  <a:cs typeface="Cambria Math" panose="02040503050406030204" charset="0"/>
-                                </a:rPr>
-                              </m:ctrlPr>
-                            </m:sSubPr>
-                            <m:e>
-                              <m:r>
-                                <a:rPr lang="en-US" sz="1600" i="1" dirty="0">
-                                  <a:latin typeface="Cambria Math" panose="02040503050406030204" charset="0"/>
-                                  <a:cs typeface="Cambria Math" panose="02040503050406030204" charset="0"/>
-                                </a:rPr>
-                                <m:t>𝑉</m:t>
-                              </m:r>
-                            </m:e>
-                            <m:sub>
-                              <m:r>
-                                <a:rPr lang="en-US" sz="1600" i="1" dirty="0">
-                                  <a:latin typeface="Cambria Math" panose="02040503050406030204" charset="0"/>
-                                  <a:cs typeface="Cambria Math" panose="02040503050406030204" charset="0"/>
-                                </a:rPr>
-                                <m:t>𝑑𝑠</m:t>
-                              </m:r>
-                            </m:sub>
-                          </m:sSub>
-                          <m:r>
-                            <a:rPr lang="en-US" sz="1600" i="1" dirty="0">
-                              <a:latin typeface="Cambria Math" panose="02040503050406030204" charset="0"/>
-                              <a:cs typeface="Cambria Math" panose="02040503050406030204" charset="0"/>
-                            </a:rPr>
-                            <m:t>.</m:t>
-                          </m:r>
-                          <m:sSub>
-                            <m:sSubPr>
-                              <m:ctrlPr>
-                                <a:rPr lang="en-US" sz="1600" i="1" dirty="0">
-                                  <a:latin typeface="Cambria Math" panose="02040503050406030204" charset="0"/>
-                                  <a:cs typeface="Cambria Math" panose="02040503050406030204" charset="0"/>
-                                </a:rPr>
-                              </m:ctrlPr>
-                            </m:sSubPr>
-                            <m:e>
-                              <m:r>
-                                <a:rPr lang="en-US" sz="1600" i="1" dirty="0">
-                                  <a:latin typeface="Cambria Math" panose="02040503050406030204" charset="0"/>
-                                  <a:cs typeface="Cambria Math" panose="02040503050406030204" charset="0"/>
-                                </a:rPr>
-                                <m:t>𝐼</m:t>
-                              </m:r>
-                            </m:e>
-                            <m:sub>
-                              <m:r>
-                                <a:rPr lang="en-US" sz="1600" i="1" dirty="0">
-                                  <a:latin typeface="Cambria Math" panose="02040503050406030204" charset="0"/>
-                                  <a:cs typeface="Cambria Math" panose="02040503050406030204" charset="0"/>
-                                </a:rPr>
-                                <m:t>𝑑</m:t>
-                              </m:r>
-                            </m:sub>
-                          </m:sSub>
-                        </m:den>
-                      </m:f>
+                        </m:sub>
+                      </m:sSub>
                     </m:oMath>
                   </m:oMathPara>
                 </a14:m>
@@ -11456,11 +11010,420 @@
                   <a:buNone/>
                 </a:pPr>
                 <a:r>
-                  <a:rPr lang="en-US" sz="1600" dirty="0">
-                    <a:sym typeface="+mn-ea"/>
+                  <a:rPr lang="en-US" sz="1600" i="1" dirty="0">
+                    <a:latin typeface="Cambria Math" panose="02040503050406030204" charset="0"/>
+                    <a:cs typeface="Cambria Math" panose="02040503050406030204" charset="0"/>
                   </a:rPr>
-                  <a:t>Please note, Eon in datasheet is often defined as total of turn on switching loss and Coss loss. The easy way to check this is by look at the base of the Eon plot and see if it converge to zero  at Id = 0 or not.</a:t>
+                  <a:t>with</a:t>
                 </a:r>
+                <a:endParaRPr lang="en-US" sz="1600" i="1" dirty="0">
+                  <a:latin typeface="Cambria Math" panose="02040503050406030204" charset="0"/>
+                  <a:cs typeface="Cambria Math" panose="02040503050406030204" charset="0"/>
+                </a:endParaRPr>
+              </a:p>
+              <a:p>
+                <a:pPr indent="0" algn="just">
+                  <a:buFont typeface="Arial" panose="020B0604020202020204" pitchFamily="34" charset="0"/>
+                  <a:buNone/>
+                </a:pPr>
+                <a:endParaRPr lang="en-US" sz="1600" i="1" dirty="0">
+                  <a:latin typeface="Cambria Math" panose="02040503050406030204" charset="0"/>
+                  <a:cs typeface="Cambria Math" panose="02040503050406030204" charset="0"/>
+                </a:endParaRPr>
+              </a:p>
+              <a:p>
+                <a:pPr indent="0" algn="just">
+                  <a:buFont typeface="Arial" panose="020B0604020202020204" pitchFamily="34" charset="0"/>
+                  <a:buNone/>
+                </a:pPr>
+                <a14:m>
+                  <m:oMathPara xmlns:m="http://schemas.openxmlformats.org/officeDocument/2006/math">
+                    <m:oMathParaPr>
+                      <m:jc m:val="left"/>
+                    </m:oMathParaPr>
+                    <m:oMath xmlns:m="http://schemas.openxmlformats.org/officeDocument/2006/math">
+                      <m:sSub>
+                        <m:sSubPr>
+                          <m:ctrlPr>
+                            <a:rPr lang="en-US" sz="1600" i="1">
+                              <a:latin typeface="Cambria Math" panose="02040503050406030204" charset="0"/>
+                              <a:cs typeface="Cambria Math" panose="02040503050406030204" charset="0"/>
+                            </a:rPr>
+                          </m:ctrlPr>
+                        </m:sSubPr>
+                        <m:e>
+                          <m:r>
+                            <a:rPr lang="en-US" sz="1600" i="1">
+                              <a:latin typeface="Cambria Math" panose="02040503050406030204" charset="0"/>
+                              <a:cs typeface="Cambria Math" panose="02040503050406030204" charset="0"/>
+                            </a:rPr>
+                            <m:t>𝑇</m:t>
+                          </m:r>
+                        </m:e>
+                        <m:sub>
+                          <m:r>
+                            <a:rPr lang="en-US" sz="1600" i="1">
+                              <a:latin typeface="Cambria Math" panose="02040503050406030204" charset="0"/>
+                              <a:cs typeface="Cambria Math" panose="02040503050406030204" charset="0"/>
+                            </a:rPr>
+                            <m:t>𝑟𝑖</m:t>
+                          </m:r>
+                        </m:sub>
+                      </m:sSub>
+                      <m:r>
+                        <a:rPr lang="en-US" sz="1600" i="1">
+                          <a:latin typeface="Cambria Math" panose="02040503050406030204" charset="0"/>
+                          <a:cs typeface="Cambria Math" panose="02040503050406030204" charset="0"/>
+                        </a:rPr>
+                        <m:t>=</m:t>
+                      </m:r>
+                      <m:d>
+                        <m:dPr>
+                          <m:ctrlPr>
+                            <a:rPr lang="en-US" sz="1600" i="1">
+                              <a:latin typeface="Cambria Math" panose="02040503050406030204" charset="0"/>
+                              <a:cs typeface="Cambria Math" panose="02040503050406030204" charset="0"/>
+                            </a:rPr>
+                          </m:ctrlPr>
+                        </m:dPr>
+                        <m:e>
+                          <m:sSub>
+                            <m:sSubPr>
+                              <m:ctrlPr>
+                                <a:rPr lang="en-US" sz="1600" i="1">
+                                  <a:latin typeface="Cambria Math" panose="02040503050406030204" charset="0"/>
+                                  <a:cs typeface="Cambria Math" panose="02040503050406030204" charset="0"/>
+                                </a:rPr>
+                              </m:ctrlPr>
+                            </m:sSubPr>
+                            <m:e>
+                              <m:r>
+                                <a:rPr lang="en-US" sz="1600" i="1">
+                                  <a:latin typeface="Cambria Math" panose="02040503050406030204" charset="0"/>
+                                  <a:cs typeface="Cambria Math" panose="02040503050406030204" charset="0"/>
+                                </a:rPr>
+                                <m:t>𝑅</m:t>
+                              </m:r>
+                            </m:e>
+                            <m:sub>
+                              <m:r>
+                                <a:rPr lang="en-US" sz="1600" i="1">
+                                  <a:latin typeface="Cambria Math" panose="02040503050406030204" charset="0"/>
+                                  <a:cs typeface="Cambria Math" panose="02040503050406030204" charset="0"/>
+                                </a:rPr>
+                                <m:t>𝑔</m:t>
+                              </m:r>
+                              <m:r>
+                                <a:rPr lang="en-US" sz="1600" i="1">
+                                  <a:latin typeface="Cambria Math" panose="02040503050406030204" charset="0"/>
+                                  <a:cs typeface="Cambria Math" panose="02040503050406030204" charset="0"/>
+                                </a:rPr>
+                                <m:t>,</m:t>
+                              </m:r>
+                              <m:r>
+                                <a:rPr lang="en-US" sz="1600" i="1">
+                                  <a:latin typeface="Cambria Math" panose="02040503050406030204" charset="0"/>
+                                  <a:cs typeface="Cambria Math" panose="02040503050406030204" charset="0"/>
+                                </a:rPr>
+                                <m:t>𝑛𝑜𝑚</m:t>
+                              </m:r>
+                            </m:sub>
+                          </m:sSub>
+                          <m:r>
+                            <a:rPr lang="en-US" sz="1600" i="1">
+                              <a:latin typeface="Cambria Math" panose="02040503050406030204" charset="0"/>
+                              <a:cs typeface="Cambria Math" panose="02040503050406030204" charset="0"/>
+                            </a:rPr>
+                            <m:t>+</m:t>
+                          </m:r>
+                          <m:sSub>
+                            <m:sSubPr>
+                              <m:ctrlPr>
+                                <a:rPr lang="en-US" sz="1600" i="1">
+                                  <a:latin typeface="Cambria Math" panose="02040503050406030204" charset="0"/>
+                                  <a:cs typeface="Cambria Math" panose="02040503050406030204" charset="0"/>
+                                </a:rPr>
+                              </m:ctrlPr>
+                            </m:sSubPr>
+                            <m:e>
+                              <m:r>
+                                <a:rPr lang="en-US" sz="1600" i="1">
+                                  <a:latin typeface="Cambria Math" panose="02040503050406030204" charset="0"/>
+                                  <a:cs typeface="Cambria Math" panose="02040503050406030204" charset="0"/>
+                                </a:rPr>
+                                <m:t>𝑅</m:t>
+                              </m:r>
+                            </m:e>
+                            <m:sub>
+                              <m:r>
+                                <a:rPr lang="en-US" sz="1600" i="1">
+                                  <a:latin typeface="Cambria Math" panose="02040503050406030204" charset="0"/>
+                                  <a:cs typeface="Cambria Math" panose="02040503050406030204" charset="0"/>
+                                </a:rPr>
+                                <m:t>𝑔</m:t>
+                              </m:r>
+                              <m:r>
+                                <a:rPr lang="en-US" sz="1600" i="1">
+                                  <a:latin typeface="Cambria Math" panose="02040503050406030204" charset="0"/>
+                                  <a:cs typeface="Cambria Math" panose="02040503050406030204" charset="0"/>
+                                </a:rPr>
+                                <m:t>,</m:t>
+                              </m:r>
+                              <m:r>
+                                <a:rPr lang="en-US" sz="1600" i="1">
+                                  <a:latin typeface="Cambria Math" panose="02040503050406030204" charset="0"/>
+                                  <a:cs typeface="Cambria Math" panose="02040503050406030204" charset="0"/>
+                                </a:rPr>
+                                <m:t>𝑖𝑛𝑡</m:t>
+                              </m:r>
+                            </m:sub>
+                          </m:sSub>
+                        </m:e>
+                      </m:d>
+                      <m:r>
+                        <a:rPr lang="en-US" sz="1600" i="1">
+                          <a:latin typeface="Cambria Math" panose="02040503050406030204" charset="0"/>
+                          <a:cs typeface="Cambria Math" panose="02040503050406030204" charset="0"/>
+                        </a:rPr>
+                        <m:t>.</m:t>
+                      </m:r>
+                      <m:sSub>
+                        <m:sSubPr>
+                          <m:ctrlPr>
+                            <a:rPr lang="en-US" sz="1600" i="1">
+                              <a:latin typeface="Cambria Math" panose="02040503050406030204" charset="0"/>
+                              <a:cs typeface="Cambria Math" panose="02040503050406030204" charset="0"/>
+                            </a:rPr>
+                          </m:ctrlPr>
+                        </m:sSubPr>
+                        <m:e>
+                          <m:r>
+                            <a:rPr lang="en-US" sz="1600" i="1">
+                              <a:latin typeface="Cambria Math" panose="02040503050406030204" charset="0"/>
+                              <a:cs typeface="Cambria Math" panose="02040503050406030204" charset="0"/>
+                            </a:rPr>
+                            <m:t>𝐶</m:t>
+                          </m:r>
+                        </m:e>
+                        <m:sub>
+                          <m:r>
+                            <a:rPr lang="en-US" sz="1600" i="1">
+                              <a:latin typeface="Cambria Math" panose="02040503050406030204" charset="0"/>
+                              <a:cs typeface="Cambria Math" panose="02040503050406030204" charset="0"/>
+                            </a:rPr>
+                            <m:t>𝑖𝑠𝑠</m:t>
+                          </m:r>
+                        </m:sub>
+                      </m:sSub>
+                      <m:r>
+                        <a:rPr lang="en-US" sz="1600" i="1">
+                          <a:latin typeface="Cambria Math" panose="02040503050406030204" charset="0"/>
+                          <a:cs typeface="Cambria Math" panose="02040503050406030204" charset="0"/>
+                        </a:rPr>
+                        <m:t>.</m:t>
+                      </m:r>
+                      <m:func>
+                        <m:funcPr>
+                          <m:ctrlPr>
+                            <a:rPr lang="en-US" sz="1600">
+                              <a:latin typeface="Cambria Math" panose="02040503050406030204" charset="0"/>
+                              <a:cs typeface="Cambria Math" panose="02040503050406030204" charset="0"/>
+                            </a:rPr>
+                          </m:ctrlPr>
+                        </m:funcPr>
+                        <m:fName>
+                          <m:r>
+                            <m:rPr>
+                              <m:sty m:val="p"/>
+                            </m:rPr>
+                            <a:rPr lang="en-US" sz="1600">
+                              <a:latin typeface="Cambria Math" panose="02040503050406030204" charset="0"/>
+                              <a:cs typeface="Cambria Math" panose="02040503050406030204" charset="0"/>
+                            </a:rPr>
+                            <m:t>ln</m:t>
+                          </m:r>
+                        </m:fName>
+                        <m:e>
+                          <m:f>
+                            <m:fPr>
+                              <m:ctrlPr>
+                                <a:rPr lang="en-US" sz="1600" i="1">
+                                  <a:latin typeface="Cambria Math" panose="02040503050406030204" charset="0"/>
+                                  <a:cs typeface="Cambria Math" panose="02040503050406030204" charset="0"/>
+                                </a:rPr>
+                              </m:ctrlPr>
+                            </m:fPr>
+                            <m:num>
+                              <m:sSub>
+                                <m:sSubPr>
+                                  <m:ctrlPr>
+                                    <a:rPr lang="en-US" sz="1600" i="1">
+                                      <a:latin typeface="Cambria Math" panose="02040503050406030204" charset="0"/>
+                                      <a:cs typeface="Cambria Math" panose="02040503050406030204" charset="0"/>
+                                    </a:rPr>
+                                  </m:ctrlPr>
+                                </m:sSubPr>
+                                <m:e>
+                                  <m:r>
+                                    <a:rPr lang="en-US" sz="1600" i="1">
+                                      <a:latin typeface="Cambria Math" panose="02040503050406030204" charset="0"/>
+                                      <a:cs typeface="Cambria Math" panose="02040503050406030204" charset="0"/>
+                                    </a:rPr>
+                                    <m:t>𝑉</m:t>
+                                  </m:r>
+                                </m:e>
+                                <m:sub>
+                                  <m:r>
+                                    <a:rPr lang="en-US" sz="1600" i="1">
+                                      <a:latin typeface="Cambria Math" panose="02040503050406030204" charset="0"/>
+                                      <a:cs typeface="Cambria Math" panose="02040503050406030204" charset="0"/>
+                                    </a:rPr>
+                                    <m:t>𝑔𝑠</m:t>
+                                  </m:r>
+                                  <m:r>
+                                    <a:rPr lang="en-US" sz="1600" i="1">
+                                      <a:latin typeface="Cambria Math" panose="02040503050406030204" charset="0"/>
+                                      <a:cs typeface="Cambria Math" panose="02040503050406030204" charset="0"/>
+                                    </a:rPr>
+                                    <m:t>,</m:t>
+                                  </m:r>
+                                  <m:r>
+                                    <a:rPr lang="en-US" sz="1600" i="1">
+                                      <a:latin typeface="Cambria Math" panose="02040503050406030204" charset="0"/>
+                                      <a:cs typeface="Cambria Math" panose="02040503050406030204" charset="0"/>
+                                    </a:rPr>
+                                    <m:t>𝑜𝑛</m:t>
+                                  </m:r>
+                                </m:sub>
+                              </m:sSub>
+                              <m:r>
+                                <a:rPr lang="en-US" sz="1600" i="1">
+                                  <a:latin typeface="Cambria Math" panose="02040503050406030204" charset="0"/>
+                                  <a:cs typeface="Cambria Math" panose="02040503050406030204" charset="0"/>
+                                </a:rPr>
+                                <m:t>−</m:t>
+                              </m:r>
+                              <m:sSub>
+                                <m:sSubPr>
+                                  <m:ctrlPr>
+                                    <a:rPr lang="en-US" sz="1600" i="1">
+                                      <a:latin typeface="Cambria Math" panose="02040503050406030204" charset="0"/>
+                                      <a:cs typeface="Cambria Math" panose="02040503050406030204" charset="0"/>
+                                    </a:rPr>
+                                  </m:ctrlPr>
+                                </m:sSubPr>
+                                <m:e>
+                                  <m:r>
+                                    <a:rPr lang="en-US" sz="1600" i="1">
+                                      <a:latin typeface="Cambria Math" panose="02040503050406030204" charset="0"/>
+                                      <a:cs typeface="Cambria Math" panose="02040503050406030204" charset="0"/>
+                                    </a:rPr>
+                                    <m:t>𝑉</m:t>
+                                  </m:r>
+                                </m:e>
+                                <m:sub>
+                                  <m:r>
+                                    <a:rPr lang="en-US" sz="1600" i="1">
+                                      <a:latin typeface="Cambria Math" panose="02040503050406030204" charset="0"/>
+                                      <a:cs typeface="Cambria Math" panose="02040503050406030204" charset="0"/>
+                                    </a:rPr>
+                                    <m:t>𝑡ℎ</m:t>
+                                  </m:r>
+                                </m:sub>
+                              </m:sSub>
+                            </m:num>
+                            <m:den>
+                              <m:sSub>
+                                <m:sSubPr>
+                                  <m:ctrlPr>
+                                    <a:rPr lang="en-US" sz="1600" i="1">
+                                      <a:latin typeface="Cambria Math" panose="02040503050406030204" charset="0"/>
+                                      <a:cs typeface="Cambria Math" panose="02040503050406030204" charset="0"/>
+                                    </a:rPr>
+                                  </m:ctrlPr>
+                                </m:sSubPr>
+                                <m:e>
+                                  <m:r>
+                                    <a:rPr lang="en-US" sz="1600" i="1">
+                                      <a:latin typeface="Cambria Math" panose="02040503050406030204" charset="0"/>
+                                      <a:cs typeface="Cambria Math" panose="02040503050406030204" charset="0"/>
+                                    </a:rPr>
+                                    <m:t>𝑉</m:t>
+                                  </m:r>
+                                </m:e>
+                                <m:sub>
+                                  <m:r>
+                                    <a:rPr lang="en-US" sz="1600" i="1">
+                                      <a:latin typeface="Cambria Math" panose="02040503050406030204" charset="0"/>
+                                      <a:cs typeface="Cambria Math" panose="02040503050406030204" charset="0"/>
+                                    </a:rPr>
+                                    <m:t>𝑔𝑠</m:t>
+                                  </m:r>
+                                  <m:r>
+                                    <a:rPr lang="en-US" sz="1600" i="1">
+                                      <a:latin typeface="Cambria Math" panose="02040503050406030204" charset="0"/>
+                                      <a:cs typeface="Cambria Math" panose="02040503050406030204" charset="0"/>
+                                    </a:rPr>
+                                    <m:t>,</m:t>
+                                  </m:r>
+                                  <m:r>
+                                    <a:rPr lang="en-US" sz="1600" i="1">
+                                      <a:latin typeface="Cambria Math" panose="02040503050406030204" charset="0"/>
+                                      <a:cs typeface="Cambria Math" panose="02040503050406030204" charset="0"/>
+                                    </a:rPr>
+                                    <m:t>𝑜𝑛</m:t>
+                                  </m:r>
+                                </m:sub>
+                              </m:sSub>
+                              <m:r>
+                                <a:rPr lang="en-US" sz="1600" i="1">
+                                  <a:latin typeface="Cambria Math" panose="02040503050406030204" charset="0"/>
+                                  <a:cs typeface="Cambria Math" panose="02040503050406030204" charset="0"/>
+                                </a:rPr>
+                                <m:t>−</m:t>
+                              </m:r>
+                              <m:sSub>
+                                <m:sSubPr>
+                                  <m:ctrlPr>
+                                    <a:rPr lang="en-US" sz="1600" i="1">
+                                      <a:latin typeface="Cambria Math" panose="02040503050406030204" charset="0"/>
+                                      <a:cs typeface="Cambria Math" panose="02040503050406030204" charset="0"/>
+                                    </a:rPr>
+                                  </m:ctrlPr>
+                                </m:sSubPr>
+                                <m:e>
+                                  <m:r>
+                                    <a:rPr lang="en-US" sz="1600" i="1">
+                                      <a:latin typeface="Cambria Math" panose="02040503050406030204" charset="0"/>
+                                      <a:cs typeface="Cambria Math" panose="02040503050406030204" charset="0"/>
+                                    </a:rPr>
+                                    <m:t>𝑉</m:t>
+                                  </m:r>
+                                </m:e>
+                                <m:sub>
+                                  <m:r>
+                                    <a:rPr lang="en-US" sz="1600" i="1">
+                                      <a:latin typeface="Cambria Math" panose="02040503050406030204" charset="0"/>
+                                      <a:cs typeface="Cambria Math" panose="02040503050406030204" charset="0"/>
+                                    </a:rPr>
+                                    <m:t>𝑝</m:t>
+                                  </m:r>
+                                  <m:r>
+                                    <a:rPr lang="en-US" sz="1600" i="1">
+                                      <a:latin typeface="Cambria Math" panose="02040503050406030204" charset="0"/>
+                                      <a:cs typeface="Cambria Math" panose="02040503050406030204" charset="0"/>
+                                    </a:rPr>
+                                    <m:t>1</m:t>
+                                  </m:r>
+                                </m:sub>
+                              </m:sSub>
+                            </m:den>
+                          </m:f>
+                        </m:e>
+                      </m:func>
+                    </m:oMath>
+                  </m:oMathPara>
+                </a14:m>
                 <a:endParaRPr lang="en-US" sz="1600" i="1" dirty="0">
                   <a:latin typeface="Cambria Math" panose="02040503050406030204" charset="0"/>
                   <a:cs typeface="Cambria Math" panose="02040503050406030204" charset="0"/>
@@ -11480,14 +11443,14 @@
             </p:nvSpPr>
             <p:spPr>
               <a:xfrm>
-                <a:off x="826770" y="2329815"/>
-                <a:ext cx="4819015" cy="3565525"/>
+                <a:off x="1113155" y="2758440"/>
+                <a:ext cx="4819015" cy="3072130"/>
               </a:xfrm>
               <a:prstGeom prst="rect">
                 <a:avLst/>
               </a:prstGeom>
               <a:blipFill rotWithShape="1">
-                <a:blip r:embed="rId4"/>
+                <a:blip r:embed="rId2"/>
                 <a:stretch>
                   <a:fillRect/>
                 </a:stretch>
@@ -11508,6 +11471,153 @@
           </p:sp>
         </mc:Fallback>
       </mc:AlternateContent>
+      <p:sp>
+        <p:nvSpPr>
+          <p:cNvPr id="2" name="Content Placeholder 1"/>
+          <p:cNvSpPr>
+            <a:spLocks noGrp="1"/>
+          </p:cNvSpPr>
+          <p:nvPr>
+            <p:ph idx="1"/>
+          </p:nvPr>
+        </p:nvSpPr>
+        <p:spPr>
+          <a:xfrm>
+            <a:off x="826770" y="1143635"/>
+            <a:ext cx="9918065" cy="1412240"/>
+          </a:xfrm>
+          <a:ln>
+            <a:solidFill>
+              <a:srgbClr val="FF0000"/>
+            </a:solidFill>
+          </a:ln>
+        </p:spPr>
+        <p:txBody>
+          <a:bodyPr>
+            <a:normAutofit/>
+          </a:bodyPr>
+          <a:p>
+            <a:pPr marL="0" indent="0" algn="just">
+              <a:buNone/>
+            </a:pPr>
+            <a:r>
+              <a:rPr lang="en-US" sz="1600" dirty="0"/>
+              <a:t>Following my further study on losses estimation, I have realized a few mistakes and room for improvement for the accuracy. Basically the method is based on combination from capacitive model based switching time estimation together with some further modification</a:t>
+            </a:r>
+            <a:endParaRPr lang="en-US" sz="1600" dirty="0"/>
+          </a:p>
+          <a:p>
+            <a:pPr marL="0" indent="0" algn="just">
+              <a:buNone/>
+            </a:pPr>
+            <a:r>
+              <a:rPr lang="en-US" sz="1600" dirty="0"/>
+              <a:t>read: A. N. Rahman, “Practical modification of switching losses estimation from datasheet parameter for SiC MOSFET”, Power Control Design, 2025</a:t>
+            </a:r>
+            <a:endParaRPr lang="en-US" sz="1600" dirty="0"/>
+          </a:p>
+        </p:txBody>
+      </p:sp>
+      <p:sp>
+        <p:nvSpPr>
+          <p:cNvPr id="13" name="Text Box 12"/>
+          <p:cNvSpPr txBox="1"/>
+          <p:nvPr/>
+        </p:nvSpPr>
+        <p:spPr>
+          <a:xfrm>
+            <a:off x="6680835" y="2913380"/>
+            <a:ext cx="4064000" cy="2306955"/>
+          </a:xfrm>
+          <a:prstGeom prst="rect">
+            <a:avLst/>
+          </a:prstGeom>
+          <a:noFill/>
+          <a:ln>
+            <a:solidFill>
+              <a:srgbClr val="FF0000"/>
+            </a:solidFill>
+          </a:ln>
+        </p:spPr>
+        <p:txBody>
+          <a:bodyPr wrap="square" rtlCol="0">
+            <a:spAutoFit/>
+          </a:bodyPr>
+          <a:p>
+            <a:r>
+              <a:rPr lang="en-US" sz="1600"/>
+              <a:t>The change for T</a:t>
+            </a:r>
+            <a:r>
+              <a:rPr lang="en-US" sz="1600" baseline="-25000"/>
+              <a:t>on</a:t>
+            </a:r>
+            <a:r>
+              <a:rPr lang="en-US" sz="1600"/>
+              <a:t> to use T</a:t>
+            </a:r>
+            <a:r>
+              <a:rPr lang="en-US" sz="1600" baseline="-25000"/>
+              <a:t>ri</a:t>
+            </a:r>
+            <a:r>
+              <a:rPr lang="en-US" sz="1600"/>
+              <a:t> from calculation instead of T</a:t>
+            </a:r>
+            <a:r>
+              <a:rPr lang="en-US" sz="1600" baseline="-25000"/>
+              <a:t>d(on)</a:t>
+            </a:r>
+            <a:r>
+              <a:rPr lang="en-US" sz="1600"/>
+              <a:t> originated from massive overestimation on the loss as well as because T</a:t>
+            </a:r>
+            <a:r>
+              <a:rPr lang="en-US" sz="1600" baseline="-25000"/>
+              <a:t>ri</a:t>
+            </a:r>
+            <a:r>
+              <a:rPr lang="en-US" sz="1600"/>
+              <a:t> estimation is reasonably accurate due to the C</a:t>
+            </a:r>
+            <a:r>
+              <a:rPr lang="en-US" sz="1600" baseline="-25000"/>
+              <a:t>iss</a:t>
+            </a:r>
+            <a:r>
+              <a:rPr lang="en-US" sz="1600"/>
+              <a:t> being independent of V</a:t>
+            </a:r>
+            <a:r>
+              <a:rPr lang="en-US" sz="1600" baseline="-25000"/>
+              <a:t>ds</a:t>
+            </a:r>
+            <a:r>
+              <a:rPr lang="en-US" sz="1600"/>
+              <a:t> bias.</a:t>
+            </a:r>
+            <a:endParaRPr lang="en-US" sz="1600"/>
+          </a:p>
+          <a:p>
+            <a:endParaRPr lang="en-US" sz="1600"/>
+          </a:p>
+          <a:p>
+            <a:r>
+              <a:rPr lang="en-US" sz="1600"/>
+              <a:t>The change for Toff to only use Tru without T</a:t>
+            </a:r>
+            <a:r>
+              <a:rPr lang="en-US" sz="1600" baseline="-25000"/>
+              <a:t>d(off)</a:t>
+            </a:r>
+            <a:r>
+              <a:rPr lang="en-US" sz="1600"/>
+              <a:t> because of the observed turn off Vds and Id transition behavior. </a:t>
+            </a:r>
+            <a:endParaRPr lang="en-US" sz="1600"/>
+          </a:p>
+        </p:txBody>
+      </p:sp>
     </p:spTree>
   </p:cSld>
   <p:clrMapOvr>

--- a/Ideal PWL Transient Losses Analysis/PWL Losses Analysis.pptx
+++ b/Ideal PWL Transient Losses Analysis/PWL Losses Analysis.pptx
@@ -20,7 +20,8 @@
     <p:sldId id="267" r:id="rId13"/>
     <p:sldId id="274" r:id="rId14"/>
     <p:sldId id="273" r:id="rId15"/>
-    <p:sldId id="269" r:id="rId16"/>
+    <p:sldId id="276" r:id="rId16"/>
+    <p:sldId id="269" r:id="rId17"/>
   </p:sldIdLst>
   <p:sldSz cx="12192000" cy="6858000"/>
   <p:notesSz cx="6858000" cy="9144000"/>
@@ -638,6 +639,62 @@
 </file>
 
 <file path=ppt/notesSlides/notesSlide12.xml><?xml version="1.0" encoding="utf-8"?>
+<p:notes xmlns:a="http://schemas.openxmlformats.org/drawingml/2006/main" xmlns:r="http://schemas.openxmlformats.org/officeDocument/2006/relationships" xmlns:p="http://schemas.openxmlformats.org/presentationml/2006/main">
+  <p:cSld>
+    <p:spTree>
+      <p:nvGrpSpPr>
+        <p:cNvPr id="1" name=""/>
+        <p:cNvGrpSpPr/>
+        <p:nvPr/>
+      </p:nvGrpSpPr>
+      <p:grpSpPr>
+        <a:xfrm>
+          <a:off x="0" y="0"/>
+          <a:ext cx="0" cy="0"/>
+          <a:chOff x="0" y="0"/>
+          <a:chExt cx="0" cy="0"/>
+        </a:xfrm>
+      </p:grpSpPr>
+      <p:sp>
+        <p:nvSpPr>
+          <p:cNvPr id="2" name="Slide Image Placeholder 1"/>
+          <p:cNvSpPr>
+            <a:spLocks noGrp="1" noRot="1" noChangeAspect="1"/>
+          </p:cNvSpPr>
+          <p:nvPr>
+            <p:ph type="sldImg" idx="2"/>
+          </p:nvPr>
+        </p:nvSpPr>
+        <p:spPr/>
+      </p:sp>
+      <p:sp>
+        <p:nvSpPr>
+          <p:cNvPr id="3" name="Text Placeholder 2"/>
+          <p:cNvSpPr>
+            <a:spLocks noGrp="1"/>
+          </p:cNvSpPr>
+          <p:nvPr>
+            <p:ph type="body" idx="3"/>
+          </p:nvPr>
+        </p:nvSpPr>
+        <p:spPr/>
+        <p:txBody>
+          <a:bodyPr/>
+          <a:lstStyle/>
+          <a:p>
+            <a:endParaRPr lang="en-US"/>
+          </a:p>
+        </p:txBody>
+      </p:sp>
+    </p:spTree>
+  </p:cSld>
+  <p:clrMapOvr>
+    <a:masterClrMapping/>
+  </p:clrMapOvr>
+</p:notes>
+</file>
+
+<file path=ppt/notesSlides/notesSlide13.xml><?xml version="1.0" encoding="utf-8"?>
 <p:notes xmlns:a="http://schemas.openxmlformats.org/drawingml/2006/main" xmlns:r="http://schemas.openxmlformats.org/officeDocument/2006/relationships" xmlns:p="http://schemas.openxmlformats.org/presentationml/2006/main">
   <p:cSld>
     <p:spTree>
@@ -4377,7 +4434,7 @@
                 <a:latin typeface="Arial" panose="020B0604020202020204" pitchFamily="34" charset="0"/>
                 <a:sym typeface="+mn-ea"/>
               </a:rPr>
-              <a:t>PWL SiC MOSFET Transient Losses Analysis in Qspice - Rev. 2</a:t>
+              <a:t>PWL SiC MOSFET Transient Losses Analysis in Qspice - Rev. 3</a:t>
             </a:r>
             <a:endParaRPr lang="en-US" altLang="en-US" sz="4800" b="1" dirty="0">
               <a:solidFill>
@@ -5336,6 +5393,299 @@
 </file>
 
 <file path=ppt/slides/slide13.xml><?xml version="1.0" encoding="utf-8"?>
+<p:sld xmlns:a="http://schemas.openxmlformats.org/drawingml/2006/main" xmlns:r="http://schemas.openxmlformats.org/officeDocument/2006/relationships" xmlns:p="http://schemas.openxmlformats.org/presentationml/2006/main">
+  <p:cSld>
+    <p:spTree>
+      <p:nvGrpSpPr>
+        <p:cNvPr id="1" name=""/>
+        <p:cNvGrpSpPr/>
+        <p:nvPr/>
+      </p:nvGrpSpPr>
+      <p:grpSpPr>
+        <a:xfrm>
+          <a:off x="0" y="0"/>
+          <a:ext cx="0" cy="0"/>
+          <a:chOff x="0" y="0"/>
+          <a:chExt cx="0" cy="0"/>
+        </a:xfrm>
+      </p:grpSpPr>
+      <p:sp>
+        <p:nvSpPr>
+          <p:cNvPr id="5" name="Title 4"/>
+          <p:cNvSpPr>
+            <a:spLocks noGrp="1"/>
+          </p:cNvSpPr>
+          <p:nvPr>
+            <p:ph type="title"/>
+          </p:nvPr>
+        </p:nvSpPr>
+        <p:spPr>
+          <a:xfrm>
+            <a:off x="838200" y="365125"/>
+            <a:ext cx="10515600" cy="619613"/>
+          </a:xfrm>
+        </p:spPr>
+        <p:txBody>
+          <a:bodyPr>
+            <a:normAutofit fontScale="90000"/>
+          </a:bodyPr>
+          <a:lstStyle/>
+          <a:p>
+            <a:r>
+              <a:rPr lang="en-US" dirty="0"/>
+              <a:t>Simulation test result (for Rev.3)</a:t>
+            </a:r>
+            <a:endParaRPr lang="en-US" dirty="0"/>
+          </a:p>
+        </p:txBody>
+      </p:sp>
+      <p:cxnSp>
+        <p:nvCxnSpPr>
+          <p:cNvPr id="8" name="Straight Connector 7"/>
+          <p:cNvCxnSpPr/>
+          <p:nvPr/>
+        </p:nvCxnSpPr>
+        <p:spPr>
+          <a:xfrm>
+            <a:off x="826474" y="940778"/>
+            <a:ext cx="10527326" cy="0"/>
+          </a:xfrm>
+          <a:prstGeom prst="line">
+            <a:avLst/>
+          </a:prstGeom>
+          <a:ln w="28575"/>
+        </p:spPr>
+        <p:style>
+          <a:lnRef idx="1">
+            <a:schemeClr val="accent1"/>
+          </a:lnRef>
+          <a:fillRef idx="0">
+            <a:schemeClr val="accent1"/>
+          </a:fillRef>
+          <a:effectRef idx="0">
+            <a:schemeClr val="accent1"/>
+          </a:effectRef>
+          <a:fontRef idx="minor">
+            <a:schemeClr val="tx1"/>
+          </a:fontRef>
+        </p:style>
+      </p:cxnSp>
+      <p:cxnSp>
+        <p:nvCxnSpPr>
+          <p:cNvPr id="9" name="Straight Connector 8"/>
+          <p:cNvCxnSpPr/>
+          <p:nvPr/>
+        </p:nvCxnSpPr>
+        <p:spPr>
+          <a:xfrm>
+            <a:off x="826474" y="368057"/>
+            <a:ext cx="10527326" cy="0"/>
+          </a:xfrm>
+          <a:prstGeom prst="line">
+            <a:avLst/>
+          </a:prstGeom>
+          <a:ln w="28575"/>
+        </p:spPr>
+        <p:style>
+          <a:lnRef idx="1">
+            <a:schemeClr val="accent1"/>
+          </a:lnRef>
+          <a:fillRef idx="0">
+            <a:schemeClr val="accent1"/>
+          </a:fillRef>
+          <a:effectRef idx="0">
+            <a:schemeClr val="accent1"/>
+          </a:effectRef>
+          <a:fontRef idx="minor">
+            <a:schemeClr val="tx1"/>
+          </a:fontRef>
+        </p:style>
+      </p:cxnSp>
+      <p:sp>
+        <p:nvSpPr>
+          <p:cNvPr id="7" name="Footer Placeholder 6"/>
+          <p:cNvSpPr>
+            <a:spLocks noGrp="1"/>
+          </p:cNvSpPr>
+          <p:nvPr>
+            <p:ph type="ftr" sz="quarter" idx="11"/>
+          </p:nvPr>
+        </p:nvSpPr>
+        <p:spPr/>
+        <p:txBody>
+          <a:bodyPr/>
+          <a:lstStyle/>
+          <a:p>
+            <a:r>
+              <a:rPr lang="en-US"/>
+              <a:t>By Arief Noor Rahman </a:t>
+            </a:r>
+            <a:r>
+              <a:rPr lang="en-US">
+                <a:latin typeface="SimSun" panose="02010600030101010101" pitchFamily="2" charset="-122"/>
+                <a:ea typeface="SimSun" panose="02010600030101010101" pitchFamily="2" charset="-122"/>
+              </a:rPr>
+              <a:t>－</a:t>
+            </a:r>
+            <a:r>
+              <a:rPr lang="en-US">
+                <a:sym typeface="+mn-ea"/>
+              </a:rPr>
+              <a:t>Power Control Design</a:t>
+            </a:r>
+            <a:endParaRPr lang="en-US">
+              <a:latin typeface="SimSun" panose="02010600030101010101" pitchFamily="2" charset="-122"/>
+              <a:ea typeface="SimSun" panose="02010600030101010101" pitchFamily="2" charset="-122"/>
+            </a:endParaRPr>
+          </a:p>
+        </p:txBody>
+      </p:sp>
+      <p:sp>
+        <p:nvSpPr>
+          <p:cNvPr id="3" name="Slide Number Placeholder 2"/>
+          <p:cNvSpPr>
+            <a:spLocks noGrp="1"/>
+          </p:cNvSpPr>
+          <p:nvPr>
+            <p:ph type="sldNum" sz="quarter" idx="12"/>
+          </p:nvPr>
+        </p:nvSpPr>
+        <p:spPr/>
+        <p:txBody>
+          <a:bodyPr/>
+          <a:lstStyle/>
+          <a:p>
+            <a:fld id="{9B618960-8005-486C-9A75-10CB2AAC16F9}" type="slidenum">
+              <a:rPr lang="en-US" smtClean="0"/>
+            </a:fld>
+            <a:endParaRPr lang="en-US"/>
+          </a:p>
+        </p:txBody>
+      </p:sp>
+      <p:pic>
+        <p:nvPicPr>
+          <p:cNvPr id="4" name="Picture 3" descr="logo_detail"/>
+          <p:cNvPicPr>
+            <a:picLocks noChangeAspect="1"/>
+          </p:cNvPicPr>
+          <p:nvPr/>
+        </p:nvPicPr>
+        <p:blipFill>
+          <a:blip r:embed="rId1"/>
+          <a:stretch>
+            <a:fillRect/>
+          </a:stretch>
+        </p:blipFill>
+        <p:spPr>
+          <a:xfrm>
+            <a:off x="120650" y="6024880"/>
+            <a:ext cx="696595" cy="696595"/>
+          </a:xfrm>
+          <a:prstGeom prst="rect">
+            <a:avLst/>
+          </a:prstGeom>
+        </p:spPr>
+      </p:pic>
+      <p:sp>
+        <p:nvSpPr>
+          <p:cNvPr id="13" name="Text Box 12"/>
+          <p:cNvSpPr txBox="1"/>
+          <p:nvPr/>
+        </p:nvSpPr>
+        <p:spPr>
+          <a:xfrm>
+            <a:off x="1218565" y="984885"/>
+            <a:ext cx="5354320" cy="768350"/>
+          </a:xfrm>
+          <a:prstGeom prst="rect">
+            <a:avLst/>
+          </a:prstGeom>
+          <a:noFill/>
+        </p:spPr>
+        <p:txBody>
+          <a:bodyPr wrap="square" rtlCol="0">
+            <a:spAutoFit/>
+          </a:bodyPr>
+          <a:p>
+            <a:r>
+              <a:rPr lang="en-US" sz="1400"/>
+              <a:t>Example test on synchronous boost converter,</a:t>
+            </a:r>
+            <a:endParaRPr lang="en-US" sz="1400"/>
+          </a:p>
+          <a:p>
+            <a:r>
+              <a:rPr lang="en-US" sz="1000"/>
+              <a:t>normal operation until t = 100m, then turn off the gate signal for upper MOSFET</a:t>
+            </a:r>
+            <a:endParaRPr lang="en-US" sz="1000"/>
+          </a:p>
+          <a:p>
+            <a:r>
+              <a:rPr lang="en-US" sz="1000"/>
+              <a:t>significant increase on the upper MOSFET can be observed due to the massive increase of the conduction loss as current then flows through body diode (where SiC has very high Vf).</a:t>
+            </a:r>
+            <a:endParaRPr lang="en-US" sz="1000"/>
+          </a:p>
+        </p:txBody>
+      </p:sp>
+      <p:pic>
+        <p:nvPicPr>
+          <p:cNvPr id="10" name="Picture 9"/>
+          <p:cNvPicPr>
+            <a:picLocks noChangeAspect="1"/>
+          </p:cNvPicPr>
+          <p:nvPr/>
+        </p:nvPicPr>
+        <p:blipFill>
+          <a:blip r:embed="rId2"/>
+          <a:stretch>
+            <a:fillRect/>
+          </a:stretch>
+        </p:blipFill>
+        <p:spPr>
+          <a:xfrm>
+            <a:off x="1382395" y="1753235"/>
+            <a:ext cx="3921760" cy="4706620"/>
+          </a:xfrm>
+          <a:prstGeom prst="rect">
+            <a:avLst/>
+          </a:prstGeom>
+        </p:spPr>
+      </p:pic>
+      <p:pic>
+        <p:nvPicPr>
+          <p:cNvPr id="11" name="Picture 10"/>
+          <p:cNvPicPr>
+            <a:picLocks noChangeAspect="1"/>
+          </p:cNvPicPr>
+          <p:nvPr/>
+        </p:nvPicPr>
+        <p:blipFill>
+          <a:blip r:embed="rId3"/>
+          <a:stretch>
+            <a:fillRect/>
+          </a:stretch>
+        </p:blipFill>
+        <p:spPr>
+          <a:xfrm>
+            <a:off x="6667500" y="1009650"/>
+            <a:ext cx="4544695" cy="5454015"/>
+          </a:xfrm>
+          <a:prstGeom prst="rect">
+            <a:avLst/>
+          </a:prstGeom>
+        </p:spPr>
+      </p:pic>
+    </p:spTree>
+  </p:cSld>
+  <p:clrMapOvr>
+    <a:masterClrMapping/>
+  </p:clrMapOvr>
+</p:sld>
+</file>
+
+<file path=ppt/slides/slide14.xml><?xml version="1.0" encoding="utf-8"?>
 <p:sld xmlns:a="http://schemas.openxmlformats.org/drawingml/2006/main" xmlns:r="http://schemas.openxmlformats.org/officeDocument/2006/relationships" xmlns:p="http://schemas.openxmlformats.org/presentationml/2006/main">
   <p:cSld>
     <p:spTree>
@@ -6177,6 +6527,12 @@
                       <a:pPr>
                         <a:buNone/>
                       </a:pPr>
+                      <a:r>
+                        <a:rPr lang="en-US" sz="1800">
+                          <a:sym typeface="+mn-ea"/>
+                        </a:rPr>
+                        <a:t>Rev.3 @ 2026/02/12</a:t>
+                      </a:r>
                       <a:endParaRPr lang="en-US"/>
                     </a:p>
                   </a:txBody>
@@ -6189,6 +6545,20 @@
                       <a:pPr>
                         <a:buNone/>
                       </a:pPr>
+                      <a:r>
+                        <a:rPr lang="en-US"/>
+                        <a:t>1. Remove virtual dead-time loss computation. now only allow real body diode losses conduction loss based on real third quadrant current flow with gate OFF.</a:t>
+                      </a:r>
+                      <a:endParaRPr lang="en-US"/>
+                    </a:p>
+                    <a:p>
+                      <a:pPr>
+                        <a:buNone/>
+                      </a:pPr>
+                      <a:r>
+                        <a:rPr lang="en-US"/>
+                        <a:t>2. add new parameter max_prd to force update device loss estimate if the latest loss update time till the present time is greter than max_prd. This is to support the loss estimate in case the MOSFET gate is ON or OFF for prolonged duration.</a:t>
+                      </a:r>
                       <a:endParaRPr lang="en-US"/>
                     </a:p>
                   </a:txBody>
@@ -6514,8 +6884,8 @@
         </p:nvSpPr>
         <p:spPr>
           <a:xfrm>
-            <a:off x="8202295" y="4533265"/>
-            <a:ext cx="3560445" cy="1383665"/>
+            <a:off x="8153400" y="3674745"/>
+            <a:ext cx="3641090" cy="2014220"/>
           </a:xfrm>
           <a:prstGeom prst="rect">
             <a:avLst/>
@@ -6529,9 +6899,14 @@
         </p:spPr>
         <p:txBody>
           <a:bodyPr wrap="square" rtlCol="0">
-            <a:spAutoFit/>
+            <a:noAutofit/>
           </a:bodyPr>
           <a:p>
+            <a:pPr defTabSz="914400">
+              <a:tabLst>
+                <a:tab pos="914400" algn="l"/>
+              </a:tabLst>
+            </a:pPr>
             <a:r>
               <a:rPr lang="en-US" sz="1400"/>
               <a:t>Rgon 	= Turn on gate resistance</a:t>
@@ -6539,6 +6914,11 @@
             <a:endParaRPr lang="en-US" sz="1400"/>
           </a:p>
           <a:p>
+            <a:pPr defTabSz="914400">
+              <a:tabLst>
+                <a:tab pos="914400" algn="l"/>
+              </a:tabLst>
+            </a:pPr>
             <a:r>
               <a:rPr lang="en-US" sz="1400"/>
               <a:t>Rgoff 	= Turn off gate resistance</a:t>
@@ -6546,13 +6926,23 @@
             <a:endParaRPr lang="en-US" sz="1400"/>
           </a:p>
           <a:p>
+            <a:pPr defTabSz="914400">
+              <a:tabLst>
+                <a:tab pos="914400" algn="l"/>
+              </a:tabLst>
+            </a:pPr>
             <a:r>
               <a:rPr lang="en-US" sz="1400"/>
-              <a:t>dtime 	= deadtime duration</a:t>
+              <a:t>max_prd 	= power loss timeout to force 	losses update if the elapsed time 	from latest update time to 	present time reach the max_prd</a:t>
             </a:r>
             <a:endParaRPr lang="en-US" sz="1400"/>
           </a:p>
           <a:p>
+            <a:pPr defTabSz="914400">
+              <a:tabLst>
+                <a:tab pos="914400" algn="l"/>
+              </a:tabLst>
+            </a:pPr>
             <a:r>
               <a:rPr lang="en-US" sz="1400"/>
               <a:t>Npara 	= Number of parallel device</a:t>
@@ -6560,13 +6950,23 @@
             <a:endParaRPr lang="en-US" sz="1400"/>
           </a:p>
           <a:p>
+            <a:pPr defTabSz="914400">
+              <a:tabLst>
+                <a:tab pos="914400" algn="l"/>
+              </a:tabLst>
+            </a:pPr>
             <a:r>
               <a:rPr lang="en-US" sz="1400"/>
-              <a:t>xx_factor 	= losses correction scaling factor</a:t>
+              <a:t>xx_factor	= losses correction scaling factor</a:t>
             </a:r>
             <a:endParaRPr lang="en-US" sz="1400"/>
           </a:p>
           <a:p>
+            <a:pPr defTabSz="914400">
+              <a:tabLst>
+                <a:tab pos="914400" algn="l"/>
+              </a:tabLst>
+            </a:pPr>
             <a:r>
               <a:rPr lang="en-US" sz="1400"/>
               <a:t>fname	= losses table file name</a:t>
@@ -6577,7 +6977,7 @@
       </p:sp>
       <p:pic>
         <p:nvPicPr>
-          <p:cNvPr id="6" name="Picture 5"/>
+          <p:cNvPr id="10" name="Picture 9"/>
           <p:cNvPicPr>
             <a:picLocks noChangeAspect="1"/>
           </p:cNvPicPr>
@@ -6591,8 +6991,8 @@
         </p:blipFill>
         <p:spPr>
           <a:xfrm>
-            <a:off x="8610600" y="1210945"/>
-            <a:ext cx="2648585" cy="2882900"/>
+            <a:off x="8153400" y="1336040"/>
+            <a:ext cx="3641090" cy="1987550"/>
           </a:xfrm>
           <a:prstGeom prst="rect">
             <a:avLst/>

--- a/Ideal PWL Transient Losses Analysis/PWL Losses Analysis.pptx
+++ b/Ideal PWL Transient Losses Analysis/PWL Losses Analysis.pptx
@@ -17,11 +17,14 @@
     <p:sldId id="266" r:id="rId10"/>
     <p:sldId id="262" r:id="rId11"/>
     <p:sldId id="263" r:id="rId12"/>
-    <p:sldId id="267" r:id="rId13"/>
-    <p:sldId id="274" r:id="rId14"/>
-    <p:sldId id="273" r:id="rId15"/>
-    <p:sldId id="276" r:id="rId16"/>
-    <p:sldId id="269" r:id="rId17"/>
+    <p:sldId id="276" r:id="rId13"/>
+    <p:sldId id="283" r:id="rId14"/>
+    <p:sldId id="269" r:id="rId15"/>
+    <p:sldId id="278" r:id="rId16"/>
+    <p:sldId id="279" r:id="rId17"/>
+    <p:sldId id="280" r:id="rId18"/>
+    <p:sldId id="281" r:id="rId19"/>
+    <p:sldId id="282" r:id="rId20"/>
   </p:sldIdLst>
   <p:sldSz cx="12192000" cy="6858000"/>
   <p:notesSz cx="6858000" cy="9144000"/>
@@ -695,6 +698,174 @@
 </file>
 
 <file path=ppt/notesSlides/notesSlide13.xml><?xml version="1.0" encoding="utf-8"?>
+<p:notes xmlns:a="http://schemas.openxmlformats.org/drawingml/2006/main" xmlns:r="http://schemas.openxmlformats.org/officeDocument/2006/relationships" xmlns:p="http://schemas.openxmlformats.org/presentationml/2006/main">
+  <p:cSld>
+    <p:spTree>
+      <p:nvGrpSpPr>
+        <p:cNvPr id="1" name=""/>
+        <p:cNvGrpSpPr/>
+        <p:nvPr/>
+      </p:nvGrpSpPr>
+      <p:grpSpPr>
+        <a:xfrm>
+          <a:off x="0" y="0"/>
+          <a:ext cx="0" cy="0"/>
+          <a:chOff x="0" y="0"/>
+          <a:chExt cx="0" cy="0"/>
+        </a:xfrm>
+      </p:grpSpPr>
+      <p:sp>
+        <p:nvSpPr>
+          <p:cNvPr id="2" name="Slide Image Placeholder 1"/>
+          <p:cNvSpPr>
+            <a:spLocks noGrp="1" noRot="1" noChangeAspect="1"/>
+          </p:cNvSpPr>
+          <p:nvPr>
+            <p:ph type="sldImg" idx="2"/>
+          </p:nvPr>
+        </p:nvSpPr>
+        <p:spPr/>
+      </p:sp>
+      <p:sp>
+        <p:nvSpPr>
+          <p:cNvPr id="3" name="Text Placeholder 2"/>
+          <p:cNvSpPr>
+            <a:spLocks noGrp="1"/>
+          </p:cNvSpPr>
+          <p:nvPr>
+            <p:ph type="body" idx="3"/>
+          </p:nvPr>
+        </p:nvSpPr>
+        <p:spPr/>
+        <p:txBody>
+          <a:bodyPr/>
+          <a:lstStyle/>
+          <a:p>
+            <a:endParaRPr lang="en-US"/>
+          </a:p>
+        </p:txBody>
+      </p:sp>
+    </p:spTree>
+  </p:cSld>
+  <p:clrMapOvr>
+    <a:masterClrMapping/>
+  </p:clrMapOvr>
+</p:notes>
+</file>
+
+<file path=ppt/notesSlides/notesSlide14.xml><?xml version="1.0" encoding="utf-8"?>
+<p:notes xmlns:a="http://schemas.openxmlformats.org/drawingml/2006/main" xmlns:r="http://schemas.openxmlformats.org/officeDocument/2006/relationships" xmlns:p="http://schemas.openxmlformats.org/presentationml/2006/main">
+  <p:cSld>
+    <p:spTree>
+      <p:nvGrpSpPr>
+        <p:cNvPr id="1" name=""/>
+        <p:cNvGrpSpPr/>
+        <p:nvPr/>
+      </p:nvGrpSpPr>
+      <p:grpSpPr>
+        <a:xfrm>
+          <a:off x="0" y="0"/>
+          <a:ext cx="0" cy="0"/>
+          <a:chOff x="0" y="0"/>
+          <a:chExt cx="0" cy="0"/>
+        </a:xfrm>
+      </p:grpSpPr>
+      <p:sp>
+        <p:nvSpPr>
+          <p:cNvPr id="2" name="Slide Image Placeholder 1"/>
+          <p:cNvSpPr>
+            <a:spLocks noGrp="1" noRot="1" noChangeAspect="1"/>
+          </p:cNvSpPr>
+          <p:nvPr>
+            <p:ph type="sldImg" idx="2"/>
+          </p:nvPr>
+        </p:nvSpPr>
+        <p:spPr/>
+      </p:sp>
+      <p:sp>
+        <p:nvSpPr>
+          <p:cNvPr id="3" name="Text Placeholder 2"/>
+          <p:cNvSpPr>
+            <a:spLocks noGrp="1"/>
+          </p:cNvSpPr>
+          <p:nvPr>
+            <p:ph type="body" idx="3"/>
+          </p:nvPr>
+        </p:nvSpPr>
+        <p:spPr/>
+        <p:txBody>
+          <a:bodyPr/>
+          <a:lstStyle/>
+          <a:p>
+            <a:endParaRPr lang="en-US"/>
+          </a:p>
+        </p:txBody>
+      </p:sp>
+    </p:spTree>
+  </p:cSld>
+  <p:clrMapOvr>
+    <a:masterClrMapping/>
+  </p:clrMapOvr>
+</p:notes>
+</file>
+
+<file path=ppt/notesSlides/notesSlide15.xml><?xml version="1.0" encoding="utf-8"?>
+<p:notes xmlns:a="http://schemas.openxmlformats.org/drawingml/2006/main" xmlns:r="http://schemas.openxmlformats.org/officeDocument/2006/relationships" xmlns:p="http://schemas.openxmlformats.org/presentationml/2006/main">
+  <p:cSld>
+    <p:spTree>
+      <p:nvGrpSpPr>
+        <p:cNvPr id="1" name=""/>
+        <p:cNvGrpSpPr/>
+        <p:nvPr/>
+      </p:nvGrpSpPr>
+      <p:grpSpPr>
+        <a:xfrm>
+          <a:off x="0" y="0"/>
+          <a:ext cx="0" cy="0"/>
+          <a:chOff x="0" y="0"/>
+          <a:chExt cx="0" cy="0"/>
+        </a:xfrm>
+      </p:grpSpPr>
+      <p:sp>
+        <p:nvSpPr>
+          <p:cNvPr id="2" name="Slide Image Placeholder 1"/>
+          <p:cNvSpPr>
+            <a:spLocks noGrp="1" noRot="1" noChangeAspect="1"/>
+          </p:cNvSpPr>
+          <p:nvPr>
+            <p:ph type="sldImg" idx="2"/>
+          </p:nvPr>
+        </p:nvSpPr>
+        <p:spPr/>
+      </p:sp>
+      <p:sp>
+        <p:nvSpPr>
+          <p:cNvPr id="3" name="Text Placeholder 2"/>
+          <p:cNvSpPr>
+            <a:spLocks noGrp="1"/>
+          </p:cNvSpPr>
+          <p:nvPr>
+            <p:ph type="body" idx="3"/>
+          </p:nvPr>
+        </p:nvSpPr>
+        <p:spPr/>
+        <p:txBody>
+          <a:bodyPr/>
+          <a:lstStyle/>
+          <a:p>
+            <a:endParaRPr lang="en-US"/>
+          </a:p>
+        </p:txBody>
+      </p:sp>
+    </p:spTree>
+  </p:cSld>
+  <p:clrMapOvr>
+    <a:masterClrMapping/>
+  </p:clrMapOvr>
+</p:notes>
+</file>
+
+<file path=ppt/notesSlides/notesSlide16.xml><?xml version="1.0" encoding="utf-8"?>
 <p:notes xmlns:a="http://schemas.openxmlformats.org/drawingml/2006/main" xmlns:r="http://schemas.openxmlformats.org/officeDocument/2006/relationships" xmlns:p="http://schemas.openxmlformats.org/presentationml/2006/main">
   <p:cSld>
     <p:spTree>
@@ -4434,7 +4605,7 @@
                 <a:latin typeface="Arial" panose="020B0604020202020204" pitchFamily="34" charset="0"/>
                 <a:sym typeface="+mn-ea"/>
               </a:rPr>
-              <a:t>PWL SiC MOSFET Transient Losses Analysis in Qspice - Rev. 3</a:t>
+              <a:t>PWL SiC MOSFET Transient Losses Analysis in Qspice - Rev. 4</a:t>
             </a:r>
             <a:endParaRPr lang="en-US" altLang="en-US" sz="4800" b="1" dirty="0">
               <a:solidFill>
@@ -4571,7 +4742,7 @@
           <a:p>
             <a:r>
               <a:rPr lang="en-US" dirty="0"/>
-              <a:t>Simulation test result (for Rev.0)</a:t>
+              <a:t>Simulation test result (for Rev.4)</a:t>
             </a:r>
             <a:endParaRPr lang="en-US" dirty="0"/>
           </a:p>
@@ -4724,9 +4895,52 @@
           </a:prstGeom>
         </p:spPr>
       </p:pic>
+      <p:sp>
+        <p:nvSpPr>
+          <p:cNvPr id="13" name="Text Box 12"/>
+          <p:cNvSpPr txBox="1"/>
+          <p:nvPr/>
+        </p:nvSpPr>
+        <p:spPr>
+          <a:xfrm>
+            <a:off x="1218565" y="984885"/>
+            <a:ext cx="5354320" cy="768350"/>
+          </a:xfrm>
+          <a:prstGeom prst="rect">
+            <a:avLst/>
+          </a:prstGeom>
+          <a:noFill/>
+        </p:spPr>
+        <p:txBody>
+          <a:bodyPr wrap="square" rtlCol="0">
+            <a:spAutoFit/>
+          </a:bodyPr>
+          <a:p>
+            <a:r>
+              <a:rPr lang="en-US" sz="1400"/>
+              <a:t>Example test on synchronous boost converter,</a:t>
+            </a:r>
+            <a:endParaRPr lang="en-US" sz="1400"/>
+          </a:p>
+          <a:p>
+            <a:r>
+              <a:rPr lang="en-US" sz="1000"/>
+              <a:t>normal operation until t = 100m, then turn off the gate signal for upper MOSFET</a:t>
+            </a:r>
+            <a:endParaRPr lang="en-US" sz="1000"/>
+          </a:p>
+          <a:p>
+            <a:r>
+              <a:rPr lang="en-US" sz="1000"/>
+              <a:t>significant increase on the upper MOSFET can be observed due to the massive increase of the conduction loss as current then flows through body diode (where SiC has very high Vf).</a:t>
+            </a:r>
+            <a:endParaRPr lang="en-US" sz="1000"/>
+          </a:p>
+        </p:txBody>
+      </p:sp>
       <p:pic>
         <p:nvPicPr>
-          <p:cNvPr id="16" name="Picture 15"/>
+          <p:cNvPr id="11" name="Picture 10"/>
           <p:cNvPicPr>
             <a:picLocks noChangeAspect="1"/>
           </p:cNvPicPr>
@@ -4740,8 +4954,8 @@
         </p:blipFill>
         <p:spPr>
           <a:xfrm>
-            <a:off x="1007110" y="2261870"/>
-            <a:ext cx="4911090" cy="3977640"/>
+            <a:off x="6667500" y="1009650"/>
+            <a:ext cx="4544695" cy="5454015"/>
           </a:xfrm>
           <a:prstGeom prst="rect">
             <a:avLst/>
@@ -4750,7 +4964,7 @@
       </p:pic>
       <p:pic>
         <p:nvPicPr>
-          <p:cNvPr id="18" name="Picture 17"/>
+          <p:cNvPr id="2" name="Picture 1"/>
           <p:cNvPicPr>
             <a:picLocks noChangeAspect="1"/>
           </p:cNvPicPr>
@@ -4764,43 +4978,14 @@
         </p:blipFill>
         <p:spPr>
           <a:xfrm>
-            <a:off x="6972300" y="1097915"/>
-            <a:ext cx="4381500" cy="5258435"/>
+            <a:off x="1218565" y="1797050"/>
+            <a:ext cx="3825240" cy="4590415"/>
           </a:xfrm>
           <a:prstGeom prst="rect">
             <a:avLst/>
           </a:prstGeom>
         </p:spPr>
       </p:pic>
-      <p:sp>
-        <p:nvSpPr>
-          <p:cNvPr id="2" name="Text Box 1"/>
-          <p:cNvSpPr txBox="1"/>
-          <p:nvPr/>
-        </p:nvSpPr>
-        <p:spPr>
-          <a:xfrm>
-            <a:off x="1007110" y="1140460"/>
-            <a:ext cx="5269230" cy="922020"/>
-          </a:xfrm>
-          <a:prstGeom prst="rect">
-            <a:avLst/>
-          </a:prstGeom>
-          <a:noFill/>
-        </p:spPr>
-        <p:txBody>
-          <a:bodyPr wrap="square" rtlCol="0">
-            <a:spAutoFit/>
-          </a:bodyPr>
-          <a:p>
-            <a:r>
-              <a:rPr lang="en-US"/>
-              <a:t>To use the losses estimation tool, user will need to connect the block to DUT switch and measure all Vgs signal, Vds signal, and drain current as following figure.</a:t>
-            </a:r>
-            <a:endParaRPr lang="en-US"/>
-          </a:p>
-        </p:txBody>
-      </p:sp>
     </p:spTree>
   </p:cSld>
   <p:clrMapOvr>
@@ -4850,7 +5035,7 @@
           <a:p>
             <a:r>
               <a:rPr lang="en-US" dirty="0"/>
-              <a:t>Simulation test result (for Rev.1)</a:t>
+              <a:t>Simulation test result (for Rev.4)</a:t>
             </a:r>
             <a:endParaRPr lang="en-US" dirty="0"/>
           </a:p>
@@ -5003,9 +5188,38 @@
           </a:prstGeom>
         </p:spPr>
       </p:pic>
+      <p:sp>
+        <p:nvSpPr>
+          <p:cNvPr id="13" name="Text Box 12"/>
+          <p:cNvSpPr txBox="1"/>
+          <p:nvPr/>
+        </p:nvSpPr>
+        <p:spPr>
+          <a:xfrm>
+            <a:off x="1218565" y="984885"/>
+            <a:ext cx="5354320" cy="306705"/>
+          </a:xfrm>
+          <a:prstGeom prst="rect">
+            <a:avLst/>
+          </a:prstGeom>
+          <a:noFill/>
+        </p:spPr>
+        <p:txBody>
+          <a:bodyPr wrap="square" rtlCol="0">
+            <a:spAutoFit/>
+          </a:bodyPr>
+          <a:p>
+            <a:r>
+              <a:rPr lang="en-US" sz="1400"/>
+              <a:t>Example test on 3phase inverter</a:t>
+            </a:r>
+            <a:endParaRPr lang="en-US" sz="1000"/>
+          </a:p>
+        </p:txBody>
+      </p:sp>
       <p:pic>
         <p:nvPicPr>
-          <p:cNvPr id="10" name="Picture 9"/>
+          <p:cNvPr id="6" name="Picture 5" descr="Screenshot 2026-02-21 003840"/>
           <p:cNvPicPr>
             <a:picLocks noChangeAspect="1"/>
           </p:cNvPicPr>
@@ -5019,46 +5233,17 @@
         </p:blipFill>
         <p:spPr>
           <a:xfrm>
-            <a:off x="1007110" y="2482215"/>
-            <a:ext cx="5144135" cy="3854450"/>
+            <a:off x="838200" y="1291590"/>
+            <a:ext cx="7219315" cy="4326890"/>
           </a:xfrm>
           <a:prstGeom prst="rect">
             <a:avLst/>
           </a:prstGeom>
         </p:spPr>
       </p:pic>
-      <p:sp>
-        <p:nvSpPr>
-          <p:cNvPr id="6" name="Text Box 5"/>
-          <p:cNvSpPr txBox="1"/>
-          <p:nvPr/>
-        </p:nvSpPr>
-        <p:spPr>
-          <a:xfrm>
-            <a:off x="1007110" y="1140460"/>
-            <a:ext cx="5269230" cy="1322070"/>
-          </a:xfrm>
-          <a:prstGeom prst="rect">
-            <a:avLst/>
-          </a:prstGeom>
-          <a:noFill/>
-        </p:spPr>
-        <p:txBody>
-          <a:bodyPr wrap="square" rtlCol="0">
-            <a:spAutoFit/>
-          </a:bodyPr>
-          <a:p>
-            <a:r>
-              <a:rPr lang="en-US" sz="1600"/>
-              <a:t>User can now directly set the losses analysis at a certain temperature to improve the model accuracy. Furthermore, if you feel need more challenge, you can easily create the thermal circuit model and loop back the Tj estimate into the losses analyzer block.</a:t>
-            </a:r>
-            <a:endParaRPr lang="en-US" sz="1600"/>
-          </a:p>
-        </p:txBody>
-      </p:sp>
       <p:pic>
         <p:nvPicPr>
-          <p:cNvPr id="11" name="Picture 10"/>
+          <p:cNvPr id="14" name="Picture 13" descr="Screenshot 2026-02-21 005028"/>
           <p:cNvPicPr>
             <a:picLocks noChangeAspect="1"/>
           </p:cNvPicPr>
@@ -5072,8 +5257,8 @@
         </p:blipFill>
         <p:spPr>
           <a:xfrm>
-            <a:off x="6769100" y="1033780"/>
-            <a:ext cx="4463415" cy="5356860"/>
+            <a:off x="8337550" y="2253615"/>
+            <a:ext cx="3288665" cy="1972945"/>
           </a:xfrm>
           <a:prstGeom prst="rect">
             <a:avLst/>
@@ -5129,7 +5314,7 @@
           <a:p>
             <a:r>
               <a:rPr lang="en-US" dirty="0"/>
-              <a:t>Simulation test result (for Rev.1)</a:t>
+              <a:t>Conclusion</a:t>
             </a:r>
             <a:endParaRPr lang="en-US" dirty="0"/>
           </a:p>
@@ -5282,41 +5467,16 @@
           </a:prstGeom>
         </p:spPr>
       </p:pic>
-      <p:pic>
-        <p:nvPicPr>
-          <p:cNvPr id="12" name="Picture 11"/>
-          <p:cNvPicPr>
-            <a:picLocks noChangeAspect="1"/>
-          </p:cNvPicPr>
-          <p:nvPr/>
-        </p:nvPicPr>
-        <p:blipFill>
-          <a:blip r:embed="rId2"/>
-          <a:srcRect l="344" t="9835" r="50002" b="10444"/>
-          <a:stretch>
-            <a:fillRect/>
-          </a:stretch>
-        </p:blipFill>
-        <p:spPr>
-          <a:xfrm>
-            <a:off x="1218565" y="1907540"/>
-            <a:ext cx="4686300" cy="4504690"/>
-          </a:xfrm>
-          <a:prstGeom prst="rect">
-            <a:avLst/>
-          </a:prstGeom>
-        </p:spPr>
-      </p:pic>
-      <p:sp>
-        <p:nvSpPr>
-          <p:cNvPr id="13" name="Text Box 12"/>
+      <p:sp>
+        <p:nvSpPr>
+          <p:cNvPr id="6" name="Text Box 5"/>
           <p:cNvSpPr txBox="1"/>
           <p:nvPr/>
         </p:nvSpPr>
         <p:spPr>
           <a:xfrm>
-            <a:off x="1218565" y="984885"/>
-            <a:ext cx="5354320" cy="1229995"/>
+            <a:off x="817245" y="1066800"/>
+            <a:ext cx="10527030" cy="2861310"/>
           </a:xfrm>
           <a:prstGeom prst="rect">
             <a:avLst/>
@@ -5328,62 +5488,247 @@
             <a:spAutoFit/>
           </a:bodyPr>
           <a:p>
-            <a:r>
-              <a:rPr lang="en-US" sz="1400"/>
-              <a:t>Example test on T-type Inverter under</a:t>
-            </a:r>
-            <a:endParaRPr lang="en-US" sz="1400"/>
-          </a:p>
-          <a:p>
-            <a:r>
-              <a:rPr lang="en-US" sz="1000"/>
-              <a:t>AC-&gt;DC power flow (at time &lt; 0.5s) and DC-&gt;AC power flow (at time &gt; 0.5s)</a:t>
-            </a:r>
-            <a:endParaRPr lang="en-US" sz="1000"/>
-          </a:p>
-          <a:p>
-            <a:endParaRPr lang="en-US" sz="1000">
-              <a:sym typeface="+mn-ea"/>
-            </a:endParaRPr>
-          </a:p>
-          <a:p>
-            <a:r>
-              <a:rPr lang="en-US" sz="1000">
-                <a:sym typeface="+mn-ea"/>
-              </a:rPr>
-              <a:t>While total losses on both power flow duration are similar. However, the losses share between the DClink MOSFET (middle graph) and side MOSFET (bottom graph) are different for different power flow mode.</a:t>
-            </a:r>
-            <a:endParaRPr lang="en-US" sz="1000"/>
-          </a:p>
-          <a:p>
-            <a:endParaRPr lang="en-US" sz="1000"/>
-          </a:p>
-        </p:txBody>
-      </p:sp>
-      <p:pic>
-        <p:nvPicPr>
-          <p:cNvPr id="14" name="Picture 13"/>
-          <p:cNvPicPr>
-            <a:picLocks noChangeAspect="1"/>
-          </p:cNvPicPr>
+            <a:pPr marL="305435" indent="-305435">
+              <a:buFont typeface="Arial" panose="020B0604020202020204" pitchFamily="34" charset="0"/>
+              <a:buChar char="•"/>
+            </a:pPr>
+            <a:r>
+              <a:rPr lang="en-US"/>
+              <a:t>An alternative method of transient loss estimation has been developed to be used in Qspice.</a:t>
+            </a:r>
+            <a:endParaRPr lang="en-US"/>
+          </a:p>
+          <a:p>
+            <a:pPr marL="305435" indent="-305435">
+              <a:buFont typeface="Arial" panose="020B0604020202020204" pitchFamily="34" charset="0"/>
+              <a:buChar char="•"/>
+            </a:pPr>
+            <a:r>
+              <a:rPr lang="en-US" altLang="en-US"/>
+              <a:t>The presented method has a number of simplification layers, with the rationale of the approach explained. Note: some reasoning maybe technical, some maybe practical.</a:t>
+            </a:r>
+            <a:endParaRPr lang="en-US" altLang="en-US"/>
+          </a:p>
+          <a:p>
+            <a:pPr marL="305435" indent="-305435">
+              <a:buFont typeface="Arial" panose="020B0604020202020204" pitchFamily="34" charset="0"/>
+              <a:buChar char="•"/>
+            </a:pPr>
+            <a:r>
+              <a:rPr lang="en-US" altLang="en-US"/>
+              <a:t>Simulation result accuracy for the SR-boost test circuit after some comparison with Wolfspeed’s speedfit appears to be quite reasonable (I cant find Infineon’s losses simulator). This result allows me to then use the method to evaluate losses for more complex circuit (e.g. Three phase Active NPC).</a:t>
+            </a:r>
+            <a:endParaRPr lang="en-US" altLang="en-US"/>
+          </a:p>
+          <a:p>
+            <a:pPr marL="305435" indent="-305435">
+              <a:buFont typeface="Arial" panose="020B0604020202020204" pitchFamily="34" charset="0"/>
+              <a:buChar char="•"/>
+            </a:pPr>
+            <a:r>
+              <a:rPr lang="en-US" altLang="en-US"/>
+              <a:t>Overall, this tool I believe is a very powerful tool for every power supply engineer.</a:t>
+            </a:r>
+            <a:endParaRPr lang="en-US" altLang="en-US"/>
+          </a:p>
+          <a:p>
+            <a:pPr marL="305435" indent="-305435">
+              <a:buFont typeface="Arial" panose="020B0604020202020204" pitchFamily="34" charset="0"/>
+              <a:buChar char="•"/>
+            </a:pPr>
+            <a:endParaRPr lang="en-US" altLang="en-US"/>
+          </a:p>
+          <a:p>
+            <a:pPr marL="305435" indent="-305435">
+              <a:buFont typeface="Arial" panose="020B0604020202020204" pitchFamily="34" charset="0"/>
+              <a:buChar char="•"/>
+            </a:pPr>
+            <a:endParaRPr lang="en-US" altLang="en-US"/>
+          </a:p>
+          <a:p>
+            <a:pPr indent="0">
+              <a:buFont typeface="Arial" panose="020B0604020202020204" pitchFamily="34" charset="0"/>
+              <a:buNone/>
+            </a:pPr>
+            <a:r>
+              <a:rPr lang="en-US" altLang="en-US"/>
+              <a:t>Next? for IGBT?</a:t>
+            </a:r>
+            <a:endParaRPr lang="en-US" altLang="en-US"/>
+          </a:p>
+        </p:txBody>
+      </p:sp>
+      <p:sp>
+        <p:nvSpPr>
+          <p:cNvPr id="2" name="Text Box 1"/>
+          <p:cNvSpPr txBox="1"/>
           <p:nvPr/>
-        </p:nvPicPr>
-        <p:blipFill>
-          <a:blip r:embed="rId3"/>
-          <a:stretch>
-            <a:fillRect/>
-          </a:stretch>
-        </p:blipFill>
-        <p:spPr>
-          <a:xfrm>
-            <a:off x="6830695" y="984885"/>
-            <a:ext cx="4523105" cy="5427345"/>
+        </p:nvSpPr>
+        <p:spPr>
+          <a:xfrm>
+            <a:off x="817245" y="4824095"/>
+            <a:ext cx="10535920" cy="1198880"/>
           </a:xfrm>
           <a:prstGeom prst="rect">
             <a:avLst/>
           </a:prstGeom>
-        </p:spPr>
-      </p:pic>
+          <a:noFill/>
+        </p:spPr>
+        <p:txBody>
+          <a:bodyPr wrap="square" rtlCol="0" anchor="t">
+            <a:spAutoFit/>
+          </a:bodyPr>
+          <a:p>
+            <a:pPr marL="305435" indent="-305435"/>
+            <a:r>
+              <a:rPr lang="en-US">
+                <a:sym typeface="+mn-ea"/>
+              </a:rPr>
+              <a:t>[1] Infineon </a:t>
+            </a:r>
+            <a:r>
+              <a:rPr lang="en-US" altLang="en-US">
+                <a:sym typeface="+mn-ea"/>
+              </a:rPr>
+              <a:t>IMZA75R040M1H - Datasheet</a:t>
+            </a:r>
+            <a:endParaRPr lang="en-US" altLang="en-US"/>
+          </a:p>
+          <a:p>
+            <a:pPr marL="305435" indent="-305435"/>
+            <a:r>
+              <a:rPr lang="en-US" altLang="en-US">
+                <a:sym typeface="+mn-ea"/>
+              </a:rPr>
+              <a:t>[2] Infineon IMW120R040M1H - Datasheet</a:t>
+            </a:r>
+            <a:endParaRPr lang="en-US" altLang="en-US"/>
+          </a:p>
+          <a:p>
+            <a:pPr marL="305435" indent="-305435"/>
+            <a:r>
+              <a:rPr lang="en-US" altLang="en-US">
+                <a:sym typeface="+mn-ea"/>
+              </a:rPr>
+              <a:t>[3] Estimating SiC MOSFET switching losses in applications https://community.infineon.com/t5/Knowledge-Base-Articles/Estimating-SiC-MOSFET-switching-losses-in-applications/ta-p/709113</a:t>
+            </a:r>
+            <a:endParaRPr lang="en-US" altLang="en-US">
+              <a:sym typeface="+mn-ea"/>
+            </a:endParaRPr>
+          </a:p>
+        </p:txBody>
+      </p:sp>
+      <p:sp>
+        <p:nvSpPr>
+          <p:cNvPr id="10" name="Title 4"/>
+          <p:cNvSpPr>
+            <a:spLocks noGrp="1"/>
+          </p:cNvSpPr>
+          <p:nvPr/>
+        </p:nvSpPr>
+        <p:spPr>
+          <a:xfrm>
+            <a:off x="828675" y="4232275"/>
+            <a:ext cx="10515600" cy="619613"/>
+          </a:xfrm>
+          <a:prstGeom prst="rect">
+            <a:avLst/>
+          </a:prstGeom>
+        </p:spPr>
+        <p:txBody>
+          <a:bodyPr vert="horz" lIns="91440" tIns="45720" rIns="91440" bIns="45720" rtlCol="0" anchor="ctr">
+            <a:normAutofit fontScale="70000"/>
+          </a:bodyPr>
+          <a:lstStyle>
+            <a:lvl1pPr algn="l" defTabSz="914400" rtl="0" eaLnBrk="1" latinLnBrk="0" hangingPunct="1">
+              <a:lnSpc>
+                <a:spcPct val="90000"/>
+              </a:lnSpc>
+              <a:spcBef>
+                <a:spcPct val="0"/>
+              </a:spcBef>
+              <a:buNone/>
+              <a:defRPr sz="4400" kern="1200">
+                <a:solidFill>
+                  <a:schemeClr val="tx1"/>
+                </a:solidFill>
+                <a:latin typeface="+mj-lt"/>
+                <a:ea typeface="+mj-ea"/>
+                <a:cs typeface="+mj-cs"/>
+              </a:defRPr>
+            </a:lvl1pPr>
+          </a:lstStyle>
+          <a:p>
+            <a:r>
+              <a:rPr lang="en-US" dirty="0"/>
+              <a:t>References</a:t>
+            </a:r>
+            <a:endParaRPr lang="en-US" dirty="0"/>
+          </a:p>
+        </p:txBody>
+      </p:sp>
+      <p:cxnSp>
+        <p:nvCxnSpPr>
+          <p:cNvPr id="11" name="Straight Connector 10"/>
+          <p:cNvCxnSpPr/>
+          <p:nvPr/>
+        </p:nvCxnSpPr>
+        <p:spPr>
+          <a:xfrm>
+            <a:off x="816949" y="4807928"/>
+            <a:ext cx="10527326" cy="0"/>
+          </a:xfrm>
+          <a:prstGeom prst="line">
+            <a:avLst/>
+          </a:prstGeom>
+          <a:ln w="28575"/>
+        </p:spPr>
+        <p:style>
+          <a:lnRef idx="1">
+            <a:schemeClr val="accent1"/>
+          </a:lnRef>
+          <a:fillRef idx="0">
+            <a:schemeClr val="accent1"/>
+          </a:fillRef>
+          <a:effectRef idx="0">
+            <a:schemeClr val="accent1"/>
+          </a:effectRef>
+          <a:fontRef idx="minor">
+            <a:schemeClr val="tx1"/>
+          </a:fontRef>
+        </p:style>
+      </p:cxnSp>
+      <p:cxnSp>
+        <p:nvCxnSpPr>
+          <p:cNvPr id="12" name="Straight Connector 11"/>
+          <p:cNvCxnSpPr/>
+          <p:nvPr/>
+        </p:nvCxnSpPr>
+        <p:spPr>
+          <a:xfrm>
+            <a:off x="816949" y="4235207"/>
+            <a:ext cx="10527326" cy="0"/>
+          </a:xfrm>
+          <a:prstGeom prst="line">
+            <a:avLst/>
+          </a:prstGeom>
+          <a:ln w="28575"/>
+        </p:spPr>
+        <p:style>
+          <a:lnRef idx="1">
+            <a:schemeClr val="accent1"/>
+          </a:lnRef>
+          <a:fillRef idx="0">
+            <a:schemeClr val="accent1"/>
+          </a:fillRef>
+          <a:effectRef idx="0">
+            <a:schemeClr val="accent1"/>
+          </a:effectRef>
+          <a:fontRef idx="minor">
+            <a:schemeClr val="tx1"/>
+          </a:fontRef>
+        </p:style>
+      </p:cxnSp>
     </p:spTree>
   </p:cSld>
   <p:clrMapOvr>
@@ -5433,7 +5778,7 @@
           <a:p>
             <a:r>
               <a:rPr lang="en-US" dirty="0"/>
-              <a:t>Simulation test result (for Rev.3)</a:t>
+              <a:t>No longer used slide</a:t>
             </a:r>
             <a:endParaRPr lang="en-US" dirty="0"/>
           </a:p>
@@ -5588,95 +5933,50 @@
       </p:pic>
       <p:sp>
         <p:nvSpPr>
-          <p:cNvPr id="13" name="Text Box 12"/>
-          <p:cNvSpPr txBox="1"/>
+          <p:cNvPr id="10" name="&quot;No&quot; Symbol 9"/>
+          <p:cNvSpPr/>
           <p:nvPr/>
         </p:nvSpPr>
         <p:spPr>
           <a:xfrm>
-            <a:off x="1218565" y="984885"/>
-            <a:ext cx="5354320" cy="768350"/>
-          </a:xfrm>
-          <a:prstGeom prst="rect">
+            <a:off x="3510915" y="1186180"/>
+            <a:ext cx="5170170" cy="5170170"/>
+          </a:xfrm>
+          <a:prstGeom prst="noSmoking">
             <a:avLst/>
           </a:prstGeom>
-          <a:noFill/>
-        </p:spPr>
-        <p:txBody>
-          <a:bodyPr wrap="square" rtlCol="0">
-            <a:spAutoFit/>
-          </a:bodyPr>
-          <a:p>
-            <a:r>
-              <a:rPr lang="en-US" sz="1400"/>
-              <a:t>Example test on synchronous boost converter,</a:t>
-            </a:r>
-            <a:endParaRPr lang="en-US" sz="1400"/>
-          </a:p>
-          <a:p>
-            <a:r>
-              <a:rPr lang="en-US" sz="1000"/>
-              <a:t>normal operation until t = 100m, then turn off the gate signal for upper MOSFET</a:t>
-            </a:r>
-            <a:endParaRPr lang="en-US" sz="1000"/>
-          </a:p>
-          <a:p>
-            <a:r>
-              <a:rPr lang="en-US" sz="1000"/>
-              <a:t>significant increase on the upper MOSFET can be observed due to the massive increase of the conduction loss as current then flows through body diode (where SiC has very high Vf).</a:t>
-            </a:r>
-            <a:endParaRPr lang="en-US" sz="1000"/>
-          </a:p>
-        </p:txBody>
-      </p:sp>
-      <p:pic>
-        <p:nvPicPr>
-          <p:cNvPr id="10" name="Picture 9"/>
-          <p:cNvPicPr>
-            <a:picLocks noChangeAspect="1"/>
-          </p:cNvPicPr>
-          <p:nvPr/>
-        </p:nvPicPr>
-        <p:blipFill>
-          <a:blip r:embed="rId2"/>
-          <a:stretch>
-            <a:fillRect/>
-          </a:stretch>
-        </p:blipFill>
-        <p:spPr>
-          <a:xfrm>
-            <a:off x="1382395" y="1753235"/>
-            <a:ext cx="3921760" cy="4706620"/>
-          </a:xfrm>
-          <a:prstGeom prst="rect">
-            <a:avLst/>
-          </a:prstGeom>
-        </p:spPr>
-      </p:pic>
-      <p:pic>
-        <p:nvPicPr>
-          <p:cNvPr id="11" name="Picture 10"/>
-          <p:cNvPicPr>
-            <a:picLocks noChangeAspect="1"/>
-          </p:cNvPicPr>
-          <p:nvPr/>
-        </p:nvPicPr>
-        <p:blipFill>
-          <a:blip r:embed="rId3"/>
-          <a:stretch>
-            <a:fillRect/>
-          </a:stretch>
-        </p:blipFill>
-        <p:spPr>
-          <a:xfrm>
-            <a:off x="6667500" y="1009650"/>
-            <a:ext cx="4544695" cy="5454015"/>
-          </a:xfrm>
-          <a:prstGeom prst="rect">
-            <a:avLst/>
-          </a:prstGeom>
-        </p:spPr>
-      </p:pic>
+          <a:solidFill>
+            <a:srgbClr val="FF0000"/>
+          </a:solidFill>
+        </p:spPr>
+        <p:style>
+          <a:lnRef idx="2">
+            <a:schemeClr val="accent1">
+              <a:lumMod val="75000"/>
+            </a:schemeClr>
+          </a:lnRef>
+          <a:fillRef idx="1">
+            <a:schemeClr val="accent1"/>
+          </a:fillRef>
+          <a:effectRef idx="0">
+            <a:srgbClr val="FFFFFF"/>
+          </a:effectRef>
+          <a:fontRef idx="minor">
+            <a:schemeClr val="lt1"/>
+          </a:fontRef>
+        </p:style>
+        <p:txBody>
+          <a:bodyPr rtlCol="0" anchor="ctr"/>
+          <a:p>
+            <a:pPr algn="ctr"/>
+            <a:endParaRPr lang="en-US">
+              <a:solidFill>
+                <a:schemeClr val="tx1"/>
+              </a:solidFill>
+            </a:endParaRPr>
+          </a:p>
+        </p:txBody>
+      </p:sp>
     </p:spTree>
   </p:cSld>
   <p:clrMapOvr>
@@ -5726,7 +6026,7 @@
           <a:p>
             <a:r>
               <a:rPr lang="en-US" dirty="0"/>
-              <a:t>Conclusion</a:t>
+              <a:t>Understanding the losses table format</a:t>
             </a:r>
             <a:endParaRPr lang="en-US" dirty="0"/>
           </a:p>
@@ -5879,16 +6179,816 @@
           </a:prstGeom>
         </p:spPr>
       </p:pic>
-      <p:sp>
-        <p:nvSpPr>
-          <p:cNvPr id="6" name="Text Box 5"/>
+      <p:graphicFrame>
+        <p:nvGraphicFramePr>
+          <p:cNvPr id="13" name="Table 12"/>
+          <p:cNvGraphicFramePr/>
+          <p:nvPr/>
+        </p:nvGraphicFramePr>
+        <p:xfrm>
+          <a:off x="880745" y="1157605"/>
+          <a:ext cx="8530590" cy="1920240"/>
+        </p:xfrm>
+        <a:graphic>
+          <a:graphicData uri="http://schemas.openxmlformats.org/drawingml/2006/table">
+            <a:tbl>
+              <a:tblPr>
+                <a:tableStyleId>{5C22544A-7EE6-4342-B048-85BDC9FD1C3A}</a:tableStyleId>
+              </a:tblPr>
+              <a:tblGrid>
+                <a:gridCol w="1188720"/>
+                <a:gridCol w="1188720"/>
+                <a:gridCol w="1188720"/>
+                <a:gridCol w="1188720"/>
+                <a:gridCol w="1188720"/>
+                <a:gridCol w="1188720"/>
+              </a:tblGrid>
+              <a:tr h="274320">
+                <a:tc>
+                  <a:txBody>
+                    <a:bodyPr/>
+                    <a:p>
+                      <a:pPr>
+                        <a:buNone/>
+                      </a:pPr>
+                      <a:r>
+                        <a:rPr lang="en-US" sz="1200">
+                          <a:latin typeface="Calibri" panose="020F0502020204030204" charset="0"/>
+                          <a:cs typeface="Calibri" panose="020F0502020204030204" charset="0"/>
+                        </a:rPr>
+                        <a:t>Rdson</a:t>
+                      </a:r>
+                      <a:endParaRPr lang="en-US" sz="1200">
+                        <a:latin typeface="Calibri" panose="020F0502020204030204" charset="0"/>
+                        <a:cs typeface="Calibri" panose="020F0502020204030204" charset="0"/>
+                      </a:endParaRPr>
+                    </a:p>
+                  </a:txBody>
+                  <a:tcPr/>
+                </a:tc>
+                <a:tc>
+                  <a:txBody>
+                    <a:bodyPr/>
+                    <a:p>
+                      <a:pPr>
+                        <a:buNone/>
+                      </a:pPr>
+                      <a:r>
+                        <a:rPr lang="en-US" sz="1200">
+                          <a:latin typeface="Calibri" panose="020F0502020204030204" charset="0"/>
+                          <a:cs typeface="Calibri" panose="020F0502020204030204" charset="0"/>
+                        </a:rPr>
+                        <a:t>Ton</a:t>
+                      </a:r>
+                      <a:endParaRPr lang="en-US" sz="1200">
+                        <a:latin typeface="Calibri" panose="020F0502020204030204" charset="0"/>
+                        <a:cs typeface="Calibri" panose="020F0502020204030204" charset="0"/>
+                      </a:endParaRPr>
+                    </a:p>
+                  </a:txBody>
+                  <a:tcPr/>
+                </a:tc>
+                <a:tc>
+                  <a:txBody>
+                    <a:bodyPr/>
+                    <a:p>
+                      <a:pPr>
+                        <a:buNone/>
+                      </a:pPr>
+                      <a:r>
+                        <a:rPr lang="en-US" sz="1200">
+                          <a:latin typeface="Calibri" panose="020F0502020204030204" charset="0"/>
+                          <a:cs typeface="Calibri" panose="020F0502020204030204" charset="0"/>
+                        </a:rPr>
+                        <a:t>Toff</a:t>
+                      </a:r>
+                      <a:endParaRPr lang="en-US" sz="1200">
+                        <a:latin typeface="Calibri" panose="020F0502020204030204" charset="0"/>
+                        <a:cs typeface="Calibri" panose="020F0502020204030204" charset="0"/>
+                      </a:endParaRPr>
+                    </a:p>
+                  </a:txBody>
+                  <a:tcPr/>
+                </a:tc>
+                <a:tc>
+                  <a:txBody>
+                    <a:bodyPr/>
+                    <a:p>
+                      <a:pPr>
+                        <a:buNone/>
+                      </a:pPr>
+                      <a:r>
+                        <a:rPr lang="en-US" sz="1200">
+                          <a:latin typeface="Calibri" panose="020F0502020204030204" charset="0"/>
+                          <a:cs typeface="Calibri" panose="020F0502020204030204" charset="0"/>
+                        </a:rPr>
+                        <a:t>Rg_test</a:t>
+                      </a:r>
+                      <a:endParaRPr lang="en-US" sz="1200">
+                        <a:latin typeface="Calibri" panose="020F0502020204030204" charset="0"/>
+                        <a:cs typeface="Calibri" panose="020F0502020204030204" charset="0"/>
+                      </a:endParaRPr>
+                    </a:p>
+                  </a:txBody>
+                  <a:tcPr/>
+                </a:tc>
+                <a:tc>
+                  <a:txBody>
+                    <a:bodyPr/>
+                    <a:p>
+                      <a:pPr>
+                        <a:buNone/>
+                      </a:pPr>
+                      <a:r>
+                        <a:rPr lang="en-US" sz="1200">
+                          <a:latin typeface="Calibri" panose="020F0502020204030204" charset="0"/>
+                          <a:cs typeface="Calibri" panose="020F0502020204030204" charset="0"/>
+                        </a:rPr>
+                        <a:t>Rg_int</a:t>
+                      </a:r>
+                      <a:endParaRPr lang="en-US" sz="1200">
+                        <a:latin typeface="Calibri" panose="020F0502020204030204" charset="0"/>
+                        <a:cs typeface="Calibri" panose="020F0502020204030204" charset="0"/>
+                      </a:endParaRPr>
+                    </a:p>
+                  </a:txBody>
+                  <a:tcPr/>
+                </a:tc>
+                <a:tc>
+                  <a:txBody>
+                    <a:bodyPr/>
+                    <a:p>
+                      <a:pPr>
+                        <a:buNone/>
+                      </a:pPr>
+                      <a:r>
+                        <a:rPr lang="en-US" sz="1200">
+                          <a:latin typeface="Calibri" panose="020F0502020204030204" charset="0"/>
+                          <a:cs typeface="Calibri" panose="020F0502020204030204" charset="0"/>
+                        </a:rPr>
+                        <a:t>0.0</a:t>
+                      </a:r>
+                      <a:endParaRPr lang="en-US" sz="1200">
+                        <a:latin typeface="Calibri" panose="020F0502020204030204" charset="0"/>
+                        <a:cs typeface="Calibri" panose="020F0502020204030204" charset="0"/>
+                      </a:endParaRPr>
+                    </a:p>
+                  </a:txBody>
+                  <a:tcPr/>
+                </a:tc>
+              </a:tr>
+              <a:tr h="274320">
+                <a:tc>
+                  <a:txBody>
+                    <a:bodyPr/>
+                    <a:p>
+                      <a:pPr>
+                        <a:buNone/>
+                      </a:pPr>
+                      <a:r>
+                        <a:rPr lang="en-US" sz="1200">
+                          <a:latin typeface="Calibri" panose="020F0502020204030204" charset="0"/>
+                          <a:cs typeface="Calibri" panose="020F0502020204030204" charset="0"/>
+                        </a:rPr>
+                        <a:t>Vds (0V)</a:t>
+                      </a:r>
+                      <a:endParaRPr lang="en-US" sz="1200">
+                        <a:latin typeface="Calibri" panose="020F0502020204030204" charset="0"/>
+                        <a:cs typeface="Calibri" panose="020F0502020204030204" charset="0"/>
+                      </a:endParaRPr>
+                    </a:p>
+                  </a:txBody>
+                  <a:tcPr/>
+                </a:tc>
+                <a:tc>
+                  <a:txBody>
+                    <a:bodyPr/>
+                    <a:p>
+                      <a:pPr>
+                        <a:buNone/>
+                      </a:pPr>
+                      <a:endParaRPr lang="en-US" sz="1200">
+                        <a:latin typeface="Calibri" panose="020F0502020204030204" charset="0"/>
+                        <a:cs typeface="Calibri" panose="020F0502020204030204" charset="0"/>
+                      </a:endParaRPr>
+                    </a:p>
+                  </a:txBody>
+                  <a:tcPr/>
+                </a:tc>
+                <a:tc>
+                  <a:txBody>
+                    <a:bodyPr/>
+                    <a:p>
+                      <a:pPr>
+                        <a:buNone/>
+                      </a:pPr>
+                      <a:endParaRPr lang="en-US" sz="1200">
+                        <a:latin typeface="Calibri" panose="020F0502020204030204" charset="0"/>
+                        <a:cs typeface="Calibri" panose="020F0502020204030204" charset="0"/>
+                      </a:endParaRPr>
+                    </a:p>
+                  </a:txBody>
+                  <a:tcPr/>
+                </a:tc>
+                <a:tc>
+                  <a:txBody>
+                    <a:bodyPr/>
+                    <a:p>
+                      <a:pPr>
+                        <a:buNone/>
+                      </a:pPr>
+                      <a:endParaRPr lang="en-US" sz="1200">
+                        <a:latin typeface="Calibri" panose="020F0502020204030204" charset="0"/>
+                        <a:cs typeface="Calibri" panose="020F0502020204030204" charset="0"/>
+                      </a:endParaRPr>
+                    </a:p>
+                  </a:txBody>
+                  <a:tcPr/>
+                </a:tc>
+                <a:tc>
+                  <a:txBody>
+                    <a:bodyPr/>
+                    <a:p>
+                      <a:pPr>
+                        <a:buNone/>
+                      </a:pPr>
+                      <a:endParaRPr lang="en-US" sz="1200">
+                        <a:latin typeface="Calibri" panose="020F0502020204030204" charset="0"/>
+                        <a:cs typeface="Calibri" panose="020F0502020204030204" charset="0"/>
+                      </a:endParaRPr>
+                    </a:p>
+                  </a:txBody>
+                  <a:tcPr/>
+                </a:tc>
+                <a:tc>
+                  <a:txBody>
+                    <a:bodyPr/>
+                    <a:p>
+                      <a:pPr>
+                        <a:buNone/>
+                      </a:pPr>
+                      <a:r>
+                        <a:rPr lang="en-US" sz="1200">
+                          <a:latin typeface="Calibri" panose="020F0502020204030204" charset="0"/>
+                          <a:cs typeface="Calibri" panose="020F0502020204030204" charset="0"/>
+                        </a:rPr>
+                        <a:t>Vds (Vrating)</a:t>
+                      </a:r>
+                      <a:endParaRPr lang="en-US" sz="1200">
+                        <a:latin typeface="Calibri" panose="020F0502020204030204" charset="0"/>
+                        <a:cs typeface="Calibri" panose="020F0502020204030204" charset="0"/>
+                      </a:endParaRPr>
+                    </a:p>
+                  </a:txBody>
+                  <a:tcPr/>
+                </a:tc>
+              </a:tr>
+              <a:tr h="274320">
+                <a:tc>
+                  <a:txBody>
+                    <a:bodyPr/>
+                    <a:p>
+                      <a:pPr>
+                        <a:buNone/>
+                      </a:pPr>
+                      <a:r>
+                        <a:rPr lang="en-US" sz="1200">
+                          <a:latin typeface="Calibri" panose="020F0502020204030204" charset="0"/>
+                          <a:cs typeface="Calibri" panose="020F0502020204030204" charset="0"/>
+                        </a:rPr>
+                        <a:t>Coss(@Vds)</a:t>
+                      </a:r>
+                      <a:endParaRPr lang="en-US" sz="1200">
+                        <a:latin typeface="Calibri" panose="020F0502020204030204" charset="0"/>
+                        <a:cs typeface="Calibri" panose="020F0502020204030204" charset="0"/>
+                      </a:endParaRPr>
+                    </a:p>
+                  </a:txBody>
+                  <a:tcPr/>
+                </a:tc>
+                <a:tc>
+                  <a:txBody>
+                    <a:bodyPr/>
+                    <a:p>
+                      <a:pPr>
+                        <a:buNone/>
+                      </a:pPr>
+                      <a:endParaRPr lang="en-US" sz="1200">
+                        <a:latin typeface="Calibri" panose="020F0502020204030204" charset="0"/>
+                        <a:cs typeface="Calibri" panose="020F0502020204030204" charset="0"/>
+                      </a:endParaRPr>
+                    </a:p>
+                  </a:txBody>
+                  <a:tcPr/>
+                </a:tc>
+                <a:tc>
+                  <a:txBody>
+                    <a:bodyPr/>
+                    <a:p>
+                      <a:pPr>
+                        <a:buNone/>
+                      </a:pPr>
+                      <a:endParaRPr lang="en-US" sz="1200">
+                        <a:latin typeface="Calibri" panose="020F0502020204030204" charset="0"/>
+                        <a:cs typeface="Calibri" panose="020F0502020204030204" charset="0"/>
+                      </a:endParaRPr>
+                    </a:p>
+                  </a:txBody>
+                  <a:tcPr/>
+                </a:tc>
+                <a:tc>
+                  <a:txBody>
+                    <a:bodyPr/>
+                    <a:p>
+                      <a:pPr>
+                        <a:buNone/>
+                      </a:pPr>
+                      <a:endParaRPr lang="en-US" sz="1200">
+                        <a:latin typeface="Calibri" panose="020F0502020204030204" charset="0"/>
+                        <a:cs typeface="Calibri" panose="020F0502020204030204" charset="0"/>
+                      </a:endParaRPr>
+                    </a:p>
+                  </a:txBody>
+                  <a:tcPr/>
+                </a:tc>
+                <a:tc>
+                  <a:txBody>
+                    <a:bodyPr/>
+                    <a:p>
+                      <a:pPr>
+                        <a:buNone/>
+                      </a:pPr>
+                      <a:endParaRPr lang="en-US" sz="1200">
+                        <a:latin typeface="Calibri" panose="020F0502020204030204" charset="0"/>
+                        <a:cs typeface="Calibri" panose="020F0502020204030204" charset="0"/>
+                      </a:endParaRPr>
+                    </a:p>
+                  </a:txBody>
+                  <a:tcPr/>
+                </a:tc>
+                <a:tc>
+                  <a:txBody>
+                    <a:bodyPr/>
+                    <a:p>
+                      <a:pPr>
+                        <a:buNone/>
+                      </a:pPr>
+                      <a:r>
+                        <a:rPr lang="en-US" sz="1200">
+                          <a:latin typeface="Calibri" panose="020F0502020204030204" charset="0"/>
+                          <a:cs typeface="Calibri" panose="020F0502020204030204" charset="0"/>
+                        </a:rPr>
+                        <a:t>Coss(@Vds)</a:t>
+                      </a:r>
+                      <a:endParaRPr lang="en-US" sz="1200">
+                        <a:latin typeface="Calibri" panose="020F0502020204030204" charset="0"/>
+                        <a:cs typeface="Calibri" panose="020F0502020204030204" charset="0"/>
+                      </a:endParaRPr>
+                    </a:p>
+                  </a:txBody>
+                  <a:tcPr/>
+                </a:tc>
+              </a:tr>
+              <a:tr h="274320">
+                <a:tc>
+                  <a:txBody>
+                    <a:bodyPr/>
+                    <a:p>
+                      <a:pPr>
+                        <a:buNone/>
+                      </a:pPr>
+                      <a:r>
+                        <a:rPr lang="en-US" sz="1200">
+                          <a:latin typeface="Calibri" panose="020F0502020204030204" charset="0"/>
+                          <a:cs typeface="Calibri" panose="020F0502020204030204" charset="0"/>
+                        </a:rPr>
+                        <a:t>Isd (0A)</a:t>
+                      </a:r>
+                      <a:endParaRPr lang="en-US" sz="1200">
+                        <a:latin typeface="Calibri" panose="020F0502020204030204" charset="0"/>
+                        <a:cs typeface="Calibri" panose="020F0502020204030204" charset="0"/>
+                      </a:endParaRPr>
+                    </a:p>
+                  </a:txBody>
+                  <a:tcPr/>
+                </a:tc>
+                <a:tc>
+                  <a:txBody>
+                    <a:bodyPr/>
+                    <a:p>
+                      <a:pPr>
+                        <a:buNone/>
+                      </a:pPr>
+                      <a:endParaRPr lang="en-US" sz="1200">
+                        <a:latin typeface="Calibri" panose="020F0502020204030204" charset="0"/>
+                        <a:cs typeface="Calibri" panose="020F0502020204030204" charset="0"/>
+                      </a:endParaRPr>
+                    </a:p>
+                  </a:txBody>
+                  <a:tcPr/>
+                </a:tc>
+                <a:tc>
+                  <a:txBody>
+                    <a:bodyPr/>
+                    <a:p>
+                      <a:pPr>
+                        <a:buNone/>
+                      </a:pPr>
+                      <a:endParaRPr lang="en-US" sz="1200">
+                        <a:latin typeface="Calibri" panose="020F0502020204030204" charset="0"/>
+                        <a:cs typeface="Calibri" panose="020F0502020204030204" charset="0"/>
+                      </a:endParaRPr>
+                    </a:p>
+                  </a:txBody>
+                  <a:tcPr/>
+                </a:tc>
+                <a:tc>
+                  <a:txBody>
+                    <a:bodyPr/>
+                    <a:p>
+                      <a:pPr>
+                        <a:buNone/>
+                      </a:pPr>
+                      <a:endParaRPr lang="en-US" sz="1200">
+                        <a:latin typeface="Calibri" panose="020F0502020204030204" charset="0"/>
+                        <a:cs typeface="Calibri" panose="020F0502020204030204" charset="0"/>
+                      </a:endParaRPr>
+                    </a:p>
+                  </a:txBody>
+                  <a:tcPr/>
+                </a:tc>
+                <a:tc>
+                  <a:txBody>
+                    <a:bodyPr/>
+                    <a:p>
+                      <a:pPr>
+                        <a:buNone/>
+                      </a:pPr>
+                      <a:endParaRPr lang="en-US" sz="1200">
+                        <a:latin typeface="Calibri" panose="020F0502020204030204" charset="0"/>
+                        <a:cs typeface="Calibri" panose="020F0502020204030204" charset="0"/>
+                      </a:endParaRPr>
+                    </a:p>
+                  </a:txBody>
+                  <a:tcPr/>
+                </a:tc>
+                <a:tc>
+                  <a:txBody>
+                    <a:bodyPr/>
+                    <a:p>
+                      <a:pPr>
+                        <a:buNone/>
+                      </a:pPr>
+                      <a:r>
+                        <a:rPr lang="en-US" sz="1200">
+                          <a:latin typeface="Calibri" panose="020F0502020204030204" charset="0"/>
+                          <a:cs typeface="Calibri" panose="020F0502020204030204" charset="0"/>
+                        </a:rPr>
+                        <a:t>Isd (Irating)</a:t>
+                      </a:r>
+                      <a:endParaRPr lang="en-US" sz="1200">
+                        <a:latin typeface="Calibri" panose="020F0502020204030204" charset="0"/>
+                        <a:cs typeface="Calibri" panose="020F0502020204030204" charset="0"/>
+                      </a:endParaRPr>
+                    </a:p>
+                  </a:txBody>
+                  <a:tcPr/>
+                </a:tc>
+              </a:tr>
+              <a:tr h="274320">
+                <a:tc>
+                  <a:txBody>
+                    <a:bodyPr/>
+                    <a:p>
+                      <a:pPr>
+                        <a:buNone/>
+                      </a:pPr>
+                      <a:r>
+                        <a:rPr lang="en-US" sz="1200">
+                          <a:latin typeface="Calibri" panose="020F0502020204030204" charset="0"/>
+                          <a:cs typeface="Calibri" panose="020F0502020204030204" charset="0"/>
+                        </a:rPr>
+                        <a:t>Vsd(@Isd)</a:t>
+                      </a:r>
+                      <a:endParaRPr lang="en-US" sz="1200">
+                        <a:latin typeface="Calibri" panose="020F0502020204030204" charset="0"/>
+                        <a:cs typeface="Calibri" panose="020F0502020204030204" charset="0"/>
+                      </a:endParaRPr>
+                    </a:p>
+                  </a:txBody>
+                  <a:tcPr/>
+                </a:tc>
+                <a:tc>
+                  <a:txBody>
+                    <a:bodyPr/>
+                    <a:p>
+                      <a:pPr>
+                        <a:buNone/>
+                      </a:pPr>
+                      <a:endParaRPr lang="en-US" sz="1200">
+                        <a:latin typeface="Calibri" panose="020F0502020204030204" charset="0"/>
+                        <a:cs typeface="Calibri" panose="020F0502020204030204" charset="0"/>
+                      </a:endParaRPr>
+                    </a:p>
+                  </a:txBody>
+                  <a:tcPr/>
+                </a:tc>
+                <a:tc>
+                  <a:txBody>
+                    <a:bodyPr/>
+                    <a:p>
+                      <a:pPr>
+                        <a:buNone/>
+                      </a:pPr>
+                      <a:endParaRPr lang="en-US" sz="1200">
+                        <a:latin typeface="Calibri" panose="020F0502020204030204" charset="0"/>
+                        <a:cs typeface="Calibri" panose="020F0502020204030204" charset="0"/>
+                      </a:endParaRPr>
+                    </a:p>
+                  </a:txBody>
+                  <a:tcPr/>
+                </a:tc>
+                <a:tc>
+                  <a:txBody>
+                    <a:bodyPr/>
+                    <a:p>
+                      <a:pPr>
+                        <a:buNone/>
+                      </a:pPr>
+                      <a:endParaRPr lang="en-US" sz="1200">
+                        <a:latin typeface="Calibri" panose="020F0502020204030204" charset="0"/>
+                        <a:cs typeface="Calibri" panose="020F0502020204030204" charset="0"/>
+                      </a:endParaRPr>
+                    </a:p>
+                  </a:txBody>
+                  <a:tcPr/>
+                </a:tc>
+                <a:tc>
+                  <a:txBody>
+                    <a:bodyPr/>
+                    <a:p>
+                      <a:pPr>
+                        <a:buNone/>
+                      </a:pPr>
+                      <a:endParaRPr lang="en-US" sz="1200">
+                        <a:latin typeface="Calibri" panose="020F0502020204030204" charset="0"/>
+                        <a:cs typeface="Calibri" panose="020F0502020204030204" charset="0"/>
+                      </a:endParaRPr>
+                    </a:p>
+                  </a:txBody>
+                  <a:tcPr/>
+                </a:tc>
+                <a:tc>
+                  <a:txBody>
+                    <a:bodyPr/>
+                    <a:p>
+                      <a:pPr>
+                        <a:buNone/>
+                      </a:pPr>
+                      <a:r>
+                        <a:rPr lang="en-US" sz="1200">
+                          <a:latin typeface="Calibri" panose="020F0502020204030204" charset="0"/>
+                          <a:cs typeface="Calibri" panose="020F0502020204030204" charset="0"/>
+                          <a:sym typeface="+mn-ea"/>
+                        </a:rPr>
+                        <a:t>Vsd(@Isd)</a:t>
+                      </a:r>
+                      <a:endParaRPr lang="en-US" sz="1200">
+                        <a:latin typeface="Calibri" panose="020F0502020204030204" charset="0"/>
+                        <a:cs typeface="Calibri" panose="020F0502020204030204" charset="0"/>
+                        <a:sym typeface="+mn-ea"/>
+                      </a:endParaRPr>
+                    </a:p>
+                  </a:txBody>
+                  <a:tcPr/>
+                </a:tc>
+              </a:tr>
+              <a:tr h="274320">
+                <a:tc>
+                  <a:txBody>
+                    <a:bodyPr/>
+                    <a:p>
+                      <a:pPr>
+                        <a:buNone/>
+                      </a:pPr>
+                      <a:r>
+                        <a:rPr lang="en-US" sz="1200">
+                          <a:latin typeface="Calibri" panose="020F0502020204030204" charset="0"/>
+                          <a:cs typeface="Calibri" panose="020F0502020204030204" charset="0"/>
+                        </a:rPr>
+                        <a:t>Tj,min (⁰C)</a:t>
+                      </a:r>
+                      <a:endParaRPr lang="en-US" sz="1200">
+                        <a:latin typeface="Calibri" panose="020F0502020204030204" charset="0"/>
+                        <a:cs typeface="Calibri" panose="020F0502020204030204" charset="0"/>
+                      </a:endParaRPr>
+                    </a:p>
+                  </a:txBody>
+                  <a:tcPr/>
+                </a:tc>
+                <a:tc>
+                  <a:txBody>
+                    <a:bodyPr/>
+                    <a:p>
+                      <a:pPr>
+                        <a:buNone/>
+                      </a:pPr>
+                      <a:endParaRPr lang="en-US" sz="1200">
+                        <a:latin typeface="Calibri" panose="020F0502020204030204" charset="0"/>
+                        <a:cs typeface="Calibri" panose="020F0502020204030204" charset="0"/>
+                      </a:endParaRPr>
+                    </a:p>
+                  </a:txBody>
+                  <a:tcPr/>
+                </a:tc>
+                <a:tc>
+                  <a:txBody>
+                    <a:bodyPr/>
+                    <a:p>
+                      <a:pPr>
+                        <a:buNone/>
+                      </a:pPr>
+                      <a:endParaRPr lang="en-US" sz="1200">
+                        <a:latin typeface="Calibri" panose="020F0502020204030204" charset="0"/>
+                        <a:cs typeface="Calibri" panose="020F0502020204030204" charset="0"/>
+                      </a:endParaRPr>
+                    </a:p>
+                  </a:txBody>
+                  <a:tcPr/>
+                </a:tc>
+                <a:tc>
+                  <a:txBody>
+                    <a:bodyPr/>
+                    <a:p>
+                      <a:pPr>
+                        <a:buNone/>
+                      </a:pPr>
+                      <a:endParaRPr lang="en-US" sz="1200">
+                        <a:latin typeface="Calibri" panose="020F0502020204030204" charset="0"/>
+                        <a:cs typeface="Calibri" panose="020F0502020204030204" charset="0"/>
+                      </a:endParaRPr>
+                    </a:p>
+                  </a:txBody>
+                  <a:tcPr/>
+                </a:tc>
+                <a:tc>
+                  <a:txBody>
+                    <a:bodyPr/>
+                    <a:p>
+                      <a:pPr>
+                        <a:buNone/>
+                      </a:pPr>
+                      <a:endParaRPr lang="en-US" sz="1200">
+                        <a:latin typeface="Calibri" panose="020F0502020204030204" charset="0"/>
+                        <a:cs typeface="Calibri" panose="020F0502020204030204" charset="0"/>
+                      </a:endParaRPr>
+                    </a:p>
+                  </a:txBody>
+                  <a:tcPr/>
+                </a:tc>
+                <a:tc>
+                  <a:txBody>
+                    <a:bodyPr/>
+                    <a:p>
+                      <a:pPr>
+                        <a:buNone/>
+                      </a:pPr>
+                      <a:r>
+                        <a:rPr lang="en-US" sz="1200">
+                          <a:latin typeface="Calibri" panose="020F0502020204030204" charset="0"/>
+                          <a:cs typeface="Calibri" panose="020F0502020204030204" charset="0"/>
+                        </a:rPr>
+                        <a:t>Tj,min (⁰C)</a:t>
+                      </a:r>
+                      <a:endParaRPr lang="en-US" sz="1200">
+                        <a:latin typeface="Calibri" panose="020F0502020204030204" charset="0"/>
+                        <a:cs typeface="Calibri" panose="020F0502020204030204" charset="0"/>
+                      </a:endParaRPr>
+                    </a:p>
+                  </a:txBody>
+                  <a:tcPr/>
+                </a:tc>
+              </a:tr>
+              <a:tr h="274320">
+                <a:tc>
+                  <a:txBody>
+                    <a:bodyPr/>
+                    <a:p>
+                      <a:pPr>
+                        <a:buNone/>
+                      </a:pPr>
+                      <a:r>
+                        <a:rPr lang="en-US" sz="1200">
+                          <a:latin typeface="Calibri" panose="020F0502020204030204" charset="0"/>
+                          <a:cs typeface="Calibri" panose="020F0502020204030204" charset="0"/>
+                        </a:rPr>
+                        <a:t>Rds_factor</a:t>
+                      </a:r>
+                      <a:endParaRPr lang="en-US" sz="1200">
+                        <a:latin typeface="Calibri" panose="020F0502020204030204" charset="0"/>
+                        <a:cs typeface="Calibri" panose="020F0502020204030204" charset="0"/>
+                      </a:endParaRPr>
+                    </a:p>
+                  </a:txBody>
+                  <a:tcPr/>
+                </a:tc>
+                <a:tc>
+                  <a:txBody>
+                    <a:bodyPr/>
+                    <a:p>
+                      <a:pPr>
+                        <a:buNone/>
+                      </a:pPr>
+                      <a:endParaRPr lang="en-US" sz="1200">
+                        <a:latin typeface="Calibri" panose="020F0502020204030204" charset="0"/>
+                        <a:cs typeface="Calibri" panose="020F0502020204030204" charset="0"/>
+                      </a:endParaRPr>
+                    </a:p>
+                  </a:txBody>
+                  <a:tcPr/>
+                </a:tc>
+                <a:tc>
+                  <a:txBody>
+                    <a:bodyPr/>
+                    <a:p>
+                      <a:pPr>
+                        <a:buNone/>
+                      </a:pPr>
+                      <a:endParaRPr lang="en-US" sz="1200">
+                        <a:latin typeface="Calibri" panose="020F0502020204030204" charset="0"/>
+                        <a:cs typeface="Calibri" panose="020F0502020204030204" charset="0"/>
+                      </a:endParaRPr>
+                    </a:p>
+                  </a:txBody>
+                  <a:tcPr/>
+                </a:tc>
+                <a:tc>
+                  <a:txBody>
+                    <a:bodyPr/>
+                    <a:p>
+                      <a:pPr>
+                        <a:buNone/>
+                      </a:pPr>
+                      <a:endParaRPr lang="en-US" sz="1200">
+                        <a:latin typeface="Calibri" panose="020F0502020204030204" charset="0"/>
+                        <a:cs typeface="Calibri" panose="020F0502020204030204" charset="0"/>
+                      </a:endParaRPr>
+                    </a:p>
+                  </a:txBody>
+                  <a:tcPr/>
+                </a:tc>
+                <a:tc>
+                  <a:txBody>
+                    <a:bodyPr/>
+                    <a:p>
+                      <a:pPr>
+                        <a:buNone/>
+                      </a:pPr>
+                      <a:endParaRPr lang="en-US" sz="1200">
+                        <a:latin typeface="Calibri" panose="020F0502020204030204" charset="0"/>
+                        <a:cs typeface="Calibri" panose="020F0502020204030204" charset="0"/>
+                      </a:endParaRPr>
+                    </a:p>
+                  </a:txBody>
+                  <a:tcPr/>
+                </a:tc>
+                <a:tc>
+                  <a:txBody>
+                    <a:bodyPr/>
+                    <a:p>
+                      <a:pPr>
+                        <a:buNone/>
+                      </a:pPr>
+                      <a:r>
+                        <a:rPr lang="en-US" sz="1200">
+                          <a:latin typeface="Calibri" panose="020F0502020204030204" charset="0"/>
+                          <a:cs typeface="Calibri" panose="020F0502020204030204" charset="0"/>
+                        </a:rPr>
+                        <a:t>Rds_factor</a:t>
+                      </a:r>
+                      <a:endParaRPr lang="en-US" sz="1200">
+                        <a:latin typeface="Calibri" panose="020F0502020204030204" charset="0"/>
+                        <a:cs typeface="Calibri" panose="020F0502020204030204" charset="0"/>
+                      </a:endParaRPr>
+                    </a:p>
+                  </a:txBody>
+                  <a:tcPr/>
+                </a:tc>
+              </a:tr>
+            </a:tbl>
+          </a:graphicData>
+        </a:graphic>
+      </p:graphicFrame>
+      <p:sp>
+        <p:nvSpPr>
+          <p:cNvPr id="26" name="Text Box 25"/>
           <p:cNvSpPr txBox="1"/>
           <p:nvPr/>
         </p:nvSpPr>
         <p:spPr>
           <a:xfrm>
-            <a:off x="817245" y="1066800"/>
-            <a:ext cx="10527030" cy="2861310"/>
+            <a:off x="6968490" y="3428365"/>
+            <a:ext cx="4839970" cy="3138170"/>
           </a:xfrm>
           <a:prstGeom prst="rect">
             <a:avLst/>
@@ -5900,180 +7000,122 @@
             <a:spAutoFit/>
           </a:bodyPr>
           <a:p>
-            <a:pPr marL="305435" indent="-305435">
+            <a:pPr marL="285750" indent="-285750">
               <a:buFont typeface="Arial" panose="020B0604020202020204" pitchFamily="34" charset="0"/>
               <a:buChar char="•"/>
             </a:pPr>
             <a:r>
               <a:rPr lang="en-US"/>
-              <a:t>An alternative method of transient loss estimation has been developed to be used in Qspice.</a:t>
+              <a:t>The table size must be strictly 7x6 and written with the exact format.</a:t>
             </a:r>
             <a:endParaRPr lang="en-US"/>
           </a:p>
           <a:p>
-            <a:pPr marL="305435" indent="-305435">
+            <a:pPr marL="285750" indent="-285750">
               <a:buFont typeface="Arial" panose="020B0604020202020204" pitchFamily="34" charset="0"/>
               <a:buChar char="•"/>
             </a:pPr>
             <a:r>
-              <a:rPr lang="en-US" altLang="en-US"/>
-              <a:t>The presented method has a number of simplification layers, with the rationale of the approach explained. Note: some reasoning maybe technical, some maybe practical.</a:t>
-            </a:r>
-            <a:endParaRPr lang="en-US" altLang="en-US"/>
-          </a:p>
-          <a:p>
-            <a:pPr marL="305435" indent="-305435">
+              <a:rPr lang="en-US"/>
+              <a:t>Between one collumn to the next, the data is separated by using tab (tab delimited data).</a:t>
+            </a:r>
+            <a:endParaRPr lang="en-US"/>
+          </a:p>
+          <a:p>
+            <a:pPr marL="285750" indent="-285750">
               <a:buFont typeface="Arial" panose="020B0604020202020204" pitchFamily="34" charset="0"/>
               <a:buChar char="•"/>
             </a:pPr>
             <a:r>
-              <a:rPr lang="en-US" altLang="en-US"/>
-              <a:t>Simulation result accuracy for the SR-boost test circuit after some comparison with Wolfspeed’s speedfit appears to be quite reasonable (I cant find Infineon’s losses simulator). This result allows me to then use the method to evaluate losses for more complex circuit (e.g. Three phase Active NPC).</a:t>
-            </a:r>
-            <a:endParaRPr lang="en-US" altLang="en-US"/>
-          </a:p>
-          <a:p>
-            <a:pPr marL="305435" indent="-305435">
-              <a:buFont typeface="Arial" panose="020B0604020202020204" pitchFamily="34" charset="0"/>
-              <a:buChar char="•"/>
-            </a:pPr>
-            <a:r>
-              <a:rPr lang="en-US" altLang="en-US"/>
-              <a:t>Overall, this tool I believe is a very powerful tool for every power supply engineer.</a:t>
-            </a:r>
-            <a:endParaRPr lang="en-US" altLang="en-US"/>
-          </a:p>
-          <a:p>
-            <a:pPr marL="305435" indent="-305435">
-              <a:buFont typeface="Arial" panose="020B0604020202020204" pitchFamily="34" charset="0"/>
-              <a:buChar char="•"/>
-            </a:pPr>
-            <a:endParaRPr lang="en-US" altLang="en-US"/>
-          </a:p>
-          <a:p>
-            <a:pPr marL="305435" indent="-305435">
-              <a:buFont typeface="Arial" panose="020B0604020202020204" pitchFamily="34" charset="0"/>
-              <a:buChar char="•"/>
-            </a:pPr>
-            <a:endParaRPr lang="en-US" altLang="en-US"/>
-          </a:p>
-          <a:p>
-            <a:pPr indent="0">
-              <a:buFont typeface="Arial" panose="020B0604020202020204" pitchFamily="34" charset="0"/>
-              <a:buNone/>
-            </a:pPr>
-            <a:r>
-              <a:rPr lang="en-US" altLang="en-US"/>
-              <a:t>Next? for IGBT?</a:t>
-            </a:r>
-            <a:endParaRPr lang="en-US" altLang="en-US"/>
-          </a:p>
-        </p:txBody>
-      </p:sp>
-      <p:sp>
-        <p:nvSpPr>
-          <p:cNvPr id="2" name="Text Box 1"/>
-          <p:cNvSpPr txBox="1"/>
+              <a:rPr lang="en-US"/>
+              <a:t>The losses Eoss and body diode are calculated by taking linear interpolation from the losses table. </a:t>
+            </a:r>
+            <a:r>
+              <a:rPr lang="en-US" b="1"/>
+              <a:t>The data table dont need to be equally spaced</a:t>
+            </a:r>
+            <a:r>
+              <a:rPr lang="en-US"/>
+              <a:t>. If the Vds or Id is greater than the highest value in the datasheet, the Eoss and Vsd are assumed to be equal to the maximum value on the table.</a:t>
+            </a:r>
+            <a:endParaRPr lang="en-US"/>
+          </a:p>
+        </p:txBody>
+      </p:sp>
+      <p:pic>
+        <p:nvPicPr>
+          <p:cNvPr id="10" name="Picture 9"/>
+          <p:cNvPicPr>
+            <a:picLocks noChangeAspect="1"/>
+          </p:cNvPicPr>
           <p:nvPr/>
-        </p:nvSpPr>
-        <p:spPr>
-          <a:xfrm>
-            <a:off x="817245" y="4824095"/>
-            <a:ext cx="10535920" cy="1198880"/>
+        </p:nvPicPr>
+        <p:blipFill>
+          <a:blip r:embed="rId2"/>
+          <a:stretch>
+            <a:fillRect/>
+          </a:stretch>
+        </p:blipFill>
+        <p:spPr>
+          <a:xfrm>
+            <a:off x="880745" y="3192145"/>
+            <a:ext cx="5792470" cy="2911475"/>
           </a:xfrm>
           <a:prstGeom prst="rect">
             <a:avLst/>
           </a:prstGeom>
-          <a:noFill/>
-        </p:spPr>
-        <p:txBody>
-          <a:bodyPr wrap="square" rtlCol="0" anchor="t">
-            <a:spAutoFit/>
+        </p:spPr>
+      </p:pic>
+    </p:spTree>
+  </p:cSld>
+  <p:clrMapOvr>
+    <a:masterClrMapping/>
+  </p:clrMapOvr>
+</p:sld>
+</file>
+
+<file path=ppt/slides/slide15.xml><?xml version="1.0" encoding="utf-8"?>
+<p:sld xmlns:a="http://schemas.openxmlformats.org/drawingml/2006/main" xmlns:r="http://schemas.openxmlformats.org/officeDocument/2006/relationships" xmlns:p="http://schemas.openxmlformats.org/presentationml/2006/main">
+  <p:cSld>
+    <p:spTree>
+      <p:nvGrpSpPr>
+        <p:cNvPr id="1" name=""/>
+        <p:cNvGrpSpPr/>
+        <p:nvPr/>
+      </p:nvGrpSpPr>
+      <p:grpSpPr>
+        <a:xfrm>
+          <a:off x="0" y="0"/>
+          <a:ext cx="0" cy="0"/>
+          <a:chOff x="0" y="0"/>
+          <a:chExt cx="0" cy="0"/>
+        </a:xfrm>
+      </p:grpSpPr>
+      <p:sp>
+        <p:nvSpPr>
+          <p:cNvPr id="5" name="Title 4"/>
+          <p:cNvSpPr>
+            <a:spLocks noGrp="1"/>
+          </p:cNvSpPr>
+          <p:nvPr>
+            <p:ph type="title"/>
+          </p:nvPr>
+        </p:nvSpPr>
+        <p:spPr>
+          <a:xfrm>
+            <a:off x="838200" y="365125"/>
+            <a:ext cx="10515600" cy="619613"/>
+          </a:xfrm>
+        </p:spPr>
+        <p:txBody>
+          <a:bodyPr>
+            <a:normAutofit fontScale="90000"/>
           </a:bodyPr>
-          <a:p>
-            <a:pPr marL="305435" indent="-305435"/>
-            <a:r>
-              <a:rPr lang="en-US">
-                <a:sym typeface="+mn-ea"/>
-              </a:rPr>
-              <a:t>[1] Infineon </a:t>
-            </a:r>
-            <a:r>
-              <a:rPr lang="en-US" altLang="en-US">
-                <a:sym typeface="+mn-ea"/>
-              </a:rPr>
-              <a:t>IMZA75R040M1H - Datasheet</a:t>
-            </a:r>
-            <a:endParaRPr lang="en-US" altLang="en-US"/>
-          </a:p>
-          <a:p>
-            <a:pPr marL="305435" indent="-305435"/>
-            <a:r>
-              <a:rPr lang="en-US" altLang="en-US">
-                <a:sym typeface="+mn-ea"/>
-              </a:rPr>
-              <a:t>[2] Infineon IMW120R040M1H - Datasheet</a:t>
-            </a:r>
-            <a:endParaRPr lang="en-US" altLang="en-US"/>
-          </a:p>
-          <a:p>
-            <a:pPr marL="305435" indent="-305435"/>
-            <a:r>
-              <a:rPr lang="en-US" altLang="en-US">
-                <a:sym typeface="+mn-ea"/>
-              </a:rPr>
-              <a:t>[3] Estimating SiC MOSFET switching losses in applications https://community.infineon.com/t5/Knowledge-Base-Articles/Estimating-SiC-MOSFET-switching-losses-in-applications/ta-p/709113</a:t>
-            </a:r>
-            <a:endParaRPr lang="en-US" altLang="en-US">
-              <a:sym typeface="+mn-ea"/>
-            </a:endParaRPr>
-          </a:p>
-        </p:txBody>
-      </p:sp>
-      <p:sp>
-        <p:nvSpPr>
-          <p:cNvPr id="10" name="Title 4"/>
-          <p:cNvSpPr>
-            <a:spLocks noGrp="1"/>
-          </p:cNvSpPr>
-          <p:nvPr/>
-        </p:nvSpPr>
-        <p:spPr>
-          <a:xfrm>
-            <a:off x="828675" y="4232275"/>
-            <a:ext cx="10515600" cy="619613"/>
-          </a:xfrm>
-          <a:prstGeom prst="rect">
-            <a:avLst/>
-          </a:prstGeom>
-        </p:spPr>
-        <p:txBody>
-          <a:bodyPr vert="horz" lIns="91440" tIns="45720" rIns="91440" bIns="45720" rtlCol="0" anchor="ctr">
-            <a:normAutofit fontScale="70000"/>
-          </a:bodyPr>
-          <a:lstStyle>
-            <a:lvl1pPr algn="l" defTabSz="914400" rtl="0" eaLnBrk="1" latinLnBrk="0" hangingPunct="1">
-              <a:lnSpc>
-                <a:spcPct val="90000"/>
-              </a:lnSpc>
-              <a:spcBef>
-                <a:spcPct val="0"/>
-              </a:spcBef>
-              <a:buNone/>
-              <a:defRPr sz="4400" kern="1200">
-                <a:solidFill>
-                  <a:schemeClr val="tx1"/>
-                </a:solidFill>
-                <a:latin typeface="+mj-lt"/>
-                <a:ea typeface="+mj-ea"/>
-                <a:cs typeface="+mj-cs"/>
-              </a:defRPr>
-            </a:lvl1pPr>
-          </a:lstStyle>
+          <a:lstStyle/>
           <a:p>
             <a:r>
               <a:rPr lang="en-US" dirty="0"/>
-              <a:t>References</a:t>
+              <a:t>Simulation test result (for Rev.0)</a:t>
             </a:r>
             <a:endParaRPr lang="en-US" dirty="0"/>
           </a:p>
@@ -6081,13 +7123,13 @@
       </p:sp>
       <p:cxnSp>
         <p:nvCxnSpPr>
-          <p:cNvPr id="11" name="Straight Connector 10"/>
+          <p:cNvPr id="8" name="Straight Connector 7"/>
           <p:cNvCxnSpPr/>
           <p:nvPr/>
         </p:nvCxnSpPr>
         <p:spPr>
           <a:xfrm>
-            <a:off x="816949" y="4807928"/>
+            <a:off x="826474" y="940778"/>
             <a:ext cx="10527326" cy="0"/>
           </a:xfrm>
           <a:prstGeom prst="line">
@@ -6112,13 +7154,13 @@
       </p:cxnSp>
       <p:cxnSp>
         <p:nvCxnSpPr>
-          <p:cNvPr id="12" name="Straight Connector 11"/>
+          <p:cNvPr id="9" name="Straight Connector 8"/>
           <p:cNvCxnSpPr/>
           <p:nvPr/>
         </p:nvCxnSpPr>
         <p:spPr>
           <a:xfrm>
-            <a:off x="816949" y="4235207"/>
+            <a:off x="826474" y="368057"/>
             <a:ext cx="10527326" cy="0"/>
           </a:xfrm>
           <a:prstGeom prst="line">
@@ -6141,6 +7183,751 @@
           </a:fontRef>
         </p:style>
       </p:cxnSp>
+      <p:sp>
+        <p:nvSpPr>
+          <p:cNvPr id="7" name="Footer Placeholder 6"/>
+          <p:cNvSpPr>
+            <a:spLocks noGrp="1"/>
+          </p:cNvSpPr>
+          <p:nvPr>
+            <p:ph type="ftr" sz="quarter" idx="11"/>
+          </p:nvPr>
+        </p:nvSpPr>
+        <p:spPr/>
+        <p:txBody>
+          <a:bodyPr/>
+          <a:lstStyle/>
+          <a:p>
+            <a:r>
+              <a:rPr lang="en-US"/>
+              <a:t>By Arief Noor Rahman </a:t>
+            </a:r>
+            <a:r>
+              <a:rPr lang="en-US">
+                <a:latin typeface="SimSun" panose="02010600030101010101" pitchFamily="2" charset="-122"/>
+                <a:ea typeface="SimSun" panose="02010600030101010101" pitchFamily="2" charset="-122"/>
+              </a:rPr>
+              <a:t>－</a:t>
+            </a:r>
+            <a:r>
+              <a:rPr lang="en-US">
+                <a:sym typeface="+mn-ea"/>
+              </a:rPr>
+              <a:t>Power Control Design</a:t>
+            </a:r>
+            <a:endParaRPr lang="en-US">
+              <a:latin typeface="SimSun" panose="02010600030101010101" pitchFamily="2" charset="-122"/>
+              <a:ea typeface="SimSun" panose="02010600030101010101" pitchFamily="2" charset="-122"/>
+            </a:endParaRPr>
+          </a:p>
+        </p:txBody>
+      </p:sp>
+      <p:sp>
+        <p:nvSpPr>
+          <p:cNvPr id="3" name="Slide Number Placeholder 2"/>
+          <p:cNvSpPr>
+            <a:spLocks noGrp="1"/>
+          </p:cNvSpPr>
+          <p:nvPr>
+            <p:ph type="sldNum" sz="quarter" idx="12"/>
+          </p:nvPr>
+        </p:nvSpPr>
+        <p:spPr/>
+        <p:txBody>
+          <a:bodyPr/>
+          <a:lstStyle/>
+          <a:p>
+            <a:fld id="{9B618960-8005-486C-9A75-10CB2AAC16F9}" type="slidenum">
+              <a:rPr lang="en-US" smtClean="0"/>
+            </a:fld>
+            <a:endParaRPr lang="en-US"/>
+          </a:p>
+        </p:txBody>
+      </p:sp>
+      <p:pic>
+        <p:nvPicPr>
+          <p:cNvPr id="4" name="Picture 3" descr="logo_detail"/>
+          <p:cNvPicPr>
+            <a:picLocks noChangeAspect="1"/>
+          </p:cNvPicPr>
+          <p:nvPr/>
+        </p:nvPicPr>
+        <p:blipFill>
+          <a:blip r:embed="rId1"/>
+          <a:stretch>
+            <a:fillRect/>
+          </a:stretch>
+        </p:blipFill>
+        <p:spPr>
+          <a:xfrm>
+            <a:off x="120650" y="6024880"/>
+            <a:ext cx="696595" cy="696595"/>
+          </a:xfrm>
+          <a:prstGeom prst="rect">
+            <a:avLst/>
+          </a:prstGeom>
+        </p:spPr>
+      </p:pic>
+      <p:pic>
+        <p:nvPicPr>
+          <p:cNvPr id="16" name="Picture 15"/>
+          <p:cNvPicPr>
+            <a:picLocks noChangeAspect="1"/>
+          </p:cNvPicPr>
+          <p:nvPr/>
+        </p:nvPicPr>
+        <p:blipFill>
+          <a:blip r:embed="rId2"/>
+          <a:stretch>
+            <a:fillRect/>
+          </a:stretch>
+        </p:blipFill>
+        <p:spPr>
+          <a:xfrm>
+            <a:off x="1007110" y="2261870"/>
+            <a:ext cx="4911090" cy="3977640"/>
+          </a:xfrm>
+          <a:prstGeom prst="rect">
+            <a:avLst/>
+          </a:prstGeom>
+        </p:spPr>
+      </p:pic>
+      <p:pic>
+        <p:nvPicPr>
+          <p:cNvPr id="18" name="Picture 17"/>
+          <p:cNvPicPr>
+            <a:picLocks noChangeAspect="1"/>
+          </p:cNvPicPr>
+          <p:nvPr/>
+        </p:nvPicPr>
+        <p:blipFill>
+          <a:blip r:embed="rId3"/>
+          <a:stretch>
+            <a:fillRect/>
+          </a:stretch>
+        </p:blipFill>
+        <p:spPr>
+          <a:xfrm>
+            <a:off x="6972300" y="1097915"/>
+            <a:ext cx="4381500" cy="5258435"/>
+          </a:xfrm>
+          <a:prstGeom prst="rect">
+            <a:avLst/>
+          </a:prstGeom>
+        </p:spPr>
+      </p:pic>
+      <p:sp>
+        <p:nvSpPr>
+          <p:cNvPr id="2" name="Text Box 1"/>
+          <p:cNvSpPr txBox="1"/>
+          <p:nvPr/>
+        </p:nvSpPr>
+        <p:spPr>
+          <a:xfrm>
+            <a:off x="1007110" y="1140460"/>
+            <a:ext cx="5269230" cy="922020"/>
+          </a:xfrm>
+          <a:prstGeom prst="rect">
+            <a:avLst/>
+          </a:prstGeom>
+          <a:noFill/>
+        </p:spPr>
+        <p:txBody>
+          <a:bodyPr wrap="square" rtlCol="0">
+            <a:spAutoFit/>
+          </a:bodyPr>
+          <a:p>
+            <a:r>
+              <a:rPr lang="en-US"/>
+              <a:t>To use the losses estimation tool, user will need to connect the block to DUT switch and measure all Vgs signal, Vds signal, and drain current as following figure.</a:t>
+            </a:r>
+            <a:endParaRPr lang="en-US"/>
+          </a:p>
+        </p:txBody>
+      </p:sp>
+    </p:spTree>
+  </p:cSld>
+  <p:clrMapOvr>
+    <a:masterClrMapping/>
+  </p:clrMapOvr>
+</p:sld>
+</file>
+
+<file path=ppt/slides/slide16.xml><?xml version="1.0" encoding="utf-8"?>
+<p:sld xmlns:a="http://schemas.openxmlformats.org/drawingml/2006/main" xmlns:r="http://schemas.openxmlformats.org/officeDocument/2006/relationships" xmlns:p="http://schemas.openxmlformats.org/presentationml/2006/main">
+  <p:cSld>
+    <p:spTree>
+      <p:nvGrpSpPr>
+        <p:cNvPr id="1" name=""/>
+        <p:cNvGrpSpPr/>
+        <p:nvPr/>
+      </p:nvGrpSpPr>
+      <p:grpSpPr>
+        <a:xfrm>
+          <a:off x="0" y="0"/>
+          <a:ext cx="0" cy="0"/>
+          <a:chOff x="0" y="0"/>
+          <a:chExt cx="0" cy="0"/>
+        </a:xfrm>
+      </p:grpSpPr>
+      <p:sp>
+        <p:nvSpPr>
+          <p:cNvPr id="5" name="Title 4"/>
+          <p:cNvSpPr>
+            <a:spLocks noGrp="1"/>
+          </p:cNvSpPr>
+          <p:nvPr>
+            <p:ph type="title"/>
+          </p:nvPr>
+        </p:nvSpPr>
+        <p:spPr>
+          <a:xfrm>
+            <a:off x="838200" y="365125"/>
+            <a:ext cx="10515600" cy="619613"/>
+          </a:xfrm>
+        </p:spPr>
+        <p:txBody>
+          <a:bodyPr>
+            <a:normAutofit fontScale="90000"/>
+          </a:bodyPr>
+          <a:lstStyle/>
+          <a:p>
+            <a:r>
+              <a:rPr lang="en-US" dirty="0"/>
+              <a:t>Simulation test result (for Rev.1)</a:t>
+            </a:r>
+            <a:endParaRPr lang="en-US" dirty="0"/>
+          </a:p>
+        </p:txBody>
+      </p:sp>
+      <p:cxnSp>
+        <p:nvCxnSpPr>
+          <p:cNvPr id="8" name="Straight Connector 7"/>
+          <p:cNvCxnSpPr/>
+          <p:nvPr/>
+        </p:nvCxnSpPr>
+        <p:spPr>
+          <a:xfrm>
+            <a:off x="826474" y="940778"/>
+            <a:ext cx="10527326" cy="0"/>
+          </a:xfrm>
+          <a:prstGeom prst="line">
+            <a:avLst/>
+          </a:prstGeom>
+          <a:ln w="28575"/>
+        </p:spPr>
+        <p:style>
+          <a:lnRef idx="1">
+            <a:schemeClr val="accent1"/>
+          </a:lnRef>
+          <a:fillRef idx="0">
+            <a:schemeClr val="accent1"/>
+          </a:fillRef>
+          <a:effectRef idx="0">
+            <a:schemeClr val="accent1"/>
+          </a:effectRef>
+          <a:fontRef idx="minor">
+            <a:schemeClr val="tx1"/>
+          </a:fontRef>
+        </p:style>
+      </p:cxnSp>
+      <p:cxnSp>
+        <p:nvCxnSpPr>
+          <p:cNvPr id="9" name="Straight Connector 8"/>
+          <p:cNvCxnSpPr/>
+          <p:nvPr/>
+        </p:nvCxnSpPr>
+        <p:spPr>
+          <a:xfrm>
+            <a:off x="826474" y="368057"/>
+            <a:ext cx="10527326" cy="0"/>
+          </a:xfrm>
+          <a:prstGeom prst="line">
+            <a:avLst/>
+          </a:prstGeom>
+          <a:ln w="28575"/>
+        </p:spPr>
+        <p:style>
+          <a:lnRef idx="1">
+            <a:schemeClr val="accent1"/>
+          </a:lnRef>
+          <a:fillRef idx="0">
+            <a:schemeClr val="accent1"/>
+          </a:fillRef>
+          <a:effectRef idx="0">
+            <a:schemeClr val="accent1"/>
+          </a:effectRef>
+          <a:fontRef idx="minor">
+            <a:schemeClr val="tx1"/>
+          </a:fontRef>
+        </p:style>
+      </p:cxnSp>
+      <p:sp>
+        <p:nvSpPr>
+          <p:cNvPr id="7" name="Footer Placeholder 6"/>
+          <p:cNvSpPr>
+            <a:spLocks noGrp="1"/>
+          </p:cNvSpPr>
+          <p:nvPr>
+            <p:ph type="ftr" sz="quarter" idx="11"/>
+          </p:nvPr>
+        </p:nvSpPr>
+        <p:spPr/>
+        <p:txBody>
+          <a:bodyPr/>
+          <a:lstStyle/>
+          <a:p>
+            <a:r>
+              <a:rPr lang="en-US"/>
+              <a:t>By Arief Noor Rahman </a:t>
+            </a:r>
+            <a:r>
+              <a:rPr lang="en-US">
+                <a:latin typeface="SimSun" panose="02010600030101010101" pitchFamily="2" charset="-122"/>
+                <a:ea typeface="SimSun" panose="02010600030101010101" pitchFamily="2" charset="-122"/>
+              </a:rPr>
+              <a:t>－</a:t>
+            </a:r>
+            <a:r>
+              <a:rPr lang="en-US">
+                <a:sym typeface="+mn-ea"/>
+              </a:rPr>
+              <a:t>Power Control Design</a:t>
+            </a:r>
+            <a:endParaRPr lang="en-US">
+              <a:latin typeface="SimSun" panose="02010600030101010101" pitchFamily="2" charset="-122"/>
+              <a:ea typeface="SimSun" panose="02010600030101010101" pitchFamily="2" charset="-122"/>
+            </a:endParaRPr>
+          </a:p>
+        </p:txBody>
+      </p:sp>
+      <p:sp>
+        <p:nvSpPr>
+          <p:cNvPr id="3" name="Slide Number Placeholder 2"/>
+          <p:cNvSpPr>
+            <a:spLocks noGrp="1"/>
+          </p:cNvSpPr>
+          <p:nvPr>
+            <p:ph type="sldNum" sz="quarter" idx="12"/>
+          </p:nvPr>
+        </p:nvSpPr>
+        <p:spPr/>
+        <p:txBody>
+          <a:bodyPr/>
+          <a:lstStyle/>
+          <a:p>
+            <a:fld id="{9B618960-8005-486C-9A75-10CB2AAC16F9}" type="slidenum">
+              <a:rPr lang="en-US" smtClean="0"/>
+            </a:fld>
+            <a:endParaRPr lang="en-US"/>
+          </a:p>
+        </p:txBody>
+      </p:sp>
+      <p:pic>
+        <p:nvPicPr>
+          <p:cNvPr id="4" name="Picture 3" descr="logo_detail"/>
+          <p:cNvPicPr>
+            <a:picLocks noChangeAspect="1"/>
+          </p:cNvPicPr>
+          <p:nvPr/>
+        </p:nvPicPr>
+        <p:blipFill>
+          <a:blip r:embed="rId1"/>
+          <a:stretch>
+            <a:fillRect/>
+          </a:stretch>
+        </p:blipFill>
+        <p:spPr>
+          <a:xfrm>
+            <a:off x="120650" y="6024880"/>
+            <a:ext cx="696595" cy="696595"/>
+          </a:xfrm>
+          <a:prstGeom prst="rect">
+            <a:avLst/>
+          </a:prstGeom>
+        </p:spPr>
+      </p:pic>
+      <p:pic>
+        <p:nvPicPr>
+          <p:cNvPr id="10" name="Picture 9"/>
+          <p:cNvPicPr>
+            <a:picLocks noChangeAspect="1"/>
+          </p:cNvPicPr>
+          <p:nvPr/>
+        </p:nvPicPr>
+        <p:blipFill>
+          <a:blip r:embed="rId2"/>
+          <a:stretch>
+            <a:fillRect/>
+          </a:stretch>
+        </p:blipFill>
+        <p:spPr>
+          <a:xfrm>
+            <a:off x="1007110" y="2482215"/>
+            <a:ext cx="5144135" cy="3854450"/>
+          </a:xfrm>
+          <a:prstGeom prst="rect">
+            <a:avLst/>
+          </a:prstGeom>
+        </p:spPr>
+      </p:pic>
+      <p:sp>
+        <p:nvSpPr>
+          <p:cNvPr id="6" name="Text Box 5"/>
+          <p:cNvSpPr txBox="1"/>
+          <p:nvPr/>
+        </p:nvSpPr>
+        <p:spPr>
+          <a:xfrm>
+            <a:off x="1007110" y="1140460"/>
+            <a:ext cx="5269230" cy="1322070"/>
+          </a:xfrm>
+          <a:prstGeom prst="rect">
+            <a:avLst/>
+          </a:prstGeom>
+          <a:noFill/>
+        </p:spPr>
+        <p:txBody>
+          <a:bodyPr wrap="square" rtlCol="0">
+            <a:spAutoFit/>
+          </a:bodyPr>
+          <a:p>
+            <a:r>
+              <a:rPr lang="en-US" sz="1600"/>
+              <a:t>User can now directly set the losses analysis at a certain temperature to improve the model accuracy. Furthermore, if you feel need more challenge, you can easily create the thermal circuit model and loop back the Tj estimate into the losses analyzer block.</a:t>
+            </a:r>
+            <a:endParaRPr lang="en-US" sz="1600"/>
+          </a:p>
+        </p:txBody>
+      </p:sp>
+      <p:pic>
+        <p:nvPicPr>
+          <p:cNvPr id="11" name="Picture 10"/>
+          <p:cNvPicPr>
+            <a:picLocks noChangeAspect="1"/>
+          </p:cNvPicPr>
+          <p:nvPr/>
+        </p:nvPicPr>
+        <p:blipFill>
+          <a:blip r:embed="rId3"/>
+          <a:stretch>
+            <a:fillRect/>
+          </a:stretch>
+        </p:blipFill>
+        <p:spPr>
+          <a:xfrm>
+            <a:off x="6769100" y="1033780"/>
+            <a:ext cx="4463415" cy="5356860"/>
+          </a:xfrm>
+          <a:prstGeom prst="rect">
+            <a:avLst/>
+          </a:prstGeom>
+        </p:spPr>
+      </p:pic>
+    </p:spTree>
+  </p:cSld>
+  <p:clrMapOvr>
+    <a:masterClrMapping/>
+  </p:clrMapOvr>
+</p:sld>
+</file>
+
+<file path=ppt/slides/slide17.xml><?xml version="1.0" encoding="utf-8"?>
+<p:sld xmlns:a="http://schemas.openxmlformats.org/drawingml/2006/main" xmlns:r="http://schemas.openxmlformats.org/officeDocument/2006/relationships" xmlns:p="http://schemas.openxmlformats.org/presentationml/2006/main">
+  <p:cSld>
+    <p:spTree>
+      <p:nvGrpSpPr>
+        <p:cNvPr id="1" name=""/>
+        <p:cNvGrpSpPr/>
+        <p:nvPr/>
+      </p:nvGrpSpPr>
+      <p:grpSpPr>
+        <a:xfrm>
+          <a:off x="0" y="0"/>
+          <a:ext cx="0" cy="0"/>
+          <a:chOff x="0" y="0"/>
+          <a:chExt cx="0" cy="0"/>
+        </a:xfrm>
+      </p:grpSpPr>
+      <p:sp>
+        <p:nvSpPr>
+          <p:cNvPr id="5" name="Title 4"/>
+          <p:cNvSpPr>
+            <a:spLocks noGrp="1"/>
+          </p:cNvSpPr>
+          <p:nvPr>
+            <p:ph type="title"/>
+          </p:nvPr>
+        </p:nvSpPr>
+        <p:spPr>
+          <a:xfrm>
+            <a:off x="838200" y="365125"/>
+            <a:ext cx="10515600" cy="619613"/>
+          </a:xfrm>
+        </p:spPr>
+        <p:txBody>
+          <a:bodyPr>
+            <a:normAutofit fontScale="90000"/>
+          </a:bodyPr>
+          <a:lstStyle/>
+          <a:p>
+            <a:r>
+              <a:rPr lang="en-US" dirty="0"/>
+              <a:t>Simulation test result (for Rev.1)</a:t>
+            </a:r>
+            <a:endParaRPr lang="en-US" dirty="0"/>
+          </a:p>
+        </p:txBody>
+      </p:sp>
+      <p:cxnSp>
+        <p:nvCxnSpPr>
+          <p:cNvPr id="8" name="Straight Connector 7"/>
+          <p:cNvCxnSpPr/>
+          <p:nvPr/>
+        </p:nvCxnSpPr>
+        <p:spPr>
+          <a:xfrm>
+            <a:off x="826474" y="940778"/>
+            <a:ext cx="10527326" cy="0"/>
+          </a:xfrm>
+          <a:prstGeom prst="line">
+            <a:avLst/>
+          </a:prstGeom>
+          <a:ln w="28575"/>
+        </p:spPr>
+        <p:style>
+          <a:lnRef idx="1">
+            <a:schemeClr val="accent1"/>
+          </a:lnRef>
+          <a:fillRef idx="0">
+            <a:schemeClr val="accent1"/>
+          </a:fillRef>
+          <a:effectRef idx="0">
+            <a:schemeClr val="accent1"/>
+          </a:effectRef>
+          <a:fontRef idx="minor">
+            <a:schemeClr val="tx1"/>
+          </a:fontRef>
+        </p:style>
+      </p:cxnSp>
+      <p:cxnSp>
+        <p:nvCxnSpPr>
+          <p:cNvPr id="9" name="Straight Connector 8"/>
+          <p:cNvCxnSpPr/>
+          <p:nvPr/>
+        </p:nvCxnSpPr>
+        <p:spPr>
+          <a:xfrm>
+            <a:off x="826474" y="368057"/>
+            <a:ext cx="10527326" cy="0"/>
+          </a:xfrm>
+          <a:prstGeom prst="line">
+            <a:avLst/>
+          </a:prstGeom>
+          <a:ln w="28575"/>
+        </p:spPr>
+        <p:style>
+          <a:lnRef idx="1">
+            <a:schemeClr val="accent1"/>
+          </a:lnRef>
+          <a:fillRef idx="0">
+            <a:schemeClr val="accent1"/>
+          </a:fillRef>
+          <a:effectRef idx="0">
+            <a:schemeClr val="accent1"/>
+          </a:effectRef>
+          <a:fontRef idx="minor">
+            <a:schemeClr val="tx1"/>
+          </a:fontRef>
+        </p:style>
+      </p:cxnSp>
+      <p:sp>
+        <p:nvSpPr>
+          <p:cNvPr id="7" name="Footer Placeholder 6"/>
+          <p:cNvSpPr>
+            <a:spLocks noGrp="1"/>
+          </p:cNvSpPr>
+          <p:nvPr>
+            <p:ph type="ftr" sz="quarter" idx="11"/>
+          </p:nvPr>
+        </p:nvSpPr>
+        <p:spPr/>
+        <p:txBody>
+          <a:bodyPr/>
+          <a:lstStyle/>
+          <a:p>
+            <a:r>
+              <a:rPr lang="en-US"/>
+              <a:t>By Arief Noor Rahman </a:t>
+            </a:r>
+            <a:r>
+              <a:rPr lang="en-US">
+                <a:latin typeface="SimSun" panose="02010600030101010101" pitchFamily="2" charset="-122"/>
+                <a:ea typeface="SimSun" panose="02010600030101010101" pitchFamily="2" charset="-122"/>
+              </a:rPr>
+              <a:t>－</a:t>
+            </a:r>
+            <a:r>
+              <a:rPr lang="en-US">
+                <a:sym typeface="+mn-ea"/>
+              </a:rPr>
+              <a:t>Power Control Design</a:t>
+            </a:r>
+            <a:endParaRPr lang="en-US">
+              <a:latin typeface="SimSun" panose="02010600030101010101" pitchFamily="2" charset="-122"/>
+              <a:ea typeface="SimSun" panose="02010600030101010101" pitchFamily="2" charset="-122"/>
+            </a:endParaRPr>
+          </a:p>
+        </p:txBody>
+      </p:sp>
+      <p:sp>
+        <p:nvSpPr>
+          <p:cNvPr id="3" name="Slide Number Placeholder 2"/>
+          <p:cNvSpPr>
+            <a:spLocks noGrp="1"/>
+          </p:cNvSpPr>
+          <p:nvPr>
+            <p:ph type="sldNum" sz="quarter" idx="12"/>
+          </p:nvPr>
+        </p:nvSpPr>
+        <p:spPr/>
+        <p:txBody>
+          <a:bodyPr/>
+          <a:lstStyle/>
+          <a:p>
+            <a:fld id="{9B618960-8005-486C-9A75-10CB2AAC16F9}" type="slidenum">
+              <a:rPr lang="en-US" smtClean="0"/>
+            </a:fld>
+            <a:endParaRPr lang="en-US"/>
+          </a:p>
+        </p:txBody>
+      </p:sp>
+      <p:pic>
+        <p:nvPicPr>
+          <p:cNvPr id="4" name="Picture 3" descr="logo_detail"/>
+          <p:cNvPicPr>
+            <a:picLocks noChangeAspect="1"/>
+          </p:cNvPicPr>
+          <p:nvPr/>
+        </p:nvPicPr>
+        <p:blipFill>
+          <a:blip r:embed="rId1"/>
+          <a:stretch>
+            <a:fillRect/>
+          </a:stretch>
+        </p:blipFill>
+        <p:spPr>
+          <a:xfrm>
+            <a:off x="120650" y="6024880"/>
+            <a:ext cx="696595" cy="696595"/>
+          </a:xfrm>
+          <a:prstGeom prst="rect">
+            <a:avLst/>
+          </a:prstGeom>
+        </p:spPr>
+      </p:pic>
+      <p:pic>
+        <p:nvPicPr>
+          <p:cNvPr id="12" name="Picture 11"/>
+          <p:cNvPicPr>
+            <a:picLocks noChangeAspect="1"/>
+          </p:cNvPicPr>
+          <p:nvPr/>
+        </p:nvPicPr>
+        <p:blipFill>
+          <a:blip r:embed="rId2"/>
+          <a:srcRect l="344" t="9835" r="50002" b="10444"/>
+          <a:stretch>
+            <a:fillRect/>
+          </a:stretch>
+        </p:blipFill>
+        <p:spPr>
+          <a:xfrm>
+            <a:off x="1218565" y="1907540"/>
+            <a:ext cx="4686300" cy="4504690"/>
+          </a:xfrm>
+          <a:prstGeom prst="rect">
+            <a:avLst/>
+          </a:prstGeom>
+        </p:spPr>
+      </p:pic>
+      <p:sp>
+        <p:nvSpPr>
+          <p:cNvPr id="13" name="Text Box 12"/>
+          <p:cNvSpPr txBox="1"/>
+          <p:nvPr/>
+        </p:nvSpPr>
+        <p:spPr>
+          <a:xfrm>
+            <a:off x="1218565" y="984885"/>
+            <a:ext cx="5354320" cy="1229995"/>
+          </a:xfrm>
+          <a:prstGeom prst="rect">
+            <a:avLst/>
+          </a:prstGeom>
+          <a:noFill/>
+        </p:spPr>
+        <p:txBody>
+          <a:bodyPr wrap="square" rtlCol="0">
+            <a:spAutoFit/>
+          </a:bodyPr>
+          <a:p>
+            <a:r>
+              <a:rPr lang="en-US" sz="1400"/>
+              <a:t>Example test on T-type Inverter under</a:t>
+            </a:r>
+            <a:endParaRPr lang="en-US" sz="1400"/>
+          </a:p>
+          <a:p>
+            <a:r>
+              <a:rPr lang="en-US" sz="1000"/>
+              <a:t>AC-&gt;DC power flow (at time &lt; 0.5s) and DC-&gt;AC power flow (at time &gt; 0.5s)</a:t>
+            </a:r>
+            <a:endParaRPr lang="en-US" sz="1000"/>
+          </a:p>
+          <a:p>
+            <a:endParaRPr lang="en-US" sz="1000">
+              <a:sym typeface="+mn-ea"/>
+            </a:endParaRPr>
+          </a:p>
+          <a:p>
+            <a:r>
+              <a:rPr lang="en-US" sz="1000">
+                <a:sym typeface="+mn-ea"/>
+              </a:rPr>
+              <a:t>While total losses on both power flow duration are similar. However, the losses share between the DClink MOSFET (middle graph) and side MOSFET (bottom graph) are different for different power flow mode.</a:t>
+            </a:r>
+            <a:endParaRPr lang="en-US" sz="1000"/>
+          </a:p>
+          <a:p>
+            <a:endParaRPr lang="en-US" sz="1000"/>
+          </a:p>
+        </p:txBody>
+      </p:sp>
+      <p:pic>
+        <p:nvPicPr>
+          <p:cNvPr id="14" name="Picture 13"/>
+          <p:cNvPicPr>
+            <a:picLocks noChangeAspect="1"/>
+          </p:cNvPicPr>
+          <p:nvPr/>
+        </p:nvPicPr>
+        <p:blipFill>
+          <a:blip r:embed="rId3"/>
+          <a:stretch>
+            <a:fillRect/>
+          </a:stretch>
+        </p:blipFill>
+        <p:spPr>
+          <a:xfrm>
+            <a:off x="6830695" y="984885"/>
+            <a:ext cx="4523105" cy="5427345"/>
+          </a:xfrm>
+          <a:prstGeom prst="rect">
+            <a:avLst/>
+          </a:prstGeom>
+        </p:spPr>
+      </p:pic>
     </p:spTree>
   </p:cSld>
   <p:clrMapOvr>
@@ -6377,7 +8164,7 @@
         </p:nvGraphicFramePr>
         <p:xfrm>
           <a:off x="838200" y="1825625"/>
-          <a:ext cx="10515600" cy="1524000"/>
+          <a:ext cx="10515600" cy="3505200"/>
         </p:xfrm>
         <a:graphic>
           <a:graphicData uri="http://schemas.openxmlformats.org/drawingml/2006/table">
@@ -6565,6 +8352,40 @@
                   <a:tcPr/>
                 </a:tc>
               </a:tr>
+              <a:tr h="381000">
+                <a:tc>
+                  <a:txBody>
+                    <a:bodyPr/>
+                    <a:p>
+                      <a:pPr>
+                        <a:buNone/>
+                      </a:pPr>
+                      <a:r>
+                        <a:rPr lang="en-US"/>
+                        <a:t>Rev.4 @ 2026/02/24</a:t>
+                      </a:r>
+                      <a:endParaRPr lang="en-US"/>
+                    </a:p>
+                  </a:txBody>
+                  <a:tcPr/>
+                </a:tc>
+                <a:tc>
+                  <a:txBody>
+                    <a:bodyPr/>
+                    <a:p>
+                      <a:pPr>
+                        <a:buNone/>
+                      </a:pPr>
+                      <a:r>
+                        <a:rPr lang="en-US"/>
+                        <a:t>Now the mosfet losses data is using json for improved readability</a:t>
+                      </a:r>
+                      <a:endParaRPr lang="en-US"/>
+                    </a:p>
+                  </a:txBody>
+                  <a:tcPr/>
+                </a:tc>
+              </a:tr>
             </a:tbl>
           </a:graphicData>
         </a:graphic>
@@ -6885,7 +8706,7 @@
         <p:spPr>
           <a:xfrm>
             <a:off x="8153400" y="3674745"/>
-            <a:ext cx="3641090" cy="2014220"/>
+            <a:ext cx="3641090" cy="2275840"/>
           </a:xfrm>
           <a:prstGeom prst="rect">
             <a:avLst/>
@@ -6933,7 +8754,7 @@
             </a:pPr>
             <a:r>
               <a:rPr lang="en-US" sz="1400"/>
-              <a:t>max_prd 	= power loss timeout to force 	losses update if the elapsed time 	from latest update time to 	present time reach the max_prd</a:t>
+              <a:t>max_prd 	= power loss timeout to force 	    losses update if the elapsed time 	    from latest update time to 	    present time reach the max_prd</a:t>
             </a:r>
             <a:endParaRPr lang="en-US" sz="1400"/>
           </a:p>
@@ -6969,7 +8790,7 @@
             </a:pPr>
             <a:r>
               <a:rPr lang="en-US" sz="1400"/>
-              <a:t>fname	= losses table file name</a:t>
+              <a:t>fname	= MOSFET model name within 	    mosfet_loss_model.json</a:t>
             </a:r>
             <a:endParaRPr lang="en-US" sz="1400"/>
           </a:p>
@@ -6977,7 +8798,7 @@
       </p:sp>
       <p:pic>
         <p:nvPicPr>
-          <p:cNvPr id="10" name="Picture 9"/>
+          <p:cNvPr id="6" name="Picture 5"/>
           <p:cNvPicPr>
             <a:picLocks noChangeAspect="1"/>
           </p:cNvPicPr>
@@ -6991,12 +8812,17 @@
         </p:blipFill>
         <p:spPr>
           <a:xfrm>
-            <a:off x="8153400" y="1336040"/>
-            <a:ext cx="3641090" cy="1987550"/>
+            <a:off x="8521700" y="1198880"/>
+            <a:ext cx="3272790" cy="2261870"/>
           </a:xfrm>
           <a:prstGeom prst="rect">
             <a:avLst/>
           </a:prstGeom>
+          <a:ln w="19050">
+            <a:solidFill>
+              <a:srgbClr val="C00000"/>
+            </a:solidFill>
+          </a:ln>
         </p:spPr>
       </p:pic>
     </p:spTree>
@@ -9062,9 +10888,21 @@
           <a:p>
             <a:r>
               <a:rPr lang="en-US" dirty="0"/>
-              <a:t>Understanding the losses table format</a:t>
-            </a:r>
-            <a:endParaRPr lang="en-US" dirty="0"/>
+              <a:t>Understanding the </a:t>
+            </a:r>
+            <a:r>
+              <a:rPr lang="en-US" sz="4900" b="1" dirty="0">
+                <a:solidFill>
+                  <a:srgbClr val="FF0000"/>
+                </a:solidFill>
+              </a:rPr>
+              <a:t>mosfet_loss_model.json</a:t>
+            </a:r>
+            <a:endParaRPr lang="en-US" sz="4900" b="1" dirty="0">
+              <a:solidFill>
+                <a:srgbClr val="FF0000"/>
+              </a:solidFill>
+            </a:endParaRPr>
           </a:p>
         </p:txBody>
       </p:sp>
@@ -9215,806 +11053,6 @@
           </a:prstGeom>
         </p:spPr>
       </p:pic>
-      <p:graphicFrame>
-        <p:nvGraphicFramePr>
-          <p:cNvPr id="13" name="Table 12"/>
-          <p:cNvGraphicFramePr/>
-          <p:nvPr/>
-        </p:nvGraphicFramePr>
-        <p:xfrm>
-          <a:off x="880745" y="1157605"/>
-          <a:ext cx="8530590" cy="1920240"/>
-        </p:xfrm>
-        <a:graphic>
-          <a:graphicData uri="http://schemas.openxmlformats.org/drawingml/2006/table">
-            <a:tbl>
-              <a:tblPr>
-                <a:tableStyleId>{5C22544A-7EE6-4342-B048-85BDC9FD1C3A}</a:tableStyleId>
-              </a:tblPr>
-              <a:tblGrid>
-                <a:gridCol w="1188720"/>
-                <a:gridCol w="1188720"/>
-                <a:gridCol w="1188720"/>
-                <a:gridCol w="1188720"/>
-                <a:gridCol w="1188720"/>
-                <a:gridCol w="1188720"/>
-              </a:tblGrid>
-              <a:tr h="274320">
-                <a:tc>
-                  <a:txBody>
-                    <a:bodyPr/>
-                    <a:p>
-                      <a:pPr>
-                        <a:buNone/>
-                      </a:pPr>
-                      <a:r>
-                        <a:rPr lang="en-US" sz="1200">
-                          <a:latin typeface="Calibri" panose="020F0502020204030204" charset="0"/>
-                          <a:cs typeface="Calibri" panose="020F0502020204030204" charset="0"/>
-                        </a:rPr>
-                        <a:t>Rdson</a:t>
-                      </a:r>
-                      <a:endParaRPr lang="en-US" sz="1200">
-                        <a:latin typeface="Calibri" panose="020F0502020204030204" charset="0"/>
-                        <a:cs typeface="Calibri" panose="020F0502020204030204" charset="0"/>
-                      </a:endParaRPr>
-                    </a:p>
-                  </a:txBody>
-                  <a:tcPr/>
-                </a:tc>
-                <a:tc>
-                  <a:txBody>
-                    <a:bodyPr/>
-                    <a:p>
-                      <a:pPr>
-                        <a:buNone/>
-                      </a:pPr>
-                      <a:r>
-                        <a:rPr lang="en-US" sz="1200">
-                          <a:latin typeface="Calibri" panose="020F0502020204030204" charset="0"/>
-                          <a:cs typeface="Calibri" panose="020F0502020204030204" charset="0"/>
-                        </a:rPr>
-                        <a:t>Ton</a:t>
-                      </a:r>
-                      <a:endParaRPr lang="en-US" sz="1200">
-                        <a:latin typeface="Calibri" panose="020F0502020204030204" charset="0"/>
-                        <a:cs typeface="Calibri" panose="020F0502020204030204" charset="0"/>
-                      </a:endParaRPr>
-                    </a:p>
-                  </a:txBody>
-                  <a:tcPr/>
-                </a:tc>
-                <a:tc>
-                  <a:txBody>
-                    <a:bodyPr/>
-                    <a:p>
-                      <a:pPr>
-                        <a:buNone/>
-                      </a:pPr>
-                      <a:r>
-                        <a:rPr lang="en-US" sz="1200">
-                          <a:latin typeface="Calibri" panose="020F0502020204030204" charset="0"/>
-                          <a:cs typeface="Calibri" panose="020F0502020204030204" charset="0"/>
-                        </a:rPr>
-                        <a:t>Toff</a:t>
-                      </a:r>
-                      <a:endParaRPr lang="en-US" sz="1200">
-                        <a:latin typeface="Calibri" panose="020F0502020204030204" charset="0"/>
-                        <a:cs typeface="Calibri" panose="020F0502020204030204" charset="0"/>
-                      </a:endParaRPr>
-                    </a:p>
-                  </a:txBody>
-                  <a:tcPr/>
-                </a:tc>
-                <a:tc>
-                  <a:txBody>
-                    <a:bodyPr/>
-                    <a:p>
-                      <a:pPr>
-                        <a:buNone/>
-                      </a:pPr>
-                      <a:r>
-                        <a:rPr lang="en-US" sz="1200">
-                          <a:latin typeface="Calibri" panose="020F0502020204030204" charset="0"/>
-                          <a:cs typeface="Calibri" panose="020F0502020204030204" charset="0"/>
-                        </a:rPr>
-                        <a:t>Rg_test</a:t>
-                      </a:r>
-                      <a:endParaRPr lang="en-US" sz="1200">
-                        <a:latin typeface="Calibri" panose="020F0502020204030204" charset="0"/>
-                        <a:cs typeface="Calibri" panose="020F0502020204030204" charset="0"/>
-                      </a:endParaRPr>
-                    </a:p>
-                  </a:txBody>
-                  <a:tcPr/>
-                </a:tc>
-                <a:tc>
-                  <a:txBody>
-                    <a:bodyPr/>
-                    <a:p>
-                      <a:pPr>
-                        <a:buNone/>
-                      </a:pPr>
-                      <a:r>
-                        <a:rPr lang="en-US" sz="1200">
-                          <a:latin typeface="Calibri" panose="020F0502020204030204" charset="0"/>
-                          <a:cs typeface="Calibri" panose="020F0502020204030204" charset="0"/>
-                        </a:rPr>
-                        <a:t>Rg_int</a:t>
-                      </a:r>
-                      <a:endParaRPr lang="en-US" sz="1200">
-                        <a:latin typeface="Calibri" panose="020F0502020204030204" charset="0"/>
-                        <a:cs typeface="Calibri" panose="020F0502020204030204" charset="0"/>
-                      </a:endParaRPr>
-                    </a:p>
-                  </a:txBody>
-                  <a:tcPr/>
-                </a:tc>
-                <a:tc>
-                  <a:txBody>
-                    <a:bodyPr/>
-                    <a:p>
-                      <a:pPr>
-                        <a:buNone/>
-                      </a:pPr>
-                      <a:r>
-                        <a:rPr lang="en-US" sz="1200">
-                          <a:latin typeface="Calibri" panose="020F0502020204030204" charset="0"/>
-                          <a:cs typeface="Calibri" panose="020F0502020204030204" charset="0"/>
-                        </a:rPr>
-                        <a:t>0.0</a:t>
-                      </a:r>
-                      <a:endParaRPr lang="en-US" sz="1200">
-                        <a:latin typeface="Calibri" panose="020F0502020204030204" charset="0"/>
-                        <a:cs typeface="Calibri" panose="020F0502020204030204" charset="0"/>
-                      </a:endParaRPr>
-                    </a:p>
-                  </a:txBody>
-                  <a:tcPr/>
-                </a:tc>
-              </a:tr>
-              <a:tr h="274320">
-                <a:tc>
-                  <a:txBody>
-                    <a:bodyPr/>
-                    <a:p>
-                      <a:pPr>
-                        <a:buNone/>
-                      </a:pPr>
-                      <a:r>
-                        <a:rPr lang="en-US" sz="1200">
-                          <a:latin typeface="Calibri" panose="020F0502020204030204" charset="0"/>
-                          <a:cs typeface="Calibri" panose="020F0502020204030204" charset="0"/>
-                        </a:rPr>
-                        <a:t>Vds (0V)</a:t>
-                      </a:r>
-                      <a:endParaRPr lang="en-US" sz="1200">
-                        <a:latin typeface="Calibri" panose="020F0502020204030204" charset="0"/>
-                        <a:cs typeface="Calibri" panose="020F0502020204030204" charset="0"/>
-                      </a:endParaRPr>
-                    </a:p>
-                  </a:txBody>
-                  <a:tcPr/>
-                </a:tc>
-                <a:tc>
-                  <a:txBody>
-                    <a:bodyPr/>
-                    <a:p>
-                      <a:pPr>
-                        <a:buNone/>
-                      </a:pPr>
-                      <a:endParaRPr lang="en-US" sz="1200">
-                        <a:latin typeface="Calibri" panose="020F0502020204030204" charset="0"/>
-                        <a:cs typeface="Calibri" panose="020F0502020204030204" charset="0"/>
-                      </a:endParaRPr>
-                    </a:p>
-                  </a:txBody>
-                  <a:tcPr/>
-                </a:tc>
-                <a:tc>
-                  <a:txBody>
-                    <a:bodyPr/>
-                    <a:p>
-                      <a:pPr>
-                        <a:buNone/>
-                      </a:pPr>
-                      <a:endParaRPr lang="en-US" sz="1200">
-                        <a:latin typeface="Calibri" panose="020F0502020204030204" charset="0"/>
-                        <a:cs typeface="Calibri" panose="020F0502020204030204" charset="0"/>
-                      </a:endParaRPr>
-                    </a:p>
-                  </a:txBody>
-                  <a:tcPr/>
-                </a:tc>
-                <a:tc>
-                  <a:txBody>
-                    <a:bodyPr/>
-                    <a:p>
-                      <a:pPr>
-                        <a:buNone/>
-                      </a:pPr>
-                      <a:endParaRPr lang="en-US" sz="1200">
-                        <a:latin typeface="Calibri" panose="020F0502020204030204" charset="0"/>
-                        <a:cs typeface="Calibri" panose="020F0502020204030204" charset="0"/>
-                      </a:endParaRPr>
-                    </a:p>
-                  </a:txBody>
-                  <a:tcPr/>
-                </a:tc>
-                <a:tc>
-                  <a:txBody>
-                    <a:bodyPr/>
-                    <a:p>
-                      <a:pPr>
-                        <a:buNone/>
-                      </a:pPr>
-                      <a:endParaRPr lang="en-US" sz="1200">
-                        <a:latin typeface="Calibri" panose="020F0502020204030204" charset="0"/>
-                        <a:cs typeface="Calibri" panose="020F0502020204030204" charset="0"/>
-                      </a:endParaRPr>
-                    </a:p>
-                  </a:txBody>
-                  <a:tcPr/>
-                </a:tc>
-                <a:tc>
-                  <a:txBody>
-                    <a:bodyPr/>
-                    <a:p>
-                      <a:pPr>
-                        <a:buNone/>
-                      </a:pPr>
-                      <a:r>
-                        <a:rPr lang="en-US" sz="1200">
-                          <a:latin typeface="Calibri" panose="020F0502020204030204" charset="0"/>
-                          <a:cs typeface="Calibri" panose="020F0502020204030204" charset="0"/>
-                        </a:rPr>
-                        <a:t>Vds (Vrating)</a:t>
-                      </a:r>
-                      <a:endParaRPr lang="en-US" sz="1200">
-                        <a:latin typeface="Calibri" panose="020F0502020204030204" charset="0"/>
-                        <a:cs typeface="Calibri" panose="020F0502020204030204" charset="0"/>
-                      </a:endParaRPr>
-                    </a:p>
-                  </a:txBody>
-                  <a:tcPr/>
-                </a:tc>
-              </a:tr>
-              <a:tr h="274320">
-                <a:tc>
-                  <a:txBody>
-                    <a:bodyPr/>
-                    <a:p>
-                      <a:pPr>
-                        <a:buNone/>
-                      </a:pPr>
-                      <a:r>
-                        <a:rPr lang="en-US" sz="1200">
-                          <a:latin typeface="Calibri" panose="020F0502020204030204" charset="0"/>
-                          <a:cs typeface="Calibri" panose="020F0502020204030204" charset="0"/>
-                        </a:rPr>
-                        <a:t>Coss(@Vds)</a:t>
-                      </a:r>
-                      <a:endParaRPr lang="en-US" sz="1200">
-                        <a:latin typeface="Calibri" panose="020F0502020204030204" charset="0"/>
-                        <a:cs typeface="Calibri" panose="020F0502020204030204" charset="0"/>
-                      </a:endParaRPr>
-                    </a:p>
-                  </a:txBody>
-                  <a:tcPr/>
-                </a:tc>
-                <a:tc>
-                  <a:txBody>
-                    <a:bodyPr/>
-                    <a:p>
-                      <a:pPr>
-                        <a:buNone/>
-                      </a:pPr>
-                      <a:endParaRPr lang="en-US" sz="1200">
-                        <a:latin typeface="Calibri" panose="020F0502020204030204" charset="0"/>
-                        <a:cs typeface="Calibri" panose="020F0502020204030204" charset="0"/>
-                      </a:endParaRPr>
-                    </a:p>
-                  </a:txBody>
-                  <a:tcPr/>
-                </a:tc>
-                <a:tc>
-                  <a:txBody>
-                    <a:bodyPr/>
-                    <a:p>
-                      <a:pPr>
-                        <a:buNone/>
-                      </a:pPr>
-                      <a:endParaRPr lang="en-US" sz="1200">
-                        <a:latin typeface="Calibri" panose="020F0502020204030204" charset="0"/>
-                        <a:cs typeface="Calibri" panose="020F0502020204030204" charset="0"/>
-                      </a:endParaRPr>
-                    </a:p>
-                  </a:txBody>
-                  <a:tcPr/>
-                </a:tc>
-                <a:tc>
-                  <a:txBody>
-                    <a:bodyPr/>
-                    <a:p>
-                      <a:pPr>
-                        <a:buNone/>
-                      </a:pPr>
-                      <a:endParaRPr lang="en-US" sz="1200">
-                        <a:latin typeface="Calibri" panose="020F0502020204030204" charset="0"/>
-                        <a:cs typeface="Calibri" panose="020F0502020204030204" charset="0"/>
-                      </a:endParaRPr>
-                    </a:p>
-                  </a:txBody>
-                  <a:tcPr/>
-                </a:tc>
-                <a:tc>
-                  <a:txBody>
-                    <a:bodyPr/>
-                    <a:p>
-                      <a:pPr>
-                        <a:buNone/>
-                      </a:pPr>
-                      <a:endParaRPr lang="en-US" sz="1200">
-                        <a:latin typeface="Calibri" panose="020F0502020204030204" charset="0"/>
-                        <a:cs typeface="Calibri" panose="020F0502020204030204" charset="0"/>
-                      </a:endParaRPr>
-                    </a:p>
-                  </a:txBody>
-                  <a:tcPr/>
-                </a:tc>
-                <a:tc>
-                  <a:txBody>
-                    <a:bodyPr/>
-                    <a:p>
-                      <a:pPr>
-                        <a:buNone/>
-                      </a:pPr>
-                      <a:r>
-                        <a:rPr lang="en-US" sz="1200">
-                          <a:latin typeface="Calibri" panose="020F0502020204030204" charset="0"/>
-                          <a:cs typeface="Calibri" panose="020F0502020204030204" charset="0"/>
-                        </a:rPr>
-                        <a:t>Coss(@Vds)</a:t>
-                      </a:r>
-                      <a:endParaRPr lang="en-US" sz="1200">
-                        <a:latin typeface="Calibri" panose="020F0502020204030204" charset="0"/>
-                        <a:cs typeface="Calibri" panose="020F0502020204030204" charset="0"/>
-                      </a:endParaRPr>
-                    </a:p>
-                  </a:txBody>
-                  <a:tcPr/>
-                </a:tc>
-              </a:tr>
-              <a:tr h="274320">
-                <a:tc>
-                  <a:txBody>
-                    <a:bodyPr/>
-                    <a:p>
-                      <a:pPr>
-                        <a:buNone/>
-                      </a:pPr>
-                      <a:r>
-                        <a:rPr lang="en-US" sz="1200">
-                          <a:latin typeface="Calibri" panose="020F0502020204030204" charset="0"/>
-                          <a:cs typeface="Calibri" panose="020F0502020204030204" charset="0"/>
-                        </a:rPr>
-                        <a:t>Isd (0A)</a:t>
-                      </a:r>
-                      <a:endParaRPr lang="en-US" sz="1200">
-                        <a:latin typeface="Calibri" panose="020F0502020204030204" charset="0"/>
-                        <a:cs typeface="Calibri" panose="020F0502020204030204" charset="0"/>
-                      </a:endParaRPr>
-                    </a:p>
-                  </a:txBody>
-                  <a:tcPr/>
-                </a:tc>
-                <a:tc>
-                  <a:txBody>
-                    <a:bodyPr/>
-                    <a:p>
-                      <a:pPr>
-                        <a:buNone/>
-                      </a:pPr>
-                      <a:endParaRPr lang="en-US" sz="1200">
-                        <a:latin typeface="Calibri" panose="020F0502020204030204" charset="0"/>
-                        <a:cs typeface="Calibri" panose="020F0502020204030204" charset="0"/>
-                      </a:endParaRPr>
-                    </a:p>
-                  </a:txBody>
-                  <a:tcPr/>
-                </a:tc>
-                <a:tc>
-                  <a:txBody>
-                    <a:bodyPr/>
-                    <a:p>
-                      <a:pPr>
-                        <a:buNone/>
-                      </a:pPr>
-                      <a:endParaRPr lang="en-US" sz="1200">
-                        <a:latin typeface="Calibri" panose="020F0502020204030204" charset="0"/>
-                        <a:cs typeface="Calibri" panose="020F0502020204030204" charset="0"/>
-                      </a:endParaRPr>
-                    </a:p>
-                  </a:txBody>
-                  <a:tcPr/>
-                </a:tc>
-                <a:tc>
-                  <a:txBody>
-                    <a:bodyPr/>
-                    <a:p>
-                      <a:pPr>
-                        <a:buNone/>
-                      </a:pPr>
-                      <a:endParaRPr lang="en-US" sz="1200">
-                        <a:latin typeface="Calibri" panose="020F0502020204030204" charset="0"/>
-                        <a:cs typeface="Calibri" panose="020F0502020204030204" charset="0"/>
-                      </a:endParaRPr>
-                    </a:p>
-                  </a:txBody>
-                  <a:tcPr/>
-                </a:tc>
-                <a:tc>
-                  <a:txBody>
-                    <a:bodyPr/>
-                    <a:p>
-                      <a:pPr>
-                        <a:buNone/>
-                      </a:pPr>
-                      <a:endParaRPr lang="en-US" sz="1200">
-                        <a:latin typeface="Calibri" panose="020F0502020204030204" charset="0"/>
-                        <a:cs typeface="Calibri" panose="020F0502020204030204" charset="0"/>
-                      </a:endParaRPr>
-                    </a:p>
-                  </a:txBody>
-                  <a:tcPr/>
-                </a:tc>
-                <a:tc>
-                  <a:txBody>
-                    <a:bodyPr/>
-                    <a:p>
-                      <a:pPr>
-                        <a:buNone/>
-                      </a:pPr>
-                      <a:r>
-                        <a:rPr lang="en-US" sz="1200">
-                          <a:latin typeface="Calibri" panose="020F0502020204030204" charset="0"/>
-                          <a:cs typeface="Calibri" panose="020F0502020204030204" charset="0"/>
-                        </a:rPr>
-                        <a:t>Isd (Irating)</a:t>
-                      </a:r>
-                      <a:endParaRPr lang="en-US" sz="1200">
-                        <a:latin typeface="Calibri" panose="020F0502020204030204" charset="0"/>
-                        <a:cs typeface="Calibri" panose="020F0502020204030204" charset="0"/>
-                      </a:endParaRPr>
-                    </a:p>
-                  </a:txBody>
-                  <a:tcPr/>
-                </a:tc>
-              </a:tr>
-              <a:tr h="274320">
-                <a:tc>
-                  <a:txBody>
-                    <a:bodyPr/>
-                    <a:p>
-                      <a:pPr>
-                        <a:buNone/>
-                      </a:pPr>
-                      <a:r>
-                        <a:rPr lang="en-US" sz="1200">
-                          <a:latin typeface="Calibri" panose="020F0502020204030204" charset="0"/>
-                          <a:cs typeface="Calibri" panose="020F0502020204030204" charset="0"/>
-                        </a:rPr>
-                        <a:t>Vsd(@Isd)</a:t>
-                      </a:r>
-                      <a:endParaRPr lang="en-US" sz="1200">
-                        <a:latin typeface="Calibri" panose="020F0502020204030204" charset="0"/>
-                        <a:cs typeface="Calibri" panose="020F0502020204030204" charset="0"/>
-                      </a:endParaRPr>
-                    </a:p>
-                  </a:txBody>
-                  <a:tcPr/>
-                </a:tc>
-                <a:tc>
-                  <a:txBody>
-                    <a:bodyPr/>
-                    <a:p>
-                      <a:pPr>
-                        <a:buNone/>
-                      </a:pPr>
-                      <a:endParaRPr lang="en-US" sz="1200">
-                        <a:latin typeface="Calibri" panose="020F0502020204030204" charset="0"/>
-                        <a:cs typeface="Calibri" panose="020F0502020204030204" charset="0"/>
-                      </a:endParaRPr>
-                    </a:p>
-                  </a:txBody>
-                  <a:tcPr/>
-                </a:tc>
-                <a:tc>
-                  <a:txBody>
-                    <a:bodyPr/>
-                    <a:p>
-                      <a:pPr>
-                        <a:buNone/>
-                      </a:pPr>
-                      <a:endParaRPr lang="en-US" sz="1200">
-                        <a:latin typeface="Calibri" panose="020F0502020204030204" charset="0"/>
-                        <a:cs typeface="Calibri" panose="020F0502020204030204" charset="0"/>
-                      </a:endParaRPr>
-                    </a:p>
-                  </a:txBody>
-                  <a:tcPr/>
-                </a:tc>
-                <a:tc>
-                  <a:txBody>
-                    <a:bodyPr/>
-                    <a:p>
-                      <a:pPr>
-                        <a:buNone/>
-                      </a:pPr>
-                      <a:endParaRPr lang="en-US" sz="1200">
-                        <a:latin typeface="Calibri" panose="020F0502020204030204" charset="0"/>
-                        <a:cs typeface="Calibri" panose="020F0502020204030204" charset="0"/>
-                      </a:endParaRPr>
-                    </a:p>
-                  </a:txBody>
-                  <a:tcPr/>
-                </a:tc>
-                <a:tc>
-                  <a:txBody>
-                    <a:bodyPr/>
-                    <a:p>
-                      <a:pPr>
-                        <a:buNone/>
-                      </a:pPr>
-                      <a:endParaRPr lang="en-US" sz="1200">
-                        <a:latin typeface="Calibri" panose="020F0502020204030204" charset="0"/>
-                        <a:cs typeface="Calibri" panose="020F0502020204030204" charset="0"/>
-                      </a:endParaRPr>
-                    </a:p>
-                  </a:txBody>
-                  <a:tcPr/>
-                </a:tc>
-                <a:tc>
-                  <a:txBody>
-                    <a:bodyPr/>
-                    <a:p>
-                      <a:pPr>
-                        <a:buNone/>
-                      </a:pPr>
-                      <a:r>
-                        <a:rPr lang="en-US" sz="1200">
-                          <a:latin typeface="Calibri" panose="020F0502020204030204" charset="0"/>
-                          <a:cs typeface="Calibri" panose="020F0502020204030204" charset="0"/>
-                          <a:sym typeface="+mn-ea"/>
-                        </a:rPr>
-                        <a:t>Vsd(@Isd)</a:t>
-                      </a:r>
-                      <a:endParaRPr lang="en-US" sz="1200">
-                        <a:latin typeface="Calibri" panose="020F0502020204030204" charset="0"/>
-                        <a:cs typeface="Calibri" panose="020F0502020204030204" charset="0"/>
-                        <a:sym typeface="+mn-ea"/>
-                      </a:endParaRPr>
-                    </a:p>
-                  </a:txBody>
-                  <a:tcPr/>
-                </a:tc>
-              </a:tr>
-              <a:tr h="274320">
-                <a:tc>
-                  <a:txBody>
-                    <a:bodyPr/>
-                    <a:p>
-                      <a:pPr>
-                        <a:buNone/>
-                      </a:pPr>
-                      <a:r>
-                        <a:rPr lang="en-US" sz="1200">
-                          <a:latin typeface="Calibri" panose="020F0502020204030204" charset="0"/>
-                          <a:cs typeface="Calibri" panose="020F0502020204030204" charset="0"/>
-                        </a:rPr>
-                        <a:t>Tj,min (⁰C)</a:t>
-                      </a:r>
-                      <a:endParaRPr lang="en-US" sz="1200">
-                        <a:latin typeface="Calibri" panose="020F0502020204030204" charset="0"/>
-                        <a:cs typeface="Calibri" panose="020F0502020204030204" charset="0"/>
-                      </a:endParaRPr>
-                    </a:p>
-                  </a:txBody>
-                  <a:tcPr/>
-                </a:tc>
-                <a:tc>
-                  <a:txBody>
-                    <a:bodyPr/>
-                    <a:p>
-                      <a:pPr>
-                        <a:buNone/>
-                      </a:pPr>
-                      <a:endParaRPr lang="en-US" sz="1200">
-                        <a:latin typeface="Calibri" panose="020F0502020204030204" charset="0"/>
-                        <a:cs typeface="Calibri" panose="020F0502020204030204" charset="0"/>
-                      </a:endParaRPr>
-                    </a:p>
-                  </a:txBody>
-                  <a:tcPr/>
-                </a:tc>
-                <a:tc>
-                  <a:txBody>
-                    <a:bodyPr/>
-                    <a:p>
-                      <a:pPr>
-                        <a:buNone/>
-                      </a:pPr>
-                      <a:endParaRPr lang="en-US" sz="1200">
-                        <a:latin typeface="Calibri" panose="020F0502020204030204" charset="0"/>
-                        <a:cs typeface="Calibri" panose="020F0502020204030204" charset="0"/>
-                      </a:endParaRPr>
-                    </a:p>
-                  </a:txBody>
-                  <a:tcPr/>
-                </a:tc>
-                <a:tc>
-                  <a:txBody>
-                    <a:bodyPr/>
-                    <a:p>
-                      <a:pPr>
-                        <a:buNone/>
-                      </a:pPr>
-                      <a:endParaRPr lang="en-US" sz="1200">
-                        <a:latin typeface="Calibri" panose="020F0502020204030204" charset="0"/>
-                        <a:cs typeface="Calibri" panose="020F0502020204030204" charset="0"/>
-                      </a:endParaRPr>
-                    </a:p>
-                  </a:txBody>
-                  <a:tcPr/>
-                </a:tc>
-                <a:tc>
-                  <a:txBody>
-                    <a:bodyPr/>
-                    <a:p>
-                      <a:pPr>
-                        <a:buNone/>
-                      </a:pPr>
-                      <a:endParaRPr lang="en-US" sz="1200">
-                        <a:latin typeface="Calibri" panose="020F0502020204030204" charset="0"/>
-                        <a:cs typeface="Calibri" panose="020F0502020204030204" charset="0"/>
-                      </a:endParaRPr>
-                    </a:p>
-                  </a:txBody>
-                  <a:tcPr/>
-                </a:tc>
-                <a:tc>
-                  <a:txBody>
-                    <a:bodyPr/>
-                    <a:p>
-                      <a:pPr>
-                        <a:buNone/>
-                      </a:pPr>
-                      <a:r>
-                        <a:rPr lang="en-US" sz="1200">
-                          <a:latin typeface="Calibri" panose="020F0502020204030204" charset="0"/>
-                          <a:cs typeface="Calibri" panose="020F0502020204030204" charset="0"/>
-                        </a:rPr>
-                        <a:t>Tj,min (⁰C)</a:t>
-                      </a:r>
-                      <a:endParaRPr lang="en-US" sz="1200">
-                        <a:latin typeface="Calibri" panose="020F0502020204030204" charset="0"/>
-                        <a:cs typeface="Calibri" panose="020F0502020204030204" charset="0"/>
-                      </a:endParaRPr>
-                    </a:p>
-                  </a:txBody>
-                  <a:tcPr/>
-                </a:tc>
-              </a:tr>
-              <a:tr h="274320">
-                <a:tc>
-                  <a:txBody>
-                    <a:bodyPr/>
-                    <a:p>
-                      <a:pPr>
-                        <a:buNone/>
-                      </a:pPr>
-                      <a:r>
-                        <a:rPr lang="en-US" sz="1200">
-                          <a:latin typeface="Calibri" panose="020F0502020204030204" charset="0"/>
-                          <a:cs typeface="Calibri" panose="020F0502020204030204" charset="0"/>
-                        </a:rPr>
-                        <a:t>Rds_factor</a:t>
-                      </a:r>
-                      <a:endParaRPr lang="en-US" sz="1200">
-                        <a:latin typeface="Calibri" panose="020F0502020204030204" charset="0"/>
-                        <a:cs typeface="Calibri" panose="020F0502020204030204" charset="0"/>
-                      </a:endParaRPr>
-                    </a:p>
-                  </a:txBody>
-                  <a:tcPr/>
-                </a:tc>
-                <a:tc>
-                  <a:txBody>
-                    <a:bodyPr/>
-                    <a:p>
-                      <a:pPr>
-                        <a:buNone/>
-                      </a:pPr>
-                      <a:endParaRPr lang="en-US" sz="1200">
-                        <a:latin typeface="Calibri" panose="020F0502020204030204" charset="0"/>
-                        <a:cs typeface="Calibri" panose="020F0502020204030204" charset="0"/>
-                      </a:endParaRPr>
-                    </a:p>
-                  </a:txBody>
-                  <a:tcPr/>
-                </a:tc>
-                <a:tc>
-                  <a:txBody>
-                    <a:bodyPr/>
-                    <a:p>
-                      <a:pPr>
-                        <a:buNone/>
-                      </a:pPr>
-                      <a:endParaRPr lang="en-US" sz="1200">
-                        <a:latin typeface="Calibri" panose="020F0502020204030204" charset="0"/>
-                        <a:cs typeface="Calibri" panose="020F0502020204030204" charset="0"/>
-                      </a:endParaRPr>
-                    </a:p>
-                  </a:txBody>
-                  <a:tcPr/>
-                </a:tc>
-                <a:tc>
-                  <a:txBody>
-                    <a:bodyPr/>
-                    <a:p>
-                      <a:pPr>
-                        <a:buNone/>
-                      </a:pPr>
-                      <a:endParaRPr lang="en-US" sz="1200">
-                        <a:latin typeface="Calibri" panose="020F0502020204030204" charset="0"/>
-                        <a:cs typeface="Calibri" panose="020F0502020204030204" charset="0"/>
-                      </a:endParaRPr>
-                    </a:p>
-                  </a:txBody>
-                  <a:tcPr/>
-                </a:tc>
-                <a:tc>
-                  <a:txBody>
-                    <a:bodyPr/>
-                    <a:p>
-                      <a:pPr>
-                        <a:buNone/>
-                      </a:pPr>
-                      <a:endParaRPr lang="en-US" sz="1200">
-                        <a:latin typeface="Calibri" panose="020F0502020204030204" charset="0"/>
-                        <a:cs typeface="Calibri" panose="020F0502020204030204" charset="0"/>
-                      </a:endParaRPr>
-                    </a:p>
-                  </a:txBody>
-                  <a:tcPr/>
-                </a:tc>
-                <a:tc>
-                  <a:txBody>
-                    <a:bodyPr/>
-                    <a:p>
-                      <a:pPr>
-                        <a:buNone/>
-                      </a:pPr>
-                      <a:r>
-                        <a:rPr lang="en-US" sz="1200">
-                          <a:latin typeface="Calibri" panose="020F0502020204030204" charset="0"/>
-                          <a:cs typeface="Calibri" panose="020F0502020204030204" charset="0"/>
-                        </a:rPr>
-                        <a:t>Rds_factor</a:t>
-                      </a:r>
-                      <a:endParaRPr lang="en-US" sz="1200">
-                        <a:latin typeface="Calibri" panose="020F0502020204030204" charset="0"/>
-                        <a:cs typeface="Calibri" panose="020F0502020204030204" charset="0"/>
-                      </a:endParaRPr>
-                    </a:p>
-                  </a:txBody>
-                  <a:tcPr/>
-                </a:tc>
-              </a:tr>
-            </a:tbl>
-          </a:graphicData>
-        </a:graphic>
-      </p:graphicFrame>
       <p:sp>
         <p:nvSpPr>
           <p:cNvPr id="26" name="Text Box 25"/>
@@ -10023,8 +11061,8 @@
         </p:nvSpPr>
         <p:spPr>
           <a:xfrm>
-            <a:off x="6968490" y="3428365"/>
-            <a:ext cx="4839970" cy="3138170"/>
+            <a:off x="6513830" y="1188720"/>
+            <a:ext cx="4839970" cy="4799965"/>
           </a:xfrm>
           <a:prstGeom prst="rect">
             <a:avLst/>
@@ -10042,7 +11080,7 @@
             </a:pPr>
             <a:r>
               <a:rPr lang="en-US"/>
-              <a:t>The table size must be strictly 7x6 and written with the exact format.</a:t>
+              <a:t>The mosfet_loss_model.json is now used instead of the older csv format to improve the data readability and also help the user to put various MOSFET model into a single library file.</a:t>
             </a:r>
             <a:endParaRPr lang="en-US"/>
           </a:p>
@@ -10051,10 +11089,6 @@
               <a:buFont typeface="Arial" panose="020B0604020202020204" pitchFamily="34" charset="0"/>
               <a:buChar char="•"/>
             </a:pPr>
-            <a:r>
-              <a:rPr lang="en-US"/>
-              <a:t>Between one collumn to the next, the data is separated by using tab (tab delimited data).</a:t>
-            </a:r>
             <a:endParaRPr lang="en-US"/>
           </a:p>
           <a:p>
@@ -10064,7 +11098,7 @@
             </a:pPr>
             <a:r>
               <a:rPr lang="en-US"/>
-              <a:t>The losses Eoss and body diode are calculated by taking linear interpolation from the losses table. </a:t>
+              <a:t>The losses for Eoss, body diode, and thermal scaling for Rdson are calculated by taking linear interpolation from the losses table. </a:t>
             </a:r>
             <a:r>
               <a:rPr lang="en-US" b="1"/>
@@ -10072,7 +11106,43 @@
             </a:r>
             <a:r>
               <a:rPr lang="en-US"/>
-              <a:t>. If the Vds or Id is greater than the highest value in the datasheet, the Eoss and Vsd are assumed to be equal to the maximum value on the table.</a:t>
+              <a:t>.</a:t>
+            </a:r>
+            <a:endParaRPr lang="en-US"/>
+          </a:p>
+          <a:p>
+            <a:pPr marL="285750" indent="-285750">
+              <a:buFont typeface="Arial" panose="020B0604020202020204" pitchFamily="34" charset="0"/>
+              <a:buChar char="•"/>
+            </a:pPr>
+            <a:endParaRPr lang="en-US"/>
+          </a:p>
+          <a:p>
+            <a:pPr marL="285750" indent="-285750">
+              <a:buFont typeface="Arial" panose="020B0604020202020204" pitchFamily="34" charset="0"/>
+              <a:buChar char="•"/>
+            </a:pPr>
+            <a:r>
+              <a:rPr lang="en-US"/>
+              <a:t>For Eoss and body diode, If the Vds or Id is greater than the highest value in the datasheet, the Eoss and Vsd are clamped to the maximum value on the table.</a:t>
+            </a:r>
+            <a:endParaRPr lang="en-US"/>
+          </a:p>
+          <a:p>
+            <a:pPr marL="285750" indent="-285750">
+              <a:buFont typeface="Arial" panose="020B0604020202020204" pitchFamily="34" charset="0"/>
+              <a:buChar char="•"/>
+            </a:pPr>
+            <a:endParaRPr lang="en-US"/>
+          </a:p>
+          <a:p>
+            <a:pPr marL="285750" indent="-285750">
+              <a:buFont typeface="Arial" panose="020B0604020202020204" pitchFamily="34" charset="0"/>
+              <a:buChar char="•"/>
+            </a:pPr>
+            <a:r>
+              <a:rPr lang="en-US"/>
+              <a:t>Ensure the mosfet_loss_model.json is available at the same directory as the Qsch file!</a:t>
             </a:r>
             <a:endParaRPr lang="en-US"/>
           </a:p>
@@ -10080,7 +11150,7 @@
       </p:sp>
       <p:pic>
         <p:nvPicPr>
-          <p:cNvPr id="10" name="Picture 9"/>
+          <p:cNvPr id="2" name="Picture 1"/>
           <p:cNvPicPr>
             <a:picLocks noChangeAspect="1"/>
           </p:cNvPicPr>
@@ -10088,18 +11158,24 @@
         </p:nvPicPr>
         <p:blipFill>
           <a:blip r:embed="rId2"/>
+          <a:srcRect t="444"/>
           <a:stretch>
             <a:fillRect/>
           </a:stretch>
         </p:blipFill>
         <p:spPr>
           <a:xfrm>
-            <a:off x="880745" y="3192145"/>
-            <a:ext cx="5792470" cy="2911475"/>
+            <a:off x="817245" y="1188720"/>
+            <a:ext cx="4867275" cy="4746625"/>
           </a:xfrm>
           <a:prstGeom prst="rect">
             <a:avLst/>
           </a:prstGeom>
+          <a:ln w="19050">
+            <a:solidFill>
+              <a:srgbClr val="C00000"/>
+            </a:solidFill>
+          </a:ln>
         </p:spPr>
       </p:pic>
     </p:spTree>
@@ -10151,7 +11227,16 @@
           <a:p>
             <a:r>
               <a:rPr lang="en-US" dirty="0"/>
-              <a:t>Reasoning for losses table design</a:t>
+              <a:t>Reasoning for </a:t>
+            </a:r>
+            <a:r>
+              <a:rPr lang="en-US" b="1" dirty="0">
+                <a:solidFill>
+                  <a:srgbClr val="FF0000"/>
+                </a:solidFill>
+                <a:sym typeface="+mn-ea"/>
+              </a:rPr>
+              <a:t>mosfet_loss_model.json</a:t>
             </a:r>
             <a:endParaRPr lang="en-US" dirty="0"/>
           </a:p>
@@ -10327,7 +11412,7 @@
           <a:p>
             <a:r>
               <a:rPr lang="en-US" sz="1400"/>
-              <a:t>The losses table used in this design is much simpler than the table used by PLECS. The reasoning why this table might be reasonably acceptable is because the more complex table is still a simple approximation as it only based on measurement with one gate resistance value, one or a few V</a:t>
+              <a:t>The losses model used in this design is much simpler than the table used by PLECS. The reasoning why this table might be reasonably acceptable is because the more complex table is still a simple approximation as it only based on measurement with one gate resistance value, one or a few V</a:t>
             </a:r>
             <a:r>
               <a:rPr lang="en-US" sz="1400" baseline="-25000"/>

--- a/Ideal PWL Transient Losses Analysis/PWL Losses Analysis.pptx
+++ b/Ideal PWL Transient Losses Analysis/PWL Losses Analysis.pptx
@@ -4605,7 +4605,7 @@
                 <a:latin typeface="Arial" panose="020B0604020202020204" pitchFamily="34" charset="0"/>
                 <a:sym typeface="+mn-ea"/>
               </a:rPr>
-              <a:t>PWL SiC MOSFET Transient Losses Analysis in Qspice - Rev. 4</a:t>
+              <a:t>PWL SiC MOSFET Transient Losses Analysis in Qspice - Rev. 5</a:t>
             </a:r>
             <a:endParaRPr lang="en-US" altLang="en-US" sz="4800" b="1" dirty="0">
               <a:solidFill>
@@ -8164,7 +8164,7 @@
         </p:nvGraphicFramePr>
         <p:xfrm>
           <a:off x="838200" y="1825625"/>
-          <a:ext cx="10515600" cy="3505200"/>
+          <a:ext cx="10515600" cy="3886200"/>
         </p:xfrm>
         <a:graphic>
           <a:graphicData uri="http://schemas.openxmlformats.org/drawingml/2006/table">
@@ -8379,6 +8379,40 @@
                       <a:r>
                         <a:rPr lang="en-US"/>
                         <a:t>Now the mosfet losses data is using json for improved readability</a:t>
+                      </a:r>
+                      <a:endParaRPr lang="en-US"/>
+                    </a:p>
+                  </a:txBody>
+                  <a:tcPr/>
+                </a:tc>
+              </a:tr>
+              <a:tr h="381000">
+                <a:tc>
+                  <a:txBody>
+                    <a:bodyPr/>
+                    <a:p>
+                      <a:pPr>
+                        <a:buNone/>
+                      </a:pPr>
+                      <a:r>
+                        <a:rPr lang="en-US"/>
+                        <a:t>Rev.5 @ 2026/02/28</a:t>
+                      </a:r>
+                      <a:endParaRPr lang="en-US"/>
+                    </a:p>
+                  </a:txBody>
+                  <a:tcPr/>
+                </a:tc>
+                <a:tc>
+                  <a:txBody>
+                    <a:bodyPr/>
+                    <a:p>
+                      <a:pPr>
+                        <a:buNone/>
+                      </a:pPr>
+                      <a:r>
+                        <a:rPr lang="en-US"/>
+                        <a:t>Now the PWL loss model is applied into symbol library for ease of use</a:t>
                       </a:r>
                       <a:endParaRPr lang="en-US"/>
                     </a:p>
